--- a/PracticeTasks/Module2/Task_12/Task_12.pptx
+++ b/PracticeTasks/Module2/Task_12/Task_12.pptx
@@ -1,22 +1,25 @@
 
 <file path=ppt/presentation.xml><?xml version="1.0" encoding="utf-8"?>
-<p:presentation xmlns:a="http://schemas.openxmlformats.org/drawingml/2006/main" xmlns:r="http://schemas.openxmlformats.org/officeDocument/2006/relationships" xmlns:mc="http://schemas.openxmlformats.org/markup-compatibility/2006" xmlns:mv="urn:schemas-microsoft-com:mac:vml" xmlns:p="http://schemas.openxmlformats.org/presentationml/2006/main" xmlns:c="http://schemas.openxmlformats.org/drawingml/2006/chart" xmlns:dgm="http://schemas.openxmlformats.org/drawingml/2006/diagram" xmlns:o="urn:schemas-microsoft-com:office:office" xmlns:v="urn:schemas-microsoft-com:vml" xmlns:pvml="urn:schemas-microsoft-com:office:powerpoint" xmlns:com="http://schemas.openxmlformats.org/drawingml/2006/compatibility" xmlns:p14="http://schemas.microsoft.com/office/powerpoint/2010/main" xmlns:p15="http://schemas.microsoft.com/office/powerpoint/2012/main" xmlns:ahyp="http://schemas.microsoft.com/office/drawing/2018/hyperlinkcolor" autoCompressPictures="0" strictFirstAndLastChars="0" saveSubsetFonts="1">
+<p:presentation xmlns:a="http://schemas.openxmlformats.org/drawingml/2006/main" xmlns:r="http://schemas.openxmlformats.org/officeDocument/2006/relationships" xmlns:p="http://schemas.openxmlformats.org/presentationml/2006/main" strictFirstAndLastChars="0" saveSubsetFonts="1" autoCompressPictures="0">
   <p:sldMasterIdLst>
-    <p:sldMasterId id="2147483659" r:id="rId4"/>
+    <p:sldMasterId id="2147483659" r:id="rId1"/>
   </p:sldMasterIdLst>
   <p:notesMasterIdLst>
-    <p:notesMasterId r:id="rId5"/>
+    <p:notesMasterId r:id="rId9"/>
   </p:notesMasterIdLst>
   <p:sldIdLst>
-    <p:sldId id="256" r:id="rId6"/>
-    <p:sldId id="257" r:id="rId7"/>
-    <p:sldId id="258" r:id="rId8"/>
-    <p:sldId id="259" r:id="rId9"/>
+    <p:sldId id="260" r:id="rId2"/>
+    <p:sldId id="267" r:id="rId3"/>
+    <p:sldId id="258" r:id="rId4"/>
+    <p:sldId id="259" r:id="rId5"/>
+    <p:sldId id="268" r:id="rId6"/>
+    <p:sldId id="269" r:id="rId7"/>
+    <p:sldId id="270" r:id="rId8"/>
   </p:sldIdLst>
-  <p:sldSz cy="5143500" cx="9144000"/>
+  <p:sldSz cx="9144000" cy="5143500" type="screen16x9"/>
   <p:notesSz cx="6858000" cy="9144000"/>
   <p:defaultTextStyle>
-    <a:defPPr lvl="0" marR="0" rtl="0" algn="l">
+    <a:defPPr marR="0" lvl="0" algn="l" rtl="0">
       <a:lnSpc>
         <a:spcPct val="100000"/>
       </a:lnSpc>
@@ -27,7 +30,7 @@
         <a:spcPts val="0"/>
       </a:spcAft>
     </a:defPPr>
-    <a:lvl1pPr lvl="0" marR="0" rtl="0" algn="l">
+    <a:lvl1pPr marR="0" lvl="0" algn="l" rtl="0">
       <a:lnSpc>
         <a:spcPct val="100000"/>
       </a:lnSpc>
@@ -41,7 +44,7 @@
         <a:srgbClr val="000000"/>
       </a:buClr>
       <a:buFont typeface="Arial"/>
-      <a:defRPr b="0" i="0" sz="1400" u="none" cap="none" strike="noStrike">
+      <a:defRPr sz="1400" b="0" i="0" u="none" strike="noStrike" cap="none">
         <a:solidFill>
           <a:srgbClr val="000000"/>
         </a:solidFill>
@@ -51,7 +54,7 @@
         <a:sym typeface="Arial"/>
       </a:defRPr>
     </a:lvl1pPr>
-    <a:lvl2pPr lvl="1" marR="0" rtl="0" algn="l">
+    <a:lvl2pPr marR="0" lvl="1" algn="l" rtl="0">
       <a:lnSpc>
         <a:spcPct val="100000"/>
       </a:lnSpc>
@@ -65,7 +68,7 @@
         <a:srgbClr val="000000"/>
       </a:buClr>
       <a:buFont typeface="Arial"/>
-      <a:defRPr b="0" i="0" sz="1400" u="none" cap="none" strike="noStrike">
+      <a:defRPr sz="1400" b="0" i="0" u="none" strike="noStrike" cap="none">
         <a:solidFill>
           <a:srgbClr val="000000"/>
         </a:solidFill>
@@ -75,7 +78,7 @@
         <a:sym typeface="Arial"/>
       </a:defRPr>
     </a:lvl2pPr>
-    <a:lvl3pPr lvl="2" marR="0" rtl="0" algn="l">
+    <a:lvl3pPr marR="0" lvl="2" algn="l" rtl="0">
       <a:lnSpc>
         <a:spcPct val="100000"/>
       </a:lnSpc>
@@ -89,7 +92,7 @@
         <a:srgbClr val="000000"/>
       </a:buClr>
       <a:buFont typeface="Arial"/>
-      <a:defRPr b="0" i="0" sz="1400" u="none" cap="none" strike="noStrike">
+      <a:defRPr sz="1400" b="0" i="0" u="none" strike="noStrike" cap="none">
         <a:solidFill>
           <a:srgbClr val="000000"/>
         </a:solidFill>
@@ -99,7 +102,7 @@
         <a:sym typeface="Arial"/>
       </a:defRPr>
     </a:lvl3pPr>
-    <a:lvl4pPr lvl="3" marR="0" rtl="0" algn="l">
+    <a:lvl4pPr marR="0" lvl="3" algn="l" rtl="0">
       <a:lnSpc>
         <a:spcPct val="100000"/>
       </a:lnSpc>
@@ -113,7 +116,7 @@
         <a:srgbClr val="000000"/>
       </a:buClr>
       <a:buFont typeface="Arial"/>
-      <a:defRPr b="0" i="0" sz="1400" u="none" cap="none" strike="noStrike">
+      <a:defRPr sz="1400" b="0" i="0" u="none" strike="noStrike" cap="none">
         <a:solidFill>
           <a:srgbClr val="000000"/>
         </a:solidFill>
@@ -123,7 +126,7 @@
         <a:sym typeface="Arial"/>
       </a:defRPr>
     </a:lvl4pPr>
-    <a:lvl5pPr lvl="4" marR="0" rtl="0" algn="l">
+    <a:lvl5pPr marR="0" lvl="4" algn="l" rtl="0">
       <a:lnSpc>
         <a:spcPct val="100000"/>
       </a:lnSpc>
@@ -137,7 +140,7 @@
         <a:srgbClr val="000000"/>
       </a:buClr>
       <a:buFont typeface="Arial"/>
-      <a:defRPr b="0" i="0" sz="1400" u="none" cap="none" strike="noStrike">
+      <a:defRPr sz="1400" b="0" i="0" u="none" strike="noStrike" cap="none">
         <a:solidFill>
           <a:srgbClr val="000000"/>
         </a:solidFill>
@@ -147,7 +150,7 @@
         <a:sym typeface="Arial"/>
       </a:defRPr>
     </a:lvl5pPr>
-    <a:lvl6pPr lvl="5" marR="0" rtl="0" algn="l">
+    <a:lvl6pPr marR="0" lvl="5" algn="l" rtl="0">
       <a:lnSpc>
         <a:spcPct val="100000"/>
       </a:lnSpc>
@@ -161,7 +164,7 @@
         <a:srgbClr val="000000"/>
       </a:buClr>
       <a:buFont typeface="Arial"/>
-      <a:defRPr b="0" i="0" sz="1400" u="none" cap="none" strike="noStrike">
+      <a:defRPr sz="1400" b="0" i="0" u="none" strike="noStrike" cap="none">
         <a:solidFill>
           <a:srgbClr val="000000"/>
         </a:solidFill>
@@ -171,7 +174,7 @@
         <a:sym typeface="Arial"/>
       </a:defRPr>
     </a:lvl6pPr>
-    <a:lvl7pPr lvl="6" marR="0" rtl="0" algn="l">
+    <a:lvl7pPr marR="0" lvl="6" algn="l" rtl="0">
       <a:lnSpc>
         <a:spcPct val="100000"/>
       </a:lnSpc>
@@ -185,7 +188,7 @@
         <a:srgbClr val="000000"/>
       </a:buClr>
       <a:buFont typeface="Arial"/>
-      <a:defRPr b="0" i="0" sz="1400" u="none" cap="none" strike="noStrike">
+      <a:defRPr sz="1400" b="0" i="0" u="none" strike="noStrike" cap="none">
         <a:solidFill>
           <a:srgbClr val="000000"/>
         </a:solidFill>
@@ -195,7 +198,7 @@
         <a:sym typeface="Arial"/>
       </a:defRPr>
     </a:lvl7pPr>
-    <a:lvl8pPr lvl="7" marR="0" rtl="0" algn="l">
+    <a:lvl8pPr marR="0" lvl="7" algn="l" rtl="0">
       <a:lnSpc>
         <a:spcPct val="100000"/>
       </a:lnSpc>
@@ -209,7 +212,7 @@
         <a:srgbClr val="000000"/>
       </a:buClr>
       <a:buFont typeface="Arial"/>
-      <a:defRPr b="0" i="0" sz="1400" u="none" cap="none" strike="noStrike">
+      <a:defRPr sz="1400" b="0" i="0" u="none" strike="noStrike" cap="none">
         <a:solidFill>
           <a:srgbClr val="000000"/>
         </a:solidFill>
@@ -219,7 +222,7 @@
         <a:sym typeface="Arial"/>
       </a:defRPr>
     </a:lvl8pPr>
-    <a:lvl9pPr lvl="8" marR="0" rtl="0" algn="l">
+    <a:lvl9pPr marR="0" lvl="8" algn="l" rtl="0">
       <a:lnSpc>
         <a:spcPct val="100000"/>
       </a:lnSpc>
@@ -233,7 +236,7 @@
         <a:srgbClr val="000000"/>
       </a:buClr>
       <a:buFont typeface="Arial"/>
-      <a:defRPr b="0" i="0" sz="1400" u="none" cap="none" strike="noStrike">
+      <a:defRPr sz="1400" b="0" i="0" u="none" strike="noStrike" cap="none">
         <a:solidFill>
           <a:srgbClr val="000000"/>
         </a:solidFill>
@@ -246,7 +249,7 @@
   </p:defaultTextStyle>
   <p:extLst>
     <p:ext uri="{EFAFB233-063F-42B5-8137-9DF3F51BA10A}">
-      <p15:sldGuideLst>
+      <p15:sldGuideLst xmlns:p15="http://schemas.microsoft.com/office/powerpoint/2012/main">
         <p15:guide id="1" orient="horz" pos="1620">
           <p15:clr>
             <a:srgbClr val="A4A3A4"/>
@@ -264,11 +267,16 @@
 </file>
 
 <file path=ppt/notesMasters/notesMaster1.xml><?xml version="1.0" encoding="utf-8"?>
-<p:notesMaster xmlns:a="http://schemas.openxmlformats.org/drawingml/2006/main" xmlns:r="http://schemas.openxmlformats.org/officeDocument/2006/relationships" xmlns:mc="http://schemas.openxmlformats.org/markup-compatibility/2006" xmlns:mv="urn:schemas-microsoft-com:mac:vml" xmlns:p="http://schemas.openxmlformats.org/presentationml/2006/main" xmlns:c="http://schemas.openxmlformats.org/drawingml/2006/chart" xmlns:dgm="http://schemas.openxmlformats.org/drawingml/2006/diagram" xmlns:o="urn:schemas-microsoft-com:office:office" xmlns:v="urn:schemas-microsoft-com:vml" xmlns:pvml="urn:schemas-microsoft-com:office:powerpoint" xmlns:com="http://schemas.openxmlformats.org/drawingml/2006/compatibility" xmlns:p14="http://schemas.microsoft.com/office/powerpoint/2010/main" xmlns:p15="http://schemas.microsoft.com/office/powerpoint/2012/main" xmlns:ahyp="http://schemas.microsoft.com/office/drawing/2018/hyperlinkcolor">
+<p:notesMaster xmlns:a="http://schemas.openxmlformats.org/drawingml/2006/main" xmlns:r="http://schemas.openxmlformats.org/officeDocument/2006/relationships" xmlns:p="http://schemas.openxmlformats.org/presentationml/2006/main">
   <p:cSld>
+    <p:bg>
+      <p:bgRef idx="1001">
+        <a:schemeClr val="bg1"/>
+      </p:bgRef>
+    </p:bg>
     <p:spTree>
       <p:nvGrpSpPr>
-        <p:cNvPr id="2" name="Shape 2"/>
+        <p:cNvPr id="1" name="Shape 2"/>
         <p:cNvGrpSpPr/>
         <p:nvPr/>
       </p:nvGrpSpPr>
@@ -283,9 +291,11 @@
       <p:sp>
         <p:nvSpPr>
           <p:cNvPr id="3" name="Google Shape;3;n"/>
-          <p:cNvSpPr/>
+          <p:cNvSpPr>
+            <a:spLocks noGrp="1" noRot="1" noChangeAspect="1"/>
+          </p:cNvSpPr>
           <p:nvPr>
-            <p:ph idx="2" type="sldImg"/>
+            <p:ph type="sldImg" idx="2"/>
           </p:nvPr>
         </p:nvSpPr>
         <p:spPr>
@@ -294,9 +304,13 @@
             <a:ext cx="6096075" cy="3429000"/>
           </a:xfrm>
           <a:custGeom>
-            <a:rect b="b" l="l" r="r" t="t"/>
+            <a:avLst/>
+            <a:gdLst/>
+            <a:ahLst/>
+            <a:cxnLst/>
+            <a:rect l="l" t="t" r="r" b="b"/>
             <a:pathLst>
-              <a:path extrusionOk="0" h="120000" w="120000">
+              <a:path w="120000" h="120000" extrusionOk="0">
                 <a:moveTo>
                   <a:pt x="0" y="0"/>
                 </a:moveTo>
@@ -314,23 +328,25 @@
             </a:pathLst>
           </a:custGeom>
           <a:noFill/>
-          <a:ln cap="flat" cmpd="sng" w="9525">
+          <a:ln w="9525" cap="flat" cmpd="sng">
             <a:solidFill>
               <a:srgbClr val="000000"/>
             </a:solidFill>
             <a:prstDash val="solid"/>
             <a:round/>
-            <a:headEnd len="sm" w="sm" type="none"/>
-            <a:tailEnd len="sm" w="sm" type="none"/>
+            <a:headEnd type="none" w="sm" len="sm"/>
+            <a:tailEnd type="none" w="sm" len="sm"/>
           </a:ln>
         </p:spPr>
       </p:sp>
       <p:sp>
         <p:nvSpPr>
           <p:cNvPr id="4" name="Google Shape;4;n"/>
-          <p:cNvSpPr txBox="1"/>
+          <p:cNvSpPr txBox="1">
+            <a:spLocks noGrp="1"/>
+          </p:cNvSpPr>
           <p:nvPr>
-            <p:ph idx="1" type="body"/>
+            <p:ph type="body" idx="1"/>
           </p:nvPr>
         </p:nvSpPr>
         <p:spPr>
@@ -347,11 +363,11 @@
           </a:ln>
         </p:spPr>
         <p:txBody>
-          <a:bodyPr anchorCtr="0" anchor="t" bIns="91425" lIns="91425" spcFirstLastPara="1" rIns="91425" wrap="square" tIns="91425">
+          <a:bodyPr spcFirstLastPara="1" wrap="square" lIns="91425" tIns="91425" rIns="91425" bIns="91425" anchor="t" anchorCtr="0">
             <a:noAutofit/>
           </a:bodyPr>
           <a:lstStyle>
-            <a:lvl1pPr indent="-298450" lvl="0" marL="457200">
+            <a:lvl1pPr marL="457200" lvl="0" indent="-298450">
               <a:spcBef>
                 <a:spcPts val="0"/>
               </a:spcBef>
@@ -362,7 +378,7 @@
               <a:buChar char="●"/>
               <a:defRPr sz="1100"/>
             </a:lvl1pPr>
-            <a:lvl2pPr indent="-298450" lvl="1" marL="914400">
+            <a:lvl2pPr marL="914400" lvl="1" indent="-298450">
               <a:spcBef>
                 <a:spcPts val="0"/>
               </a:spcBef>
@@ -373,7 +389,7 @@
               <a:buChar char="○"/>
               <a:defRPr sz="1100"/>
             </a:lvl2pPr>
-            <a:lvl3pPr indent="-298450" lvl="2" marL="1371600">
+            <a:lvl3pPr marL="1371600" lvl="2" indent="-298450">
               <a:spcBef>
                 <a:spcPts val="0"/>
               </a:spcBef>
@@ -384,7 +400,7 @@
               <a:buChar char="■"/>
               <a:defRPr sz="1100"/>
             </a:lvl3pPr>
-            <a:lvl4pPr indent="-298450" lvl="3" marL="1828800">
+            <a:lvl4pPr marL="1828800" lvl="3" indent="-298450">
               <a:spcBef>
                 <a:spcPts val="0"/>
               </a:spcBef>
@@ -395,7 +411,7 @@
               <a:buChar char="●"/>
               <a:defRPr sz="1100"/>
             </a:lvl4pPr>
-            <a:lvl5pPr indent="-298450" lvl="4" marL="2286000">
+            <a:lvl5pPr marL="2286000" lvl="4" indent="-298450">
               <a:spcBef>
                 <a:spcPts val="0"/>
               </a:spcBef>
@@ -406,7 +422,7 @@
               <a:buChar char="○"/>
               <a:defRPr sz="1100"/>
             </a:lvl5pPr>
-            <a:lvl6pPr indent="-298450" lvl="5" marL="2743200">
+            <a:lvl6pPr marL="2743200" lvl="5" indent="-298450">
               <a:spcBef>
                 <a:spcPts val="0"/>
               </a:spcBef>
@@ -417,7 +433,7 @@
               <a:buChar char="■"/>
               <a:defRPr sz="1100"/>
             </a:lvl6pPr>
-            <a:lvl7pPr indent="-298450" lvl="6" marL="3200400">
+            <a:lvl7pPr marL="3200400" lvl="6" indent="-298450">
               <a:spcBef>
                 <a:spcPts val="0"/>
               </a:spcBef>
@@ -428,7 +444,7 @@
               <a:buChar char="●"/>
               <a:defRPr sz="1100"/>
             </a:lvl7pPr>
-            <a:lvl8pPr indent="-298450" lvl="7" marL="3657600">
+            <a:lvl8pPr marL="3657600" lvl="7" indent="-298450">
               <a:spcBef>
                 <a:spcPts val="0"/>
               </a:spcBef>
@@ -439,7 +455,7 @@
               <a:buChar char="○"/>
               <a:defRPr sz="1100"/>
             </a:lvl8pPr>
-            <a:lvl9pPr indent="-298450" lvl="8" marL="4114800">
+            <a:lvl9pPr marL="4114800" lvl="8" indent="-298450">
               <a:spcBef>
                 <a:spcPts val="0"/>
               </a:spcBef>
@@ -451,14 +467,16 @@
               <a:defRPr sz="1100"/>
             </a:lvl9pPr>
           </a:lstStyle>
-          <a:p/>
+          <a:p>
+            <a:endParaRPr/>
+          </a:p>
         </p:txBody>
       </p:sp>
     </p:spTree>
   </p:cSld>
-  <p:clrMap accent1="accent1" accent2="accent2" accent3="accent3" accent4="accent4" accent5="accent5" accent6="accent6" bg1="lt1" bg2="dk2" tx1="dk1" tx2="lt2" folHlink="folHlink" hlink="hlink"/>
+  <p:clrMap bg1="lt1" tx1="dk1" bg2="dk2" tx2="lt2" accent1="accent1" accent2="accent2" accent3="accent3" accent4="accent4" accent5="accent5" accent6="accent6" hlink="hlink" folHlink="folHlink"/>
   <p:notesStyle>
-    <a:defPPr lvl="0" marR="0" rtl="0" algn="l">
+    <a:defPPr marR="0" lvl="0" algn="l" rtl="0">
       <a:lnSpc>
         <a:spcPct val="100000"/>
       </a:lnSpc>
@@ -469,7 +487,7 @@
         <a:spcPts val="0"/>
       </a:spcAft>
     </a:defPPr>
-    <a:lvl1pPr lvl="0" marR="0" rtl="0" algn="l">
+    <a:lvl1pPr marR="0" lvl="0" algn="l" rtl="0">
       <a:lnSpc>
         <a:spcPct val="100000"/>
       </a:lnSpc>
@@ -483,7 +501,7 @@
         <a:srgbClr val="000000"/>
       </a:buClr>
       <a:buFont typeface="Arial"/>
-      <a:defRPr b="0" i="0" sz="1400" u="none" cap="none" strike="noStrike">
+      <a:defRPr sz="1400" b="0" i="0" u="none" strike="noStrike" cap="none">
         <a:solidFill>
           <a:srgbClr val="000000"/>
         </a:solidFill>
@@ -493,7 +511,7 @@
         <a:sym typeface="Arial"/>
       </a:defRPr>
     </a:lvl1pPr>
-    <a:lvl2pPr lvl="1" marR="0" rtl="0" algn="l">
+    <a:lvl2pPr marR="0" lvl="1" algn="l" rtl="0">
       <a:lnSpc>
         <a:spcPct val="100000"/>
       </a:lnSpc>
@@ -507,7 +525,7 @@
         <a:srgbClr val="000000"/>
       </a:buClr>
       <a:buFont typeface="Arial"/>
-      <a:defRPr b="0" i="0" sz="1400" u="none" cap="none" strike="noStrike">
+      <a:defRPr sz="1400" b="0" i="0" u="none" strike="noStrike" cap="none">
         <a:solidFill>
           <a:srgbClr val="000000"/>
         </a:solidFill>
@@ -517,7 +535,7 @@
         <a:sym typeface="Arial"/>
       </a:defRPr>
     </a:lvl2pPr>
-    <a:lvl3pPr lvl="2" marR="0" rtl="0" algn="l">
+    <a:lvl3pPr marR="0" lvl="2" algn="l" rtl="0">
       <a:lnSpc>
         <a:spcPct val="100000"/>
       </a:lnSpc>
@@ -531,7 +549,7 @@
         <a:srgbClr val="000000"/>
       </a:buClr>
       <a:buFont typeface="Arial"/>
-      <a:defRPr b="0" i="0" sz="1400" u="none" cap="none" strike="noStrike">
+      <a:defRPr sz="1400" b="0" i="0" u="none" strike="noStrike" cap="none">
         <a:solidFill>
           <a:srgbClr val="000000"/>
         </a:solidFill>
@@ -541,7 +559,7 @@
         <a:sym typeface="Arial"/>
       </a:defRPr>
     </a:lvl3pPr>
-    <a:lvl4pPr lvl="3" marR="0" rtl="0" algn="l">
+    <a:lvl4pPr marR="0" lvl="3" algn="l" rtl="0">
       <a:lnSpc>
         <a:spcPct val="100000"/>
       </a:lnSpc>
@@ -555,7 +573,7 @@
         <a:srgbClr val="000000"/>
       </a:buClr>
       <a:buFont typeface="Arial"/>
-      <a:defRPr b="0" i="0" sz="1400" u="none" cap="none" strike="noStrike">
+      <a:defRPr sz="1400" b="0" i="0" u="none" strike="noStrike" cap="none">
         <a:solidFill>
           <a:srgbClr val="000000"/>
         </a:solidFill>
@@ -565,7 +583,7 @@
         <a:sym typeface="Arial"/>
       </a:defRPr>
     </a:lvl4pPr>
-    <a:lvl5pPr lvl="4" marR="0" rtl="0" algn="l">
+    <a:lvl5pPr marR="0" lvl="4" algn="l" rtl="0">
       <a:lnSpc>
         <a:spcPct val="100000"/>
       </a:lnSpc>
@@ -579,7 +597,7 @@
         <a:srgbClr val="000000"/>
       </a:buClr>
       <a:buFont typeface="Arial"/>
-      <a:defRPr b="0" i="0" sz="1400" u="none" cap="none" strike="noStrike">
+      <a:defRPr sz="1400" b="0" i="0" u="none" strike="noStrike" cap="none">
         <a:solidFill>
           <a:srgbClr val="000000"/>
         </a:solidFill>
@@ -589,7 +607,7 @@
         <a:sym typeface="Arial"/>
       </a:defRPr>
     </a:lvl5pPr>
-    <a:lvl6pPr lvl="5" marR="0" rtl="0" algn="l">
+    <a:lvl6pPr marR="0" lvl="5" algn="l" rtl="0">
       <a:lnSpc>
         <a:spcPct val="100000"/>
       </a:lnSpc>
@@ -603,7 +621,7 @@
         <a:srgbClr val="000000"/>
       </a:buClr>
       <a:buFont typeface="Arial"/>
-      <a:defRPr b="0" i="0" sz="1400" u="none" cap="none" strike="noStrike">
+      <a:defRPr sz="1400" b="0" i="0" u="none" strike="noStrike" cap="none">
         <a:solidFill>
           <a:srgbClr val="000000"/>
         </a:solidFill>
@@ -613,7 +631,7 @@
         <a:sym typeface="Arial"/>
       </a:defRPr>
     </a:lvl6pPr>
-    <a:lvl7pPr lvl="6" marR="0" rtl="0" algn="l">
+    <a:lvl7pPr marR="0" lvl="6" algn="l" rtl="0">
       <a:lnSpc>
         <a:spcPct val="100000"/>
       </a:lnSpc>
@@ -627,7 +645,7 @@
         <a:srgbClr val="000000"/>
       </a:buClr>
       <a:buFont typeface="Arial"/>
-      <a:defRPr b="0" i="0" sz="1400" u="none" cap="none" strike="noStrike">
+      <a:defRPr sz="1400" b="0" i="0" u="none" strike="noStrike" cap="none">
         <a:solidFill>
           <a:srgbClr val="000000"/>
         </a:solidFill>
@@ -637,7 +655,7 @@
         <a:sym typeface="Arial"/>
       </a:defRPr>
     </a:lvl7pPr>
-    <a:lvl8pPr lvl="7" marR="0" rtl="0" algn="l">
+    <a:lvl8pPr marR="0" lvl="7" algn="l" rtl="0">
       <a:lnSpc>
         <a:spcPct val="100000"/>
       </a:lnSpc>
@@ -651,7 +669,7 @@
         <a:srgbClr val="000000"/>
       </a:buClr>
       <a:buFont typeface="Arial"/>
-      <a:defRPr b="0" i="0" sz="1400" u="none" cap="none" strike="noStrike">
+      <a:defRPr sz="1400" b="0" i="0" u="none" strike="noStrike" cap="none">
         <a:solidFill>
           <a:srgbClr val="000000"/>
         </a:solidFill>
@@ -661,7 +679,7 @@
         <a:sym typeface="Arial"/>
       </a:defRPr>
     </a:lvl8pPr>
-    <a:lvl9pPr lvl="8" marR="0" rtl="0" algn="l">
+    <a:lvl9pPr marR="0" lvl="8" algn="l" rtl="0">
       <a:lnSpc>
         <a:spcPct val="100000"/>
       </a:lnSpc>
@@ -675,7 +693,7 @@
         <a:srgbClr val="000000"/>
       </a:buClr>
       <a:buFont typeface="Arial"/>
-      <a:defRPr b="0" i="0" sz="1400" u="none" cap="none" strike="noStrike">
+      <a:defRPr sz="1400" b="0" i="0" u="none" strike="noStrike" cap="none">
         <a:solidFill>
           <a:srgbClr val="000000"/>
         </a:solidFill>
@@ -690,11 +708,11 @@
 </file>
 
 <file path=ppt/notesSlides/notesSlide1.xml><?xml version="1.0" encoding="utf-8"?>
-<p:notes xmlns:a="http://schemas.openxmlformats.org/drawingml/2006/main" xmlns:r="http://schemas.openxmlformats.org/officeDocument/2006/relationships" xmlns:mc="http://schemas.openxmlformats.org/markup-compatibility/2006" xmlns:mv="urn:schemas-microsoft-com:mac:vml" xmlns:p="http://schemas.openxmlformats.org/presentationml/2006/main" xmlns:c="http://schemas.openxmlformats.org/drawingml/2006/chart" xmlns:dgm="http://schemas.openxmlformats.org/drawingml/2006/diagram" xmlns:o="urn:schemas-microsoft-com:office:office" xmlns:v="urn:schemas-microsoft-com:vml" xmlns:pvml="urn:schemas-microsoft-com:office:powerpoint" xmlns:com="http://schemas.openxmlformats.org/drawingml/2006/compatibility" xmlns:p14="http://schemas.microsoft.com/office/powerpoint/2010/main" xmlns:p15="http://schemas.microsoft.com/office/powerpoint/2012/main" xmlns:ahyp="http://schemas.microsoft.com/office/drawing/2018/hyperlinkcolor" showMasterPhAnim="0" showMasterSp="0">
+<p:notes xmlns:a="http://schemas.openxmlformats.org/drawingml/2006/main" xmlns:r="http://schemas.openxmlformats.org/officeDocument/2006/relationships" xmlns:p="http://schemas.openxmlformats.org/presentationml/2006/main" showMasterSp="0" showMasterPhAnim="0">
   <p:cSld>
     <p:spTree>
       <p:nvGrpSpPr>
-        <p:cNvPr id="50" name="Shape 50"/>
+        <p:cNvPr id="1" name="Shape 50"/>
         <p:cNvGrpSpPr/>
         <p:nvPr/>
       </p:nvGrpSpPr>
@@ -709,20 +727,26 @@
       <p:sp>
         <p:nvSpPr>
           <p:cNvPr id="51" name="Google Shape;51;p:notes"/>
-          <p:cNvSpPr/>
+          <p:cNvSpPr>
+            <a:spLocks noGrp="1" noRot="1" noChangeAspect="1"/>
+          </p:cNvSpPr>
           <p:nvPr>
-            <p:ph idx="2" type="sldImg"/>
+            <p:ph type="sldImg" idx="2"/>
           </p:nvPr>
         </p:nvSpPr>
         <p:spPr>
           <a:xfrm>
-            <a:off x="381300" y="685800"/>
-            <a:ext cx="6096075" cy="3429000"/>
+            <a:off x="381000" y="685800"/>
+            <a:ext cx="6096000" cy="3429000"/>
           </a:xfrm>
           <a:custGeom>
-            <a:rect b="b" l="l" r="r" t="t"/>
+            <a:avLst/>
+            <a:gdLst/>
+            <a:ahLst/>
+            <a:cxnLst/>
+            <a:rect l="l" t="t" r="r" b="b"/>
             <a:pathLst>
-              <a:path extrusionOk="0" h="120000" w="120000">
+              <a:path w="120000" h="120000" extrusionOk="0">
                 <a:moveTo>
                   <a:pt x="0" y="0"/>
                 </a:moveTo>
@@ -744,9 +768,11 @@
       <p:sp>
         <p:nvSpPr>
           <p:cNvPr id="52" name="Google Shape;52;p:notes"/>
-          <p:cNvSpPr txBox="1"/>
+          <p:cNvSpPr txBox="1">
+            <a:spLocks noGrp="1"/>
+          </p:cNvSpPr>
           <p:nvPr>
-            <p:ph idx="1" type="body"/>
+            <p:ph type="body" idx="1"/>
           </p:nvPr>
         </p:nvSpPr>
         <p:spPr>
@@ -759,12 +785,12 @@
           </a:prstGeom>
         </p:spPr>
         <p:txBody>
-          <a:bodyPr anchorCtr="0" anchor="t" bIns="91425" lIns="91425" spcFirstLastPara="1" rIns="91425" wrap="square" tIns="91425">
+          <a:bodyPr spcFirstLastPara="1" wrap="square" lIns="91425" tIns="91425" rIns="91425" bIns="91425" anchor="t" anchorCtr="0">
             <a:noAutofit/>
           </a:bodyPr>
           <a:lstStyle/>
           <a:p>
-            <a:pPr indent="0" lvl="0" marL="0" rtl="0" algn="l">
+            <a:pPr marL="0" lvl="0" indent="0" algn="l" rtl="0">
               <a:spcBef>
                 <a:spcPts val="0"/>
               </a:spcBef>
@@ -773,9 +799,6 @@
               </a:spcAft>
               <a:buNone/>
             </a:pPr>
-            <a:r>
-              <a:t/>
-            </a:r>
             <a:endParaRPr/>
           </a:p>
         </p:txBody>
@@ -789,11 +812,11 @@
 </file>
 
 <file path=ppt/notesSlides/notesSlide2.xml><?xml version="1.0" encoding="utf-8"?>
-<p:notes xmlns:a="http://schemas.openxmlformats.org/drawingml/2006/main" xmlns:r="http://schemas.openxmlformats.org/officeDocument/2006/relationships" xmlns:mc="http://schemas.openxmlformats.org/markup-compatibility/2006" xmlns:mv="urn:schemas-microsoft-com:mac:vml" xmlns:p="http://schemas.openxmlformats.org/presentationml/2006/main" xmlns:c="http://schemas.openxmlformats.org/drawingml/2006/chart" xmlns:dgm="http://schemas.openxmlformats.org/drawingml/2006/diagram" xmlns:o="urn:schemas-microsoft-com:office:office" xmlns:v="urn:schemas-microsoft-com:vml" xmlns:pvml="urn:schemas-microsoft-com:office:powerpoint" xmlns:com="http://schemas.openxmlformats.org/drawingml/2006/compatibility" xmlns:p14="http://schemas.microsoft.com/office/powerpoint/2010/main" xmlns:p15="http://schemas.microsoft.com/office/powerpoint/2012/main" xmlns:ahyp="http://schemas.microsoft.com/office/drawing/2018/hyperlinkcolor" showMasterPhAnim="0" showMasterSp="0">
+<p:notes xmlns:a="http://schemas.openxmlformats.org/drawingml/2006/main" xmlns:r="http://schemas.openxmlformats.org/officeDocument/2006/relationships" xmlns:p="http://schemas.openxmlformats.org/presentationml/2006/main" showMasterSp="0" showMasterPhAnim="0">
   <p:cSld>
     <p:spTree>
       <p:nvGrpSpPr>
-        <p:cNvPr id="56" name="Shape 56"/>
+        <p:cNvPr id="1" name="Shape 56"/>
         <p:cNvGrpSpPr/>
         <p:nvPr/>
       </p:nvGrpSpPr>
@@ -807,21 +830,27 @@
       </p:grpSpPr>
       <p:sp>
         <p:nvSpPr>
-          <p:cNvPr id="57" name="Google Shape;57;gcb7127c7c7_0_0:notes"/>
-          <p:cNvSpPr/>
+          <p:cNvPr id="57" name="Google Shape;57;gebdfeb45a5_0_0:notes"/>
+          <p:cNvSpPr>
+            <a:spLocks noGrp="1" noRot="1" noChangeAspect="1"/>
+          </p:cNvSpPr>
           <p:nvPr>
-            <p:ph idx="2" type="sldImg"/>
+            <p:ph type="sldImg" idx="2"/>
           </p:nvPr>
         </p:nvSpPr>
         <p:spPr>
           <a:xfrm>
-            <a:off x="381300" y="685800"/>
+            <a:off x="381000" y="685800"/>
             <a:ext cx="6096000" cy="3429000"/>
           </a:xfrm>
           <a:custGeom>
-            <a:rect b="b" l="l" r="r" t="t"/>
+            <a:avLst/>
+            <a:gdLst/>
+            <a:ahLst/>
+            <a:cxnLst/>
+            <a:rect l="l" t="t" r="r" b="b"/>
             <a:pathLst>
-              <a:path extrusionOk="0" h="120000" w="120000">
+              <a:path w="120000" h="120000" extrusionOk="0">
                 <a:moveTo>
                   <a:pt x="0" y="0"/>
                 </a:moveTo>
@@ -842,10 +871,12 @@
       </p:sp>
       <p:sp>
         <p:nvSpPr>
-          <p:cNvPr id="58" name="Google Shape;58;gcb7127c7c7_0_0:notes"/>
-          <p:cNvSpPr txBox="1"/>
+          <p:cNvPr id="58" name="Google Shape;58;gebdfeb45a5_0_0:notes"/>
+          <p:cNvSpPr txBox="1">
+            <a:spLocks noGrp="1"/>
+          </p:cNvSpPr>
           <p:nvPr>
-            <p:ph idx="1" type="body"/>
+            <p:ph type="body" idx="1"/>
           </p:nvPr>
         </p:nvSpPr>
         <p:spPr>
@@ -858,12 +889,12 @@
           </a:prstGeom>
         </p:spPr>
         <p:txBody>
-          <a:bodyPr anchorCtr="0" anchor="t" bIns="91425" lIns="91425" spcFirstLastPara="1" rIns="91425" wrap="square" tIns="91425">
+          <a:bodyPr spcFirstLastPara="1" wrap="square" lIns="91425" tIns="91425" rIns="91425" bIns="91425" anchor="t" anchorCtr="0">
             <a:noAutofit/>
           </a:bodyPr>
           <a:lstStyle/>
           <a:p>
-            <a:pPr indent="0" lvl="0" marL="0" rtl="0" algn="l">
+            <a:pPr marL="0" lvl="0" indent="0" algn="l" rtl="0">
               <a:spcBef>
                 <a:spcPts val="0"/>
               </a:spcBef>
@@ -872,14 +903,16 @@
               </a:spcAft>
               <a:buNone/>
             </a:pPr>
-            <a:r>
-              <a:t/>
-            </a:r>
             <a:endParaRPr/>
           </a:p>
         </p:txBody>
       </p:sp>
     </p:spTree>
+    <p:extLst>
+      <p:ext uri="{BB962C8B-B14F-4D97-AF65-F5344CB8AC3E}">
+        <p14:creationId xmlns:p14="http://schemas.microsoft.com/office/powerpoint/2010/main" val="2148340111"/>
+      </p:ext>
+    </p:extLst>
   </p:cSld>
   <p:clrMapOvr>
     <a:masterClrMapping/>
@@ -888,11 +921,11 @@
 </file>
 
 <file path=ppt/notesSlides/notesSlide3.xml><?xml version="1.0" encoding="utf-8"?>
-<p:notes xmlns:a="http://schemas.openxmlformats.org/drawingml/2006/main" xmlns:r="http://schemas.openxmlformats.org/officeDocument/2006/relationships" xmlns:mc="http://schemas.openxmlformats.org/markup-compatibility/2006" xmlns:mv="urn:schemas-microsoft-com:mac:vml" xmlns:p="http://schemas.openxmlformats.org/presentationml/2006/main" xmlns:c="http://schemas.openxmlformats.org/drawingml/2006/chart" xmlns:dgm="http://schemas.openxmlformats.org/drawingml/2006/diagram" xmlns:o="urn:schemas-microsoft-com:office:office" xmlns:v="urn:schemas-microsoft-com:vml" xmlns:pvml="urn:schemas-microsoft-com:office:powerpoint" xmlns:com="http://schemas.openxmlformats.org/drawingml/2006/compatibility" xmlns:p14="http://schemas.microsoft.com/office/powerpoint/2010/main" xmlns:p15="http://schemas.microsoft.com/office/powerpoint/2012/main" xmlns:ahyp="http://schemas.microsoft.com/office/drawing/2018/hyperlinkcolor" showMasterPhAnim="0" showMasterSp="0">
+<p:notes xmlns:a="http://schemas.openxmlformats.org/drawingml/2006/main" xmlns:r="http://schemas.openxmlformats.org/officeDocument/2006/relationships" xmlns:p="http://schemas.openxmlformats.org/presentationml/2006/main" showMasterSp="0" showMasterPhAnim="0">
   <p:cSld>
     <p:spTree>
       <p:nvGrpSpPr>
-        <p:cNvPr id="62" name="Shape 62"/>
+        <p:cNvPr id="1" name="Shape 62"/>
         <p:cNvGrpSpPr/>
         <p:nvPr/>
       </p:nvGrpSpPr>
@@ -907,20 +940,26 @@
       <p:sp>
         <p:nvSpPr>
           <p:cNvPr id="63" name="Google Shape;63;gcb7127c7c7_0_50:notes"/>
-          <p:cNvSpPr/>
+          <p:cNvSpPr>
+            <a:spLocks noGrp="1" noRot="1" noChangeAspect="1"/>
+          </p:cNvSpPr>
           <p:nvPr>
-            <p:ph idx="2" type="sldImg"/>
+            <p:ph type="sldImg" idx="2"/>
           </p:nvPr>
         </p:nvSpPr>
         <p:spPr>
           <a:xfrm>
-            <a:off x="381300" y="685800"/>
+            <a:off x="381000" y="685800"/>
             <a:ext cx="6096000" cy="3429000"/>
           </a:xfrm>
           <a:custGeom>
-            <a:rect b="b" l="l" r="r" t="t"/>
+            <a:avLst/>
+            <a:gdLst/>
+            <a:ahLst/>
+            <a:cxnLst/>
+            <a:rect l="l" t="t" r="r" b="b"/>
             <a:pathLst>
-              <a:path extrusionOk="0" h="120000" w="120000">
+              <a:path w="120000" h="120000" extrusionOk="0">
                 <a:moveTo>
                   <a:pt x="0" y="0"/>
                 </a:moveTo>
@@ -942,9 +981,11 @@
       <p:sp>
         <p:nvSpPr>
           <p:cNvPr id="64" name="Google Shape;64;gcb7127c7c7_0_50:notes"/>
-          <p:cNvSpPr txBox="1"/>
+          <p:cNvSpPr txBox="1">
+            <a:spLocks noGrp="1"/>
+          </p:cNvSpPr>
           <p:nvPr>
-            <p:ph idx="1" type="body"/>
+            <p:ph type="body" idx="1"/>
           </p:nvPr>
         </p:nvSpPr>
         <p:spPr>
@@ -957,12 +998,12 @@
           </a:prstGeom>
         </p:spPr>
         <p:txBody>
-          <a:bodyPr anchorCtr="0" anchor="t" bIns="91425" lIns="91425" spcFirstLastPara="1" rIns="91425" wrap="square" tIns="91425">
+          <a:bodyPr spcFirstLastPara="1" wrap="square" lIns="91425" tIns="91425" rIns="91425" bIns="91425" anchor="t" anchorCtr="0">
             <a:noAutofit/>
           </a:bodyPr>
           <a:lstStyle/>
           <a:p>
-            <a:pPr indent="0" lvl="0" marL="0" rtl="0" algn="l">
+            <a:pPr marL="0" lvl="0" indent="0" algn="l" rtl="0">
               <a:spcBef>
                 <a:spcPts val="0"/>
               </a:spcBef>
@@ -971,9 +1012,6 @@
               </a:spcAft>
               <a:buNone/>
             </a:pPr>
-            <a:r>
-              <a:t/>
-            </a:r>
             <a:endParaRPr/>
           </a:p>
         </p:txBody>
@@ -987,11 +1025,11 @@
 </file>
 
 <file path=ppt/notesSlides/notesSlide4.xml><?xml version="1.0" encoding="utf-8"?>
-<p:notes xmlns:a="http://schemas.openxmlformats.org/drawingml/2006/main" xmlns:r="http://schemas.openxmlformats.org/officeDocument/2006/relationships" xmlns:mc="http://schemas.openxmlformats.org/markup-compatibility/2006" xmlns:mv="urn:schemas-microsoft-com:mac:vml" xmlns:p="http://schemas.openxmlformats.org/presentationml/2006/main" xmlns:c="http://schemas.openxmlformats.org/drawingml/2006/chart" xmlns:dgm="http://schemas.openxmlformats.org/drawingml/2006/diagram" xmlns:o="urn:schemas-microsoft-com:office:office" xmlns:v="urn:schemas-microsoft-com:vml" xmlns:pvml="urn:schemas-microsoft-com:office:powerpoint" xmlns:com="http://schemas.openxmlformats.org/drawingml/2006/compatibility" xmlns:p14="http://schemas.microsoft.com/office/powerpoint/2010/main" xmlns:p15="http://schemas.microsoft.com/office/powerpoint/2012/main" xmlns:ahyp="http://schemas.microsoft.com/office/drawing/2018/hyperlinkcolor" showMasterPhAnim="0" showMasterSp="0">
+<p:notes xmlns:a="http://schemas.openxmlformats.org/drawingml/2006/main" xmlns:r="http://schemas.openxmlformats.org/officeDocument/2006/relationships" xmlns:p="http://schemas.openxmlformats.org/presentationml/2006/main" showMasterSp="0" showMasterPhAnim="0">
   <p:cSld>
     <p:spTree>
       <p:nvGrpSpPr>
-        <p:cNvPr id="68" name="Shape 68"/>
+        <p:cNvPr id="1" name="Shape 68"/>
         <p:cNvGrpSpPr/>
         <p:nvPr/>
       </p:nvGrpSpPr>
@@ -1006,20 +1044,26 @@
       <p:sp>
         <p:nvSpPr>
           <p:cNvPr id="69" name="Google Shape;69;gedd9ff9bd3_0_10:notes"/>
-          <p:cNvSpPr/>
+          <p:cNvSpPr>
+            <a:spLocks noGrp="1" noRot="1" noChangeAspect="1"/>
+          </p:cNvSpPr>
           <p:nvPr>
-            <p:ph idx="2" type="sldImg"/>
+            <p:ph type="sldImg" idx="2"/>
           </p:nvPr>
         </p:nvSpPr>
         <p:spPr>
           <a:xfrm>
-            <a:off x="381300" y="685800"/>
+            <a:off x="381000" y="685800"/>
             <a:ext cx="6096000" cy="3429000"/>
           </a:xfrm>
           <a:custGeom>
-            <a:rect b="b" l="l" r="r" t="t"/>
+            <a:avLst/>
+            <a:gdLst/>
+            <a:ahLst/>
+            <a:cxnLst/>
+            <a:rect l="l" t="t" r="r" b="b"/>
             <a:pathLst>
-              <a:path extrusionOk="0" h="120000" w="120000">
+              <a:path w="120000" h="120000" extrusionOk="0">
                 <a:moveTo>
                   <a:pt x="0" y="0"/>
                 </a:moveTo>
@@ -1041,9 +1085,11 @@
       <p:sp>
         <p:nvSpPr>
           <p:cNvPr id="70" name="Google Shape;70;gedd9ff9bd3_0_10:notes"/>
-          <p:cNvSpPr txBox="1"/>
+          <p:cNvSpPr txBox="1">
+            <a:spLocks noGrp="1"/>
+          </p:cNvSpPr>
           <p:nvPr>
-            <p:ph idx="1" type="body"/>
+            <p:ph type="body" idx="1"/>
           </p:nvPr>
         </p:nvSpPr>
         <p:spPr>
@@ -1056,12 +1102,12 @@
           </a:prstGeom>
         </p:spPr>
         <p:txBody>
-          <a:bodyPr anchorCtr="0" anchor="t" bIns="91425" lIns="91425" spcFirstLastPara="1" rIns="91425" wrap="square" tIns="91425">
+          <a:bodyPr spcFirstLastPara="1" wrap="square" lIns="91425" tIns="91425" rIns="91425" bIns="91425" anchor="t" anchorCtr="0">
             <a:noAutofit/>
           </a:bodyPr>
           <a:lstStyle/>
           <a:p>
-            <a:pPr indent="0" lvl="0" marL="0" rtl="0" algn="l">
+            <a:pPr marL="0" lvl="0" indent="0" algn="l" rtl="0">
               <a:spcBef>
                 <a:spcPts val="0"/>
               </a:spcBef>
@@ -1070,9 +1116,6 @@
               </a:spcAft>
               <a:buNone/>
             </a:pPr>
-            <a:r>
-              <a:t/>
-            </a:r>
             <a:endParaRPr/>
           </a:p>
         </p:txBody>
@@ -1085,12 +1128,339 @@
 </p:notes>
 </file>
 
+<file path=ppt/notesSlides/notesSlide5.xml><?xml version="1.0" encoding="utf-8"?>
+<p:notes xmlns:a="http://schemas.openxmlformats.org/drawingml/2006/main" xmlns:r="http://schemas.openxmlformats.org/officeDocument/2006/relationships" xmlns:p="http://schemas.openxmlformats.org/presentationml/2006/main" showMasterSp="0" showMasterPhAnim="0">
+  <p:cSld>
+    <p:spTree>
+      <p:nvGrpSpPr>
+        <p:cNvPr id="1" name="Shape 68"/>
+        <p:cNvGrpSpPr/>
+        <p:nvPr/>
+      </p:nvGrpSpPr>
+      <p:grpSpPr>
+        <a:xfrm>
+          <a:off x="0" y="0"/>
+          <a:ext cx="0" cy="0"/>
+          <a:chOff x="0" y="0"/>
+          <a:chExt cx="0" cy="0"/>
+        </a:xfrm>
+      </p:grpSpPr>
+      <p:sp>
+        <p:nvSpPr>
+          <p:cNvPr id="69" name="Google Shape;69;gedd9ff9bd3_0_10:notes"/>
+          <p:cNvSpPr>
+            <a:spLocks noGrp="1" noRot="1" noChangeAspect="1"/>
+          </p:cNvSpPr>
+          <p:nvPr>
+            <p:ph type="sldImg" idx="2"/>
+          </p:nvPr>
+        </p:nvSpPr>
+        <p:spPr>
+          <a:xfrm>
+            <a:off x="381000" y="685800"/>
+            <a:ext cx="6096000" cy="3429000"/>
+          </a:xfrm>
+          <a:custGeom>
+            <a:avLst/>
+            <a:gdLst/>
+            <a:ahLst/>
+            <a:cxnLst/>
+            <a:rect l="l" t="t" r="r" b="b"/>
+            <a:pathLst>
+              <a:path w="120000" h="120000" extrusionOk="0">
+                <a:moveTo>
+                  <a:pt x="0" y="0"/>
+                </a:moveTo>
+                <a:lnTo>
+                  <a:pt x="120000" y="0"/>
+                </a:lnTo>
+                <a:lnTo>
+                  <a:pt x="120000" y="120000"/>
+                </a:lnTo>
+                <a:lnTo>
+                  <a:pt x="0" y="120000"/>
+                </a:lnTo>
+                <a:close/>
+              </a:path>
+            </a:pathLst>
+          </a:custGeom>
+        </p:spPr>
+      </p:sp>
+      <p:sp>
+        <p:nvSpPr>
+          <p:cNvPr id="70" name="Google Shape;70;gedd9ff9bd3_0_10:notes"/>
+          <p:cNvSpPr txBox="1">
+            <a:spLocks noGrp="1"/>
+          </p:cNvSpPr>
+          <p:nvPr>
+            <p:ph type="body" idx="1"/>
+          </p:nvPr>
+        </p:nvSpPr>
+        <p:spPr>
+          <a:xfrm>
+            <a:off x="685800" y="4343400"/>
+            <a:ext cx="5486400" cy="4114800"/>
+          </a:xfrm>
+          <a:prstGeom prst="rect">
+            <a:avLst/>
+          </a:prstGeom>
+        </p:spPr>
+        <p:txBody>
+          <a:bodyPr spcFirstLastPara="1" wrap="square" lIns="91425" tIns="91425" rIns="91425" bIns="91425" anchor="t" anchorCtr="0">
+            <a:noAutofit/>
+          </a:bodyPr>
+          <a:lstStyle/>
+          <a:p>
+            <a:pPr marL="0" lvl="0" indent="0" algn="l" rtl="0">
+              <a:spcBef>
+                <a:spcPts val="0"/>
+              </a:spcBef>
+              <a:spcAft>
+                <a:spcPts val="0"/>
+              </a:spcAft>
+              <a:buNone/>
+            </a:pPr>
+            <a:endParaRPr/>
+          </a:p>
+        </p:txBody>
+      </p:sp>
+    </p:spTree>
+    <p:extLst>
+      <p:ext uri="{BB962C8B-B14F-4D97-AF65-F5344CB8AC3E}">
+        <p14:creationId xmlns:p14="http://schemas.microsoft.com/office/powerpoint/2010/main" val="3954804260"/>
+      </p:ext>
+    </p:extLst>
+  </p:cSld>
+  <p:clrMapOvr>
+    <a:masterClrMapping/>
+  </p:clrMapOvr>
+</p:notes>
+</file>
+
+<file path=ppt/notesSlides/notesSlide6.xml><?xml version="1.0" encoding="utf-8"?>
+<p:notes xmlns:a="http://schemas.openxmlformats.org/drawingml/2006/main" xmlns:r="http://schemas.openxmlformats.org/officeDocument/2006/relationships" xmlns:p="http://schemas.openxmlformats.org/presentationml/2006/main" showMasterSp="0" showMasterPhAnim="0">
+  <p:cSld>
+    <p:spTree>
+      <p:nvGrpSpPr>
+        <p:cNvPr id="1" name="Shape 68"/>
+        <p:cNvGrpSpPr/>
+        <p:nvPr/>
+      </p:nvGrpSpPr>
+      <p:grpSpPr>
+        <a:xfrm>
+          <a:off x="0" y="0"/>
+          <a:ext cx="0" cy="0"/>
+          <a:chOff x="0" y="0"/>
+          <a:chExt cx="0" cy="0"/>
+        </a:xfrm>
+      </p:grpSpPr>
+      <p:sp>
+        <p:nvSpPr>
+          <p:cNvPr id="69" name="Google Shape;69;gedd9ff9bd3_0_10:notes"/>
+          <p:cNvSpPr>
+            <a:spLocks noGrp="1" noRot="1" noChangeAspect="1"/>
+          </p:cNvSpPr>
+          <p:nvPr>
+            <p:ph type="sldImg" idx="2"/>
+          </p:nvPr>
+        </p:nvSpPr>
+        <p:spPr>
+          <a:xfrm>
+            <a:off x="381000" y="685800"/>
+            <a:ext cx="6096000" cy="3429000"/>
+          </a:xfrm>
+          <a:custGeom>
+            <a:avLst/>
+            <a:gdLst/>
+            <a:ahLst/>
+            <a:cxnLst/>
+            <a:rect l="l" t="t" r="r" b="b"/>
+            <a:pathLst>
+              <a:path w="120000" h="120000" extrusionOk="0">
+                <a:moveTo>
+                  <a:pt x="0" y="0"/>
+                </a:moveTo>
+                <a:lnTo>
+                  <a:pt x="120000" y="0"/>
+                </a:lnTo>
+                <a:lnTo>
+                  <a:pt x="120000" y="120000"/>
+                </a:lnTo>
+                <a:lnTo>
+                  <a:pt x="0" y="120000"/>
+                </a:lnTo>
+                <a:close/>
+              </a:path>
+            </a:pathLst>
+          </a:custGeom>
+        </p:spPr>
+      </p:sp>
+      <p:sp>
+        <p:nvSpPr>
+          <p:cNvPr id="70" name="Google Shape;70;gedd9ff9bd3_0_10:notes"/>
+          <p:cNvSpPr txBox="1">
+            <a:spLocks noGrp="1"/>
+          </p:cNvSpPr>
+          <p:nvPr>
+            <p:ph type="body" idx="1"/>
+          </p:nvPr>
+        </p:nvSpPr>
+        <p:spPr>
+          <a:xfrm>
+            <a:off x="685800" y="4343400"/>
+            <a:ext cx="5486400" cy="4114800"/>
+          </a:xfrm>
+          <a:prstGeom prst="rect">
+            <a:avLst/>
+          </a:prstGeom>
+        </p:spPr>
+        <p:txBody>
+          <a:bodyPr spcFirstLastPara="1" wrap="square" lIns="91425" tIns="91425" rIns="91425" bIns="91425" anchor="t" anchorCtr="0">
+            <a:noAutofit/>
+          </a:bodyPr>
+          <a:lstStyle/>
+          <a:p>
+            <a:pPr marL="0" lvl="0" indent="0" algn="l" rtl="0">
+              <a:spcBef>
+                <a:spcPts val="0"/>
+              </a:spcBef>
+              <a:spcAft>
+                <a:spcPts val="0"/>
+              </a:spcAft>
+              <a:buNone/>
+            </a:pPr>
+            <a:endParaRPr/>
+          </a:p>
+        </p:txBody>
+      </p:sp>
+    </p:spTree>
+    <p:extLst>
+      <p:ext uri="{BB962C8B-B14F-4D97-AF65-F5344CB8AC3E}">
+        <p14:creationId xmlns:p14="http://schemas.microsoft.com/office/powerpoint/2010/main" val="2415002513"/>
+      </p:ext>
+    </p:extLst>
+  </p:cSld>
+  <p:clrMapOvr>
+    <a:masterClrMapping/>
+  </p:clrMapOvr>
+</p:notes>
+</file>
+
+<file path=ppt/notesSlides/notesSlide7.xml><?xml version="1.0" encoding="utf-8"?>
+<p:notes xmlns:a="http://schemas.openxmlformats.org/drawingml/2006/main" xmlns:r="http://schemas.openxmlformats.org/officeDocument/2006/relationships" xmlns:p="http://schemas.openxmlformats.org/presentationml/2006/main" showMasterSp="0" showMasterPhAnim="0">
+  <p:cSld>
+    <p:spTree>
+      <p:nvGrpSpPr>
+        <p:cNvPr id="1" name="Shape 68"/>
+        <p:cNvGrpSpPr/>
+        <p:nvPr/>
+      </p:nvGrpSpPr>
+      <p:grpSpPr>
+        <a:xfrm>
+          <a:off x="0" y="0"/>
+          <a:ext cx="0" cy="0"/>
+          <a:chOff x="0" y="0"/>
+          <a:chExt cx="0" cy="0"/>
+        </a:xfrm>
+      </p:grpSpPr>
+      <p:sp>
+        <p:nvSpPr>
+          <p:cNvPr id="69" name="Google Shape;69;gedd9ff9bd3_0_10:notes"/>
+          <p:cNvSpPr>
+            <a:spLocks noGrp="1" noRot="1" noChangeAspect="1"/>
+          </p:cNvSpPr>
+          <p:nvPr>
+            <p:ph type="sldImg" idx="2"/>
+          </p:nvPr>
+        </p:nvSpPr>
+        <p:spPr>
+          <a:xfrm>
+            <a:off x="381000" y="685800"/>
+            <a:ext cx="6096000" cy="3429000"/>
+          </a:xfrm>
+          <a:custGeom>
+            <a:avLst/>
+            <a:gdLst/>
+            <a:ahLst/>
+            <a:cxnLst/>
+            <a:rect l="l" t="t" r="r" b="b"/>
+            <a:pathLst>
+              <a:path w="120000" h="120000" extrusionOk="0">
+                <a:moveTo>
+                  <a:pt x="0" y="0"/>
+                </a:moveTo>
+                <a:lnTo>
+                  <a:pt x="120000" y="0"/>
+                </a:lnTo>
+                <a:lnTo>
+                  <a:pt x="120000" y="120000"/>
+                </a:lnTo>
+                <a:lnTo>
+                  <a:pt x="0" y="120000"/>
+                </a:lnTo>
+                <a:close/>
+              </a:path>
+            </a:pathLst>
+          </a:custGeom>
+        </p:spPr>
+      </p:sp>
+      <p:sp>
+        <p:nvSpPr>
+          <p:cNvPr id="70" name="Google Shape;70;gedd9ff9bd3_0_10:notes"/>
+          <p:cNvSpPr txBox="1">
+            <a:spLocks noGrp="1"/>
+          </p:cNvSpPr>
+          <p:nvPr>
+            <p:ph type="body" idx="1"/>
+          </p:nvPr>
+        </p:nvSpPr>
+        <p:spPr>
+          <a:xfrm>
+            <a:off x="685800" y="4343400"/>
+            <a:ext cx="5486400" cy="4114800"/>
+          </a:xfrm>
+          <a:prstGeom prst="rect">
+            <a:avLst/>
+          </a:prstGeom>
+        </p:spPr>
+        <p:txBody>
+          <a:bodyPr spcFirstLastPara="1" wrap="square" lIns="91425" tIns="91425" rIns="91425" bIns="91425" anchor="t" anchorCtr="0">
+            <a:noAutofit/>
+          </a:bodyPr>
+          <a:lstStyle/>
+          <a:p>
+            <a:pPr marL="0" lvl="0" indent="0" algn="l" rtl="0">
+              <a:spcBef>
+                <a:spcPts val="0"/>
+              </a:spcBef>
+              <a:spcAft>
+                <a:spcPts val="0"/>
+              </a:spcAft>
+              <a:buNone/>
+            </a:pPr>
+            <a:endParaRPr/>
+          </a:p>
+        </p:txBody>
+      </p:sp>
+    </p:spTree>
+    <p:extLst>
+      <p:ext uri="{BB962C8B-B14F-4D97-AF65-F5344CB8AC3E}">
+        <p14:creationId xmlns:p14="http://schemas.microsoft.com/office/powerpoint/2010/main" val="2550223777"/>
+      </p:ext>
+    </p:extLst>
+  </p:cSld>
+  <p:clrMapOvr>
+    <a:masterClrMapping/>
+  </p:clrMapOvr>
+</p:notes>
+</file>
+
 <file path=ppt/slideLayouts/slideLayout1.xml><?xml version="1.0" encoding="utf-8"?>
-<p:sldLayout xmlns:a="http://schemas.openxmlformats.org/drawingml/2006/main" xmlns:r="http://schemas.openxmlformats.org/officeDocument/2006/relationships" xmlns:mc="http://schemas.openxmlformats.org/markup-compatibility/2006" xmlns:mv="urn:schemas-microsoft-com:mac:vml" xmlns:p="http://schemas.openxmlformats.org/presentationml/2006/main" xmlns:c="http://schemas.openxmlformats.org/drawingml/2006/chart" xmlns:dgm="http://schemas.openxmlformats.org/drawingml/2006/diagram" xmlns:o="urn:schemas-microsoft-com:office:office" xmlns:v="urn:schemas-microsoft-com:vml" xmlns:pvml="urn:schemas-microsoft-com:office:powerpoint" xmlns:com="http://schemas.openxmlformats.org/drawingml/2006/compatibility" xmlns:p14="http://schemas.microsoft.com/office/powerpoint/2010/main" xmlns:p15="http://schemas.microsoft.com/office/powerpoint/2012/main" xmlns:ahyp="http://schemas.microsoft.com/office/drawing/2018/hyperlinkcolor" matchingName="Title slide" type="title">
+<p:sldLayout xmlns:a="http://schemas.openxmlformats.org/drawingml/2006/main" xmlns:r="http://schemas.openxmlformats.org/officeDocument/2006/relationships" xmlns:p="http://schemas.openxmlformats.org/presentationml/2006/main" matchingName="Title slide" type="title">
   <p:cSld name="TITLE">
     <p:spTree>
       <p:nvGrpSpPr>
-        <p:cNvPr id="9" name="Shape 9"/>
+        <p:cNvPr id="1" name="Shape 9"/>
         <p:cNvGrpSpPr/>
         <p:nvPr/>
       </p:nvGrpSpPr>
@@ -1105,7 +1475,9 @@
       <p:sp>
         <p:nvSpPr>
           <p:cNvPr id="10" name="Google Shape;10;p2"/>
-          <p:cNvSpPr txBox="1"/>
+          <p:cNvSpPr txBox="1">
+            <a:spLocks noGrp="1"/>
+          </p:cNvSpPr>
           <p:nvPr>
             <p:ph type="ctrTitle"/>
           </p:nvPr>
@@ -1120,7 +1492,7 @@
           </a:prstGeom>
         </p:spPr>
         <p:txBody>
-          <a:bodyPr anchorCtr="0" anchor="b" bIns="91425" lIns="91425" spcFirstLastPara="1" rIns="91425" wrap="square" tIns="91425">
+          <a:bodyPr spcFirstLastPara="1" wrap="square" lIns="91425" tIns="91425" rIns="91425" bIns="91425" anchor="b" anchorCtr="0">
             <a:noAutofit/>
           </a:bodyPr>
           <a:lstStyle>
@@ -1224,15 +1596,19 @@
               <a:defRPr sz="5200"/>
             </a:lvl9pPr>
           </a:lstStyle>
-          <a:p/>
+          <a:p>
+            <a:endParaRPr/>
+          </a:p>
         </p:txBody>
       </p:sp>
       <p:sp>
         <p:nvSpPr>
           <p:cNvPr id="11" name="Google Shape;11;p2"/>
-          <p:cNvSpPr txBox="1"/>
+          <p:cNvSpPr txBox="1">
+            <a:spLocks noGrp="1"/>
+          </p:cNvSpPr>
           <p:nvPr>
-            <p:ph idx="1" type="subTitle"/>
+            <p:ph type="subTitle" idx="1"/>
           </p:nvPr>
         </p:nvSpPr>
         <p:spPr>
@@ -1245,7 +1621,7 @@
           </a:prstGeom>
         </p:spPr>
         <p:txBody>
-          <a:bodyPr anchorCtr="0" anchor="t" bIns="91425" lIns="91425" spcFirstLastPara="1" rIns="91425" wrap="square" tIns="91425">
+          <a:bodyPr spcFirstLastPara="1" wrap="square" lIns="91425" tIns="91425" rIns="91425" bIns="91425" anchor="t" anchorCtr="0">
             <a:noAutofit/>
           </a:bodyPr>
           <a:lstStyle>
@@ -1376,15 +1752,19 @@
               <a:defRPr sz="2800"/>
             </a:lvl9pPr>
           </a:lstStyle>
-          <a:p/>
+          <a:p>
+            <a:endParaRPr/>
+          </a:p>
         </p:txBody>
       </p:sp>
       <p:sp>
         <p:nvSpPr>
           <p:cNvPr id="12" name="Google Shape;12;p2"/>
-          <p:cNvSpPr txBox="1"/>
+          <p:cNvSpPr txBox="1">
+            <a:spLocks noGrp="1"/>
+          </p:cNvSpPr>
           <p:nvPr>
-            <p:ph idx="12" type="sldNum"/>
+            <p:ph type="sldNum" idx="12"/>
           </p:nvPr>
         </p:nvSpPr>
         <p:spPr>
@@ -1397,7 +1777,7 @@
           </a:prstGeom>
         </p:spPr>
         <p:txBody>
-          <a:bodyPr anchorCtr="0" anchor="ctr" bIns="91425" lIns="91425" spcFirstLastPara="1" rIns="91425" wrap="square" tIns="91425">
+          <a:bodyPr spcFirstLastPara="1" wrap="square" lIns="91425" tIns="91425" rIns="91425" bIns="91425" anchor="ctr" anchorCtr="0">
             <a:noAutofit/>
           </a:bodyPr>
           <a:lstStyle>
@@ -1439,7 +1819,7 @@
             </a:lvl9pPr>
           </a:lstStyle>
           <a:p>
-            <a:pPr indent="0" lvl="0" marL="0" rtl="0" algn="r">
+            <a:pPr marL="0" lvl="0" indent="0" algn="r" rtl="0">
               <a:spcBef>
                 <a:spcPts val="0"/>
               </a:spcBef>
@@ -1465,11 +1845,11 @@
 </file>
 
 <file path=ppt/slideLayouts/slideLayout10.xml><?xml version="1.0" encoding="utf-8"?>
-<p:sldLayout xmlns:a="http://schemas.openxmlformats.org/drawingml/2006/main" xmlns:r="http://schemas.openxmlformats.org/officeDocument/2006/relationships" xmlns:mc="http://schemas.openxmlformats.org/markup-compatibility/2006" xmlns:mv="urn:schemas-microsoft-com:mac:vml" xmlns:p="http://schemas.openxmlformats.org/presentationml/2006/main" xmlns:c="http://schemas.openxmlformats.org/drawingml/2006/chart" xmlns:dgm="http://schemas.openxmlformats.org/drawingml/2006/diagram" xmlns:o="urn:schemas-microsoft-com:office:office" xmlns:v="urn:schemas-microsoft-com:vml" xmlns:pvml="urn:schemas-microsoft-com:office:powerpoint" xmlns:com="http://schemas.openxmlformats.org/drawingml/2006/compatibility" xmlns:p14="http://schemas.microsoft.com/office/powerpoint/2010/main" xmlns:p15="http://schemas.microsoft.com/office/powerpoint/2012/main" xmlns:ahyp="http://schemas.microsoft.com/office/drawing/2018/hyperlinkcolor" matchingName="Big number">
+<p:sldLayout xmlns:a="http://schemas.openxmlformats.org/drawingml/2006/main" xmlns:r="http://schemas.openxmlformats.org/officeDocument/2006/relationships" xmlns:p="http://schemas.openxmlformats.org/presentationml/2006/main" matchingName="Big number">
   <p:cSld name="BIG_NUMBER">
     <p:spTree>
       <p:nvGrpSpPr>
-        <p:cNvPr id="44" name="Shape 44"/>
+        <p:cNvPr id="1" name="Shape 44"/>
         <p:cNvGrpSpPr/>
         <p:nvPr/>
       </p:nvGrpSpPr>
@@ -1484,9 +1864,11 @@
       <p:sp>
         <p:nvSpPr>
           <p:cNvPr id="45" name="Google Shape;45;p11"/>
-          <p:cNvSpPr txBox="1"/>
+          <p:cNvSpPr txBox="1">
+            <a:spLocks noGrp="1"/>
+          </p:cNvSpPr>
           <p:nvPr>
-            <p:ph hasCustomPrompt="1" type="title"/>
+            <p:ph type="title" hasCustomPrompt="1"/>
           </p:nvPr>
         </p:nvSpPr>
         <p:spPr>
@@ -1499,7 +1881,7 @@
           </a:prstGeom>
         </p:spPr>
         <p:txBody>
-          <a:bodyPr anchorCtr="0" anchor="b" bIns="91425" lIns="91425" spcFirstLastPara="1" rIns="91425" wrap="square" tIns="91425">
+          <a:bodyPr spcFirstLastPara="1" wrap="square" lIns="91425" tIns="91425" rIns="91425" bIns="91425" anchor="b" anchorCtr="0">
             <a:noAutofit/>
           </a:bodyPr>
           <a:lstStyle>
@@ -1613,9 +1995,11 @@
       <p:sp>
         <p:nvSpPr>
           <p:cNvPr id="46" name="Google Shape;46;p11"/>
-          <p:cNvSpPr txBox="1"/>
+          <p:cNvSpPr txBox="1">
+            <a:spLocks noGrp="1"/>
+          </p:cNvSpPr>
           <p:nvPr>
-            <p:ph idx="1" type="body"/>
+            <p:ph type="body" idx="1"/>
           </p:nvPr>
         </p:nvSpPr>
         <p:spPr>
@@ -1628,11 +2012,11 @@
           </a:prstGeom>
         </p:spPr>
         <p:txBody>
-          <a:bodyPr anchorCtr="0" anchor="t" bIns="91425" lIns="91425" spcFirstLastPara="1" rIns="91425" wrap="square" tIns="91425">
+          <a:bodyPr spcFirstLastPara="1" wrap="square" lIns="91425" tIns="91425" rIns="91425" bIns="91425" anchor="t" anchorCtr="0">
             <a:noAutofit/>
           </a:bodyPr>
           <a:lstStyle>
-            <a:lvl1pPr indent="-342900" lvl="0" marL="457200" algn="ctr">
+            <a:lvl1pPr marL="457200" lvl="0" indent="-342900" algn="ctr">
               <a:spcBef>
                 <a:spcPts val="0"/>
               </a:spcBef>
@@ -1643,7 +2027,7 @@
               <a:buChar char="●"/>
               <a:defRPr/>
             </a:lvl1pPr>
-            <a:lvl2pPr indent="-317500" lvl="1" marL="914400" algn="ctr">
+            <a:lvl2pPr marL="914400" lvl="1" indent="-317500" algn="ctr">
               <a:spcBef>
                 <a:spcPts val="0"/>
               </a:spcBef>
@@ -1654,7 +2038,7 @@
               <a:buChar char="○"/>
               <a:defRPr/>
             </a:lvl2pPr>
-            <a:lvl3pPr indent="-317500" lvl="2" marL="1371600" algn="ctr">
+            <a:lvl3pPr marL="1371600" lvl="2" indent="-317500" algn="ctr">
               <a:spcBef>
                 <a:spcPts val="0"/>
               </a:spcBef>
@@ -1665,7 +2049,7 @@
               <a:buChar char="■"/>
               <a:defRPr/>
             </a:lvl3pPr>
-            <a:lvl4pPr indent="-317500" lvl="3" marL="1828800" algn="ctr">
+            <a:lvl4pPr marL="1828800" lvl="3" indent="-317500" algn="ctr">
               <a:spcBef>
                 <a:spcPts val="0"/>
               </a:spcBef>
@@ -1676,7 +2060,7 @@
               <a:buChar char="●"/>
               <a:defRPr/>
             </a:lvl4pPr>
-            <a:lvl5pPr indent="-317500" lvl="4" marL="2286000" algn="ctr">
+            <a:lvl5pPr marL="2286000" lvl="4" indent="-317500" algn="ctr">
               <a:spcBef>
                 <a:spcPts val="0"/>
               </a:spcBef>
@@ -1687,7 +2071,7 @@
               <a:buChar char="○"/>
               <a:defRPr/>
             </a:lvl5pPr>
-            <a:lvl6pPr indent="-317500" lvl="5" marL="2743200" algn="ctr">
+            <a:lvl6pPr marL="2743200" lvl="5" indent="-317500" algn="ctr">
               <a:spcBef>
                 <a:spcPts val="0"/>
               </a:spcBef>
@@ -1698,7 +2082,7 @@
               <a:buChar char="■"/>
               <a:defRPr/>
             </a:lvl6pPr>
-            <a:lvl7pPr indent="-317500" lvl="6" marL="3200400" algn="ctr">
+            <a:lvl7pPr marL="3200400" lvl="6" indent="-317500" algn="ctr">
               <a:spcBef>
                 <a:spcPts val="0"/>
               </a:spcBef>
@@ -1709,7 +2093,7 @@
               <a:buChar char="●"/>
               <a:defRPr/>
             </a:lvl7pPr>
-            <a:lvl8pPr indent="-317500" lvl="7" marL="3657600" algn="ctr">
+            <a:lvl8pPr marL="3657600" lvl="7" indent="-317500" algn="ctr">
               <a:spcBef>
                 <a:spcPts val="0"/>
               </a:spcBef>
@@ -1720,7 +2104,7 @@
               <a:buChar char="○"/>
               <a:defRPr/>
             </a:lvl8pPr>
-            <a:lvl9pPr indent="-317500" lvl="8" marL="4114800" algn="ctr">
+            <a:lvl9pPr marL="4114800" lvl="8" indent="-317500" algn="ctr">
               <a:spcBef>
                 <a:spcPts val="0"/>
               </a:spcBef>
@@ -1732,15 +2116,19 @@
               <a:defRPr/>
             </a:lvl9pPr>
           </a:lstStyle>
-          <a:p/>
+          <a:p>
+            <a:endParaRPr/>
+          </a:p>
         </p:txBody>
       </p:sp>
       <p:sp>
         <p:nvSpPr>
           <p:cNvPr id="47" name="Google Shape;47;p11"/>
-          <p:cNvSpPr txBox="1"/>
+          <p:cNvSpPr txBox="1">
+            <a:spLocks noGrp="1"/>
+          </p:cNvSpPr>
           <p:nvPr>
-            <p:ph idx="12" type="sldNum"/>
+            <p:ph type="sldNum" idx="12"/>
           </p:nvPr>
         </p:nvSpPr>
         <p:spPr>
@@ -1753,7 +2141,7 @@
           </a:prstGeom>
         </p:spPr>
         <p:txBody>
-          <a:bodyPr anchorCtr="0" anchor="ctr" bIns="91425" lIns="91425" spcFirstLastPara="1" rIns="91425" wrap="square" tIns="91425">
+          <a:bodyPr spcFirstLastPara="1" wrap="square" lIns="91425" tIns="91425" rIns="91425" bIns="91425" anchor="ctr" anchorCtr="0">
             <a:noAutofit/>
           </a:bodyPr>
           <a:lstStyle>
@@ -1795,7 +2183,7 @@
             </a:lvl9pPr>
           </a:lstStyle>
           <a:p>
-            <a:pPr indent="0" lvl="0" marL="0" rtl="0" algn="r">
+            <a:pPr marL="0" lvl="0" indent="0" algn="r" rtl="0">
               <a:spcBef>
                 <a:spcPts val="0"/>
               </a:spcBef>
@@ -1821,11 +2209,11 @@
 </file>
 
 <file path=ppt/slideLayouts/slideLayout11.xml><?xml version="1.0" encoding="utf-8"?>
-<p:sldLayout xmlns:a="http://schemas.openxmlformats.org/drawingml/2006/main" xmlns:r="http://schemas.openxmlformats.org/officeDocument/2006/relationships" xmlns:mc="http://schemas.openxmlformats.org/markup-compatibility/2006" xmlns:mv="urn:schemas-microsoft-com:mac:vml" xmlns:p="http://schemas.openxmlformats.org/presentationml/2006/main" xmlns:c="http://schemas.openxmlformats.org/drawingml/2006/chart" xmlns:dgm="http://schemas.openxmlformats.org/drawingml/2006/diagram" xmlns:o="urn:schemas-microsoft-com:office:office" xmlns:v="urn:schemas-microsoft-com:vml" xmlns:pvml="urn:schemas-microsoft-com:office:powerpoint" xmlns:com="http://schemas.openxmlformats.org/drawingml/2006/compatibility" xmlns:p14="http://schemas.microsoft.com/office/powerpoint/2010/main" xmlns:p15="http://schemas.microsoft.com/office/powerpoint/2012/main" xmlns:ahyp="http://schemas.microsoft.com/office/drawing/2018/hyperlinkcolor" matchingName="Blank" type="blank">
+<p:sldLayout xmlns:a="http://schemas.openxmlformats.org/drawingml/2006/main" xmlns:r="http://schemas.openxmlformats.org/officeDocument/2006/relationships" xmlns:p="http://schemas.openxmlformats.org/presentationml/2006/main" matchingName="Blank" type="blank">
   <p:cSld name="BLANK">
     <p:spTree>
       <p:nvGrpSpPr>
-        <p:cNvPr id="48" name="Shape 48"/>
+        <p:cNvPr id="1" name="Shape 48"/>
         <p:cNvGrpSpPr/>
         <p:nvPr/>
       </p:nvGrpSpPr>
@@ -1840,9 +2228,11 @@
       <p:sp>
         <p:nvSpPr>
           <p:cNvPr id="49" name="Google Shape;49;p12"/>
-          <p:cNvSpPr txBox="1"/>
+          <p:cNvSpPr txBox="1">
+            <a:spLocks noGrp="1"/>
+          </p:cNvSpPr>
           <p:nvPr>
-            <p:ph idx="12" type="sldNum"/>
+            <p:ph type="sldNum" idx="12"/>
           </p:nvPr>
         </p:nvSpPr>
         <p:spPr>
@@ -1855,7 +2245,7 @@
           </a:prstGeom>
         </p:spPr>
         <p:txBody>
-          <a:bodyPr anchorCtr="0" anchor="ctr" bIns="91425" lIns="91425" spcFirstLastPara="1" rIns="91425" wrap="square" tIns="91425">
+          <a:bodyPr spcFirstLastPara="1" wrap="square" lIns="91425" tIns="91425" rIns="91425" bIns="91425" anchor="ctr" anchorCtr="0">
             <a:noAutofit/>
           </a:bodyPr>
           <a:lstStyle>
@@ -1897,7 +2287,7 @@
             </a:lvl9pPr>
           </a:lstStyle>
           <a:p>
-            <a:pPr indent="0" lvl="0" marL="0" rtl="0" algn="r">
+            <a:pPr marL="0" lvl="0" indent="0" algn="r" rtl="0">
               <a:spcBef>
                 <a:spcPts val="0"/>
               </a:spcBef>
@@ -1923,11 +2313,11 @@
 </file>
 
 <file path=ppt/slideLayouts/slideLayout2.xml><?xml version="1.0" encoding="utf-8"?>
-<p:sldLayout xmlns:a="http://schemas.openxmlformats.org/drawingml/2006/main" xmlns:r="http://schemas.openxmlformats.org/officeDocument/2006/relationships" xmlns:mc="http://schemas.openxmlformats.org/markup-compatibility/2006" xmlns:mv="urn:schemas-microsoft-com:mac:vml" xmlns:p="http://schemas.openxmlformats.org/presentationml/2006/main" xmlns:c="http://schemas.openxmlformats.org/drawingml/2006/chart" xmlns:dgm="http://schemas.openxmlformats.org/drawingml/2006/diagram" xmlns:o="urn:schemas-microsoft-com:office:office" xmlns:v="urn:schemas-microsoft-com:vml" xmlns:pvml="urn:schemas-microsoft-com:office:powerpoint" xmlns:com="http://schemas.openxmlformats.org/drawingml/2006/compatibility" xmlns:p14="http://schemas.microsoft.com/office/powerpoint/2010/main" xmlns:p15="http://schemas.microsoft.com/office/powerpoint/2012/main" xmlns:ahyp="http://schemas.microsoft.com/office/drawing/2018/hyperlinkcolor" matchingName="Section header" type="secHead">
+<p:sldLayout xmlns:a="http://schemas.openxmlformats.org/drawingml/2006/main" xmlns:r="http://schemas.openxmlformats.org/officeDocument/2006/relationships" xmlns:p="http://schemas.openxmlformats.org/presentationml/2006/main" matchingName="Section header" type="secHead">
   <p:cSld name="SECTION_HEADER">
     <p:spTree>
       <p:nvGrpSpPr>
-        <p:cNvPr id="13" name="Shape 13"/>
+        <p:cNvPr id="1" name="Shape 13"/>
         <p:cNvGrpSpPr/>
         <p:nvPr/>
       </p:nvGrpSpPr>
@@ -1942,7 +2332,9 @@
       <p:sp>
         <p:nvSpPr>
           <p:cNvPr id="14" name="Google Shape;14;p3"/>
-          <p:cNvSpPr txBox="1"/>
+          <p:cNvSpPr txBox="1">
+            <a:spLocks noGrp="1"/>
+          </p:cNvSpPr>
           <p:nvPr>
             <p:ph type="title"/>
           </p:nvPr>
@@ -1957,7 +2349,7 @@
           </a:prstGeom>
         </p:spPr>
         <p:txBody>
-          <a:bodyPr anchorCtr="0" anchor="ctr" bIns="91425" lIns="91425" spcFirstLastPara="1" rIns="91425" wrap="square" tIns="91425">
+          <a:bodyPr spcFirstLastPara="1" wrap="square" lIns="91425" tIns="91425" rIns="91425" bIns="91425" anchor="ctr" anchorCtr="0">
             <a:noAutofit/>
           </a:bodyPr>
           <a:lstStyle>
@@ -2061,15 +2453,19 @@
               <a:defRPr sz="3600"/>
             </a:lvl9pPr>
           </a:lstStyle>
-          <a:p/>
+          <a:p>
+            <a:endParaRPr/>
+          </a:p>
         </p:txBody>
       </p:sp>
       <p:sp>
         <p:nvSpPr>
           <p:cNvPr id="15" name="Google Shape;15;p3"/>
-          <p:cNvSpPr txBox="1"/>
+          <p:cNvSpPr txBox="1">
+            <a:spLocks noGrp="1"/>
+          </p:cNvSpPr>
           <p:nvPr>
-            <p:ph idx="12" type="sldNum"/>
+            <p:ph type="sldNum" idx="12"/>
           </p:nvPr>
         </p:nvSpPr>
         <p:spPr>
@@ -2082,7 +2478,7 @@
           </a:prstGeom>
         </p:spPr>
         <p:txBody>
-          <a:bodyPr anchorCtr="0" anchor="ctr" bIns="91425" lIns="91425" spcFirstLastPara="1" rIns="91425" wrap="square" tIns="91425">
+          <a:bodyPr spcFirstLastPara="1" wrap="square" lIns="91425" tIns="91425" rIns="91425" bIns="91425" anchor="ctr" anchorCtr="0">
             <a:noAutofit/>
           </a:bodyPr>
           <a:lstStyle>
@@ -2124,7 +2520,7 @@
             </a:lvl9pPr>
           </a:lstStyle>
           <a:p>
-            <a:pPr indent="0" lvl="0" marL="0" rtl="0" algn="r">
+            <a:pPr marL="0" lvl="0" indent="0" algn="r" rtl="0">
               <a:spcBef>
                 <a:spcPts val="0"/>
               </a:spcBef>
@@ -2150,11 +2546,11 @@
 </file>
 
 <file path=ppt/slideLayouts/slideLayout3.xml><?xml version="1.0" encoding="utf-8"?>
-<p:sldLayout xmlns:a="http://schemas.openxmlformats.org/drawingml/2006/main" xmlns:r="http://schemas.openxmlformats.org/officeDocument/2006/relationships" xmlns:mc="http://schemas.openxmlformats.org/markup-compatibility/2006" xmlns:mv="urn:schemas-microsoft-com:mac:vml" xmlns:p="http://schemas.openxmlformats.org/presentationml/2006/main" xmlns:c="http://schemas.openxmlformats.org/drawingml/2006/chart" xmlns:dgm="http://schemas.openxmlformats.org/drawingml/2006/diagram" xmlns:o="urn:schemas-microsoft-com:office:office" xmlns:v="urn:schemas-microsoft-com:vml" xmlns:pvml="urn:schemas-microsoft-com:office:powerpoint" xmlns:com="http://schemas.openxmlformats.org/drawingml/2006/compatibility" xmlns:p14="http://schemas.microsoft.com/office/powerpoint/2010/main" xmlns:p15="http://schemas.microsoft.com/office/powerpoint/2012/main" xmlns:ahyp="http://schemas.microsoft.com/office/drawing/2018/hyperlinkcolor" matchingName="Title and body" type="tx">
+<p:sldLayout xmlns:a="http://schemas.openxmlformats.org/drawingml/2006/main" xmlns:r="http://schemas.openxmlformats.org/officeDocument/2006/relationships" xmlns:p="http://schemas.openxmlformats.org/presentationml/2006/main" matchingName="Title and body" type="tx">
   <p:cSld name="TITLE_AND_BODY">
     <p:spTree>
       <p:nvGrpSpPr>
-        <p:cNvPr id="16" name="Shape 16"/>
+        <p:cNvPr id="1" name="Shape 16"/>
         <p:cNvGrpSpPr/>
         <p:nvPr/>
       </p:nvGrpSpPr>
@@ -2169,7 +2565,9 @@
       <p:sp>
         <p:nvSpPr>
           <p:cNvPr id="17" name="Google Shape;17;p4"/>
-          <p:cNvSpPr txBox="1"/>
+          <p:cNvSpPr txBox="1">
+            <a:spLocks noGrp="1"/>
+          </p:cNvSpPr>
           <p:nvPr>
             <p:ph type="title"/>
           </p:nvPr>
@@ -2184,7 +2582,7 @@
           </a:prstGeom>
         </p:spPr>
         <p:txBody>
-          <a:bodyPr anchorCtr="0" anchor="t" bIns="91425" lIns="91425" spcFirstLastPara="1" rIns="91425" wrap="square" tIns="91425">
+          <a:bodyPr spcFirstLastPara="1" wrap="square" lIns="91425" tIns="91425" rIns="91425" bIns="91425" anchor="t" anchorCtr="0">
             <a:noAutofit/>
           </a:bodyPr>
           <a:lstStyle>
@@ -2288,15 +2686,19 @@
               <a:defRPr/>
             </a:lvl9pPr>
           </a:lstStyle>
-          <a:p/>
+          <a:p>
+            <a:endParaRPr/>
+          </a:p>
         </p:txBody>
       </p:sp>
       <p:sp>
         <p:nvSpPr>
           <p:cNvPr id="18" name="Google Shape;18;p4"/>
-          <p:cNvSpPr txBox="1"/>
+          <p:cNvSpPr txBox="1">
+            <a:spLocks noGrp="1"/>
+          </p:cNvSpPr>
           <p:nvPr>
-            <p:ph idx="1" type="body"/>
+            <p:ph type="body" idx="1"/>
           </p:nvPr>
         </p:nvSpPr>
         <p:spPr>
@@ -2309,11 +2711,11 @@
           </a:prstGeom>
         </p:spPr>
         <p:txBody>
-          <a:bodyPr anchorCtr="0" anchor="t" bIns="91425" lIns="91425" spcFirstLastPara="1" rIns="91425" wrap="square" tIns="91425">
+          <a:bodyPr spcFirstLastPara="1" wrap="square" lIns="91425" tIns="91425" rIns="91425" bIns="91425" anchor="t" anchorCtr="0">
             <a:noAutofit/>
           </a:bodyPr>
           <a:lstStyle>
-            <a:lvl1pPr indent="-342900" lvl="0" marL="457200">
+            <a:lvl1pPr marL="457200" lvl="0" indent="-342900">
               <a:spcBef>
                 <a:spcPts val="0"/>
               </a:spcBef>
@@ -2324,7 +2726,7 @@
               <a:buChar char="●"/>
               <a:defRPr/>
             </a:lvl1pPr>
-            <a:lvl2pPr indent="-317500" lvl="1" marL="914400">
+            <a:lvl2pPr marL="914400" lvl="1" indent="-317500">
               <a:spcBef>
                 <a:spcPts val="0"/>
               </a:spcBef>
@@ -2335,7 +2737,7 @@
               <a:buChar char="○"/>
               <a:defRPr/>
             </a:lvl2pPr>
-            <a:lvl3pPr indent="-317500" lvl="2" marL="1371600">
+            <a:lvl3pPr marL="1371600" lvl="2" indent="-317500">
               <a:spcBef>
                 <a:spcPts val="0"/>
               </a:spcBef>
@@ -2346,7 +2748,7 @@
               <a:buChar char="■"/>
               <a:defRPr/>
             </a:lvl3pPr>
-            <a:lvl4pPr indent="-317500" lvl="3" marL="1828800">
+            <a:lvl4pPr marL="1828800" lvl="3" indent="-317500">
               <a:spcBef>
                 <a:spcPts val="0"/>
               </a:spcBef>
@@ -2357,7 +2759,7 @@
               <a:buChar char="●"/>
               <a:defRPr/>
             </a:lvl4pPr>
-            <a:lvl5pPr indent="-317500" lvl="4" marL="2286000">
+            <a:lvl5pPr marL="2286000" lvl="4" indent="-317500">
               <a:spcBef>
                 <a:spcPts val="0"/>
               </a:spcBef>
@@ -2368,7 +2770,7 @@
               <a:buChar char="○"/>
               <a:defRPr/>
             </a:lvl5pPr>
-            <a:lvl6pPr indent="-317500" lvl="5" marL="2743200">
+            <a:lvl6pPr marL="2743200" lvl="5" indent="-317500">
               <a:spcBef>
                 <a:spcPts val="0"/>
               </a:spcBef>
@@ -2379,7 +2781,7 @@
               <a:buChar char="■"/>
               <a:defRPr/>
             </a:lvl6pPr>
-            <a:lvl7pPr indent="-317500" lvl="6" marL="3200400">
+            <a:lvl7pPr marL="3200400" lvl="6" indent="-317500">
               <a:spcBef>
                 <a:spcPts val="0"/>
               </a:spcBef>
@@ -2390,7 +2792,7 @@
               <a:buChar char="●"/>
               <a:defRPr/>
             </a:lvl7pPr>
-            <a:lvl8pPr indent="-317500" lvl="7" marL="3657600">
+            <a:lvl8pPr marL="3657600" lvl="7" indent="-317500">
               <a:spcBef>
                 <a:spcPts val="0"/>
               </a:spcBef>
@@ -2401,7 +2803,7 @@
               <a:buChar char="○"/>
               <a:defRPr/>
             </a:lvl8pPr>
-            <a:lvl9pPr indent="-317500" lvl="8" marL="4114800">
+            <a:lvl9pPr marL="4114800" lvl="8" indent="-317500">
               <a:spcBef>
                 <a:spcPts val="0"/>
               </a:spcBef>
@@ -2413,15 +2815,19 @@
               <a:defRPr/>
             </a:lvl9pPr>
           </a:lstStyle>
-          <a:p/>
+          <a:p>
+            <a:endParaRPr/>
+          </a:p>
         </p:txBody>
       </p:sp>
       <p:sp>
         <p:nvSpPr>
           <p:cNvPr id="19" name="Google Shape;19;p4"/>
-          <p:cNvSpPr txBox="1"/>
+          <p:cNvSpPr txBox="1">
+            <a:spLocks noGrp="1"/>
+          </p:cNvSpPr>
           <p:nvPr>
-            <p:ph idx="12" type="sldNum"/>
+            <p:ph type="sldNum" idx="12"/>
           </p:nvPr>
         </p:nvSpPr>
         <p:spPr>
@@ -2434,7 +2840,7 @@
           </a:prstGeom>
         </p:spPr>
         <p:txBody>
-          <a:bodyPr anchorCtr="0" anchor="ctr" bIns="91425" lIns="91425" spcFirstLastPara="1" rIns="91425" wrap="square" tIns="91425">
+          <a:bodyPr spcFirstLastPara="1" wrap="square" lIns="91425" tIns="91425" rIns="91425" bIns="91425" anchor="ctr" anchorCtr="0">
             <a:noAutofit/>
           </a:bodyPr>
           <a:lstStyle>
@@ -2476,7 +2882,7 @@
             </a:lvl9pPr>
           </a:lstStyle>
           <a:p>
-            <a:pPr indent="0" lvl="0" marL="0" rtl="0" algn="r">
+            <a:pPr marL="0" lvl="0" indent="0" algn="r" rtl="0">
               <a:spcBef>
                 <a:spcPts val="0"/>
               </a:spcBef>
@@ -2502,11 +2908,11 @@
 </file>
 
 <file path=ppt/slideLayouts/slideLayout4.xml><?xml version="1.0" encoding="utf-8"?>
-<p:sldLayout xmlns:a="http://schemas.openxmlformats.org/drawingml/2006/main" xmlns:r="http://schemas.openxmlformats.org/officeDocument/2006/relationships" xmlns:mc="http://schemas.openxmlformats.org/markup-compatibility/2006" xmlns:mv="urn:schemas-microsoft-com:mac:vml" xmlns:p="http://schemas.openxmlformats.org/presentationml/2006/main" xmlns:c="http://schemas.openxmlformats.org/drawingml/2006/chart" xmlns:dgm="http://schemas.openxmlformats.org/drawingml/2006/diagram" xmlns:o="urn:schemas-microsoft-com:office:office" xmlns:v="urn:schemas-microsoft-com:vml" xmlns:pvml="urn:schemas-microsoft-com:office:powerpoint" xmlns:com="http://schemas.openxmlformats.org/drawingml/2006/compatibility" xmlns:p14="http://schemas.microsoft.com/office/powerpoint/2010/main" xmlns:p15="http://schemas.microsoft.com/office/powerpoint/2012/main" xmlns:ahyp="http://schemas.microsoft.com/office/drawing/2018/hyperlinkcolor" matchingName="Title and two columns" type="twoColTx">
+<p:sldLayout xmlns:a="http://schemas.openxmlformats.org/drawingml/2006/main" xmlns:r="http://schemas.openxmlformats.org/officeDocument/2006/relationships" xmlns:p="http://schemas.openxmlformats.org/presentationml/2006/main" matchingName="Title and two columns" type="twoColTx">
   <p:cSld name="TITLE_AND_TWO_COLUMNS">
     <p:spTree>
       <p:nvGrpSpPr>
-        <p:cNvPr id="20" name="Shape 20"/>
+        <p:cNvPr id="1" name="Shape 20"/>
         <p:cNvGrpSpPr/>
         <p:nvPr/>
       </p:nvGrpSpPr>
@@ -2521,7 +2927,9 @@
       <p:sp>
         <p:nvSpPr>
           <p:cNvPr id="21" name="Google Shape;21;p5"/>
-          <p:cNvSpPr txBox="1"/>
+          <p:cNvSpPr txBox="1">
+            <a:spLocks noGrp="1"/>
+          </p:cNvSpPr>
           <p:nvPr>
             <p:ph type="title"/>
           </p:nvPr>
@@ -2536,7 +2944,7 @@
           </a:prstGeom>
         </p:spPr>
         <p:txBody>
-          <a:bodyPr anchorCtr="0" anchor="t" bIns="91425" lIns="91425" spcFirstLastPara="1" rIns="91425" wrap="square" tIns="91425">
+          <a:bodyPr spcFirstLastPara="1" wrap="square" lIns="91425" tIns="91425" rIns="91425" bIns="91425" anchor="t" anchorCtr="0">
             <a:noAutofit/>
           </a:bodyPr>
           <a:lstStyle>
@@ -2640,15 +3048,19 @@
               <a:defRPr/>
             </a:lvl9pPr>
           </a:lstStyle>
-          <a:p/>
+          <a:p>
+            <a:endParaRPr/>
+          </a:p>
         </p:txBody>
       </p:sp>
       <p:sp>
         <p:nvSpPr>
           <p:cNvPr id="22" name="Google Shape;22;p5"/>
-          <p:cNvSpPr txBox="1"/>
+          <p:cNvSpPr txBox="1">
+            <a:spLocks noGrp="1"/>
+          </p:cNvSpPr>
           <p:nvPr>
-            <p:ph idx="1" type="body"/>
+            <p:ph type="body" idx="1"/>
           </p:nvPr>
         </p:nvSpPr>
         <p:spPr>
@@ -2661,11 +3073,11 @@
           </a:prstGeom>
         </p:spPr>
         <p:txBody>
-          <a:bodyPr anchorCtr="0" anchor="t" bIns="91425" lIns="91425" spcFirstLastPara="1" rIns="91425" wrap="square" tIns="91425">
+          <a:bodyPr spcFirstLastPara="1" wrap="square" lIns="91425" tIns="91425" rIns="91425" bIns="91425" anchor="t" anchorCtr="0">
             <a:noAutofit/>
           </a:bodyPr>
           <a:lstStyle>
-            <a:lvl1pPr indent="-317500" lvl="0" marL="457200">
+            <a:lvl1pPr marL="457200" lvl="0" indent="-317500">
               <a:spcBef>
                 <a:spcPts val="0"/>
               </a:spcBef>
@@ -2676,7 +3088,7 @@
               <a:buChar char="●"/>
               <a:defRPr sz="1400"/>
             </a:lvl1pPr>
-            <a:lvl2pPr indent="-304800" lvl="1" marL="914400">
+            <a:lvl2pPr marL="914400" lvl="1" indent="-304800">
               <a:spcBef>
                 <a:spcPts val="0"/>
               </a:spcBef>
@@ -2687,7 +3099,7 @@
               <a:buChar char="○"/>
               <a:defRPr sz="1200"/>
             </a:lvl2pPr>
-            <a:lvl3pPr indent="-304800" lvl="2" marL="1371600">
+            <a:lvl3pPr marL="1371600" lvl="2" indent="-304800">
               <a:spcBef>
                 <a:spcPts val="0"/>
               </a:spcBef>
@@ -2698,7 +3110,7 @@
               <a:buChar char="■"/>
               <a:defRPr sz="1200"/>
             </a:lvl3pPr>
-            <a:lvl4pPr indent="-304800" lvl="3" marL="1828800">
+            <a:lvl4pPr marL="1828800" lvl="3" indent="-304800">
               <a:spcBef>
                 <a:spcPts val="0"/>
               </a:spcBef>
@@ -2709,7 +3121,7 @@
               <a:buChar char="●"/>
               <a:defRPr sz="1200"/>
             </a:lvl4pPr>
-            <a:lvl5pPr indent="-304800" lvl="4" marL="2286000">
+            <a:lvl5pPr marL="2286000" lvl="4" indent="-304800">
               <a:spcBef>
                 <a:spcPts val="0"/>
               </a:spcBef>
@@ -2720,7 +3132,7 @@
               <a:buChar char="○"/>
               <a:defRPr sz="1200"/>
             </a:lvl5pPr>
-            <a:lvl6pPr indent="-304800" lvl="5" marL="2743200">
+            <a:lvl6pPr marL="2743200" lvl="5" indent="-304800">
               <a:spcBef>
                 <a:spcPts val="0"/>
               </a:spcBef>
@@ -2731,7 +3143,7 @@
               <a:buChar char="■"/>
               <a:defRPr sz="1200"/>
             </a:lvl6pPr>
-            <a:lvl7pPr indent="-304800" lvl="6" marL="3200400">
+            <a:lvl7pPr marL="3200400" lvl="6" indent="-304800">
               <a:spcBef>
                 <a:spcPts val="0"/>
               </a:spcBef>
@@ -2742,7 +3154,7 @@
               <a:buChar char="●"/>
               <a:defRPr sz="1200"/>
             </a:lvl7pPr>
-            <a:lvl8pPr indent="-304800" lvl="7" marL="3657600">
+            <a:lvl8pPr marL="3657600" lvl="7" indent="-304800">
               <a:spcBef>
                 <a:spcPts val="0"/>
               </a:spcBef>
@@ -2753,7 +3165,7 @@
               <a:buChar char="○"/>
               <a:defRPr sz="1200"/>
             </a:lvl8pPr>
-            <a:lvl9pPr indent="-304800" lvl="8" marL="4114800">
+            <a:lvl9pPr marL="4114800" lvl="8" indent="-304800">
               <a:spcBef>
                 <a:spcPts val="0"/>
               </a:spcBef>
@@ -2765,15 +3177,19 @@
               <a:defRPr sz="1200"/>
             </a:lvl9pPr>
           </a:lstStyle>
-          <a:p/>
+          <a:p>
+            <a:endParaRPr/>
+          </a:p>
         </p:txBody>
       </p:sp>
       <p:sp>
         <p:nvSpPr>
           <p:cNvPr id="23" name="Google Shape;23;p5"/>
-          <p:cNvSpPr txBox="1"/>
+          <p:cNvSpPr txBox="1">
+            <a:spLocks noGrp="1"/>
+          </p:cNvSpPr>
           <p:nvPr>
-            <p:ph idx="2" type="body"/>
+            <p:ph type="body" idx="2"/>
           </p:nvPr>
         </p:nvSpPr>
         <p:spPr>
@@ -2786,11 +3202,11 @@
           </a:prstGeom>
         </p:spPr>
         <p:txBody>
-          <a:bodyPr anchorCtr="0" anchor="t" bIns="91425" lIns="91425" spcFirstLastPara="1" rIns="91425" wrap="square" tIns="91425">
+          <a:bodyPr spcFirstLastPara="1" wrap="square" lIns="91425" tIns="91425" rIns="91425" bIns="91425" anchor="t" anchorCtr="0">
             <a:noAutofit/>
           </a:bodyPr>
           <a:lstStyle>
-            <a:lvl1pPr indent="-317500" lvl="0" marL="457200">
+            <a:lvl1pPr marL="457200" lvl="0" indent="-317500">
               <a:spcBef>
                 <a:spcPts val="0"/>
               </a:spcBef>
@@ -2801,7 +3217,7 @@
               <a:buChar char="●"/>
               <a:defRPr sz="1400"/>
             </a:lvl1pPr>
-            <a:lvl2pPr indent="-304800" lvl="1" marL="914400">
+            <a:lvl2pPr marL="914400" lvl="1" indent="-304800">
               <a:spcBef>
                 <a:spcPts val="0"/>
               </a:spcBef>
@@ -2812,7 +3228,7 @@
               <a:buChar char="○"/>
               <a:defRPr sz="1200"/>
             </a:lvl2pPr>
-            <a:lvl3pPr indent="-304800" lvl="2" marL="1371600">
+            <a:lvl3pPr marL="1371600" lvl="2" indent="-304800">
               <a:spcBef>
                 <a:spcPts val="0"/>
               </a:spcBef>
@@ -2823,7 +3239,7 @@
               <a:buChar char="■"/>
               <a:defRPr sz="1200"/>
             </a:lvl3pPr>
-            <a:lvl4pPr indent="-304800" lvl="3" marL="1828800">
+            <a:lvl4pPr marL="1828800" lvl="3" indent="-304800">
               <a:spcBef>
                 <a:spcPts val="0"/>
               </a:spcBef>
@@ -2834,7 +3250,7 @@
               <a:buChar char="●"/>
               <a:defRPr sz="1200"/>
             </a:lvl4pPr>
-            <a:lvl5pPr indent="-304800" lvl="4" marL="2286000">
+            <a:lvl5pPr marL="2286000" lvl="4" indent="-304800">
               <a:spcBef>
                 <a:spcPts val="0"/>
               </a:spcBef>
@@ -2845,7 +3261,7 @@
               <a:buChar char="○"/>
               <a:defRPr sz="1200"/>
             </a:lvl5pPr>
-            <a:lvl6pPr indent="-304800" lvl="5" marL="2743200">
+            <a:lvl6pPr marL="2743200" lvl="5" indent="-304800">
               <a:spcBef>
                 <a:spcPts val="0"/>
               </a:spcBef>
@@ -2856,7 +3272,7 @@
               <a:buChar char="■"/>
               <a:defRPr sz="1200"/>
             </a:lvl6pPr>
-            <a:lvl7pPr indent="-304800" lvl="6" marL="3200400">
+            <a:lvl7pPr marL="3200400" lvl="6" indent="-304800">
               <a:spcBef>
                 <a:spcPts val="0"/>
               </a:spcBef>
@@ -2867,7 +3283,7 @@
               <a:buChar char="●"/>
               <a:defRPr sz="1200"/>
             </a:lvl7pPr>
-            <a:lvl8pPr indent="-304800" lvl="7" marL="3657600">
+            <a:lvl8pPr marL="3657600" lvl="7" indent="-304800">
               <a:spcBef>
                 <a:spcPts val="0"/>
               </a:spcBef>
@@ -2878,7 +3294,7 @@
               <a:buChar char="○"/>
               <a:defRPr sz="1200"/>
             </a:lvl8pPr>
-            <a:lvl9pPr indent="-304800" lvl="8" marL="4114800">
+            <a:lvl9pPr marL="4114800" lvl="8" indent="-304800">
               <a:spcBef>
                 <a:spcPts val="0"/>
               </a:spcBef>
@@ -2890,15 +3306,19 @@
               <a:defRPr sz="1200"/>
             </a:lvl9pPr>
           </a:lstStyle>
-          <a:p/>
+          <a:p>
+            <a:endParaRPr/>
+          </a:p>
         </p:txBody>
       </p:sp>
       <p:sp>
         <p:nvSpPr>
           <p:cNvPr id="24" name="Google Shape;24;p5"/>
-          <p:cNvSpPr txBox="1"/>
+          <p:cNvSpPr txBox="1">
+            <a:spLocks noGrp="1"/>
+          </p:cNvSpPr>
           <p:nvPr>
-            <p:ph idx="12" type="sldNum"/>
+            <p:ph type="sldNum" idx="12"/>
           </p:nvPr>
         </p:nvSpPr>
         <p:spPr>
@@ -2911,7 +3331,7 @@
           </a:prstGeom>
         </p:spPr>
         <p:txBody>
-          <a:bodyPr anchorCtr="0" anchor="ctr" bIns="91425" lIns="91425" spcFirstLastPara="1" rIns="91425" wrap="square" tIns="91425">
+          <a:bodyPr spcFirstLastPara="1" wrap="square" lIns="91425" tIns="91425" rIns="91425" bIns="91425" anchor="ctr" anchorCtr="0">
             <a:noAutofit/>
           </a:bodyPr>
           <a:lstStyle>
@@ -2953,7 +3373,7 @@
             </a:lvl9pPr>
           </a:lstStyle>
           <a:p>
-            <a:pPr indent="0" lvl="0" marL="0" rtl="0" algn="r">
+            <a:pPr marL="0" lvl="0" indent="0" algn="r" rtl="0">
               <a:spcBef>
                 <a:spcPts val="0"/>
               </a:spcBef>
@@ -2979,11 +3399,11 @@
 </file>
 
 <file path=ppt/slideLayouts/slideLayout5.xml><?xml version="1.0" encoding="utf-8"?>
-<p:sldLayout xmlns:a="http://schemas.openxmlformats.org/drawingml/2006/main" xmlns:r="http://schemas.openxmlformats.org/officeDocument/2006/relationships" xmlns:mc="http://schemas.openxmlformats.org/markup-compatibility/2006" xmlns:mv="urn:schemas-microsoft-com:mac:vml" xmlns:p="http://schemas.openxmlformats.org/presentationml/2006/main" xmlns:c="http://schemas.openxmlformats.org/drawingml/2006/chart" xmlns:dgm="http://schemas.openxmlformats.org/drawingml/2006/diagram" xmlns:o="urn:schemas-microsoft-com:office:office" xmlns:v="urn:schemas-microsoft-com:vml" xmlns:pvml="urn:schemas-microsoft-com:office:powerpoint" xmlns:com="http://schemas.openxmlformats.org/drawingml/2006/compatibility" xmlns:p14="http://schemas.microsoft.com/office/powerpoint/2010/main" xmlns:p15="http://schemas.microsoft.com/office/powerpoint/2012/main" xmlns:ahyp="http://schemas.microsoft.com/office/drawing/2018/hyperlinkcolor" matchingName="Title only" type="titleOnly">
+<p:sldLayout xmlns:a="http://schemas.openxmlformats.org/drawingml/2006/main" xmlns:r="http://schemas.openxmlformats.org/officeDocument/2006/relationships" xmlns:p="http://schemas.openxmlformats.org/presentationml/2006/main" matchingName="Title only" type="titleOnly">
   <p:cSld name="TITLE_ONLY">
     <p:spTree>
       <p:nvGrpSpPr>
-        <p:cNvPr id="25" name="Shape 25"/>
+        <p:cNvPr id="1" name="Shape 25"/>
         <p:cNvGrpSpPr/>
         <p:nvPr/>
       </p:nvGrpSpPr>
@@ -2998,7 +3418,9 @@
       <p:sp>
         <p:nvSpPr>
           <p:cNvPr id="26" name="Google Shape;26;p6"/>
-          <p:cNvSpPr txBox="1"/>
+          <p:cNvSpPr txBox="1">
+            <a:spLocks noGrp="1"/>
+          </p:cNvSpPr>
           <p:nvPr>
             <p:ph type="title"/>
           </p:nvPr>
@@ -3013,7 +3435,7 @@
           </a:prstGeom>
         </p:spPr>
         <p:txBody>
-          <a:bodyPr anchorCtr="0" anchor="t" bIns="91425" lIns="91425" spcFirstLastPara="1" rIns="91425" wrap="square" tIns="91425">
+          <a:bodyPr spcFirstLastPara="1" wrap="square" lIns="91425" tIns="91425" rIns="91425" bIns="91425" anchor="t" anchorCtr="0">
             <a:noAutofit/>
           </a:bodyPr>
           <a:lstStyle>
@@ -3117,15 +3539,19 @@
               <a:defRPr/>
             </a:lvl9pPr>
           </a:lstStyle>
-          <a:p/>
+          <a:p>
+            <a:endParaRPr/>
+          </a:p>
         </p:txBody>
       </p:sp>
       <p:sp>
         <p:nvSpPr>
           <p:cNvPr id="27" name="Google Shape;27;p6"/>
-          <p:cNvSpPr txBox="1"/>
+          <p:cNvSpPr txBox="1">
+            <a:spLocks noGrp="1"/>
+          </p:cNvSpPr>
           <p:nvPr>
-            <p:ph idx="12" type="sldNum"/>
+            <p:ph type="sldNum" idx="12"/>
           </p:nvPr>
         </p:nvSpPr>
         <p:spPr>
@@ -3138,7 +3564,7 @@
           </a:prstGeom>
         </p:spPr>
         <p:txBody>
-          <a:bodyPr anchorCtr="0" anchor="ctr" bIns="91425" lIns="91425" spcFirstLastPara="1" rIns="91425" wrap="square" tIns="91425">
+          <a:bodyPr spcFirstLastPara="1" wrap="square" lIns="91425" tIns="91425" rIns="91425" bIns="91425" anchor="ctr" anchorCtr="0">
             <a:noAutofit/>
           </a:bodyPr>
           <a:lstStyle>
@@ -3180,7 +3606,7 @@
             </a:lvl9pPr>
           </a:lstStyle>
           <a:p>
-            <a:pPr indent="0" lvl="0" marL="0" rtl="0" algn="r">
+            <a:pPr marL="0" lvl="0" indent="0" algn="r" rtl="0">
               <a:spcBef>
                 <a:spcPts val="0"/>
               </a:spcBef>
@@ -3206,11 +3632,11 @@
 </file>
 
 <file path=ppt/slideLayouts/slideLayout6.xml><?xml version="1.0" encoding="utf-8"?>
-<p:sldLayout xmlns:a="http://schemas.openxmlformats.org/drawingml/2006/main" xmlns:r="http://schemas.openxmlformats.org/officeDocument/2006/relationships" xmlns:mc="http://schemas.openxmlformats.org/markup-compatibility/2006" xmlns:mv="urn:schemas-microsoft-com:mac:vml" xmlns:p="http://schemas.openxmlformats.org/presentationml/2006/main" xmlns:c="http://schemas.openxmlformats.org/drawingml/2006/chart" xmlns:dgm="http://schemas.openxmlformats.org/drawingml/2006/diagram" xmlns:o="urn:schemas-microsoft-com:office:office" xmlns:v="urn:schemas-microsoft-com:vml" xmlns:pvml="urn:schemas-microsoft-com:office:powerpoint" xmlns:com="http://schemas.openxmlformats.org/drawingml/2006/compatibility" xmlns:p14="http://schemas.microsoft.com/office/powerpoint/2010/main" xmlns:p15="http://schemas.microsoft.com/office/powerpoint/2012/main" xmlns:ahyp="http://schemas.microsoft.com/office/drawing/2018/hyperlinkcolor" matchingName="One column text">
+<p:sldLayout xmlns:a="http://schemas.openxmlformats.org/drawingml/2006/main" xmlns:r="http://schemas.openxmlformats.org/officeDocument/2006/relationships" xmlns:p="http://schemas.openxmlformats.org/presentationml/2006/main" matchingName="One column text">
   <p:cSld name="ONE_COLUMN_TEXT">
     <p:spTree>
       <p:nvGrpSpPr>
-        <p:cNvPr id="28" name="Shape 28"/>
+        <p:cNvPr id="1" name="Shape 28"/>
         <p:cNvGrpSpPr/>
         <p:nvPr/>
       </p:nvGrpSpPr>
@@ -3225,7 +3651,9 @@
       <p:sp>
         <p:nvSpPr>
           <p:cNvPr id="29" name="Google Shape;29;p7"/>
-          <p:cNvSpPr txBox="1"/>
+          <p:cNvSpPr txBox="1">
+            <a:spLocks noGrp="1"/>
+          </p:cNvSpPr>
           <p:nvPr>
             <p:ph type="title"/>
           </p:nvPr>
@@ -3240,7 +3668,7 @@
           </a:prstGeom>
         </p:spPr>
         <p:txBody>
-          <a:bodyPr anchorCtr="0" anchor="b" bIns="91425" lIns="91425" spcFirstLastPara="1" rIns="91425" wrap="square" tIns="91425">
+          <a:bodyPr spcFirstLastPara="1" wrap="square" lIns="91425" tIns="91425" rIns="91425" bIns="91425" anchor="b" anchorCtr="0">
             <a:noAutofit/>
           </a:bodyPr>
           <a:lstStyle>
@@ -3344,15 +3772,19 @@
               <a:defRPr sz="2400"/>
             </a:lvl9pPr>
           </a:lstStyle>
-          <a:p/>
+          <a:p>
+            <a:endParaRPr/>
+          </a:p>
         </p:txBody>
       </p:sp>
       <p:sp>
         <p:nvSpPr>
           <p:cNvPr id="30" name="Google Shape;30;p7"/>
-          <p:cNvSpPr txBox="1"/>
+          <p:cNvSpPr txBox="1">
+            <a:spLocks noGrp="1"/>
+          </p:cNvSpPr>
           <p:nvPr>
-            <p:ph idx="1" type="body"/>
+            <p:ph type="body" idx="1"/>
           </p:nvPr>
         </p:nvSpPr>
         <p:spPr>
@@ -3365,11 +3797,11 @@
           </a:prstGeom>
         </p:spPr>
         <p:txBody>
-          <a:bodyPr anchorCtr="0" anchor="t" bIns="91425" lIns="91425" spcFirstLastPara="1" rIns="91425" wrap="square" tIns="91425">
+          <a:bodyPr spcFirstLastPara="1" wrap="square" lIns="91425" tIns="91425" rIns="91425" bIns="91425" anchor="t" anchorCtr="0">
             <a:noAutofit/>
           </a:bodyPr>
           <a:lstStyle>
-            <a:lvl1pPr indent="-304800" lvl="0" marL="457200">
+            <a:lvl1pPr marL="457200" lvl="0" indent="-304800">
               <a:spcBef>
                 <a:spcPts val="0"/>
               </a:spcBef>
@@ -3380,7 +3812,7 @@
               <a:buChar char="●"/>
               <a:defRPr sz="1200"/>
             </a:lvl1pPr>
-            <a:lvl2pPr indent="-304800" lvl="1" marL="914400">
+            <a:lvl2pPr marL="914400" lvl="1" indent="-304800">
               <a:spcBef>
                 <a:spcPts val="0"/>
               </a:spcBef>
@@ -3391,7 +3823,7 @@
               <a:buChar char="○"/>
               <a:defRPr sz="1200"/>
             </a:lvl2pPr>
-            <a:lvl3pPr indent="-304800" lvl="2" marL="1371600">
+            <a:lvl3pPr marL="1371600" lvl="2" indent="-304800">
               <a:spcBef>
                 <a:spcPts val="0"/>
               </a:spcBef>
@@ -3402,7 +3834,7 @@
               <a:buChar char="■"/>
               <a:defRPr sz="1200"/>
             </a:lvl3pPr>
-            <a:lvl4pPr indent="-304800" lvl="3" marL="1828800">
+            <a:lvl4pPr marL="1828800" lvl="3" indent="-304800">
               <a:spcBef>
                 <a:spcPts val="0"/>
               </a:spcBef>
@@ -3413,7 +3845,7 @@
               <a:buChar char="●"/>
               <a:defRPr sz="1200"/>
             </a:lvl4pPr>
-            <a:lvl5pPr indent="-304800" lvl="4" marL="2286000">
+            <a:lvl5pPr marL="2286000" lvl="4" indent="-304800">
               <a:spcBef>
                 <a:spcPts val="0"/>
               </a:spcBef>
@@ -3424,7 +3856,7 @@
               <a:buChar char="○"/>
               <a:defRPr sz="1200"/>
             </a:lvl5pPr>
-            <a:lvl6pPr indent="-304800" lvl="5" marL="2743200">
+            <a:lvl6pPr marL="2743200" lvl="5" indent="-304800">
               <a:spcBef>
                 <a:spcPts val="0"/>
               </a:spcBef>
@@ -3435,7 +3867,7 @@
               <a:buChar char="■"/>
               <a:defRPr sz="1200"/>
             </a:lvl6pPr>
-            <a:lvl7pPr indent="-304800" lvl="6" marL="3200400">
+            <a:lvl7pPr marL="3200400" lvl="6" indent="-304800">
               <a:spcBef>
                 <a:spcPts val="0"/>
               </a:spcBef>
@@ -3446,7 +3878,7 @@
               <a:buChar char="●"/>
               <a:defRPr sz="1200"/>
             </a:lvl7pPr>
-            <a:lvl8pPr indent="-304800" lvl="7" marL="3657600">
+            <a:lvl8pPr marL="3657600" lvl="7" indent="-304800">
               <a:spcBef>
                 <a:spcPts val="0"/>
               </a:spcBef>
@@ -3457,7 +3889,7 @@
               <a:buChar char="○"/>
               <a:defRPr sz="1200"/>
             </a:lvl8pPr>
-            <a:lvl9pPr indent="-304800" lvl="8" marL="4114800">
+            <a:lvl9pPr marL="4114800" lvl="8" indent="-304800">
               <a:spcBef>
                 <a:spcPts val="0"/>
               </a:spcBef>
@@ -3469,15 +3901,19 @@
               <a:defRPr sz="1200"/>
             </a:lvl9pPr>
           </a:lstStyle>
-          <a:p/>
+          <a:p>
+            <a:endParaRPr/>
+          </a:p>
         </p:txBody>
       </p:sp>
       <p:sp>
         <p:nvSpPr>
           <p:cNvPr id="31" name="Google Shape;31;p7"/>
-          <p:cNvSpPr txBox="1"/>
+          <p:cNvSpPr txBox="1">
+            <a:spLocks noGrp="1"/>
+          </p:cNvSpPr>
           <p:nvPr>
-            <p:ph idx="12" type="sldNum"/>
+            <p:ph type="sldNum" idx="12"/>
           </p:nvPr>
         </p:nvSpPr>
         <p:spPr>
@@ -3490,7 +3926,7 @@
           </a:prstGeom>
         </p:spPr>
         <p:txBody>
-          <a:bodyPr anchorCtr="0" anchor="ctr" bIns="91425" lIns="91425" spcFirstLastPara="1" rIns="91425" wrap="square" tIns="91425">
+          <a:bodyPr spcFirstLastPara="1" wrap="square" lIns="91425" tIns="91425" rIns="91425" bIns="91425" anchor="ctr" anchorCtr="0">
             <a:noAutofit/>
           </a:bodyPr>
           <a:lstStyle>
@@ -3532,7 +3968,7 @@
             </a:lvl9pPr>
           </a:lstStyle>
           <a:p>
-            <a:pPr indent="0" lvl="0" marL="0" rtl="0" algn="r">
+            <a:pPr marL="0" lvl="0" indent="0" algn="r" rtl="0">
               <a:spcBef>
                 <a:spcPts val="0"/>
               </a:spcBef>
@@ -3558,11 +3994,11 @@
 </file>
 
 <file path=ppt/slideLayouts/slideLayout7.xml><?xml version="1.0" encoding="utf-8"?>
-<p:sldLayout xmlns:a="http://schemas.openxmlformats.org/drawingml/2006/main" xmlns:r="http://schemas.openxmlformats.org/officeDocument/2006/relationships" xmlns:mc="http://schemas.openxmlformats.org/markup-compatibility/2006" xmlns:mv="urn:schemas-microsoft-com:mac:vml" xmlns:p="http://schemas.openxmlformats.org/presentationml/2006/main" xmlns:c="http://schemas.openxmlformats.org/drawingml/2006/chart" xmlns:dgm="http://schemas.openxmlformats.org/drawingml/2006/diagram" xmlns:o="urn:schemas-microsoft-com:office:office" xmlns:v="urn:schemas-microsoft-com:vml" xmlns:pvml="urn:schemas-microsoft-com:office:powerpoint" xmlns:com="http://schemas.openxmlformats.org/drawingml/2006/compatibility" xmlns:p14="http://schemas.microsoft.com/office/powerpoint/2010/main" xmlns:p15="http://schemas.microsoft.com/office/powerpoint/2012/main" xmlns:ahyp="http://schemas.microsoft.com/office/drawing/2018/hyperlinkcolor" matchingName="Main point">
+<p:sldLayout xmlns:a="http://schemas.openxmlformats.org/drawingml/2006/main" xmlns:r="http://schemas.openxmlformats.org/officeDocument/2006/relationships" xmlns:p="http://schemas.openxmlformats.org/presentationml/2006/main" matchingName="Main point">
   <p:cSld name="MAIN_POINT">
     <p:spTree>
       <p:nvGrpSpPr>
-        <p:cNvPr id="32" name="Shape 32"/>
+        <p:cNvPr id="1" name="Shape 32"/>
         <p:cNvGrpSpPr/>
         <p:nvPr/>
       </p:nvGrpSpPr>
@@ -3577,7 +4013,9 @@
       <p:sp>
         <p:nvSpPr>
           <p:cNvPr id="33" name="Google Shape;33;p8"/>
-          <p:cNvSpPr txBox="1"/>
+          <p:cNvSpPr txBox="1">
+            <a:spLocks noGrp="1"/>
+          </p:cNvSpPr>
           <p:nvPr>
             <p:ph type="title"/>
           </p:nvPr>
@@ -3592,7 +4030,7 @@
           </a:prstGeom>
         </p:spPr>
         <p:txBody>
-          <a:bodyPr anchorCtr="0" anchor="ctr" bIns="91425" lIns="91425" spcFirstLastPara="1" rIns="91425" wrap="square" tIns="91425">
+          <a:bodyPr spcFirstLastPara="1" wrap="square" lIns="91425" tIns="91425" rIns="91425" bIns="91425" anchor="ctr" anchorCtr="0">
             <a:noAutofit/>
           </a:bodyPr>
           <a:lstStyle>
@@ -3696,15 +4134,19 @@
               <a:defRPr sz="4800"/>
             </a:lvl9pPr>
           </a:lstStyle>
-          <a:p/>
+          <a:p>
+            <a:endParaRPr/>
+          </a:p>
         </p:txBody>
       </p:sp>
       <p:sp>
         <p:nvSpPr>
           <p:cNvPr id="34" name="Google Shape;34;p8"/>
-          <p:cNvSpPr txBox="1"/>
+          <p:cNvSpPr txBox="1">
+            <a:spLocks noGrp="1"/>
+          </p:cNvSpPr>
           <p:nvPr>
-            <p:ph idx="12" type="sldNum"/>
+            <p:ph type="sldNum" idx="12"/>
           </p:nvPr>
         </p:nvSpPr>
         <p:spPr>
@@ -3717,7 +4159,7 @@
           </a:prstGeom>
         </p:spPr>
         <p:txBody>
-          <a:bodyPr anchorCtr="0" anchor="ctr" bIns="91425" lIns="91425" spcFirstLastPara="1" rIns="91425" wrap="square" tIns="91425">
+          <a:bodyPr spcFirstLastPara="1" wrap="square" lIns="91425" tIns="91425" rIns="91425" bIns="91425" anchor="ctr" anchorCtr="0">
             <a:noAutofit/>
           </a:bodyPr>
           <a:lstStyle>
@@ -3759,7 +4201,7 @@
             </a:lvl9pPr>
           </a:lstStyle>
           <a:p>
-            <a:pPr indent="0" lvl="0" marL="0" rtl="0" algn="r">
+            <a:pPr marL="0" lvl="0" indent="0" algn="r" rtl="0">
               <a:spcBef>
                 <a:spcPts val="0"/>
               </a:spcBef>
@@ -3785,11 +4227,11 @@
 </file>
 
 <file path=ppt/slideLayouts/slideLayout8.xml><?xml version="1.0" encoding="utf-8"?>
-<p:sldLayout xmlns:a="http://schemas.openxmlformats.org/drawingml/2006/main" xmlns:r="http://schemas.openxmlformats.org/officeDocument/2006/relationships" xmlns:mc="http://schemas.openxmlformats.org/markup-compatibility/2006" xmlns:mv="urn:schemas-microsoft-com:mac:vml" xmlns:p="http://schemas.openxmlformats.org/presentationml/2006/main" xmlns:c="http://schemas.openxmlformats.org/drawingml/2006/chart" xmlns:dgm="http://schemas.openxmlformats.org/drawingml/2006/diagram" xmlns:o="urn:schemas-microsoft-com:office:office" xmlns:v="urn:schemas-microsoft-com:vml" xmlns:pvml="urn:schemas-microsoft-com:office:powerpoint" xmlns:com="http://schemas.openxmlformats.org/drawingml/2006/compatibility" xmlns:p14="http://schemas.microsoft.com/office/powerpoint/2010/main" xmlns:p15="http://schemas.microsoft.com/office/powerpoint/2012/main" xmlns:ahyp="http://schemas.microsoft.com/office/drawing/2018/hyperlinkcolor" matchingName="Section title and description">
+<p:sldLayout xmlns:a="http://schemas.openxmlformats.org/drawingml/2006/main" xmlns:r="http://schemas.openxmlformats.org/officeDocument/2006/relationships" xmlns:p="http://schemas.openxmlformats.org/presentationml/2006/main" matchingName="Section title and description">
   <p:cSld name="SECTION_TITLE_AND_DESCRIPTION">
     <p:spTree>
       <p:nvGrpSpPr>
-        <p:cNvPr id="35" name="Shape 35"/>
+        <p:cNvPr id="1" name="Shape 35"/>
         <p:cNvGrpSpPr/>
         <p:nvPr/>
       </p:nvGrpSpPr>
@@ -3823,12 +4265,12 @@
           </a:ln>
         </p:spPr>
         <p:txBody>
-          <a:bodyPr anchorCtr="0" anchor="ctr" bIns="91425" lIns="91425" spcFirstLastPara="1" rIns="91425" wrap="square" tIns="91425">
+          <a:bodyPr spcFirstLastPara="1" wrap="square" lIns="91425" tIns="91425" rIns="91425" bIns="91425" anchor="ctr" anchorCtr="0">
             <a:noAutofit/>
           </a:bodyPr>
           <a:lstStyle/>
           <a:p>
-            <a:pPr indent="0" lvl="0" marL="0" rtl="0" algn="l">
+            <a:pPr marL="0" lvl="0" indent="0" algn="l" rtl="0">
               <a:spcBef>
                 <a:spcPts val="0"/>
               </a:spcBef>
@@ -3837,9 +4279,6 @@
               </a:spcAft>
               <a:buNone/>
             </a:pPr>
-            <a:r>
-              <a:t/>
-            </a:r>
             <a:endParaRPr/>
           </a:p>
         </p:txBody>
@@ -3847,7 +4286,9 @@
       <p:sp>
         <p:nvSpPr>
           <p:cNvPr id="37" name="Google Shape;37;p9"/>
-          <p:cNvSpPr txBox="1"/>
+          <p:cNvSpPr txBox="1">
+            <a:spLocks noGrp="1"/>
+          </p:cNvSpPr>
           <p:nvPr>
             <p:ph type="title"/>
           </p:nvPr>
@@ -3862,7 +4303,7 @@
           </a:prstGeom>
         </p:spPr>
         <p:txBody>
-          <a:bodyPr anchorCtr="0" anchor="b" bIns="91425" lIns="91425" spcFirstLastPara="1" rIns="91425" wrap="square" tIns="91425">
+          <a:bodyPr spcFirstLastPara="1" wrap="square" lIns="91425" tIns="91425" rIns="91425" bIns="91425" anchor="b" anchorCtr="0">
             <a:noAutofit/>
           </a:bodyPr>
           <a:lstStyle>
@@ -3966,15 +4407,19 @@
               <a:defRPr sz="4200"/>
             </a:lvl9pPr>
           </a:lstStyle>
-          <a:p/>
+          <a:p>
+            <a:endParaRPr/>
+          </a:p>
         </p:txBody>
       </p:sp>
       <p:sp>
         <p:nvSpPr>
           <p:cNvPr id="38" name="Google Shape;38;p9"/>
-          <p:cNvSpPr txBox="1"/>
+          <p:cNvSpPr txBox="1">
+            <a:spLocks noGrp="1"/>
+          </p:cNvSpPr>
           <p:nvPr>
-            <p:ph idx="1" type="subTitle"/>
+            <p:ph type="subTitle" idx="1"/>
           </p:nvPr>
         </p:nvSpPr>
         <p:spPr>
@@ -3987,7 +4432,7 @@
           </a:prstGeom>
         </p:spPr>
         <p:txBody>
-          <a:bodyPr anchorCtr="0" anchor="t" bIns="91425" lIns="91425" spcFirstLastPara="1" rIns="91425" wrap="square" tIns="91425">
+          <a:bodyPr spcFirstLastPara="1" wrap="square" lIns="91425" tIns="91425" rIns="91425" bIns="91425" anchor="t" anchorCtr="0">
             <a:noAutofit/>
           </a:bodyPr>
           <a:lstStyle>
@@ -4118,15 +4563,19 @@
               <a:defRPr sz="2100"/>
             </a:lvl9pPr>
           </a:lstStyle>
-          <a:p/>
+          <a:p>
+            <a:endParaRPr/>
+          </a:p>
         </p:txBody>
       </p:sp>
       <p:sp>
         <p:nvSpPr>
           <p:cNvPr id="39" name="Google Shape;39;p9"/>
-          <p:cNvSpPr txBox="1"/>
+          <p:cNvSpPr txBox="1">
+            <a:spLocks noGrp="1"/>
+          </p:cNvSpPr>
           <p:nvPr>
-            <p:ph idx="2" type="body"/>
+            <p:ph type="body" idx="2"/>
           </p:nvPr>
         </p:nvSpPr>
         <p:spPr>
@@ -4139,11 +4588,11 @@
           </a:prstGeom>
         </p:spPr>
         <p:txBody>
-          <a:bodyPr anchorCtr="0" anchor="ctr" bIns="91425" lIns="91425" spcFirstLastPara="1" rIns="91425" wrap="square" tIns="91425">
+          <a:bodyPr spcFirstLastPara="1" wrap="square" lIns="91425" tIns="91425" rIns="91425" bIns="91425" anchor="ctr" anchorCtr="0">
             <a:noAutofit/>
           </a:bodyPr>
           <a:lstStyle>
-            <a:lvl1pPr indent="-342900" lvl="0" marL="457200">
+            <a:lvl1pPr marL="457200" lvl="0" indent="-342900">
               <a:spcBef>
                 <a:spcPts val="0"/>
               </a:spcBef>
@@ -4154,7 +4603,7 @@
               <a:buChar char="●"/>
               <a:defRPr/>
             </a:lvl1pPr>
-            <a:lvl2pPr indent="-317500" lvl="1" marL="914400">
+            <a:lvl2pPr marL="914400" lvl="1" indent="-317500">
               <a:spcBef>
                 <a:spcPts val="0"/>
               </a:spcBef>
@@ -4165,7 +4614,7 @@
               <a:buChar char="○"/>
               <a:defRPr/>
             </a:lvl2pPr>
-            <a:lvl3pPr indent="-317500" lvl="2" marL="1371600">
+            <a:lvl3pPr marL="1371600" lvl="2" indent="-317500">
               <a:spcBef>
                 <a:spcPts val="0"/>
               </a:spcBef>
@@ -4176,7 +4625,7 @@
               <a:buChar char="■"/>
               <a:defRPr/>
             </a:lvl3pPr>
-            <a:lvl4pPr indent="-317500" lvl="3" marL="1828800">
+            <a:lvl4pPr marL="1828800" lvl="3" indent="-317500">
               <a:spcBef>
                 <a:spcPts val="0"/>
               </a:spcBef>
@@ -4187,7 +4636,7 @@
               <a:buChar char="●"/>
               <a:defRPr/>
             </a:lvl4pPr>
-            <a:lvl5pPr indent="-317500" lvl="4" marL="2286000">
+            <a:lvl5pPr marL="2286000" lvl="4" indent="-317500">
               <a:spcBef>
                 <a:spcPts val="0"/>
               </a:spcBef>
@@ -4198,7 +4647,7 @@
               <a:buChar char="○"/>
               <a:defRPr/>
             </a:lvl5pPr>
-            <a:lvl6pPr indent="-317500" lvl="5" marL="2743200">
+            <a:lvl6pPr marL="2743200" lvl="5" indent="-317500">
               <a:spcBef>
                 <a:spcPts val="0"/>
               </a:spcBef>
@@ -4209,7 +4658,7 @@
               <a:buChar char="■"/>
               <a:defRPr/>
             </a:lvl6pPr>
-            <a:lvl7pPr indent="-317500" lvl="6" marL="3200400">
+            <a:lvl7pPr marL="3200400" lvl="6" indent="-317500">
               <a:spcBef>
                 <a:spcPts val="0"/>
               </a:spcBef>
@@ -4220,7 +4669,7 @@
               <a:buChar char="●"/>
               <a:defRPr/>
             </a:lvl7pPr>
-            <a:lvl8pPr indent="-317500" lvl="7" marL="3657600">
+            <a:lvl8pPr marL="3657600" lvl="7" indent="-317500">
               <a:spcBef>
                 <a:spcPts val="0"/>
               </a:spcBef>
@@ -4231,7 +4680,7 @@
               <a:buChar char="○"/>
               <a:defRPr/>
             </a:lvl8pPr>
-            <a:lvl9pPr indent="-317500" lvl="8" marL="4114800">
+            <a:lvl9pPr marL="4114800" lvl="8" indent="-317500">
               <a:spcBef>
                 <a:spcPts val="0"/>
               </a:spcBef>
@@ -4243,15 +4692,19 @@
               <a:defRPr/>
             </a:lvl9pPr>
           </a:lstStyle>
-          <a:p/>
+          <a:p>
+            <a:endParaRPr/>
+          </a:p>
         </p:txBody>
       </p:sp>
       <p:sp>
         <p:nvSpPr>
           <p:cNvPr id="40" name="Google Shape;40;p9"/>
-          <p:cNvSpPr txBox="1"/>
+          <p:cNvSpPr txBox="1">
+            <a:spLocks noGrp="1"/>
+          </p:cNvSpPr>
           <p:nvPr>
-            <p:ph idx="12" type="sldNum"/>
+            <p:ph type="sldNum" idx="12"/>
           </p:nvPr>
         </p:nvSpPr>
         <p:spPr>
@@ -4264,7 +4717,7 @@
           </a:prstGeom>
         </p:spPr>
         <p:txBody>
-          <a:bodyPr anchorCtr="0" anchor="ctr" bIns="91425" lIns="91425" spcFirstLastPara="1" rIns="91425" wrap="square" tIns="91425">
+          <a:bodyPr spcFirstLastPara="1" wrap="square" lIns="91425" tIns="91425" rIns="91425" bIns="91425" anchor="ctr" anchorCtr="0">
             <a:noAutofit/>
           </a:bodyPr>
           <a:lstStyle>
@@ -4306,7 +4759,7 @@
             </a:lvl9pPr>
           </a:lstStyle>
           <a:p>
-            <a:pPr indent="0" lvl="0" marL="0" rtl="0" algn="r">
+            <a:pPr marL="0" lvl="0" indent="0" algn="r" rtl="0">
               <a:spcBef>
                 <a:spcPts val="0"/>
               </a:spcBef>
@@ -4332,11 +4785,11 @@
 </file>
 
 <file path=ppt/slideLayouts/slideLayout9.xml><?xml version="1.0" encoding="utf-8"?>
-<p:sldLayout xmlns:a="http://schemas.openxmlformats.org/drawingml/2006/main" xmlns:r="http://schemas.openxmlformats.org/officeDocument/2006/relationships" xmlns:mc="http://schemas.openxmlformats.org/markup-compatibility/2006" xmlns:mv="urn:schemas-microsoft-com:mac:vml" xmlns:p="http://schemas.openxmlformats.org/presentationml/2006/main" xmlns:c="http://schemas.openxmlformats.org/drawingml/2006/chart" xmlns:dgm="http://schemas.openxmlformats.org/drawingml/2006/diagram" xmlns:o="urn:schemas-microsoft-com:office:office" xmlns:v="urn:schemas-microsoft-com:vml" xmlns:pvml="urn:schemas-microsoft-com:office:powerpoint" xmlns:com="http://schemas.openxmlformats.org/drawingml/2006/compatibility" xmlns:p14="http://schemas.microsoft.com/office/powerpoint/2010/main" xmlns:p15="http://schemas.microsoft.com/office/powerpoint/2012/main" xmlns:ahyp="http://schemas.microsoft.com/office/drawing/2018/hyperlinkcolor" matchingName="Caption">
+<p:sldLayout xmlns:a="http://schemas.openxmlformats.org/drawingml/2006/main" xmlns:r="http://schemas.openxmlformats.org/officeDocument/2006/relationships" xmlns:p="http://schemas.openxmlformats.org/presentationml/2006/main" matchingName="Caption">
   <p:cSld name="CAPTION_ONLY">
     <p:spTree>
       <p:nvGrpSpPr>
-        <p:cNvPr id="41" name="Shape 41"/>
+        <p:cNvPr id="1" name="Shape 41"/>
         <p:cNvGrpSpPr/>
         <p:nvPr/>
       </p:nvGrpSpPr>
@@ -4351,9 +4804,11 @@
       <p:sp>
         <p:nvSpPr>
           <p:cNvPr id="42" name="Google Shape;42;p10"/>
-          <p:cNvSpPr txBox="1"/>
+          <p:cNvSpPr txBox="1">
+            <a:spLocks noGrp="1"/>
+          </p:cNvSpPr>
           <p:nvPr>
-            <p:ph idx="1" type="body"/>
+            <p:ph type="body" idx="1"/>
           </p:nvPr>
         </p:nvSpPr>
         <p:spPr>
@@ -4366,11 +4821,11 @@
           </a:prstGeom>
         </p:spPr>
         <p:txBody>
-          <a:bodyPr anchorCtr="0" anchor="ctr" bIns="91425" lIns="91425" spcFirstLastPara="1" rIns="91425" wrap="square" tIns="91425">
+          <a:bodyPr spcFirstLastPara="1" wrap="square" lIns="91425" tIns="91425" rIns="91425" bIns="91425" anchor="ctr" anchorCtr="0">
             <a:noAutofit/>
           </a:bodyPr>
           <a:lstStyle>
-            <a:lvl1pPr indent="-228600" lvl="0" marL="457200">
+            <a:lvl1pPr marL="457200" lvl="0" indent="-228600">
               <a:lnSpc>
                 <a:spcPct val="100000"/>
               </a:lnSpc>
@@ -4385,15 +4840,19 @@
               <a:defRPr/>
             </a:lvl1pPr>
           </a:lstStyle>
-          <a:p/>
+          <a:p>
+            <a:endParaRPr/>
+          </a:p>
         </p:txBody>
       </p:sp>
       <p:sp>
         <p:nvSpPr>
           <p:cNvPr id="43" name="Google Shape;43;p10"/>
-          <p:cNvSpPr txBox="1"/>
+          <p:cNvSpPr txBox="1">
+            <a:spLocks noGrp="1"/>
+          </p:cNvSpPr>
           <p:nvPr>
-            <p:ph idx="12" type="sldNum"/>
+            <p:ph type="sldNum" idx="12"/>
           </p:nvPr>
         </p:nvSpPr>
         <p:spPr>
@@ -4406,7 +4865,7 @@
           </a:prstGeom>
         </p:spPr>
         <p:txBody>
-          <a:bodyPr anchorCtr="0" anchor="ctr" bIns="91425" lIns="91425" spcFirstLastPara="1" rIns="91425" wrap="square" tIns="91425">
+          <a:bodyPr spcFirstLastPara="1" wrap="square" lIns="91425" tIns="91425" rIns="91425" bIns="91425" anchor="ctr" anchorCtr="0">
             <a:noAutofit/>
           </a:bodyPr>
           <a:lstStyle>
@@ -4448,7 +4907,7 @@
             </a:lvl9pPr>
           </a:lstStyle>
           <a:p>
-            <a:pPr indent="0" lvl="0" marL="0" rtl="0" algn="r">
+            <a:pPr marL="0" lvl="0" indent="0" algn="r" rtl="0">
               <a:spcBef>
                 <a:spcPts val="0"/>
               </a:spcBef>
@@ -4474,18 +4933,19 @@
 </file>
 
 <file path=ppt/slideMasters/slideMaster1.xml><?xml version="1.0" encoding="utf-8"?>
-<p:sldMaster xmlns:a="http://schemas.openxmlformats.org/drawingml/2006/main" xmlns:r="http://schemas.openxmlformats.org/officeDocument/2006/relationships" xmlns:mc="http://schemas.openxmlformats.org/markup-compatibility/2006" xmlns:mv="urn:schemas-microsoft-com:mac:vml" xmlns:p="http://schemas.openxmlformats.org/presentationml/2006/main" xmlns:c="http://schemas.openxmlformats.org/drawingml/2006/chart" xmlns:dgm="http://schemas.openxmlformats.org/drawingml/2006/diagram" xmlns:o="urn:schemas-microsoft-com:office:office" xmlns:v="urn:schemas-microsoft-com:vml" xmlns:pvml="urn:schemas-microsoft-com:office:powerpoint" xmlns:com="http://schemas.openxmlformats.org/drawingml/2006/compatibility" xmlns:p14="http://schemas.microsoft.com/office/powerpoint/2010/main" xmlns:p15="http://schemas.microsoft.com/office/powerpoint/2012/main" xmlns:ahyp="http://schemas.microsoft.com/office/drawing/2018/hyperlinkcolor">
+<p:sldMaster xmlns:a="http://schemas.openxmlformats.org/drawingml/2006/main" xmlns:r="http://schemas.openxmlformats.org/officeDocument/2006/relationships" xmlns:p="http://schemas.openxmlformats.org/presentationml/2006/main">
   <p:cSld name="simple-light-2">
     <p:bg>
       <p:bgPr>
         <a:solidFill>
           <a:schemeClr val="lt1"/>
         </a:solidFill>
+        <a:effectLst/>
       </p:bgPr>
     </p:bg>
     <p:spTree>
       <p:nvGrpSpPr>
-        <p:cNvPr id="5" name="Shape 5"/>
+        <p:cNvPr id="1" name="Shape 5"/>
         <p:cNvGrpSpPr/>
         <p:nvPr/>
       </p:nvGrpSpPr>
@@ -4500,7 +4960,9 @@
       <p:sp>
         <p:nvSpPr>
           <p:cNvPr id="6" name="Google Shape;6;p1"/>
-          <p:cNvSpPr txBox="1"/>
+          <p:cNvSpPr txBox="1">
+            <a:spLocks noGrp="1"/>
+          </p:cNvSpPr>
           <p:nvPr>
             <p:ph type="title"/>
           </p:nvPr>
@@ -4519,7 +4981,7 @@
           </a:ln>
         </p:spPr>
         <p:txBody>
-          <a:bodyPr anchorCtr="0" anchor="t" bIns="91425" lIns="91425" spcFirstLastPara="1" rIns="91425" wrap="square" tIns="91425">
+          <a:bodyPr spcFirstLastPara="1" wrap="square" lIns="91425" tIns="91425" rIns="91425" bIns="91425" anchor="t" anchorCtr="0">
             <a:noAutofit/>
           </a:bodyPr>
           <a:lstStyle>
@@ -4686,15 +5148,19 @@
               </a:defRPr>
             </a:lvl9pPr>
           </a:lstStyle>
-          <a:p/>
+          <a:p>
+            <a:endParaRPr/>
+          </a:p>
         </p:txBody>
       </p:sp>
       <p:sp>
         <p:nvSpPr>
           <p:cNvPr id="7" name="Google Shape;7;p1"/>
-          <p:cNvSpPr txBox="1"/>
+          <p:cNvSpPr txBox="1">
+            <a:spLocks noGrp="1"/>
+          </p:cNvSpPr>
           <p:nvPr>
-            <p:ph idx="1" type="body"/>
+            <p:ph type="body" idx="1"/>
           </p:nvPr>
         </p:nvSpPr>
         <p:spPr>
@@ -4711,11 +5177,11 @@
           </a:ln>
         </p:spPr>
         <p:txBody>
-          <a:bodyPr anchorCtr="0" anchor="t" bIns="91425" lIns="91425" spcFirstLastPara="1" rIns="91425" wrap="square" tIns="91425">
+          <a:bodyPr spcFirstLastPara="1" wrap="square" lIns="91425" tIns="91425" rIns="91425" bIns="91425" anchor="t" anchorCtr="0">
             <a:noAutofit/>
           </a:bodyPr>
           <a:lstStyle>
-            <a:lvl1pPr indent="-342900" lvl="0" marL="457200">
+            <a:lvl1pPr marL="457200" lvl="0" indent="-342900">
               <a:lnSpc>
                 <a:spcPct val="115000"/>
               </a:lnSpc>
@@ -4736,7 +5202,7 @@
                 </a:solidFill>
               </a:defRPr>
             </a:lvl1pPr>
-            <a:lvl2pPr indent="-317500" lvl="1" marL="914400">
+            <a:lvl2pPr marL="914400" lvl="1" indent="-317500">
               <a:lnSpc>
                 <a:spcPct val="115000"/>
               </a:lnSpc>
@@ -4757,7 +5223,7 @@
                 </a:solidFill>
               </a:defRPr>
             </a:lvl2pPr>
-            <a:lvl3pPr indent="-317500" lvl="2" marL="1371600">
+            <a:lvl3pPr marL="1371600" lvl="2" indent="-317500">
               <a:lnSpc>
                 <a:spcPct val="115000"/>
               </a:lnSpc>
@@ -4778,7 +5244,7 @@
                 </a:solidFill>
               </a:defRPr>
             </a:lvl3pPr>
-            <a:lvl4pPr indent="-317500" lvl="3" marL="1828800">
+            <a:lvl4pPr marL="1828800" lvl="3" indent="-317500">
               <a:lnSpc>
                 <a:spcPct val="115000"/>
               </a:lnSpc>
@@ -4799,7 +5265,7 @@
                 </a:solidFill>
               </a:defRPr>
             </a:lvl4pPr>
-            <a:lvl5pPr indent="-317500" lvl="4" marL="2286000">
+            <a:lvl5pPr marL="2286000" lvl="4" indent="-317500">
               <a:lnSpc>
                 <a:spcPct val="115000"/>
               </a:lnSpc>
@@ -4820,7 +5286,7 @@
                 </a:solidFill>
               </a:defRPr>
             </a:lvl5pPr>
-            <a:lvl6pPr indent="-317500" lvl="5" marL="2743200">
+            <a:lvl6pPr marL="2743200" lvl="5" indent="-317500">
               <a:lnSpc>
                 <a:spcPct val="115000"/>
               </a:lnSpc>
@@ -4841,7 +5307,7 @@
                 </a:solidFill>
               </a:defRPr>
             </a:lvl6pPr>
-            <a:lvl7pPr indent="-317500" lvl="6" marL="3200400">
+            <a:lvl7pPr marL="3200400" lvl="6" indent="-317500">
               <a:lnSpc>
                 <a:spcPct val="115000"/>
               </a:lnSpc>
@@ -4862,7 +5328,7 @@
                 </a:solidFill>
               </a:defRPr>
             </a:lvl7pPr>
-            <a:lvl8pPr indent="-317500" lvl="7" marL="3657600">
+            <a:lvl8pPr marL="3657600" lvl="7" indent="-317500">
               <a:lnSpc>
                 <a:spcPct val="115000"/>
               </a:lnSpc>
@@ -4883,7 +5349,7 @@
                 </a:solidFill>
               </a:defRPr>
             </a:lvl8pPr>
-            <a:lvl9pPr indent="-317500" lvl="8" marL="4114800">
+            <a:lvl9pPr marL="4114800" lvl="8" indent="-317500">
               <a:lnSpc>
                 <a:spcPct val="115000"/>
               </a:lnSpc>
@@ -4905,15 +5371,19 @@
               </a:defRPr>
             </a:lvl9pPr>
           </a:lstStyle>
-          <a:p/>
+          <a:p>
+            <a:endParaRPr/>
+          </a:p>
         </p:txBody>
       </p:sp>
       <p:sp>
         <p:nvSpPr>
           <p:cNvPr id="8" name="Google Shape;8;p1"/>
-          <p:cNvSpPr txBox="1"/>
+          <p:cNvSpPr txBox="1">
+            <a:spLocks noGrp="1"/>
+          </p:cNvSpPr>
           <p:nvPr>
-            <p:ph idx="12" type="sldNum"/>
+            <p:ph type="sldNum" idx="12"/>
           </p:nvPr>
         </p:nvSpPr>
         <p:spPr>
@@ -4930,7 +5400,7 @@
           </a:ln>
         </p:spPr>
         <p:txBody>
-          <a:bodyPr anchorCtr="0" anchor="ctr" bIns="91425" lIns="91425" spcFirstLastPara="1" rIns="91425" wrap="square" tIns="91425">
+          <a:bodyPr spcFirstLastPara="1" wrap="square" lIns="91425" tIns="91425" rIns="91425" bIns="91425" anchor="ctr" anchorCtr="0">
             <a:noAutofit/>
           </a:bodyPr>
           <a:lstStyle>
@@ -5008,7 +5478,7 @@
             </a:lvl9pPr>
           </a:lstStyle>
           <a:p>
-            <a:pPr indent="0" lvl="0" marL="0" rtl="0" algn="r">
+            <a:pPr marL="0" lvl="0" indent="0" algn="r" rtl="0">
               <a:spcBef>
                 <a:spcPts val="0"/>
               </a:spcBef>
@@ -5027,7 +5497,7 @@
       </p:sp>
     </p:spTree>
   </p:cSld>
-  <p:clrMap accent1="accent1" accent2="accent2" accent3="accent3" accent4="accent4" accent5="accent5" accent6="accent6" bg1="lt1" bg2="dk2" tx1="dk1" tx2="lt2" folHlink="folHlink" hlink="hlink"/>
+  <p:clrMap bg1="lt1" tx1="dk1" bg2="dk2" tx2="lt2" accent1="accent1" accent2="accent2" accent3="accent3" accent4="accent4" accent5="accent5" accent6="accent6" hlink="hlink" folHlink="folHlink"/>
   <p:sldLayoutIdLst>
     <p:sldLayoutId id="2147483648" r:id="rId1"/>
     <p:sldLayoutId id="2147483649" r:id="rId2"/>
@@ -5041,10 +5511,10 @@
     <p:sldLayoutId id="2147483657" r:id="rId10"/>
     <p:sldLayoutId id="2147483658" r:id="rId11"/>
   </p:sldLayoutIdLst>
-  <p:hf dt="0" ftr="0" hdr="0" sldNum="0"/>
+  <p:hf sldNum="0" hdr="0" ftr="0" dt="0"/>
   <p:txStyles>
     <p:titleStyle>
-      <a:defPPr lvl="0" marR="0" rtl="0" algn="l">
+      <a:defPPr marR="0" lvl="0" algn="l" rtl="0">
         <a:lnSpc>
           <a:spcPct val="100000"/>
         </a:lnSpc>
@@ -5055,7 +5525,7 @@
           <a:spcPts val="0"/>
         </a:spcAft>
       </a:defPPr>
-      <a:lvl1pPr lvl="0" marR="0" rtl="0" algn="l">
+      <a:lvl1pPr marR="0" lvl="0" algn="l" rtl="0">
         <a:lnSpc>
           <a:spcPct val="100000"/>
         </a:lnSpc>
@@ -5069,7 +5539,7 @@
           <a:srgbClr val="000000"/>
         </a:buClr>
         <a:buFont typeface="Arial"/>
-        <a:defRPr b="0" i="0" sz="1400" u="none" cap="none" strike="noStrike">
+        <a:defRPr sz="1400" b="0" i="0" u="none" strike="noStrike" cap="none">
           <a:solidFill>
             <a:srgbClr val="000000"/>
           </a:solidFill>
@@ -5079,7 +5549,7 @@
           <a:sym typeface="Arial"/>
         </a:defRPr>
       </a:lvl1pPr>
-      <a:lvl2pPr lvl="1" marR="0" rtl="0" algn="l">
+      <a:lvl2pPr marR="0" lvl="1" algn="l" rtl="0">
         <a:lnSpc>
           <a:spcPct val="100000"/>
         </a:lnSpc>
@@ -5093,7 +5563,7 @@
           <a:srgbClr val="000000"/>
         </a:buClr>
         <a:buFont typeface="Arial"/>
-        <a:defRPr b="0" i="0" sz="1400" u="none" cap="none" strike="noStrike">
+        <a:defRPr sz="1400" b="0" i="0" u="none" strike="noStrike" cap="none">
           <a:solidFill>
             <a:srgbClr val="000000"/>
           </a:solidFill>
@@ -5103,7 +5573,7 @@
           <a:sym typeface="Arial"/>
         </a:defRPr>
       </a:lvl2pPr>
-      <a:lvl3pPr lvl="2" marR="0" rtl="0" algn="l">
+      <a:lvl3pPr marR="0" lvl="2" algn="l" rtl="0">
         <a:lnSpc>
           <a:spcPct val="100000"/>
         </a:lnSpc>
@@ -5117,7 +5587,7 @@
           <a:srgbClr val="000000"/>
         </a:buClr>
         <a:buFont typeface="Arial"/>
-        <a:defRPr b="0" i="0" sz="1400" u="none" cap="none" strike="noStrike">
+        <a:defRPr sz="1400" b="0" i="0" u="none" strike="noStrike" cap="none">
           <a:solidFill>
             <a:srgbClr val="000000"/>
           </a:solidFill>
@@ -5127,7 +5597,7 @@
           <a:sym typeface="Arial"/>
         </a:defRPr>
       </a:lvl3pPr>
-      <a:lvl4pPr lvl="3" marR="0" rtl="0" algn="l">
+      <a:lvl4pPr marR="0" lvl="3" algn="l" rtl="0">
         <a:lnSpc>
           <a:spcPct val="100000"/>
         </a:lnSpc>
@@ -5141,7 +5611,7 @@
           <a:srgbClr val="000000"/>
         </a:buClr>
         <a:buFont typeface="Arial"/>
-        <a:defRPr b="0" i="0" sz="1400" u="none" cap="none" strike="noStrike">
+        <a:defRPr sz="1400" b="0" i="0" u="none" strike="noStrike" cap="none">
           <a:solidFill>
             <a:srgbClr val="000000"/>
           </a:solidFill>
@@ -5151,7 +5621,7 @@
           <a:sym typeface="Arial"/>
         </a:defRPr>
       </a:lvl4pPr>
-      <a:lvl5pPr lvl="4" marR="0" rtl="0" algn="l">
+      <a:lvl5pPr marR="0" lvl="4" algn="l" rtl="0">
         <a:lnSpc>
           <a:spcPct val="100000"/>
         </a:lnSpc>
@@ -5165,7 +5635,7 @@
           <a:srgbClr val="000000"/>
         </a:buClr>
         <a:buFont typeface="Arial"/>
-        <a:defRPr b="0" i="0" sz="1400" u="none" cap="none" strike="noStrike">
+        <a:defRPr sz="1400" b="0" i="0" u="none" strike="noStrike" cap="none">
           <a:solidFill>
             <a:srgbClr val="000000"/>
           </a:solidFill>
@@ -5175,7 +5645,7 @@
           <a:sym typeface="Arial"/>
         </a:defRPr>
       </a:lvl5pPr>
-      <a:lvl6pPr lvl="5" marR="0" rtl="0" algn="l">
+      <a:lvl6pPr marR="0" lvl="5" algn="l" rtl="0">
         <a:lnSpc>
           <a:spcPct val="100000"/>
         </a:lnSpc>
@@ -5189,7 +5659,7 @@
           <a:srgbClr val="000000"/>
         </a:buClr>
         <a:buFont typeface="Arial"/>
-        <a:defRPr b="0" i="0" sz="1400" u="none" cap="none" strike="noStrike">
+        <a:defRPr sz="1400" b="0" i="0" u="none" strike="noStrike" cap="none">
           <a:solidFill>
             <a:srgbClr val="000000"/>
           </a:solidFill>
@@ -5199,7 +5669,7 @@
           <a:sym typeface="Arial"/>
         </a:defRPr>
       </a:lvl6pPr>
-      <a:lvl7pPr lvl="6" marR="0" rtl="0" algn="l">
+      <a:lvl7pPr marR="0" lvl="6" algn="l" rtl="0">
         <a:lnSpc>
           <a:spcPct val="100000"/>
         </a:lnSpc>
@@ -5213,7 +5683,7 @@
           <a:srgbClr val="000000"/>
         </a:buClr>
         <a:buFont typeface="Arial"/>
-        <a:defRPr b="0" i="0" sz="1400" u="none" cap="none" strike="noStrike">
+        <a:defRPr sz="1400" b="0" i="0" u="none" strike="noStrike" cap="none">
           <a:solidFill>
             <a:srgbClr val="000000"/>
           </a:solidFill>
@@ -5223,7 +5693,7 @@
           <a:sym typeface="Arial"/>
         </a:defRPr>
       </a:lvl7pPr>
-      <a:lvl8pPr lvl="7" marR="0" rtl="0" algn="l">
+      <a:lvl8pPr marR="0" lvl="7" algn="l" rtl="0">
         <a:lnSpc>
           <a:spcPct val="100000"/>
         </a:lnSpc>
@@ -5237,7 +5707,7 @@
           <a:srgbClr val="000000"/>
         </a:buClr>
         <a:buFont typeface="Arial"/>
-        <a:defRPr b="0" i="0" sz="1400" u="none" cap="none" strike="noStrike">
+        <a:defRPr sz="1400" b="0" i="0" u="none" strike="noStrike" cap="none">
           <a:solidFill>
             <a:srgbClr val="000000"/>
           </a:solidFill>
@@ -5247,7 +5717,7 @@
           <a:sym typeface="Arial"/>
         </a:defRPr>
       </a:lvl8pPr>
-      <a:lvl9pPr lvl="8" marR="0" rtl="0" algn="l">
+      <a:lvl9pPr marR="0" lvl="8" algn="l" rtl="0">
         <a:lnSpc>
           <a:spcPct val="100000"/>
         </a:lnSpc>
@@ -5261,7 +5731,7 @@
           <a:srgbClr val="000000"/>
         </a:buClr>
         <a:buFont typeface="Arial"/>
-        <a:defRPr b="0" i="0" sz="1400" u="none" cap="none" strike="noStrike">
+        <a:defRPr sz="1400" b="0" i="0" u="none" strike="noStrike" cap="none">
           <a:solidFill>
             <a:srgbClr val="000000"/>
           </a:solidFill>
@@ -5273,7 +5743,7 @@
       </a:lvl9pPr>
     </p:titleStyle>
     <p:bodyStyle>
-      <a:defPPr lvl="0" marR="0" rtl="0" algn="l">
+      <a:defPPr marR="0" lvl="0" algn="l" rtl="0">
         <a:lnSpc>
           <a:spcPct val="100000"/>
         </a:lnSpc>
@@ -5284,7 +5754,7 @@
           <a:spcPts val="0"/>
         </a:spcAft>
       </a:defPPr>
-      <a:lvl1pPr lvl="0" marR="0" rtl="0" algn="l">
+      <a:lvl1pPr marR="0" lvl="0" algn="l" rtl="0">
         <a:lnSpc>
           <a:spcPct val="100000"/>
         </a:lnSpc>
@@ -5298,7 +5768,7 @@
           <a:srgbClr val="000000"/>
         </a:buClr>
         <a:buFont typeface="Arial"/>
-        <a:defRPr b="0" i="0" sz="1400" u="none" cap="none" strike="noStrike">
+        <a:defRPr sz="1400" b="0" i="0" u="none" strike="noStrike" cap="none">
           <a:solidFill>
             <a:srgbClr val="000000"/>
           </a:solidFill>
@@ -5308,7 +5778,7 @@
           <a:sym typeface="Arial"/>
         </a:defRPr>
       </a:lvl1pPr>
-      <a:lvl2pPr lvl="1" marR="0" rtl="0" algn="l">
+      <a:lvl2pPr marR="0" lvl="1" algn="l" rtl="0">
         <a:lnSpc>
           <a:spcPct val="100000"/>
         </a:lnSpc>
@@ -5322,7 +5792,7 @@
           <a:srgbClr val="000000"/>
         </a:buClr>
         <a:buFont typeface="Arial"/>
-        <a:defRPr b="0" i="0" sz="1400" u="none" cap="none" strike="noStrike">
+        <a:defRPr sz="1400" b="0" i="0" u="none" strike="noStrike" cap="none">
           <a:solidFill>
             <a:srgbClr val="000000"/>
           </a:solidFill>
@@ -5332,7 +5802,7 @@
           <a:sym typeface="Arial"/>
         </a:defRPr>
       </a:lvl2pPr>
-      <a:lvl3pPr lvl="2" marR="0" rtl="0" algn="l">
+      <a:lvl3pPr marR="0" lvl="2" algn="l" rtl="0">
         <a:lnSpc>
           <a:spcPct val="100000"/>
         </a:lnSpc>
@@ -5346,7 +5816,7 @@
           <a:srgbClr val="000000"/>
         </a:buClr>
         <a:buFont typeface="Arial"/>
-        <a:defRPr b="0" i="0" sz="1400" u="none" cap="none" strike="noStrike">
+        <a:defRPr sz="1400" b="0" i="0" u="none" strike="noStrike" cap="none">
           <a:solidFill>
             <a:srgbClr val="000000"/>
           </a:solidFill>
@@ -5356,7 +5826,7 @@
           <a:sym typeface="Arial"/>
         </a:defRPr>
       </a:lvl3pPr>
-      <a:lvl4pPr lvl="3" marR="0" rtl="0" algn="l">
+      <a:lvl4pPr marR="0" lvl="3" algn="l" rtl="0">
         <a:lnSpc>
           <a:spcPct val="100000"/>
         </a:lnSpc>
@@ -5370,7 +5840,7 @@
           <a:srgbClr val="000000"/>
         </a:buClr>
         <a:buFont typeface="Arial"/>
-        <a:defRPr b="0" i="0" sz="1400" u="none" cap="none" strike="noStrike">
+        <a:defRPr sz="1400" b="0" i="0" u="none" strike="noStrike" cap="none">
           <a:solidFill>
             <a:srgbClr val="000000"/>
           </a:solidFill>
@@ -5380,7 +5850,7 @@
           <a:sym typeface="Arial"/>
         </a:defRPr>
       </a:lvl4pPr>
-      <a:lvl5pPr lvl="4" marR="0" rtl="0" algn="l">
+      <a:lvl5pPr marR="0" lvl="4" algn="l" rtl="0">
         <a:lnSpc>
           <a:spcPct val="100000"/>
         </a:lnSpc>
@@ -5394,7 +5864,7 @@
           <a:srgbClr val="000000"/>
         </a:buClr>
         <a:buFont typeface="Arial"/>
-        <a:defRPr b="0" i="0" sz="1400" u="none" cap="none" strike="noStrike">
+        <a:defRPr sz="1400" b="0" i="0" u="none" strike="noStrike" cap="none">
           <a:solidFill>
             <a:srgbClr val="000000"/>
           </a:solidFill>
@@ -5404,7 +5874,7 @@
           <a:sym typeface="Arial"/>
         </a:defRPr>
       </a:lvl5pPr>
-      <a:lvl6pPr lvl="5" marR="0" rtl="0" algn="l">
+      <a:lvl6pPr marR="0" lvl="5" algn="l" rtl="0">
         <a:lnSpc>
           <a:spcPct val="100000"/>
         </a:lnSpc>
@@ -5418,7 +5888,7 @@
           <a:srgbClr val="000000"/>
         </a:buClr>
         <a:buFont typeface="Arial"/>
-        <a:defRPr b="0" i="0" sz="1400" u="none" cap="none" strike="noStrike">
+        <a:defRPr sz="1400" b="0" i="0" u="none" strike="noStrike" cap="none">
           <a:solidFill>
             <a:srgbClr val="000000"/>
           </a:solidFill>
@@ -5428,7 +5898,7 @@
           <a:sym typeface="Arial"/>
         </a:defRPr>
       </a:lvl6pPr>
-      <a:lvl7pPr lvl="6" marR="0" rtl="0" algn="l">
+      <a:lvl7pPr marR="0" lvl="6" algn="l" rtl="0">
         <a:lnSpc>
           <a:spcPct val="100000"/>
         </a:lnSpc>
@@ -5442,7 +5912,7 @@
           <a:srgbClr val="000000"/>
         </a:buClr>
         <a:buFont typeface="Arial"/>
-        <a:defRPr b="0" i="0" sz="1400" u="none" cap="none" strike="noStrike">
+        <a:defRPr sz="1400" b="0" i="0" u="none" strike="noStrike" cap="none">
           <a:solidFill>
             <a:srgbClr val="000000"/>
           </a:solidFill>
@@ -5452,7 +5922,7 @@
           <a:sym typeface="Arial"/>
         </a:defRPr>
       </a:lvl7pPr>
-      <a:lvl8pPr lvl="7" marR="0" rtl="0" algn="l">
+      <a:lvl8pPr marR="0" lvl="7" algn="l" rtl="0">
         <a:lnSpc>
           <a:spcPct val="100000"/>
         </a:lnSpc>
@@ -5466,7 +5936,7 @@
           <a:srgbClr val="000000"/>
         </a:buClr>
         <a:buFont typeface="Arial"/>
-        <a:defRPr b="0" i="0" sz="1400" u="none" cap="none" strike="noStrike">
+        <a:defRPr sz="1400" b="0" i="0" u="none" strike="noStrike" cap="none">
           <a:solidFill>
             <a:srgbClr val="000000"/>
           </a:solidFill>
@@ -5476,7 +5946,7 @@
           <a:sym typeface="Arial"/>
         </a:defRPr>
       </a:lvl8pPr>
-      <a:lvl9pPr lvl="8" marR="0" rtl="0" algn="l">
+      <a:lvl9pPr marR="0" lvl="8" algn="l" rtl="0">
         <a:lnSpc>
           <a:spcPct val="100000"/>
         </a:lnSpc>
@@ -5490,7 +5960,7 @@
           <a:srgbClr val="000000"/>
         </a:buClr>
         <a:buFont typeface="Arial"/>
-        <a:defRPr b="0" i="0" sz="1400" u="none" cap="none" strike="noStrike">
+        <a:defRPr sz="1400" b="0" i="0" u="none" strike="noStrike" cap="none">
           <a:solidFill>
             <a:srgbClr val="000000"/>
           </a:solidFill>
@@ -5502,7 +5972,7 @@
       </a:lvl9pPr>
     </p:bodyStyle>
     <p:otherStyle>
-      <a:defPPr lvl="0" marR="0" rtl="0" algn="l">
+      <a:defPPr marR="0" lvl="0" algn="l" rtl="0">
         <a:lnSpc>
           <a:spcPct val="100000"/>
         </a:lnSpc>
@@ -5513,7 +5983,7 @@
           <a:spcPts val="0"/>
         </a:spcAft>
       </a:defPPr>
-      <a:lvl1pPr lvl="0" marR="0" rtl="0" algn="l">
+      <a:lvl1pPr marR="0" lvl="0" algn="l" rtl="0">
         <a:lnSpc>
           <a:spcPct val="100000"/>
         </a:lnSpc>
@@ -5527,7 +5997,7 @@
           <a:srgbClr val="000000"/>
         </a:buClr>
         <a:buFont typeface="Arial"/>
-        <a:defRPr b="0" i="0" sz="1400" u="none" cap="none" strike="noStrike">
+        <a:defRPr sz="1400" b="0" i="0" u="none" strike="noStrike" cap="none">
           <a:solidFill>
             <a:srgbClr val="000000"/>
           </a:solidFill>
@@ -5537,7 +6007,7 @@
           <a:sym typeface="Arial"/>
         </a:defRPr>
       </a:lvl1pPr>
-      <a:lvl2pPr lvl="1" marR="0" rtl="0" algn="l">
+      <a:lvl2pPr marR="0" lvl="1" algn="l" rtl="0">
         <a:lnSpc>
           <a:spcPct val="100000"/>
         </a:lnSpc>
@@ -5551,7 +6021,7 @@
           <a:srgbClr val="000000"/>
         </a:buClr>
         <a:buFont typeface="Arial"/>
-        <a:defRPr b="0" i="0" sz="1400" u="none" cap="none" strike="noStrike">
+        <a:defRPr sz="1400" b="0" i="0" u="none" strike="noStrike" cap="none">
           <a:solidFill>
             <a:srgbClr val="000000"/>
           </a:solidFill>
@@ -5561,7 +6031,7 @@
           <a:sym typeface="Arial"/>
         </a:defRPr>
       </a:lvl2pPr>
-      <a:lvl3pPr lvl="2" marR="0" rtl="0" algn="l">
+      <a:lvl3pPr marR="0" lvl="2" algn="l" rtl="0">
         <a:lnSpc>
           <a:spcPct val="100000"/>
         </a:lnSpc>
@@ -5575,7 +6045,7 @@
           <a:srgbClr val="000000"/>
         </a:buClr>
         <a:buFont typeface="Arial"/>
-        <a:defRPr b="0" i="0" sz="1400" u="none" cap="none" strike="noStrike">
+        <a:defRPr sz="1400" b="0" i="0" u="none" strike="noStrike" cap="none">
           <a:solidFill>
             <a:srgbClr val="000000"/>
           </a:solidFill>
@@ -5585,7 +6055,7 @@
           <a:sym typeface="Arial"/>
         </a:defRPr>
       </a:lvl3pPr>
-      <a:lvl4pPr lvl="3" marR="0" rtl="0" algn="l">
+      <a:lvl4pPr marR="0" lvl="3" algn="l" rtl="0">
         <a:lnSpc>
           <a:spcPct val="100000"/>
         </a:lnSpc>
@@ -5599,7 +6069,7 @@
           <a:srgbClr val="000000"/>
         </a:buClr>
         <a:buFont typeface="Arial"/>
-        <a:defRPr b="0" i="0" sz="1400" u="none" cap="none" strike="noStrike">
+        <a:defRPr sz="1400" b="0" i="0" u="none" strike="noStrike" cap="none">
           <a:solidFill>
             <a:srgbClr val="000000"/>
           </a:solidFill>
@@ -5609,7 +6079,7 @@
           <a:sym typeface="Arial"/>
         </a:defRPr>
       </a:lvl4pPr>
-      <a:lvl5pPr lvl="4" marR="0" rtl="0" algn="l">
+      <a:lvl5pPr marR="0" lvl="4" algn="l" rtl="0">
         <a:lnSpc>
           <a:spcPct val="100000"/>
         </a:lnSpc>
@@ -5623,7 +6093,7 @@
           <a:srgbClr val="000000"/>
         </a:buClr>
         <a:buFont typeface="Arial"/>
-        <a:defRPr b="0" i="0" sz="1400" u="none" cap="none" strike="noStrike">
+        <a:defRPr sz="1400" b="0" i="0" u="none" strike="noStrike" cap="none">
           <a:solidFill>
             <a:srgbClr val="000000"/>
           </a:solidFill>
@@ -5633,7 +6103,7 @@
           <a:sym typeface="Arial"/>
         </a:defRPr>
       </a:lvl5pPr>
-      <a:lvl6pPr lvl="5" marR="0" rtl="0" algn="l">
+      <a:lvl6pPr marR="0" lvl="5" algn="l" rtl="0">
         <a:lnSpc>
           <a:spcPct val="100000"/>
         </a:lnSpc>
@@ -5647,7 +6117,7 @@
           <a:srgbClr val="000000"/>
         </a:buClr>
         <a:buFont typeface="Arial"/>
-        <a:defRPr b="0" i="0" sz="1400" u="none" cap="none" strike="noStrike">
+        <a:defRPr sz="1400" b="0" i="0" u="none" strike="noStrike" cap="none">
           <a:solidFill>
             <a:srgbClr val="000000"/>
           </a:solidFill>
@@ -5657,7 +6127,7 @@
           <a:sym typeface="Arial"/>
         </a:defRPr>
       </a:lvl6pPr>
-      <a:lvl7pPr lvl="6" marR="0" rtl="0" algn="l">
+      <a:lvl7pPr marR="0" lvl="6" algn="l" rtl="0">
         <a:lnSpc>
           <a:spcPct val="100000"/>
         </a:lnSpc>
@@ -5671,7 +6141,7 @@
           <a:srgbClr val="000000"/>
         </a:buClr>
         <a:buFont typeface="Arial"/>
-        <a:defRPr b="0" i="0" sz="1400" u="none" cap="none" strike="noStrike">
+        <a:defRPr sz="1400" b="0" i="0" u="none" strike="noStrike" cap="none">
           <a:solidFill>
             <a:srgbClr val="000000"/>
           </a:solidFill>
@@ -5681,7 +6151,7 @@
           <a:sym typeface="Arial"/>
         </a:defRPr>
       </a:lvl7pPr>
-      <a:lvl8pPr lvl="7" marR="0" rtl="0" algn="l">
+      <a:lvl8pPr marR="0" lvl="7" algn="l" rtl="0">
         <a:lnSpc>
           <a:spcPct val="100000"/>
         </a:lnSpc>
@@ -5695,7 +6165,7 @@
           <a:srgbClr val="000000"/>
         </a:buClr>
         <a:buFont typeface="Arial"/>
-        <a:defRPr b="0" i="0" sz="1400" u="none" cap="none" strike="noStrike">
+        <a:defRPr sz="1400" b="0" i="0" u="none" strike="noStrike" cap="none">
           <a:solidFill>
             <a:srgbClr val="000000"/>
           </a:solidFill>
@@ -5705,7 +6175,7 @@
           <a:sym typeface="Arial"/>
         </a:defRPr>
       </a:lvl8pPr>
-      <a:lvl9pPr lvl="8" marR="0" rtl="0" algn="l">
+      <a:lvl9pPr marR="0" lvl="8" algn="l" rtl="0">
         <a:lnSpc>
           <a:spcPct val="100000"/>
         </a:lnSpc>
@@ -5719,7 +6189,7 @@
           <a:srgbClr val="000000"/>
         </a:buClr>
         <a:buFont typeface="Arial"/>
-        <a:defRPr b="0" i="0" sz="1400" u="none" cap="none" strike="noStrike">
+        <a:defRPr sz="1400" b="0" i="0" u="none" strike="noStrike" cap="none">
           <a:solidFill>
             <a:srgbClr val="000000"/>
           </a:solidFill>
@@ -5735,11 +6205,11 @@
 </file>
 
 <file path=ppt/slides/slide1.xml><?xml version="1.0" encoding="utf-8"?>
-<p:sld xmlns:a="http://schemas.openxmlformats.org/drawingml/2006/main" xmlns:r="http://schemas.openxmlformats.org/officeDocument/2006/relationships" xmlns:mc="http://schemas.openxmlformats.org/markup-compatibility/2006" xmlns:mv="urn:schemas-microsoft-com:mac:vml" xmlns:p="http://schemas.openxmlformats.org/presentationml/2006/main" xmlns:c="http://schemas.openxmlformats.org/drawingml/2006/chart" xmlns:dgm="http://schemas.openxmlformats.org/drawingml/2006/diagram" xmlns:o="urn:schemas-microsoft-com:office:office" xmlns:v="urn:schemas-microsoft-com:vml" xmlns:pvml="urn:schemas-microsoft-com:office:powerpoint" xmlns:com="http://schemas.openxmlformats.org/drawingml/2006/compatibility" xmlns:p14="http://schemas.microsoft.com/office/powerpoint/2010/main" xmlns:p15="http://schemas.microsoft.com/office/powerpoint/2012/main" xmlns:ahyp="http://schemas.microsoft.com/office/drawing/2018/hyperlinkcolor">
+<p:sld xmlns:a="http://schemas.openxmlformats.org/drawingml/2006/main" xmlns:r="http://schemas.openxmlformats.org/officeDocument/2006/relationships" xmlns:p="http://schemas.openxmlformats.org/presentationml/2006/main">
   <p:cSld>
     <p:spTree>
       <p:nvGrpSpPr>
-        <p:cNvPr id="53" name="Shape 53"/>
+        <p:cNvPr id="1" name="Shape 53"/>
         <p:cNvGrpSpPr/>
         <p:nvPr/>
       </p:nvGrpSpPr>
@@ -5754,7 +6224,9 @@
       <p:sp>
         <p:nvSpPr>
           <p:cNvPr id="54" name="Google Shape;54;p13"/>
-          <p:cNvSpPr txBox="1"/>
+          <p:cNvSpPr txBox="1">
+            <a:spLocks noGrp="1"/>
+          </p:cNvSpPr>
           <p:nvPr>
             <p:ph type="ctrTitle"/>
           </p:nvPr>
@@ -5769,12 +6241,12 @@
           </a:prstGeom>
         </p:spPr>
         <p:txBody>
-          <a:bodyPr anchorCtr="0" anchor="b" bIns="91425" lIns="91425" spcFirstLastPara="1" rIns="91425" wrap="square" tIns="91425">
+          <a:bodyPr spcFirstLastPara="1" wrap="square" lIns="91425" tIns="91425" rIns="91425" bIns="91425" anchor="b" anchorCtr="0">
             <a:noAutofit/>
           </a:bodyPr>
           <a:lstStyle/>
           <a:p>
-            <a:pPr indent="0" lvl="0" marL="0" rtl="0" algn="ctr">
+            <a:pPr marL="0" lvl="0" indent="0" algn="ctr" rtl="0">
               <a:spcBef>
                 <a:spcPts val="0"/>
               </a:spcBef>
@@ -5784,19 +6256,21 @@
               <a:buNone/>
             </a:pPr>
             <a:r>
-              <a:rPr lang="en-GB"/>
-              <a:t>&lt;Product name&gt;</a:t>
+              <a:rPr lang="en-GB" dirty="0"/>
+              <a:t>KEA</a:t>
             </a:r>
-            <a:endParaRPr/>
+            <a:endParaRPr dirty="0"/>
           </a:p>
         </p:txBody>
       </p:sp>
       <p:sp>
         <p:nvSpPr>
           <p:cNvPr id="55" name="Google Shape;55;p13"/>
-          <p:cNvSpPr txBox="1"/>
+          <p:cNvSpPr txBox="1">
+            <a:spLocks noGrp="1"/>
+          </p:cNvSpPr>
           <p:nvPr>
-            <p:ph idx="1" type="subTitle"/>
+            <p:ph type="subTitle" idx="1"/>
           </p:nvPr>
         </p:nvSpPr>
         <p:spPr>
@@ -5809,12 +6283,12 @@
           </a:prstGeom>
         </p:spPr>
         <p:txBody>
-          <a:bodyPr anchorCtr="0" anchor="t" bIns="91425" lIns="91425" spcFirstLastPara="1" rIns="91425" wrap="square" tIns="91425">
+          <a:bodyPr spcFirstLastPara="1" wrap="square" lIns="91425" tIns="91425" rIns="91425" bIns="91425" anchor="t" anchorCtr="0">
             <a:noAutofit/>
           </a:bodyPr>
           <a:lstStyle/>
           <a:p>
-            <a:pPr indent="0" lvl="0" marL="0" rtl="0" algn="ctr">
+            <a:pPr marL="0" lvl="0" indent="0" algn="ctr" rtl="0">
               <a:spcBef>
                 <a:spcPts val="0"/>
               </a:spcBef>
@@ -5825,7 +6299,7 @@
             </a:pPr>
             <a:r>
               <a:rPr lang="en-GB"/>
-              <a:t>Detailed  design</a:t>
+              <a:t>Data design</a:t>
             </a:r>
             <a:endParaRPr/>
           </a:p>
@@ -5840,11 +6314,11 @@
 </file>
 
 <file path=ppt/slides/slide2.xml><?xml version="1.0" encoding="utf-8"?>
-<p:sld xmlns:a="http://schemas.openxmlformats.org/drawingml/2006/main" xmlns:r="http://schemas.openxmlformats.org/officeDocument/2006/relationships" xmlns:mc="http://schemas.openxmlformats.org/markup-compatibility/2006" xmlns:mv="urn:schemas-microsoft-com:mac:vml" xmlns:p="http://schemas.openxmlformats.org/presentationml/2006/main" xmlns:c="http://schemas.openxmlformats.org/drawingml/2006/chart" xmlns:dgm="http://schemas.openxmlformats.org/drawingml/2006/diagram" xmlns:o="urn:schemas-microsoft-com:office:office" xmlns:v="urn:schemas-microsoft-com:vml" xmlns:pvml="urn:schemas-microsoft-com:office:powerpoint" xmlns:com="http://schemas.openxmlformats.org/drawingml/2006/compatibility" xmlns:p14="http://schemas.microsoft.com/office/powerpoint/2010/main" xmlns:p15="http://schemas.microsoft.com/office/powerpoint/2012/main" xmlns:ahyp="http://schemas.microsoft.com/office/drawing/2018/hyperlinkcolor">
+<p:sld xmlns:a="http://schemas.openxmlformats.org/drawingml/2006/main" xmlns:r="http://schemas.openxmlformats.org/officeDocument/2006/relationships" xmlns:p="http://schemas.openxmlformats.org/presentationml/2006/main">
   <p:cSld>
     <p:spTree>
       <p:nvGrpSpPr>
-        <p:cNvPr id="59" name="Shape 59"/>
+        <p:cNvPr id="1" name="Shape 59"/>
         <p:cNvGrpSpPr/>
         <p:nvPr/>
       </p:nvGrpSpPr>
@@ -5859,14 +6333,16 @@
       <p:sp>
         <p:nvSpPr>
           <p:cNvPr id="60" name="Google Shape;60;p14"/>
-          <p:cNvSpPr txBox="1"/>
+          <p:cNvSpPr txBox="1">
+            <a:spLocks noGrp="1"/>
+          </p:cNvSpPr>
           <p:nvPr>
             <p:ph type="title"/>
           </p:nvPr>
         </p:nvSpPr>
         <p:spPr>
           <a:xfrm>
-            <a:off x="311700" y="445025"/>
+            <a:off x="311700" y="328293"/>
             <a:ext cx="8520600" cy="572700"/>
           </a:xfrm>
           <a:prstGeom prst="rect">
@@ -5874,12 +6350,12 @@
           </a:prstGeom>
         </p:spPr>
         <p:txBody>
-          <a:bodyPr anchorCtr="0" anchor="t" bIns="91425" lIns="91425" spcFirstLastPara="1" rIns="91425" wrap="square" tIns="91425">
+          <a:bodyPr spcFirstLastPara="1" wrap="square" lIns="91425" tIns="91425" rIns="91425" bIns="91425" anchor="t" anchorCtr="0">
             <a:noAutofit/>
           </a:bodyPr>
           <a:lstStyle/>
           <a:p>
-            <a:pPr indent="0" lvl="0" marL="0" rtl="0" algn="l">
+            <a:pPr marL="0" lvl="0" indent="0" algn="l" rtl="0">
               <a:spcBef>
                 <a:spcPts val="0"/>
               </a:spcBef>
@@ -5889,163 +6365,371 @@
               <a:buNone/>
             </a:pPr>
             <a:r>
-              <a:rPr lang="en-GB"/>
+              <a:rPr lang="en-GB" b="1" dirty="0">
+                <a:effectLst>
+                  <a:outerShdw blurRad="38100" dist="38100" dir="2700000" algn="tl">
+                    <a:srgbClr val="000000">
+                      <a:alpha val="43137"/>
+                    </a:srgbClr>
+                  </a:outerShdw>
+                </a:effectLst>
+              </a:rPr>
               <a:t>Product description</a:t>
             </a:r>
-            <a:endParaRPr/>
+            <a:endParaRPr b="1" dirty="0">
+              <a:effectLst>
+                <a:outerShdw blurRad="38100" dist="38100" dir="2700000" algn="tl">
+                  <a:srgbClr val="000000">
+                    <a:alpha val="43137"/>
+                  </a:srgbClr>
+                </a:outerShdw>
+              </a:effectLst>
+            </a:endParaRPr>
           </a:p>
         </p:txBody>
       </p:sp>
       <p:sp>
         <p:nvSpPr>
           <p:cNvPr id="61" name="Google Shape;61;p14"/>
-          <p:cNvSpPr txBox="1"/>
+          <p:cNvSpPr txBox="1">
+            <a:spLocks noGrp="1"/>
+          </p:cNvSpPr>
           <p:nvPr>
-            <p:ph idx="1" type="body"/>
+            <p:ph type="body" idx="1"/>
           </p:nvPr>
         </p:nvSpPr>
         <p:spPr>
           <a:xfrm>
-            <a:off x="311700" y="1152475"/>
-            <a:ext cx="8520600" cy="3416400"/>
+            <a:off x="311700" y="1075765"/>
+            <a:ext cx="8520600" cy="3873810"/>
           </a:xfrm>
           <a:prstGeom prst="rect">
             <a:avLst/>
           </a:prstGeom>
         </p:spPr>
         <p:txBody>
-          <a:bodyPr anchorCtr="0" anchor="t" bIns="91425" lIns="91425" spcFirstLastPara="1" rIns="91425" wrap="square" tIns="91425">
+          <a:bodyPr spcFirstLastPara="1" wrap="square" lIns="91425" tIns="91425" rIns="91425" bIns="91425" anchor="t" anchorCtr="0">
             <a:noAutofit/>
           </a:bodyPr>
           <a:lstStyle/>
           <a:p>
-            <a:pPr indent="0" lvl="0" marL="0" rtl="0" algn="l">
-              <a:spcBef>
-                <a:spcPts val="0"/>
-              </a:spcBef>
-              <a:spcAft>
-                <a:spcPts val="0"/>
-              </a:spcAft>
+            <a:pPr marL="0" lvl="0" indent="0" algn="just">
               <a:buNone/>
             </a:pPr>
             <a:r>
-              <a:rPr lang="en-GB"/>
-              <a:t>&lt;a short description of the product in a few sentences&gt;</a:t>
+              <a:rPr lang="en-US" dirty="0">
+                <a:solidFill>
+                  <a:schemeClr val="dk1"/>
+                </a:solidFill>
+              </a:rPr>
+              <a:t>The product is a platform for deploying, managing, and scaling machine learning models in production. It offers a secure, flexible environment for automating ML tasks like model versioning, routing, and monitoring. With Kubernetes integration and containerization support, it's designed for developers, ML engineers, and enterprises needing scalable, reliable ML infrastructure.</a:t>
             </a:r>
-            <a:endParaRPr/>
-          </a:p>
-          <a:p>
-            <a:pPr indent="0" lvl="0" marL="0" rtl="0" algn="l">
+          </a:p>
+          <a:p>
+            <a:pPr marL="0" lvl="0" indent="0" algn="just">
+              <a:buNone/>
+            </a:pPr>
+            <a:endParaRPr lang="en-US" sz="1400" dirty="0">
+              <a:solidFill>
+                <a:schemeClr val="dk1"/>
+              </a:solidFill>
+            </a:endParaRPr>
+          </a:p>
+          <a:p>
+            <a:pPr marL="0" lvl="0" indent="0" algn="just">
+              <a:buNone/>
+            </a:pPr>
+            <a:endParaRPr sz="1400" dirty="0">
+              <a:solidFill>
+                <a:schemeClr val="dk1"/>
+              </a:solidFill>
+            </a:endParaRPr>
+          </a:p>
+          <a:p>
+            <a:pPr marL="0" lvl="0" indent="0">
               <a:spcBef>
                 <a:spcPts val="1200"/>
               </a:spcBef>
-              <a:spcAft>
-                <a:spcPts val="0"/>
-              </a:spcAft>
               <a:buNone/>
             </a:pPr>
             <a:r>
-              <a:t/>
-            </a:r>
-            <a:endParaRPr/>
-          </a:p>
-          <a:p>
-            <a:pPr indent="0" lvl="0" marL="0" rtl="0" algn="l">
-              <a:spcBef>
-                <a:spcPts val="1200"/>
-              </a:spcBef>
-              <a:spcAft>
-                <a:spcPts val="0"/>
-              </a:spcAft>
-              <a:buNone/>
-            </a:pPr>
-            <a:r>
-              <a:t/>
-            </a:r>
-            <a:endParaRPr/>
-          </a:p>
-          <a:p>
-            <a:pPr indent="0" lvl="0" marL="0" rtl="0" algn="l">
-              <a:spcBef>
-                <a:spcPts val="1200"/>
-              </a:spcBef>
-              <a:spcAft>
-                <a:spcPts val="0"/>
-              </a:spcAft>
-              <a:buNone/>
-            </a:pPr>
-            <a:r>
-              <a:t/>
-            </a:r>
-            <a:endParaRPr/>
-          </a:p>
-          <a:p>
-            <a:pPr indent="0" lvl="0" marL="0" rtl="0" algn="l">
-              <a:spcBef>
-                <a:spcPts val="1200"/>
-              </a:spcBef>
-              <a:spcAft>
-                <a:spcPts val="0"/>
-              </a:spcAft>
-              <a:buNone/>
-            </a:pPr>
-            <a:r>
-              <a:rPr lang="en-GB"/>
-              <a:t>Team: list project members and roles</a:t>
-            </a:r>
-            <a:endParaRPr/>
-          </a:p>
-          <a:p>
-            <a:pPr indent="0" lvl="0" marL="0" rtl="0" algn="l">
-              <a:spcBef>
-                <a:spcPts val="1200"/>
-              </a:spcBef>
-              <a:spcAft>
-                <a:spcPts val="0"/>
-              </a:spcAft>
-              <a:buNone/>
-            </a:pPr>
-            <a:r>
-              <a:rPr lang="en-GB"/>
-              <a:t>Repo</a:t>
+              <a:rPr lang="en-GB" sz="1400" b="1" dirty="0">
+                <a:solidFill>
+                  <a:schemeClr val="dk1"/>
+                </a:solidFill>
+              </a:rPr>
+              <a:t>Team K8C</a:t>
             </a:r>
             <a:r>
-              <a:rPr lang="en-GB"/>
+              <a:rPr lang="en-GB" sz="1400" dirty="0">
+                <a:solidFill>
+                  <a:schemeClr val="dk1"/>
+                </a:solidFill>
+              </a:rPr>
               <a:t>: </a:t>
             </a:r>
             <a:r>
-              <a:rPr lang="en-GB"/>
-              <a:t>browseable link to project rep</a:t>
+              <a:rPr lang="en-GB" sz="1400" dirty="0" err="1">
+                <a:solidFill>
+                  <a:schemeClr val="dk1"/>
+                </a:solidFill>
+              </a:rPr>
+              <a:t>Tsurkan</a:t>
             </a:r>
-            <a:endParaRPr/>
-          </a:p>
-          <a:p>
-            <a:pPr indent="0" lvl="0" marL="0" rtl="0" algn="l">
+            <a:r>
+              <a:rPr lang="en-GB" sz="1400" dirty="0">
+                <a:solidFill>
+                  <a:schemeClr val="dk1"/>
+                </a:solidFill>
+              </a:rPr>
+              <a:t> Daniel; </a:t>
+            </a:r>
+            <a:r>
+              <a:rPr lang="en-GB" sz="1400" dirty="0" err="1">
+                <a:solidFill>
+                  <a:schemeClr val="dk1"/>
+                </a:solidFill>
+              </a:rPr>
+              <a:t>Dandamaev</a:t>
+            </a:r>
+            <a:r>
+              <a:rPr lang="en-GB" sz="1400" dirty="0">
+                <a:solidFill>
+                  <a:schemeClr val="dk1"/>
+                </a:solidFill>
+              </a:rPr>
+              <a:t> </a:t>
+            </a:r>
+            <a:r>
+              <a:rPr lang="en-GB" sz="1400" dirty="0" err="1">
+                <a:solidFill>
+                  <a:schemeClr val="dk1"/>
+                </a:solidFill>
+              </a:rPr>
+              <a:t>Gadji</a:t>
+            </a:r>
+            <a:r>
+              <a:rPr lang="en-GB" sz="1400" dirty="0">
+                <a:solidFill>
+                  <a:schemeClr val="dk1"/>
+                </a:solidFill>
+              </a:rPr>
+              <a:t>; Tsaturyan Konstantin; </a:t>
+            </a:r>
+            <a:r>
+              <a:rPr lang="en-GB" sz="1400" dirty="0" err="1">
+                <a:solidFill>
+                  <a:schemeClr val="dk1"/>
+                </a:solidFill>
+              </a:rPr>
+              <a:t>Smolkin</a:t>
+            </a:r>
+            <a:r>
+              <a:rPr lang="en-GB" sz="1400" dirty="0">
+                <a:solidFill>
+                  <a:schemeClr val="dk1"/>
+                </a:solidFill>
+              </a:rPr>
+              <a:t> Mikhail</a:t>
+            </a:r>
+            <a:endParaRPr sz="1400" dirty="0">
+              <a:solidFill>
+                <a:schemeClr val="dk1"/>
+              </a:solidFill>
+            </a:endParaRPr>
+          </a:p>
+          <a:p>
+            <a:pPr marL="0" lvl="0" indent="0" algn="l" rtl="0">
               <a:spcBef>
                 <a:spcPts val="1200"/>
               </a:spcBef>
               <a:spcAft>
-                <a:spcPts val="1200"/>
+                <a:spcPts val="0"/>
               </a:spcAft>
               <a:buNone/>
             </a:pPr>
             <a:r>
-              <a:rPr lang="en-GB"/>
-              <a:t>Report</a:t>
+              <a:rPr lang="en-GB" sz="1400" b="1" dirty="0">
+                <a:solidFill>
+                  <a:schemeClr val="dk1"/>
+                </a:solidFill>
+              </a:rPr>
+              <a:t>Project repo</a:t>
             </a:r>
             <a:r>
-              <a:rPr lang="en-GB"/>
-              <a:t>:</a:t>
+              <a:rPr lang="en-GB" sz="1400" dirty="0">
+                <a:solidFill>
+                  <a:schemeClr val="dk1"/>
+                </a:solidFill>
+              </a:rPr>
+              <a:t>: </a:t>
             </a:r>
             <a:r>
-              <a:rPr lang="en-GB"/>
-              <a:t> a link to this slides within project repo/doc storage</a:t>
+              <a:rPr lang="en-GB" sz="1400" u="sng" dirty="0">
+                <a:solidFill>
+                  <a:schemeClr val="tx1"/>
+                </a:solidFill>
+                <a:hlinkClick r:id="rId3">
+                  <a:extLst>
+                    <a:ext uri="{A12FA001-AC4F-418D-AE19-62706E023703}">
+                      <ahyp:hlinkClr xmlns:ahyp="http://schemas.microsoft.com/office/drawing/2018/hyperlinkcolor" val="tx"/>
+                    </a:ext>
+                  </a:extLst>
+                </a:hlinkClick>
+              </a:rPr>
+              <a:t>https://github.com/fanglores/Advanced-Software-Design</a:t>
             </a:r>
-            <a:endParaRPr/>
+            <a:endParaRPr sz="1400" dirty="0">
+              <a:solidFill>
+                <a:schemeClr val="tx1"/>
+              </a:solidFill>
+            </a:endParaRPr>
+          </a:p>
+          <a:p>
+            <a:pPr marL="0" lvl="0" indent="0">
+              <a:spcBef>
+                <a:spcPts val="1200"/>
+              </a:spcBef>
+              <a:spcAft>
+                <a:spcPts val="1200"/>
+              </a:spcAft>
+              <a:buNone/>
+            </a:pPr>
+            <a:r>
+              <a:rPr lang="en-GB" sz="1400" b="1" dirty="0">
+                <a:solidFill>
+                  <a:schemeClr val="dk1"/>
+                </a:solidFill>
+              </a:rPr>
+              <a:t>This report</a:t>
+            </a:r>
+            <a:r>
+              <a:rPr lang="en-GB" sz="1400" dirty="0">
+                <a:solidFill>
+                  <a:schemeClr val="dk1"/>
+                </a:solidFill>
+              </a:rPr>
+              <a:t>: </a:t>
+            </a:r>
+            <a:r>
+              <a:rPr lang="en-GB" sz="1400" u="sng" dirty="0">
+                <a:solidFill>
+                  <a:schemeClr val="dk1"/>
+                </a:solidFill>
+                <a:hlinkClick r:id="rId4">
+                  <a:extLst>
+                    <a:ext uri="{A12FA001-AC4F-418D-AE19-62706E023703}">
+                      <ahyp:hlinkClr xmlns:ahyp="http://schemas.microsoft.com/office/drawing/2018/hyperlinkcolor" val="tx"/>
+                    </a:ext>
+                  </a:extLst>
+                </a:hlinkClick>
+              </a:rPr>
+              <a:t>https://github.com/fanglores/Advanced-Software-Design</a:t>
+            </a:r>
+            <a:br>
+              <a:rPr lang="en-GB" sz="1400" u="sng" dirty="0">
+                <a:solidFill>
+                  <a:schemeClr val="dk1"/>
+                </a:solidFill>
+                <a:hlinkClick r:id="rId4">
+                  <a:extLst>
+                    <a:ext uri="{A12FA001-AC4F-418D-AE19-62706E023703}">
+                      <ahyp:hlinkClr xmlns:ahyp="http://schemas.microsoft.com/office/drawing/2018/hyperlinkcolor" val="tx"/>
+                    </a:ext>
+                  </a:extLst>
+                </a:hlinkClick>
+              </a:rPr>
+            </a:br>
+            <a:r>
+              <a:rPr lang="en-GB" sz="1400" dirty="0">
+                <a:solidFill>
+                  <a:schemeClr val="dk1"/>
+                </a:solidFill>
+                <a:hlinkClick r:id="rId4">
+                  <a:extLst>
+                    <a:ext uri="{A12FA001-AC4F-418D-AE19-62706E023703}">
+                      <ahyp:hlinkClr xmlns:ahyp="http://schemas.microsoft.com/office/drawing/2018/hyperlinkcolor" val="tx"/>
+                    </a:ext>
+                  </a:extLst>
+                </a:hlinkClick>
+              </a:rPr>
+              <a:t>		</a:t>
+            </a:r>
+            <a:r>
+              <a:rPr lang="en-GB" sz="1400" u="sng" dirty="0">
+                <a:solidFill>
+                  <a:schemeClr val="dk1"/>
+                </a:solidFill>
+                <a:hlinkClick r:id="rId4">
+                  <a:extLst>
+                    <a:ext uri="{A12FA001-AC4F-418D-AE19-62706E023703}">
+                      <ahyp:hlinkClr xmlns:ahyp="http://schemas.microsoft.com/office/drawing/2018/hyperlinkcolor" val="tx"/>
+                    </a:ext>
+                  </a:extLst>
+                </a:hlinkClick>
+              </a:rPr>
+              <a:t>/blob/master/Practice%20Tasks/Module2/</a:t>
+            </a:r>
+            <a:r>
+              <a:rPr lang="en-GB" sz="1400" u="sng" dirty="0">
+                <a:solidFill>
+                  <a:schemeClr val="dk1"/>
+                </a:solidFill>
+              </a:rPr>
+              <a:t>Task_12/Task_12.pdf</a:t>
+            </a:r>
+            <a:endParaRPr sz="1400" u="sng" dirty="0">
+              <a:solidFill>
+                <a:schemeClr val="dk1"/>
+              </a:solidFill>
+            </a:endParaRPr>
+          </a:p>
+        </p:txBody>
+      </p:sp>
+      <p:sp>
+        <p:nvSpPr>
+          <p:cNvPr id="3" name="Номер слайда 2">
+            <a:extLst>
+              <a:ext uri="{FF2B5EF4-FFF2-40B4-BE49-F238E27FC236}">
+                <a16:creationId xmlns:a16="http://schemas.microsoft.com/office/drawing/2014/main" id="{B6CFC8D8-E303-4004-B65E-C84C05B7029F}"/>
+              </a:ext>
+            </a:extLst>
+          </p:cNvPr>
+          <p:cNvSpPr>
+            <a:spLocks noGrp="1"/>
+          </p:cNvSpPr>
+          <p:nvPr>
+            <p:ph type="sldNum" idx="12"/>
+          </p:nvPr>
+        </p:nvSpPr>
+        <p:spPr/>
+        <p:txBody>
+          <a:bodyPr/>
+          <a:lstStyle/>
+          <a:p>
+            <a:pPr marL="0" lvl="0" indent="0" algn="r" rtl="0">
+              <a:spcBef>
+                <a:spcPts val="0"/>
+              </a:spcBef>
+              <a:spcAft>
+                <a:spcPts val="0"/>
+              </a:spcAft>
+              <a:buNone/>
+            </a:pPr>
+            <a:fld id="{00000000-1234-1234-1234-123412341234}" type="slidenum">
+              <a:rPr lang="en-GB" smtClean="0"/>
+              <a:t>2</a:t>
+            </a:fld>
+            <a:endParaRPr lang="en-GB"/>
           </a:p>
         </p:txBody>
       </p:sp>
     </p:spTree>
+    <p:extLst>
+      <p:ext uri="{BB962C8B-B14F-4D97-AF65-F5344CB8AC3E}">
+        <p14:creationId xmlns:p14="http://schemas.microsoft.com/office/powerpoint/2010/main" val="1693502994"/>
+      </p:ext>
+    </p:extLst>
   </p:cSld>
   <p:clrMapOvr>
     <a:masterClrMapping/>
@@ -6054,11 +6738,11 @@
 </file>
 
 <file path=ppt/slides/slide3.xml><?xml version="1.0" encoding="utf-8"?>
-<p:sld xmlns:a="http://schemas.openxmlformats.org/drawingml/2006/main" xmlns:r="http://schemas.openxmlformats.org/officeDocument/2006/relationships" xmlns:mc="http://schemas.openxmlformats.org/markup-compatibility/2006" xmlns:mv="urn:schemas-microsoft-com:mac:vml" xmlns:p="http://schemas.openxmlformats.org/presentationml/2006/main" xmlns:c="http://schemas.openxmlformats.org/drawingml/2006/chart" xmlns:dgm="http://schemas.openxmlformats.org/drawingml/2006/diagram" xmlns:o="urn:schemas-microsoft-com:office:office" xmlns:v="urn:schemas-microsoft-com:vml" xmlns:pvml="urn:schemas-microsoft-com:office:powerpoint" xmlns:com="http://schemas.openxmlformats.org/drawingml/2006/compatibility" xmlns:p14="http://schemas.microsoft.com/office/powerpoint/2010/main" xmlns:p15="http://schemas.microsoft.com/office/powerpoint/2012/main" xmlns:ahyp="http://schemas.microsoft.com/office/drawing/2018/hyperlinkcolor">
+<p:sld xmlns:a="http://schemas.openxmlformats.org/drawingml/2006/main" xmlns:r="http://schemas.openxmlformats.org/officeDocument/2006/relationships" xmlns:p="http://schemas.openxmlformats.org/presentationml/2006/main">
   <p:cSld>
     <p:spTree>
       <p:nvGrpSpPr>
-        <p:cNvPr id="65" name="Shape 65"/>
+        <p:cNvPr id="1" name="Shape 65"/>
         <p:cNvGrpSpPr/>
         <p:nvPr/>
       </p:nvGrpSpPr>
@@ -6073,14 +6757,16 @@
       <p:sp>
         <p:nvSpPr>
           <p:cNvPr id="66" name="Google Shape;66;p15"/>
-          <p:cNvSpPr txBox="1"/>
+          <p:cNvSpPr txBox="1">
+            <a:spLocks noGrp="1"/>
+          </p:cNvSpPr>
           <p:nvPr>
             <p:ph type="title"/>
           </p:nvPr>
         </p:nvSpPr>
         <p:spPr>
           <a:xfrm>
-            <a:off x="311700" y="445025"/>
+            <a:off x="237741" y="122295"/>
             <a:ext cx="8520600" cy="572700"/>
           </a:xfrm>
           <a:prstGeom prst="rect">
@@ -6088,12 +6774,12 @@
           </a:prstGeom>
         </p:spPr>
         <p:txBody>
-          <a:bodyPr anchorCtr="0" anchor="t" bIns="91425" lIns="91425" spcFirstLastPara="1" rIns="91425" wrap="square" tIns="91425">
+          <a:bodyPr spcFirstLastPara="1" wrap="square" lIns="91425" tIns="91425" rIns="91425" bIns="91425" anchor="t" anchorCtr="0">
             <a:noAutofit/>
           </a:bodyPr>
           <a:lstStyle/>
           <a:p>
-            <a:pPr indent="0" lvl="0" marL="0" rtl="0" algn="l">
+            <a:pPr marL="0" lvl="0" indent="0" algn="l" rtl="0">
               <a:spcBef>
                 <a:spcPts val="0"/>
               </a:spcBef>
@@ -6103,97 +6789,136 @@
               <a:buNone/>
             </a:pPr>
             <a:r>
-              <a:rPr lang="en-GB"/>
+              <a:rPr lang="en-GB" b="1" dirty="0">
+                <a:effectLst>
+                  <a:outerShdw blurRad="38100" dist="38100" dir="2700000" algn="tl">
+                    <a:srgbClr val="000000">
+                      <a:alpha val="43137"/>
+                    </a:srgbClr>
+                  </a:outerShdw>
+                </a:effectLst>
+              </a:rPr>
               <a:t>System architecture</a:t>
             </a:r>
-            <a:endParaRPr/>
+            <a:endParaRPr b="1" dirty="0">
+              <a:effectLst>
+                <a:outerShdw blurRad="38100" dist="38100" dir="2700000" algn="tl">
+                  <a:srgbClr val="000000">
+                    <a:alpha val="43137"/>
+                  </a:srgbClr>
+                </a:outerShdw>
+              </a:effectLst>
+            </a:endParaRPr>
           </a:p>
         </p:txBody>
       </p:sp>
       <p:sp>
         <p:nvSpPr>
-          <p:cNvPr id="67" name="Google Shape;67;p15"/>
+          <p:cNvPr id="4" name="TextBox 3">
+            <a:extLst>
+              <a:ext uri="{FF2B5EF4-FFF2-40B4-BE49-F238E27FC236}">
+                <a16:creationId xmlns:a16="http://schemas.microsoft.com/office/drawing/2014/main" id="{0FFFF319-05C2-42A0-9892-5127C4983BDE}"/>
+              </a:ext>
+            </a:extLst>
+          </p:cNvPr>
           <p:cNvSpPr txBox="1"/>
-          <p:nvPr>
-            <p:ph idx="1" type="body"/>
-          </p:nvPr>
+          <p:nvPr/>
         </p:nvSpPr>
         <p:spPr>
           <a:xfrm>
-            <a:off x="311700" y="1152475"/>
-            <a:ext cx="8520600" cy="3416400"/>
+            <a:off x="237741" y="826475"/>
+            <a:ext cx="5587253" cy="307777"/>
+          </a:xfrm>
+          <a:prstGeom prst="rect">
+            <a:avLst/>
+          </a:prstGeom>
+          <a:noFill/>
+        </p:spPr>
+        <p:txBody>
+          <a:bodyPr wrap="square" rtlCol="0">
+            <a:spAutoFit/>
+          </a:bodyPr>
+          <a:lstStyle/>
+          <a:p>
+            <a:r>
+              <a:rPr lang="en-US" dirty="0"/>
+              <a:t>BASE, Microservices, RESTful API</a:t>
+            </a:r>
+            <a:endParaRPr lang="ru-RU" dirty="0"/>
+          </a:p>
+        </p:txBody>
+      </p:sp>
+      <p:pic>
+        <p:nvPicPr>
+          <p:cNvPr id="7" name="Рисунок 4">
+            <a:extLst>
+              <a:ext uri="{FF2B5EF4-FFF2-40B4-BE49-F238E27FC236}">
+                <a16:creationId xmlns:a16="http://schemas.microsoft.com/office/drawing/2014/main" id="{C1AD4142-E556-41C1-B63D-CF31AB589E0B}"/>
+              </a:ext>
+            </a:extLst>
+          </p:cNvPr>
+          <p:cNvPicPr>
+            <a:picLocks noChangeAspect="1"/>
+          </p:cNvPicPr>
+          <p:nvPr/>
+        </p:nvPicPr>
+        <p:blipFill>
+          <a:blip r:embed="rId3"/>
+          <a:stretch>
+            <a:fillRect/>
+          </a:stretch>
+        </p:blipFill>
+        <p:spPr>
+          <a:xfrm>
+            <a:off x="2810754" y="968188"/>
+            <a:ext cx="3928702" cy="3697941"/>
           </a:xfrm>
           <a:prstGeom prst="rect">
             <a:avLst/>
           </a:prstGeom>
         </p:spPr>
+      </p:pic>
+      <p:sp>
+        <p:nvSpPr>
+          <p:cNvPr id="5" name="TextBox 4">
+            <a:extLst>
+              <a:ext uri="{FF2B5EF4-FFF2-40B4-BE49-F238E27FC236}">
+                <a16:creationId xmlns:a16="http://schemas.microsoft.com/office/drawing/2014/main" id="{72280F97-05FB-4E7B-B7F9-4FD10DE90516}"/>
+              </a:ext>
+            </a:extLst>
+          </p:cNvPr>
+          <p:cNvSpPr txBox="1"/>
+          <p:nvPr/>
+        </p:nvSpPr>
+        <p:spPr>
+          <a:xfrm>
+            <a:off x="6380628" y="826475"/>
+            <a:ext cx="1304365" cy="307777"/>
+          </a:xfrm>
+          <a:prstGeom prst="rect">
+            <a:avLst/>
+          </a:prstGeom>
+          <a:noFill/>
+        </p:spPr>
         <p:txBody>
-          <a:bodyPr anchorCtr="0" anchor="t" bIns="91425" lIns="91425" spcFirstLastPara="1" rIns="91425" wrap="square" tIns="91425">
-            <a:noAutofit/>
+          <a:bodyPr wrap="square" rtlCol="0">
+            <a:spAutoFit/>
           </a:bodyPr>
           <a:lstStyle/>
           <a:p>
-            <a:pPr indent="0" lvl="0" marL="0" rtl="0" algn="l">
-              <a:spcBef>
-                <a:spcPts val="0"/>
-              </a:spcBef>
-              <a:spcAft>
-                <a:spcPts val="0"/>
-              </a:spcAft>
-              <a:buNone/>
-            </a:pPr>
             <a:r>
-              <a:rPr lang="en-GB"/>
-              <a:t>(take from the previous task)</a:t>
+              <a:rPr lang="en-US" dirty="0">
+                <a:solidFill>
+                  <a:srgbClr val="FF0000"/>
+                </a:solidFill>
+              </a:rPr>
+              <a:t>Fix schema?</a:t>
             </a:r>
-            <a:endParaRPr/>
-          </a:p>
-          <a:p>
-            <a:pPr indent="0" lvl="0" marL="0" rtl="0" algn="l">
-              <a:spcBef>
-                <a:spcPts val="1200"/>
-              </a:spcBef>
-              <a:spcAft>
-                <a:spcPts val="0"/>
-              </a:spcAft>
-              <a:buNone/>
-            </a:pPr>
-            <a:r>
-              <a:rPr lang="en-GB"/>
-              <a:t>&lt;Show your microservices architecture using DFD or UML2 component diagram&gt;</a:t>
-            </a:r>
-            <a:endParaRPr/>
-          </a:p>
-          <a:p>
-            <a:pPr indent="0" lvl="0" marL="0" rtl="0" algn="l">
-              <a:spcBef>
-                <a:spcPts val="1200"/>
-              </a:spcBef>
-              <a:spcAft>
-                <a:spcPts val="0"/>
-              </a:spcAft>
-              <a:buNone/>
-            </a:pPr>
-            <a:r>
-              <a:rPr lang="en-GB"/>
-              <a:t>&lt;Write down 2-3 most important principles within your architecture&gt;</a:t>
-            </a:r>
-            <a:endParaRPr/>
-          </a:p>
-          <a:p>
-            <a:pPr indent="0" lvl="0" marL="0" rtl="0" algn="l">
-              <a:spcBef>
-                <a:spcPts val="1200"/>
-              </a:spcBef>
-              <a:spcAft>
-                <a:spcPts val="1200"/>
-              </a:spcAft>
-              <a:buNone/>
-            </a:pPr>
-            <a:r>
-              <a:t/>
-            </a:r>
-            <a:endParaRPr/>
+            <a:endParaRPr lang="ru-RU" dirty="0">
+              <a:solidFill>
+                <a:srgbClr val="FF0000"/>
+              </a:solidFill>
+            </a:endParaRPr>
           </a:p>
         </p:txBody>
       </p:sp>
@@ -6206,11 +6931,11 @@
 </file>
 
 <file path=ppt/slides/slide4.xml><?xml version="1.0" encoding="utf-8"?>
-<p:sld xmlns:a="http://schemas.openxmlformats.org/drawingml/2006/main" xmlns:r="http://schemas.openxmlformats.org/officeDocument/2006/relationships" xmlns:mc="http://schemas.openxmlformats.org/markup-compatibility/2006" xmlns:mv="urn:schemas-microsoft-com:mac:vml" xmlns:p="http://schemas.openxmlformats.org/presentationml/2006/main" xmlns:c="http://schemas.openxmlformats.org/drawingml/2006/chart" xmlns:dgm="http://schemas.openxmlformats.org/drawingml/2006/diagram" xmlns:o="urn:schemas-microsoft-com:office:office" xmlns:v="urn:schemas-microsoft-com:vml" xmlns:pvml="urn:schemas-microsoft-com:office:powerpoint" xmlns:com="http://schemas.openxmlformats.org/drawingml/2006/compatibility" xmlns:p14="http://schemas.microsoft.com/office/powerpoint/2010/main" xmlns:p15="http://schemas.microsoft.com/office/powerpoint/2012/main" xmlns:ahyp="http://schemas.microsoft.com/office/drawing/2018/hyperlinkcolor">
+<p:sld xmlns:a="http://schemas.openxmlformats.org/drawingml/2006/main" xmlns:r="http://schemas.openxmlformats.org/officeDocument/2006/relationships" xmlns:p="http://schemas.openxmlformats.org/presentationml/2006/main">
   <p:cSld>
     <p:spTree>
       <p:nvGrpSpPr>
-        <p:cNvPr id="71" name="Shape 71"/>
+        <p:cNvPr id="1" name="Shape 71"/>
         <p:cNvGrpSpPr/>
         <p:nvPr/>
       </p:nvGrpSpPr>
@@ -6225,14 +6950,16 @@
       <p:sp>
         <p:nvSpPr>
           <p:cNvPr id="72" name="Google Shape;72;p16"/>
-          <p:cNvSpPr txBox="1"/>
+          <p:cNvSpPr txBox="1">
+            <a:spLocks noGrp="1"/>
+          </p:cNvSpPr>
           <p:nvPr>
             <p:ph type="title"/>
           </p:nvPr>
         </p:nvSpPr>
         <p:spPr>
           <a:xfrm>
-            <a:off x="311700" y="445025"/>
+            <a:off x="170506" y="176084"/>
             <a:ext cx="8520600" cy="572700"/>
           </a:xfrm>
           <a:prstGeom prst="rect">
@@ -6240,12 +6967,12 @@
           </a:prstGeom>
         </p:spPr>
         <p:txBody>
-          <a:bodyPr anchorCtr="0" anchor="t" bIns="91425" lIns="91425" spcFirstLastPara="1" rIns="91425" wrap="square" tIns="91425">
+          <a:bodyPr spcFirstLastPara="1" wrap="square" lIns="91425" tIns="91425" rIns="91425" bIns="91425" anchor="t" anchorCtr="0">
             <a:noAutofit/>
           </a:bodyPr>
           <a:lstStyle/>
           <a:p>
-            <a:pPr indent="0" lvl="0" marL="0" rtl="0" algn="l">
+            <a:pPr marL="0" lvl="0" indent="0" algn="l" rtl="0">
               <a:spcBef>
                 <a:spcPts val="0"/>
               </a:spcBef>
@@ -6255,19 +6982,43 @@
               <a:buNone/>
             </a:pPr>
             <a:r>
-              <a:rPr lang="en-GB"/>
+              <a:rPr lang="en-GB" b="1" dirty="0">
+                <a:solidFill>
+                  <a:srgbClr val="FF0000"/>
+                </a:solidFill>
+                <a:effectLst>
+                  <a:outerShdw blurRad="38100" dist="38100" dir="2700000" algn="tl">
+                    <a:srgbClr val="000000">
+                      <a:alpha val="43137"/>
+                    </a:srgbClr>
+                  </a:outerShdw>
+                </a:effectLst>
+              </a:rPr>
               <a:t>Design case &lt;1&gt; (UML2)</a:t>
             </a:r>
-            <a:endParaRPr/>
+            <a:endParaRPr b="1" dirty="0">
+              <a:solidFill>
+                <a:srgbClr val="FF0000"/>
+              </a:solidFill>
+              <a:effectLst>
+                <a:outerShdw blurRad="38100" dist="38100" dir="2700000" algn="tl">
+                  <a:srgbClr val="000000">
+                    <a:alpha val="43137"/>
+                  </a:srgbClr>
+                </a:outerShdw>
+              </a:effectLst>
+            </a:endParaRPr>
           </a:p>
         </p:txBody>
       </p:sp>
       <p:sp>
         <p:nvSpPr>
           <p:cNvPr id="73" name="Google Shape;73;p16"/>
-          <p:cNvSpPr txBox="1"/>
+          <p:cNvSpPr txBox="1">
+            <a:spLocks noGrp="1"/>
+          </p:cNvSpPr>
           <p:nvPr>
-            <p:ph idx="1" type="body"/>
+            <p:ph type="body" idx="1"/>
           </p:nvPr>
         </p:nvSpPr>
         <p:spPr>
@@ -6280,12 +7031,12 @@
           </a:prstGeom>
         </p:spPr>
         <p:txBody>
-          <a:bodyPr anchorCtr="0" anchor="t" bIns="91425" lIns="91425" spcFirstLastPara="1" rIns="91425" wrap="square" tIns="91425">
+          <a:bodyPr spcFirstLastPara="1" wrap="square" lIns="91425" tIns="91425" rIns="91425" bIns="91425" anchor="t" anchorCtr="0">
             <a:noAutofit/>
           </a:bodyPr>
           <a:lstStyle/>
           <a:p>
-            <a:pPr indent="0" lvl="0" marL="0" rtl="0" algn="l">
+            <a:pPr marL="0" lvl="0" indent="0" algn="l" rtl="0">
               <a:spcBef>
                 <a:spcPts val="0"/>
               </a:spcBef>
@@ -6301,7 +7052,7 @@
             <a:endParaRPr/>
           </a:p>
           <a:p>
-            <a:pPr indent="0" lvl="0" marL="0" rtl="0" algn="l">
+            <a:pPr marL="0" lvl="0" indent="0" algn="l" rtl="0">
               <a:spcBef>
                 <a:spcPts val="1200"/>
               </a:spcBef>
@@ -6312,16 +7063,12 @@
             </a:pPr>
             <a:r>
               <a:rPr lang="en-GB"/>
-              <a:t>Solution: &lt;how solved, e.g. </a:t>
-            </a:r>
-            <a:r>
-              <a:rPr lang="en-GB"/>
-              <a:t>applied pattern, implemented SRP etc&gt;</a:t>
+              <a:t>Solution: &lt;how solved, e.g. applied pattern, implemented SRP etc&gt;</a:t>
             </a:r>
             <a:endParaRPr/>
           </a:p>
           <a:p>
-            <a:pPr indent="0" lvl="0" marL="0" rtl="0" algn="l">
+            <a:pPr marL="0" lvl="0" indent="0" algn="l" rtl="0">
               <a:spcBef>
                 <a:spcPts val="1200"/>
               </a:spcBef>
@@ -6337,7 +7084,7 @@
             <a:endParaRPr/>
           </a:p>
           <a:p>
-            <a:pPr indent="0" lvl="0" marL="0" rtl="0" algn="l">
+            <a:pPr marL="0" lvl="0" indent="0" algn="l" rtl="0">
               <a:spcBef>
                 <a:spcPts val="1200"/>
               </a:spcBef>
@@ -6353,7 +7100,7 @@
             <a:endParaRPr/>
           </a:p>
           <a:p>
-            <a:pPr indent="0" lvl="0" marL="0" rtl="0" algn="l">
+            <a:pPr marL="0" lvl="0" indent="0" algn="l" rtl="0">
               <a:spcBef>
                 <a:spcPts val="1200"/>
               </a:spcBef>
@@ -6369,7 +7116,7 @@
             <a:endParaRPr/>
           </a:p>
           <a:p>
-            <a:pPr indent="0" lvl="0" marL="0" rtl="0" algn="l">
+            <a:pPr marL="0" lvl="0" indent="0" algn="l" rtl="0">
               <a:spcBef>
                 <a:spcPts val="1200"/>
               </a:spcBef>
@@ -6378,13 +7125,10 @@
               </a:spcAft>
               <a:buNone/>
             </a:pPr>
-            <a:r>
-              <a:t/>
-            </a:r>
             <a:endParaRPr/>
           </a:p>
           <a:p>
-            <a:pPr indent="0" lvl="0" marL="0" rtl="0" algn="l">
+            <a:pPr marL="0" lvl="0" indent="0" algn="l" rtl="0">
               <a:spcBef>
                 <a:spcPts val="1200"/>
               </a:spcBef>
@@ -6393,9 +7137,6 @@
               </a:spcAft>
               <a:buNone/>
             </a:pPr>
-            <a:r>
-              <a:t/>
-            </a:r>
             <a:endParaRPr/>
           </a:p>
         </p:txBody>
@@ -6410,7 +7151,7 @@
           <a:blip r:embed="rId3">
             <a:alphaModFix/>
           </a:blip>
-          <a:srcRect b="0" l="34730" r="0" t="38994"/>
+          <a:srcRect l="34730" t="38994"/>
           <a:stretch/>
         </p:blipFill>
         <p:spPr>
@@ -6435,8 +7176,1042 @@
 </p:sld>
 </file>
 
+<file path=ppt/slides/slide5.xml><?xml version="1.0" encoding="utf-8"?>
+<p:sld xmlns:a="http://schemas.openxmlformats.org/drawingml/2006/main" xmlns:r="http://schemas.openxmlformats.org/officeDocument/2006/relationships" xmlns:p="http://schemas.openxmlformats.org/presentationml/2006/main">
+  <p:cSld>
+    <p:spTree>
+      <p:nvGrpSpPr>
+        <p:cNvPr id="1" name="Shape 71"/>
+        <p:cNvGrpSpPr/>
+        <p:nvPr/>
+      </p:nvGrpSpPr>
+      <p:grpSpPr>
+        <a:xfrm>
+          <a:off x="0" y="0"/>
+          <a:ext cx="0" cy="0"/>
+          <a:chOff x="0" y="0"/>
+          <a:chExt cx="0" cy="0"/>
+        </a:xfrm>
+      </p:grpSpPr>
+      <p:sp>
+        <p:nvSpPr>
+          <p:cNvPr id="72" name="Google Shape;72;p16"/>
+          <p:cNvSpPr txBox="1">
+            <a:spLocks noGrp="1"/>
+          </p:cNvSpPr>
+          <p:nvPr>
+            <p:ph type="title"/>
+          </p:nvPr>
+        </p:nvSpPr>
+        <p:spPr>
+          <a:xfrm>
+            <a:off x="204123" y="216425"/>
+            <a:ext cx="8520600" cy="572700"/>
+          </a:xfrm>
+          <a:prstGeom prst="rect">
+            <a:avLst/>
+          </a:prstGeom>
+        </p:spPr>
+        <p:txBody>
+          <a:bodyPr spcFirstLastPara="1" wrap="square" lIns="91425" tIns="91425" rIns="91425" bIns="91425" anchor="t" anchorCtr="0">
+            <a:noAutofit/>
+          </a:bodyPr>
+          <a:lstStyle/>
+          <a:p>
+            <a:pPr marL="0" lvl="0" indent="0" algn="l" rtl="0">
+              <a:spcBef>
+                <a:spcPts val="0"/>
+              </a:spcBef>
+              <a:spcAft>
+                <a:spcPts val="0"/>
+              </a:spcAft>
+              <a:buNone/>
+            </a:pPr>
+            <a:r>
+              <a:rPr lang="en-GB" b="1" dirty="0">
+                <a:solidFill>
+                  <a:srgbClr val="FF0000"/>
+                </a:solidFill>
+                <a:effectLst>
+                  <a:outerShdw blurRad="38100" dist="38100" dir="2700000" algn="tl">
+                    <a:srgbClr val="000000">
+                      <a:alpha val="43137"/>
+                    </a:srgbClr>
+                  </a:outerShdw>
+                </a:effectLst>
+              </a:rPr>
+              <a:t>Design case &lt;2&gt; (UML2)</a:t>
+            </a:r>
+            <a:endParaRPr b="1" dirty="0">
+              <a:solidFill>
+                <a:srgbClr val="FF0000"/>
+              </a:solidFill>
+              <a:effectLst>
+                <a:outerShdw blurRad="38100" dist="38100" dir="2700000" algn="tl">
+                  <a:srgbClr val="000000">
+                    <a:alpha val="43137"/>
+                  </a:srgbClr>
+                </a:outerShdw>
+              </a:effectLst>
+            </a:endParaRPr>
+          </a:p>
+        </p:txBody>
+      </p:sp>
+      <p:sp>
+        <p:nvSpPr>
+          <p:cNvPr id="73" name="Google Shape;73;p16"/>
+          <p:cNvSpPr txBox="1">
+            <a:spLocks noGrp="1"/>
+          </p:cNvSpPr>
+          <p:nvPr>
+            <p:ph type="body" idx="1"/>
+          </p:nvPr>
+        </p:nvSpPr>
+        <p:spPr>
+          <a:xfrm>
+            <a:off x="311700" y="1152475"/>
+            <a:ext cx="3990600" cy="3416400"/>
+          </a:xfrm>
+          <a:prstGeom prst="rect">
+            <a:avLst/>
+          </a:prstGeom>
+        </p:spPr>
+        <p:txBody>
+          <a:bodyPr spcFirstLastPara="1" wrap="square" lIns="91425" tIns="91425" rIns="91425" bIns="91425" anchor="t" anchorCtr="0">
+            <a:noAutofit/>
+          </a:bodyPr>
+          <a:lstStyle/>
+          <a:p>
+            <a:pPr marL="0" lvl="0" indent="0" algn="l" rtl="0">
+              <a:spcBef>
+                <a:spcPts val="0"/>
+              </a:spcBef>
+              <a:spcAft>
+                <a:spcPts val="0"/>
+              </a:spcAft>
+              <a:buNone/>
+            </a:pPr>
+            <a:r>
+              <a:rPr lang="en-GB"/>
+              <a:t>Problem: &lt;e.g. Support many dbms, assign responsibility dynamically…. etc&gt;</a:t>
+            </a:r>
+            <a:endParaRPr/>
+          </a:p>
+          <a:p>
+            <a:pPr marL="0" lvl="0" indent="0" algn="l" rtl="0">
+              <a:spcBef>
+                <a:spcPts val="1200"/>
+              </a:spcBef>
+              <a:spcAft>
+                <a:spcPts val="0"/>
+              </a:spcAft>
+              <a:buNone/>
+            </a:pPr>
+            <a:r>
+              <a:rPr lang="en-GB"/>
+              <a:t>Solution: &lt;how solved, e.g. applied pattern, implemented SRP etc&gt;</a:t>
+            </a:r>
+            <a:endParaRPr/>
+          </a:p>
+          <a:p>
+            <a:pPr marL="0" lvl="0" indent="0" algn="l" rtl="0">
+              <a:spcBef>
+                <a:spcPts val="1200"/>
+              </a:spcBef>
+              <a:spcAft>
+                <a:spcPts val="0"/>
+              </a:spcAft>
+              <a:buNone/>
+            </a:pPr>
+            <a:r>
+              <a:rPr lang="en-GB"/>
+              <a:t>&lt;at least as much design cases as member in the team&gt;</a:t>
+            </a:r>
+            <a:endParaRPr/>
+          </a:p>
+          <a:p>
+            <a:pPr marL="0" lvl="0" indent="0" algn="l" rtl="0">
+              <a:spcBef>
+                <a:spcPts val="1200"/>
+              </a:spcBef>
+              <a:spcAft>
+                <a:spcPts val="0"/>
+              </a:spcAft>
+              <a:buNone/>
+            </a:pPr>
+            <a:r>
+              <a:rPr lang="en-GB"/>
+              <a:t>&lt;Show UML2 structure and (if needed) behavior diagrams&gt;</a:t>
+            </a:r>
+            <a:endParaRPr/>
+          </a:p>
+          <a:p>
+            <a:pPr marL="0" lvl="0" indent="0" algn="l" rtl="0">
+              <a:spcBef>
+                <a:spcPts val="1200"/>
+              </a:spcBef>
+              <a:spcAft>
+                <a:spcPts val="0"/>
+              </a:spcAft>
+              <a:buNone/>
+            </a:pPr>
+            <a:r>
+              <a:rPr lang="en-GB"/>
+              <a:t>&lt;No code please!&gt;</a:t>
+            </a:r>
+            <a:endParaRPr/>
+          </a:p>
+          <a:p>
+            <a:pPr marL="0" lvl="0" indent="0" algn="l" rtl="0">
+              <a:spcBef>
+                <a:spcPts val="1200"/>
+              </a:spcBef>
+              <a:spcAft>
+                <a:spcPts val="0"/>
+              </a:spcAft>
+              <a:buNone/>
+            </a:pPr>
+            <a:endParaRPr/>
+          </a:p>
+          <a:p>
+            <a:pPr marL="0" lvl="0" indent="0" algn="l" rtl="0">
+              <a:spcBef>
+                <a:spcPts val="1200"/>
+              </a:spcBef>
+              <a:spcAft>
+                <a:spcPts val="1200"/>
+              </a:spcAft>
+              <a:buNone/>
+            </a:pPr>
+            <a:endParaRPr/>
+          </a:p>
+        </p:txBody>
+      </p:sp>
+      <p:pic>
+        <p:nvPicPr>
+          <p:cNvPr id="74" name="Google Shape;74;p16"/>
+          <p:cNvPicPr preferRelativeResize="0"/>
+          <p:nvPr/>
+        </p:nvPicPr>
+        <p:blipFill rotWithShape="1">
+          <a:blip r:embed="rId3">
+            <a:alphaModFix/>
+          </a:blip>
+          <a:srcRect l="34730" t="38994"/>
+          <a:stretch/>
+        </p:blipFill>
+        <p:spPr>
+          <a:xfrm>
+            <a:off x="4868900" y="1320350"/>
+            <a:ext cx="3483074" cy="1601725"/>
+          </a:xfrm>
+          <a:prstGeom prst="rect">
+            <a:avLst/>
+          </a:prstGeom>
+          <a:noFill/>
+          <a:ln>
+            <a:noFill/>
+          </a:ln>
+        </p:spPr>
+      </p:pic>
+    </p:spTree>
+    <p:extLst>
+      <p:ext uri="{BB962C8B-B14F-4D97-AF65-F5344CB8AC3E}">
+        <p14:creationId xmlns:p14="http://schemas.microsoft.com/office/powerpoint/2010/main" val="826294762"/>
+      </p:ext>
+    </p:extLst>
+  </p:cSld>
+  <p:clrMapOvr>
+    <a:masterClrMapping/>
+  </p:clrMapOvr>
+</p:sld>
+</file>
+
+<file path=ppt/slides/slide6.xml><?xml version="1.0" encoding="utf-8"?>
+<p:sld xmlns:a="http://schemas.openxmlformats.org/drawingml/2006/main" xmlns:r="http://schemas.openxmlformats.org/officeDocument/2006/relationships" xmlns:p="http://schemas.openxmlformats.org/presentationml/2006/main">
+  <p:cSld>
+    <p:spTree>
+      <p:nvGrpSpPr>
+        <p:cNvPr id="1" name="Shape 71"/>
+        <p:cNvGrpSpPr/>
+        <p:nvPr/>
+      </p:nvGrpSpPr>
+      <p:grpSpPr>
+        <a:xfrm>
+          <a:off x="0" y="0"/>
+          <a:ext cx="0" cy="0"/>
+          <a:chOff x="0" y="0"/>
+          <a:chExt cx="0" cy="0"/>
+        </a:xfrm>
+      </p:grpSpPr>
+      <p:sp>
+        <p:nvSpPr>
+          <p:cNvPr id="72" name="Google Shape;72;p16"/>
+          <p:cNvSpPr txBox="1">
+            <a:spLocks noGrp="1"/>
+          </p:cNvSpPr>
+          <p:nvPr>
+            <p:ph type="title"/>
+          </p:nvPr>
+        </p:nvSpPr>
+        <p:spPr>
+          <a:xfrm>
+            <a:off x="170506" y="169360"/>
+            <a:ext cx="8520600" cy="572700"/>
+          </a:xfrm>
+          <a:prstGeom prst="rect">
+            <a:avLst/>
+          </a:prstGeom>
+        </p:spPr>
+        <p:txBody>
+          <a:bodyPr spcFirstLastPara="1" wrap="square" lIns="91425" tIns="91425" rIns="91425" bIns="91425" anchor="t" anchorCtr="0">
+            <a:noAutofit/>
+          </a:bodyPr>
+          <a:lstStyle/>
+          <a:p>
+            <a:pPr marL="0" lvl="0" indent="0" algn="l" rtl="0">
+              <a:spcBef>
+                <a:spcPts val="0"/>
+              </a:spcBef>
+              <a:spcAft>
+                <a:spcPts val="0"/>
+              </a:spcAft>
+              <a:buNone/>
+            </a:pPr>
+            <a:r>
+              <a:rPr lang="en-GB" b="1" dirty="0">
+                <a:solidFill>
+                  <a:srgbClr val="FF0000"/>
+                </a:solidFill>
+                <a:effectLst>
+                  <a:outerShdw blurRad="38100" dist="38100" dir="2700000" algn="tl">
+                    <a:srgbClr val="000000">
+                      <a:alpha val="43137"/>
+                    </a:srgbClr>
+                  </a:outerShdw>
+                </a:effectLst>
+              </a:rPr>
+              <a:t>Design case &lt;3&gt; (UML2)</a:t>
+            </a:r>
+            <a:endParaRPr b="1" dirty="0">
+              <a:solidFill>
+                <a:srgbClr val="FF0000"/>
+              </a:solidFill>
+              <a:effectLst>
+                <a:outerShdw blurRad="38100" dist="38100" dir="2700000" algn="tl">
+                  <a:srgbClr val="000000">
+                    <a:alpha val="43137"/>
+                  </a:srgbClr>
+                </a:outerShdw>
+              </a:effectLst>
+            </a:endParaRPr>
+          </a:p>
+        </p:txBody>
+      </p:sp>
+      <p:sp>
+        <p:nvSpPr>
+          <p:cNvPr id="73" name="Google Shape;73;p16"/>
+          <p:cNvSpPr txBox="1">
+            <a:spLocks noGrp="1"/>
+          </p:cNvSpPr>
+          <p:nvPr>
+            <p:ph type="body" idx="1"/>
+          </p:nvPr>
+        </p:nvSpPr>
+        <p:spPr>
+          <a:xfrm>
+            <a:off x="311700" y="1152475"/>
+            <a:ext cx="3990600" cy="3416400"/>
+          </a:xfrm>
+          <a:prstGeom prst="rect">
+            <a:avLst/>
+          </a:prstGeom>
+        </p:spPr>
+        <p:txBody>
+          <a:bodyPr spcFirstLastPara="1" wrap="square" lIns="91425" tIns="91425" rIns="91425" bIns="91425" anchor="t" anchorCtr="0">
+            <a:noAutofit/>
+          </a:bodyPr>
+          <a:lstStyle/>
+          <a:p>
+            <a:pPr marL="0" lvl="0" indent="0" algn="l" rtl="0">
+              <a:spcBef>
+                <a:spcPts val="0"/>
+              </a:spcBef>
+              <a:spcAft>
+                <a:spcPts val="0"/>
+              </a:spcAft>
+              <a:buNone/>
+            </a:pPr>
+            <a:r>
+              <a:rPr lang="en-GB"/>
+              <a:t>Problem: &lt;e.g. Support many dbms, assign responsibility dynamically…. etc&gt;</a:t>
+            </a:r>
+            <a:endParaRPr/>
+          </a:p>
+          <a:p>
+            <a:pPr marL="0" lvl="0" indent="0" algn="l" rtl="0">
+              <a:spcBef>
+                <a:spcPts val="1200"/>
+              </a:spcBef>
+              <a:spcAft>
+                <a:spcPts val="0"/>
+              </a:spcAft>
+              <a:buNone/>
+            </a:pPr>
+            <a:r>
+              <a:rPr lang="en-GB"/>
+              <a:t>Solution: &lt;how solved, e.g. applied pattern, implemented SRP etc&gt;</a:t>
+            </a:r>
+            <a:endParaRPr/>
+          </a:p>
+          <a:p>
+            <a:pPr marL="0" lvl="0" indent="0" algn="l" rtl="0">
+              <a:spcBef>
+                <a:spcPts val="1200"/>
+              </a:spcBef>
+              <a:spcAft>
+                <a:spcPts val="0"/>
+              </a:spcAft>
+              <a:buNone/>
+            </a:pPr>
+            <a:r>
+              <a:rPr lang="en-GB"/>
+              <a:t>&lt;at least as much design cases as member in the team&gt;</a:t>
+            </a:r>
+            <a:endParaRPr/>
+          </a:p>
+          <a:p>
+            <a:pPr marL="0" lvl="0" indent="0" algn="l" rtl="0">
+              <a:spcBef>
+                <a:spcPts val="1200"/>
+              </a:spcBef>
+              <a:spcAft>
+                <a:spcPts val="0"/>
+              </a:spcAft>
+              <a:buNone/>
+            </a:pPr>
+            <a:r>
+              <a:rPr lang="en-GB"/>
+              <a:t>&lt;Show UML2 structure and (if needed) behavior diagrams&gt;</a:t>
+            </a:r>
+            <a:endParaRPr/>
+          </a:p>
+          <a:p>
+            <a:pPr marL="0" lvl="0" indent="0" algn="l" rtl="0">
+              <a:spcBef>
+                <a:spcPts val="1200"/>
+              </a:spcBef>
+              <a:spcAft>
+                <a:spcPts val="0"/>
+              </a:spcAft>
+              <a:buNone/>
+            </a:pPr>
+            <a:r>
+              <a:rPr lang="en-GB"/>
+              <a:t>&lt;No code please!&gt;</a:t>
+            </a:r>
+            <a:endParaRPr/>
+          </a:p>
+          <a:p>
+            <a:pPr marL="0" lvl="0" indent="0" algn="l" rtl="0">
+              <a:spcBef>
+                <a:spcPts val="1200"/>
+              </a:spcBef>
+              <a:spcAft>
+                <a:spcPts val="0"/>
+              </a:spcAft>
+              <a:buNone/>
+            </a:pPr>
+            <a:endParaRPr/>
+          </a:p>
+          <a:p>
+            <a:pPr marL="0" lvl="0" indent="0" algn="l" rtl="0">
+              <a:spcBef>
+                <a:spcPts val="1200"/>
+              </a:spcBef>
+              <a:spcAft>
+                <a:spcPts val="1200"/>
+              </a:spcAft>
+              <a:buNone/>
+            </a:pPr>
+            <a:endParaRPr/>
+          </a:p>
+        </p:txBody>
+      </p:sp>
+      <p:pic>
+        <p:nvPicPr>
+          <p:cNvPr id="74" name="Google Shape;74;p16"/>
+          <p:cNvPicPr preferRelativeResize="0"/>
+          <p:nvPr/>
+        </p:nvPicPr>
+        <p:blipFill rotWithShape="1">
+          <a:blip r:embed="rId3">
+            <a:alphaModFix/>
+          </a:blip>
+          <a:srcRect l="34730" t="38994"/>
+          <a:stretch/>
+        </p:blipFill>
+        <p:spPr>
+          <a:xfrm>
+            <a:off x="4868900" y="1320350"/>
+            <a:ext cx="3483074" cy="1601725"/>
+          </a:xfrm>
+          <a:prstGeom prst="rect">
+            <a:avLst/>
+          </a:prstGeom>
+          <a:noFill/>
+          <a:ln>
+            <a:noFill/>
+          </a:ln>
+        </p:spPr>
+      </p:pic>
+    </p:spTree>
+    <p:extLst>
+      <p:ext uri="{BB962C8B-B14F-4D97-AF65-F5344CB8AC3E}">
+        <p14:creationId xmlns:p14="http://schemas.microsoft.com/office/powerpoint/2010/main" val="92850492"/>
+      </p:ext>
+    </p:extLst>
+  </p:cSld>
+  <p:clrMapOvr>
+    <a:masterClrMapping/>
+  </p:clrMapOvr>
+</p:sld>
+</file>
+
+<file path=ppt/slides/slide7.xml><?xml version="1.0" encoding="utf-8"?>
+<p:sld xmlns:a="http://schemas.openxmlformats.org/drawingml/2006/main" xmlns:r="http://schemas.openxmlformats.org/officeDocument/2006/relationships" xmlns:p="http://schemas.openxmlformats.org/presentationml/2006/main">
+  <p:cSld>
+    <p:spTree>
+      <p:nvGrpSpPr>
+        <p:cNvPr id="1" name="Shape 71"/>
+        <p:cNvGrpSpPr/>
+        <p:nvPr/>
+      </p:nvGrpSpPr>
+      <p:grpSpPr>
+        <a:xfrm>
+          <a:off x="0" y="0"/>
+          <a:ext cx="0" cy="0"/>
+          <a:chOff x="0" y="0"/>
+          <a:chExt cx="0" cy="0"/>
+        </a:xfrm>
+      </p:grpSpPr>
+      <p:sp>
+        <p:nvSpPr>
+          <p:cNvPr id="72" name="Google Shape;72;p16"/>
+          <p:cNvSpPr txBox="1">
+            <a:spLocks noGrp="1"/>
+          </p:cNvSpPr>
+          <p:nvPr>
+            <p:ph type="title"/>
+          </p:nvPr>
+        </p:nvSpPr>
+        <p:spPr>
+          <a:xfrm>
+            <a:off x="150335" y="169360"/>
+            <a:ext cx="8520600" cy="572700"/>
+          </a:xfrm>
+          <a:prstGeom prst="rect">
+            <a:avLst/>
+          </a:prstGeom>
+        </p:spPr>
+        <p:txBody>
+          <a:bodyPr spcFirstLastPara="1" wrap="square" lIns="91425" tIns="91425" rIns="91425" bIns="91425" anchor="t" anchorCtr="0">
+            <a:noAutofit/>
+          </a:bodyPr>
+          <a:lstStyle/>
+          <a:p>
+            <a:pPr marL="0" lvl="0" indent="0" algn="l" rtl="0">
+              <a:spcBef>
+                <a:spcPts val="0"/>
+              </a:spcBef>
+              <a:spcAft>
+                <a:spcPts val="0"/>
+              </a:spcAft>
+              <a:buNone/>
+            </a:pPr>
+            <a:r>
+              <a:rPr lang="en-GB" b="1" dirty="0">
+                <a:solidFill>
+                  <a:srgbClr val="FF0000"/>
+                </a:solidFill>
+                <a:effectLst>
+                  <a:outerShdw blurRad="38100" dist="38100" dir="2700000" algn="tl">
+                    <a:srgbClr val="000000">
+                      <a:alpha val="43137"/>
+                    </a:srgbClr>
+                  </a:outerShdw>
+                </a:effectLst>
+              </a:rPr>
+              <a:t>Design case &lt;4&gt; (UML2)</a:t>
+            </a:r>
+            <a:endParaRPr b="1" dirty="0">
+              <a:solidFill>
+                <a:srgbClr val="FF0000"/>
+              </a:solidFill>
+              <a:effectLst>
+                <a:outerShdw blurRad="38100" dist="38100" dir="2700000" algn="tl">
+                  <a:srgbClr val="000000">
+                    <a:alpha val="43137"/>
+                  </a:srgbClr>
+                </a:outerShdw>
+              </a:effectLst>
+            </a:endParaRPr>
+          </a:p>
+        </p:txBody>
+      </p:sp>
+      <p:sp>
+        <p:nvSpPr>
+          <p:cNvPr id="73" name="Google Shape;73;p16"/>
+          <p:cNvSpPr txBox="1">
+            <a:spLocks noGrp="1"/>
+          </p:cNvSpPr>
+          <p:nvPr>
+            <p:ph type="body" idx="1"/>
+          </p:nvPr>
+        </p:nvSpPr>
+        <p:spPr>
+          <a:xfrm>
+            <a:off x="311700" y="1152475"/>
+            <a:ext cx="3990600" cy="3416400"/>
+          </a:xfrm>
+          <a:prstGeom prst="rect">
+            <a:avLst/>
+          </a:prstGeom>
+        </p:spPr>
+        <p:txBody>
+          <a:bodyPr spcFirstLastPara="1" wrap="square" lIns="91425" tIns="91425" rIns="91425" bIns="91425" anchor="t" anchorCtr="0">
+            <a:noAutofit/>
+          </a:bodyPr>
+          <a:lstStyle/>
+          <a:p>
+            <a:pPr marL="0" lvl="0" indent="0" algn="l" rtl="0">
+              <a:spcBef>
+                <a:spcPts val="0"/>
+              </a:spcBef>
+              <a:spcAft>
+                <a:spcPts val="0"/>
+              </a:spcAft>
+              <a:buNone/>
+            </a:pPr>
+            <a:r>
+              <a:rPr lang="en-GB"/>
+              <a:t>Problem: &lt;e.g. Support many dbms, assign responsibility dynamically…. etc&gt;</a:t>
+            </a:r>
+            <a:endParaRPr/>
+          </a:p>
+          <a:p>
+            <a:pPr marL="0" lvl="0" indent="0" algn="l" rtl="0">
+              <a:spcBef>
+                <a:spcPts val="1200"/>
+              </a:spcBef>
+              <a:spcAft>
+                <a:spcPts val="0"/>
+              </a:spcAft>
+              <a:buNone/>
+            </a:pPr>
+            <a:r>
+              <a:rPr lang="en-GB"/>
+              <a:t>Solution: &lt;how solved, e.g. applied pattern, implemented SRP etc&gt;</a:t>
+            </a:r>
+            <a:endParaRPr/>
+          </a:p>
+          <a:p>
+            <a:pPr marL="0" lvl="0" indent="0" algn="l" rtl="0">
+              <a:spcBef>
+                <a:spcPts val="1200"/>
+              </a:spcBef>
+              <a:spcAft>
+                <a:spcPts val="0"/>
+              </a:spcAft>
+              <a:buNone/>
+            </a:pPr>
+            <a:r>
+              <a:rPr lang="en-GB"/>
+              <a:t>&lt;at least as much design cases as member in the team&gt;</a:t>
+            </a:r>
+            <a:endParaRPr/>
+          </a:p>
+          <a:p>
+            <a:pPr marL="0" lvl="0" indent="0" algn="l" rtl="0">
+              <a:spcBef>
+                <a:spcPts val="1200"/>
+              </a:spcBef>
+              <a:spcAft>
+                <a:spcPts val="0"/>
+              </a:spcAft>
+              <a:buNone/>
+            </a:pPr>
+            <a:r>
+              <a:rPr lang="en-GB"/>
+              <a:t>&lt;Show UML2 structure and (if needed) behavior diagrams&gt;</a:t>
+            </a:r>
+            <a:endParaRPr/>
+          </a:p>
+          <a:p>
+            <a:pPr marL="0" lvl="0" indent="0" algn="l" rtl="0">
+              <a:spcBef>
+                <a:spcPts val="1200"/>
+              </a:spcBef>
+              <a:spcAft>
+                <a:spcPts val="0"/>
+              </a:spcAft>
+              <a:buNone/>
+            </a:pPr>
+            <a:r>
+              <a:rPr lang="en-GB"/>
+              <a:t>&lt;No code please!&gt;</a:t>
+            </a:r>
+            <a:endParaRPr/>
+          </a:p>
+          <a:p>
+            <a:pPr marL="0" lvl="0" indent="0" algn="l" rtl="0">
+              <a:spcBef>
+                <a:spcPts val="1200"/>
+              </a:spcBef>
+              <a:spcAft>
+                <a:spcPts val="0"/>
+              </a:spcAft>
+              <a:buNone/>
+            </a:pPr>
+            <a:endParaRPr/>
+          </a:p>
+          <a:p>
+            <a:pPr marL="0" lvl="0" indent="0" algn="l" rtl="0">
+              <a:spcBef>
+                <a:spcPts val="1200"/>
+              </a:spcBef>
+              <a:spcAft>
+                <a:spcPts val="1200"/>
+              </a:spcAft>
+              <a:buNone/>
+            </a:pPr>
+            <a:endParaRPr/>
+          </a:p>
+        </p:txBody>
+      </p:sp>
+      <p:pic>
+        <p:nvPicPr>
+          <p:cNvPr id="74" name="Google Shape;74;p16"/>
+          <p:cNvPicPr preferRelativeResize="0"/>
+          <p:nvPr/>
+        </p:nvPicPr>
+        <p:blipFill rotWithShape="1">
+          <a:blip r:embed="rId3">
+            <a:alphaModFix/>
+          </a:blip>
+          <a:srcRect l="34730" t="38994"/>
+          <a:stretch/>
+        </p:blipFill>
+        <p:spPr>
+          <a:xfrm>
+            <a:off x="4868900" y="1320350"/>
+            <a:ext cx="3483074" cy="1601725"/>
+          </a:xfrm>
+          <a:prstGeom prst="rect">
+            <a:avLst/>
+          </a:prstGeom>
+          <a:noFill/>
+          <a:ln>
+            <a:noFill/>
+          </a:ln>
+        </p:spPr>
+      </p:pic>
+    </p:spTree>
+    <p:extLst>
+      <p:ext uri="{BB962C8B-B14F-4D97-AF65-F5344CB8AC3E}">
+        <p14:creationId xmlns:p14="http://schemas.microsoft.com/office/powerpoint/2010/main" val="3225736023"/>
+      </p:ext>
+    </p:extLst>
+  </p:cSld>
+  <p:clrMapOvr>
+    <a:masterClrMapping/>
+  </p:clrMapOvr>
+</p:sld>
+</file>
+
 <file path=ppt/theme/theme1.xml><?xml version="1.0" encoding="utf-8"?>
-<a:theme xmlns:a="http://schemas.openxmlformats.org/drawingml/2006/main" xmlns:r="http://schemas.openxmlformats.org/officeDocument/2006/relationships">
+<a:theme xmlns:a="http://schemas.openxmlformats.org/drawingml/2006/main" name="Simple Light">
+  <a:themeElements>
+    <a:clrScheme name="Simple Light">
+      <a:dk1>
+        <a:srgbClr val="000000"/>
+      </a:dk1>
+      <a:lt1>
+        <a:srgbClr val="FFFFFF"/>
+      </a:lt1>
+      <a:dk2>
+        <a:srgbClr val="595959"/>
+      </a:dk2>
+      <a:lt2>
+        <a:srgbClr val="EEEEEE"/>
+      </a:lt2>
+      <a:accent1>
+        <a:srgbClr val="4285F4"/>
+      </a:accent1>
+      <a:accent2>
+        <a:srgbClr val="212121"/>
+      </a:accent2>
+      <a:accent3>
+        <a:srgbClr val="78909C"/>
+      </a:accent3>
+      <a:accent4>
+        <a:srgbClr val="FFAB40"/>
+      </a:accent4>
+      <a:accent5>
+        <a:srgbClr val="0097A7"/>
+      </a:accent5>
+      <a:accent6>
+        <a:srgbClr val="EEFF41"/>
+      </a:accent6>
+      <a:hlink>
+        <a:srgbClr val="0097A7"/>
+      </a:hlink>
+      <a:folHlink>
+        <a:srgbClr val="0097A7"/>
+      </a:folHlink>
+    </a:clrScheme>
+    <a:fontScheme name="Office">
+      <a:majorFont>
+        <a:latin typeface="Arial"/>
+        <a:ea typeface=""/>
+        <a:cs typeface=""/>
+        <a:font script="Jpan" typeface="ＭＳ Ｐゴシック"/>
+        <a:font script="Hang" typeface="맑은 고딕"/>
+        <a:font script="Hans" typeface="宋体"/>
+        <a:font script="Hant" typeface="新細明體"/>
+        <a:font script="Arab" typeface="Times New Roman"/>
+        <a:font script="Hebr" typeface="Times New Roman"/>
+        <a:font script="Thai" typeface="Angsana New"/>
+        <a:font script="Ethi" typeface="Nyala"/>
+        <a:font script="Beng" typeface="Vrinda"/>
+        <a:font script="Gujr" typeface="Shruti"/>
+        <a:font script="Khmr" typeface="MoolBoran"/>
+        <a:font script="Knda" typeface="Tunga"/>
+        <a:font script="Guru" typeface="Raavi"/>
+        <a:font script="Cans" typeface="Euphemia"/>
+        <a:font script="Cher" typeface="Plantagenet Cherokee"/>
+        <a:font script="Yiii" typeface="Microsoft Yi Baiti"/>
+        <a:font script="Tibt" typeface="Microsoft Himalaya"/>
+        <a:font script="Thaa" typeface="MV Boli"/>
+        <a:font script="Deva" typeface="Mangal"/>
+        <a:font script="Telu" typeface="Gautami"/>
+        <a:font script="Taml" typeface="Latha"/>
+        <a:font script="Syrc" typeface="Estrangelo Edessa"/>
+        <a:font script="Orya" typeface="Kalinga"/>
+        <a:font script="Mlym" typeface="Kartika"/>
+        <a:font script="Laoo" typeface="DokChampa"/>
+        <a:font script="Sinh" typeface="Iskoola Pota"/>
+        <a:font script="Mong" typeface="Mongolian Baiti"/>
+        <a:font script="Viet" typeface="Times New Roman"/>
+        <a:font script="Uigh" typeface="Microsoft Uighur"/>
+        <a:font script="Geor" typeface="Sylfaen"/>
+      </a:majorFont>
+      <a:minorFont>
+        <a:latin typeface="Arial"/>
+        <a:ea typeface=""/>
+        <a:cs typeface=""/>
+        <a:font script="Jpan" typeface="ＭＳ Ｐゴシック"/>
+        <a:font script="Hang" typeface="맑은 고딕"/>
+        <a:font script="Hans" typeface="宋体"/>
+        <a:font script="Hant" typeface="新細明體"/>
+        <a:font script="Arab" typeface="Arial"/>
+        <a:font script="Hebr" typeface="Arial"/>
+        <a:font script="Thai" typeface="Cordia New"/>
+        <a:font script="Ethi" typeface="Nyala"/>
+        <a:font script="Beng" typeface="Vrinda"/>
+        <a:font script="Gujr" typeface="Shruti"/>
+        <a:font script="Khmr" typeface="DaunPenh"/>
+        <a:font script="Knda" typeface="Tunga"/>
+        <a:font script="Guru" typeface="Raavi"/>
+        <a:font script="Cans" typeface="Euphemia"/>
+        <a:font script="Cher" typeface="Plantagenet Cherokee"/>
+        <a:font script="Yiii" typeface="Microsoft Yi Baiti"/>
+        <a:font script="Tibt" typeface="Microsoft Himalaya"/>
+        <a:font script="Thaa" typeface="MV Boli"/>
+        <a:font script="Deva" typeface="Mangal"/>
+        <a:font script="Telu" typeface="Gautami"/>
+        <a:font script="Taml" typeface="Latha"/>
+        <a:font script="Syrc" typeface="Estrangelo Edessa"/>
+        <a:font script="Orya" typeface="Kalinga"/>
+        <a:font script="Mlym" typeface="Kartika"/>
+        <a:font script="Laoo" typeface="DokChampa"/>
+        <a:font script="Sinh" typeface="Iskoola Pota"/>
+        <a:font script="Mong" typeface="Mongolian Baiti"/>
+        <a:font script="Viet" typeface="Arial"/>
+        <a:font script="Uigh" typeface="Microsoft Uighur"/>
+        <a:font script="Geor" typeface="Sylfaen"/>
+      </a:minorFont>
+    </a:fontScheme>
+    <a:fmtScheme name="Office">
+      <a:fillStyleLst>
+        <a:solidFill>
+          <a:schemeClr val="phClr"/>
+        </a:solidFill>
+        <a:gradFill rotWithShape="1">
+          <a:gsLst>
+            <a:gs pos="0">
+              <a:schemeClr val="phClr">
+                <a:tint val="50000"/>
+                <a:satMod val="300000"/>
+              </a:schemeClr>
+            </a:gs>
+            <a:gs pos="35000">
+              <a:schemeClr val="phClr">
+                <a:tint val="37000"/>
+                <a:satMod val="300000"/>
+              </a:schemeClr>
+            </a:gs>
+            <a:gs pos="100000">
+              <a:schemeClr val="phClr">
+                <a:tint val="15000"/>
+                <a:satMod val="350000"/>
+              </a:schemeClr>
+            </a:gs>
+          </a:gsLst>
+          <a:lin ang="16200000" scaled="1"/>
+        </a:gradFill>
+        <a:gradFill rotWithShape="1">
+          <a:gsLst>
+            <a:gs pos="0">
+              <a:schemeClr val="phClr">
+                <a:tint val="100000"/>
+                <a:shade val="100000"/>
+                <a:satMod val="130000"/>
+              </a:schemeClr>
+            </a:gs>
+            <a:gs pos="100000">
+              <a:schemeClr val="phClr">
+                <a:tint val="50000"/>
+                <a:shade val="100000"/>
+                <a:satMod val="350000"/>
+              </a:schemeClr>
+            </a:gs>
+          </a:gsLst>
+          <a:lin ang="16200000" scaled="0"/>
+        </a:gradFill>
+      </a:fillStyleLst>
+      <a:lnStyleLst>
+        <a:ln w="9525" cap="flat" cmpd="sng" algn="ctr">
+          <a:solidFill>
+            <a:schemeClr val="phClr">
+              <a:shade val="95000"/>
+              <a:satMod val="105000"/>
+            </a:schemeClr>
+          </a:solidFill>
+          <a:prstDash val="solid"/>
+        </a:ln>
+        <a:ln w="25400" cap="flat" cmpd="sng" algn="ctr">
+          <a:solidFill>
+            <a:schemeClr val="phClr"/>
+          </a:solidFill>
+          <a:prstDash val="solid"/>
+        </a:ln>
+        <a:ln w="38100" cap="flat" cmpd="sng" algn="ctr">
+          <a:solidFill>
+            <a:schemeClr val="phClr"/>
+          </a:solidFill>
+          <a:prstDash val="solid"/>
+        </a:ln>
+      </a:lnStyleLst>
+      <a:effectStyleLst>
+        <a:effectStyle>
+          <a:effectLst>
+            <a:outerShdw blurRad="40000" dist="20000" dir="5400000" rotWithShape="0">
+              <a:srgbClr val="000000">
+                <a:alpha val="38000"/>
+              </a:srgbClr>
+            </a:outerShdw>
+          </a:effectLst>
+        </a:effectStyle>
+        <a:effectStyle>
+          <a:effectLst>
+            <a:outerShdw blurRad="40000" dist="23000" dir="5400000" rotWithShape="0">
+              <a:srgbClr val="000000">
+                <a:alpha val="35000"/>
+              </a:srgbClr>
+            </a:outerShdw>
+          </a:effectLst>
+        </a:effectStyle>
+        <a:effectStyle>
+          <a:effectLst>
+            <a:outerShdw blurRad="40000" dist="23000" dir="5400000" rotWithShape="0">
+              <a:srgbClr val="000000">
+                <a:alpha val="35000"/>
+              </a:srgbClr>
+            </a:outerShdw>
+          </a:effectLst>
+          <a:scene3d>
+            <a:camera prst="orthographicFront">
+              <a:rot lat="0" lon="0" rev="0"/>
+            </a:camera>
+            <a:lightRig rig="threePt" dir="t">
+              <a:rot lat="0" lon="0" rev="1200000"/>
+            </a:lightRig>
+          </a:scene3d>
+          <a:sp3d>
+            <a:bevelT w="63500" h="25400"/>
+          </a:sp3d>
+        </a:effectStyle>
+      </a:effectStyleLst>
+      <a:bgFillStyleLst>
+        <a:solidFill>
+          <a:schemeClr val="phClr"/>
+        </a:solidFill>
+        <a:gradFill rotWithShape="1">
+          <a:gsLst>
+            <a:gs pos="0">
+              <a:schemeClr val="phClr">
+                <a:tint val="40000"/>
+                <a:satMod val="350000"/>
+              </a:schemeClr>
+            </a:gs>
+            <a:gs pos="40000">
+              <a:schemeClr val="phClr">
+                <a:tint val="45000"/>
+                <a:shade val="99000"/>
+                <a:satMod val="350000"/>
+              </a:schemeClr>
+            </a:gs>
+            <a:gs pos="100000">
+              <a:schemeClr val="phClr">
+                <a:shade val="20000"/>
+                <a:satMod val="255000"/>
+              </a:schemeClr>
+            </a:gs>
+          </a:gsLst>
+          <a:path path="circle">
+            <a:fillToRect l="50000" t="-80000" r="50000" b="180000"/>
+          </a:path>
+        </a:gradFill>
+        <a:gradFill rotWithShape="1">
+          <a:gsLst>
+            <a:gs pos="0">
+              <a:schemeClr val="phClr">
+                <a:tint val="80000"/>
+                <a:satMod val="300000"/>
+              </a:schemeClr>
+            </a:gs>
+            <a:gs pos="100000">
+              <a:schemeClr val="phClr">
+                <a:shade val="30000"/>
+                <a:satMod val="200000"/>
+              </a:schemeClr>
+            </a:gs>
+          </a:gsLst>
+          <a:path path="circle">
+            <a:fillToRect l="50000" t="50000" r="50000" b="50000"/>
+          </a:path>
+        </a:gradFill>
+      </a:bgFillStyleLst>
+    </a:fmtScheme>
+  </a:themeElements>
+  <a:objectDefaults/>
+  <a:extraClrSchemeLst/>
+</a:theme>
+</file>
+
+<file path=ppt/theme/theme2.xml><?xml version="1.0" encoding="utf-8"?>
+<a:theme xmlns:a="http://schemas.openxmlformats.org/drawingml/2006/main">
   <a:themeElements>
     <a:clrScheme name="Default">
       <a:dk1>
@@ -6711,284 +8486,7 @@
       </a:bgFillStyleLst>
     </a:fmtScheme>
   </a:themeElements>
-</a:theme>
-</file>
-
-<file path=ppt/theme/theme2.xml><?xml version="1.0" encoding="utf-8"?>
-<a:theme xmlns:a="http://schemas.openxmlformats.org/drawingml/2006/main" xmlns:r="http://schemas.openxmlformats.org/officeDocument/2006/relationships" name="Simple Light">
-  <a:themeElements>
-    <a:clrScheme name="Simple Light">
-      <a:dk1>
-        <a:srgbClr val="000000"/>
-      </a:dk1>
-      <a:lt1>
-        <a:srgbClr val="FFFFFF"/>
-      </a:lt1>
-      <a:dk2>
-        <a:srgbClr val="595959"/>
-      </a:dk2>
-      <a:lt2>
-        <a:srgbClr val="EEEEEE"/>
-      </a:lt2>
-      <a:accent1>
-        <a:srgbClr val="4285F4"/>
-      </a:accent1>
-      <a:accent2>
-        <a:srgbClr val="212121"/>
-      </a:accent2>
-      <a:accent3>
-        <a:srgbClr val="78909C"/>
-      </a:accent3>
-      <a:accent4>
-        <a:srgbClr val="FFAB40"/>
-      </a:accent4>
-      <a:accent5>
-        <a:srgbClr val="0097A7"/>
-      </a:accent5>
-      <a:accent6>
-        <a:srgbClr val="EEFF41"/>
-      </a:accent6>
-      <a:hlink>
-        <a:srgbClr val="0097A7"/>
-      </a:hlink>
-      <a:folHlink>
-        <a:srgbClr val="0097A7"/>
-      </a:folHlink>
-    </a:clrScheme>
-    <a:fontScheme name="Office">
-      <a:majorFont>
-        <a:latin typeface="Arial"/>
-        <a:ea typeface=""/>
-        <a:cs typeface=""/>
-        <a:font script="Jpan" typeface="ＭＳ Ｐゴシック"/>
-        <a:font script="Hang" typeface="맑은 고딕"/>
-        <a:font script="Hans" typeface="宋体"/>
-        <a:font script="Hant" typeface="新細明體"/>
-        <a:font script="Arab" typeface="Times New Roman"/>
-        <a:font script="Hebr" typeface="Times New Roman"/>
-        <a:font script="Thai" typeface="Angsana New"/>
-        <a:font script="Ethi" typeface="Nyala"/>
-        <a:font script="Beng" typeface="Vrinda"/>
-        <a:font script="Gujr" typeface="Shruti"/>
-        <a:font script="Khmr" typeface="MoolBoran"/>
-        <a:font script="Knda" typeface="Tunga"/>
-        <a:font script="Guru" typeface="Raavi"/>
-        <a:font script="Cans" typeface="Euphemia"/>
-        <a:font script="Cher" typeface="Plantagenet Cherokee"/>
-        <a:font script="Yiii" typeface="Microsoft Yi Baiti"/>
-        <a:font script="Tibt" typeface="Microsoft Himalaya"/>
-        <a:font script="Thaa" typeface="MV Boli"/>
-        <a:font script="Deva" typeface="Mangal"/>
-        <a:font script="Telu" typeface="Gautami"/>
-        <a:font script="Taml" typeface="Latha"/>
-        <a:font script="Syrc" typeface="Estrangelo Edessa"/>
-        <a:font script="Orya" typeface="Kalinga"/>
-        <a:font script="Mlym" typeface="Kartika"/>
-        <a:font script="Laoo" typeface="DokChampa"/>
-        <a:font script="Sinh" typeface="Iskoola Pota"/>
-        <a:font script="Mong" typeface="Mongolian Baiti"/>
-        <a:font script="Viet" typeface="Times New Roman"/>
-        <a:font script="Uigh" typeface="Microsoft Uighur"/>
-        <a:font script="Geor" typeface="Sylfaen"/>
-      </a:majorFont>
-      <a:minorFont>
-        <a:latin typeface="Arial"/>
-        <a:ea typeface=""/>
-        <a:cs typeface=""/>
-        <a:font script="Jpan" typeface="ＭＳ Ｐゴシック"/>
-        <a:font script="Hang" typeface="맑은 고딕"/>
-        <a:font script="Hans" typeface="宋体"/>
-        <a:font script="Hant" typeface="新細明體"/>
-        <a:font script="Arab" typeface="Arial"/>
-        <a:font script="Hebr" typeface="Arial"/>
-        <a:font script="Thai" typeface="Cordia New"/>
-        <a:font script="Ethi" typeface="Nyala"/>
-        <a:font script="Beng" typeface="Vrinda"/>
-        <a:font script="Gujr" typeface="Shruti"/>
-        <a:font script="Khmr" typeface="DaunPenh"/>
-        <a:font script="Knda" typeface="Tunga"/>
-        <a:font script="Guru" typeface="Raavi"/>
-        <a:font script="Cans" typeface="Euphemia"/>
-        <a:font script="Cher" typeface="Plantagenet Cherokee"/>
-        <a:font script="Yiii" typeface="Microsoft Yi Baiti"/>
-        <a:font script="Tibt" typeface="Microsoft Himalaya"/>
-        <a:font script="Thaa" typeface="MV Boli"/>
-        <a:font script="Deva" typeface="Mangal"/>
-        <a:font script="Telu" typeface="Gautami"/>
-        <a:font script="Taml" typeface="Latha"/>
-        <a:font script="Syrc" typeface="Estrangelo Edessa"/>
-        <a:font script="Orya" typeface="Kalinga"/>
-        <a:font script="Mlym" typeface="Kartika"/>
-        <a:font script="Laoo" typeface="DokChampa"/>
-        <a:font script="Sinh" typeface="Iskoola Pota"/>
-        <a:font script="Mong" typeface="Mongolian Baiti"/>
-        <a:font script="Viet" typeface="Arial"/>
-        <a:font script="Uigh" typeface="Microsoft Uighur"/>
-        <a:font script="Geor" typeface="Sylfaen"/>
-      </a:minorFont>
-    </a:fontScheme>
-    <a:fmtScheme name="Office">
-      <a:fillStyleLst>
-        <a:solidFill>
-          <a:schemeClr val="phClr"/>
-        </a:solidFill>
-        <a:gradFill rotWithShape="1">
-          <a:gsLst>
-            <a:gs pos="0">
-              <a:schemeClr val="phClr">
-                <a:tint val="50000"/>
-                <a:satMod val="300000"/>
-              </a:schemeClr>
-            </a:gs>
-            <a:gs pos="35000">
-              <a:schemeClr val="phClr">
-                <a:tint val="37000"/>
-                <a:satMod val="300000"/>
-              </a:schemeClr>
-            </a:gs>
-            <a:gs pos="100000">
-              <a:schemeClr val="phClr">
-                <a:tint val="15000"/>
-                <a:satMod val="350000"/>
-              </a:schemeClr>
-            </a:gs>
-          </a:gsLst>
-          <a:lin ang="16200000" scaled="1"/>
-        </a:gradFill>
-        <a:gradFill rotWithShape="1">
-          <a:gsLst>
-            <a:gs pos="0">
-              <a:schemeClr val="phClr">
-                <a:tint val="100000"/>
-                <a:shade val="100000"/>
-                <a:satMod val="130000"/>
-              </a:schemeClr>
-            </a:gs>
-            <a:gs pos="100000">
-              <a:schemeClr val="phClr">
-                <a:tint val="50000"/>
-                <a:shade val="100000"/>
-                <a:satMod val="350000"/>
-              </a:schemeClr>
-            </a:gs>
-          </a:gsLst>
-          <a:lin ang="16200000" scaled="0"/>
-        </a:gradFill>
-      </a:fillStyleLst>
-      <a:lnStyleLst>
-        <a:ln w="9525" cap="flat" cmpd="sng" algn="ctr">
-          <a:solidFill>
-            <a:schemeClr val="phClr">
-              <a:shade val="95000"/>
-              <a:satMod val="105000"/>
-            </a:schemeClr>
-          </a:solidFill>
-          <a:prstDash val="solid"/>
-        </a:ln>
-        <a:ln w="25400" cap="flat" cmpd="sng" algn="ctr">
-          <a:solidFill>
-            <a:schemeClr val="phClr"/>
-          </a:solidFill>
-          <a:prstDash val="solid"/>
-        </a:ln>
-        <a:ln w="38100" cap="flat" cmpd="sng" algn="ctr">
-          <a:solidFill>
-            <a:schemeClr val="phClr"/>
-          </a:solidFill>
-          <a:prstDash val="solid"/>
-        </a:ln>
-      </a:lnStyleLst>
-      <a:effectStyleLst>
-        <a:effectStyle>
-          <a:effectLst>
-            <a:outerShdw blurRad="40000" dist="20000" dir="5400000" rotWithShape="0">
-              <a:srgbClr val="000000">
-                <a:alpha val="38000"/>
-              </a:srgbClr>
-            </a:outerShdw>
-          </a:effectLst>
-        </a:effectStyle>
-        <a:effectStyle>
-          <a:effectLst>
-            <a:outerShdw blurRad="40000" dist="23000" dir="5400000" rotWithShape="0">
-              <a:srgbClr val="000000">
-                <a:alpha val="35000"/>
-              </a:srgbClr>
-            </a:outerShdw>
-          </a:effectLst>
-        </a:effectStyle>
-        <a:effectStyle>
-          <a:effectLst>
-            <a:outerShdw blurRad="40000" dist="23000" dir="5400000" rotWithShape="0">
-              <a:srgbClr val="000000">
-                <a:alpha val="35000"/>
-              </a:srgbClr>
-            </a:outerShdw>
-          </a:effectLst>
-          <a:scene3d>
-            <a:camera prst="orthographicFront">
-              <a:rot lat="0" lon="0" rev="0"/>
-            </a:camera>
-            <a:lightRig rig="threePt" dir="t">
-              <a:rot lat="0" lon="0" rev="1200000"/>
-            </a:lightRig>
-          </a:scene3d>
-          <a:sp3d>
-            <a:bevelT w="63500" h="25400"/>
-          </a:sp3d>
-        </a:effectStyle>
-      </a:effectStyleLst>
-      <a:bgFillStyleLst>
-        <a:solidFill>
-          <a:schemeClr val="phClr"/>
-        </a:solidFill>
-        <a:gradFill rotWithShape="1">
-          <a:gsLst>
-            <a:gs pos="0">
-              <a:schemeClr val="phClr">
-                <a:tint val="40000"/>
-                <a:satMod val="350000"/>
-              </a:schemeClr>
-            </a:gs>
-            <a:gs pos="40000">
-              <a:schemeClr val="phClr">
-                <a:tint val="45000"/>
-                <a:shade val="99000"/>
-                <a:satMod val="350000"/>
-              </a:schemeClr>
-            </a:gs>
-            <a:gs pos="100000">
-              <a:schemeClr val="phClr">
-                <a:shade val="20000"/>
-                <a:satMod val="255000"/>
-              </a:schemeClr>
-            </a:gs>
-          </a:gsLst>
-          <a:path path="circle">
-            <a:fillToRect l="50000" t="-80000" r="50000" b="180000"/>
-          </a:path>
-        </a:gradFill>
-        <a:gradFill rotWithShape="1">
-          <a:gsLst>
-            <a:gs pos="0">
-              <a:schemeClr val="phClr">
-                <a:tint val="80000"/>
-                <a:satMod val="300000"/>
-              </a:schemeClr>
-            </a:gs>
-            <a:gs pos="100000">
-              <a:schemeClr val="phClr">
-                <a:shade val="30000"/>
-                <a:satMod val="200000"/>
-              </a:schemeClr>
-            </a:gs>
-          </a:gsLst>
-          <a:path path="circle">
-            <a:fillToRect l="50000" t="50000" r="50000" b="50000"/>
-          </a:path>
-        </a:gradFill>
-      </a:bgFillStyleLst>
-    </a:fmtScheme>
-  </a:themeElements>
+  <a:objectDefaults/>
+  <a:extraClrSchemeLst/>
 </a:theme>
 </file>
--- a/PracticeTasks/Module2/Task_12/Task_12.pptx
+++ b/PracticeTasks/Module2/Task_12/Task_12.pptx
@@ -6864,64 +6864,19 @@
         </p:nvPicPr>
         <p:blipFill>
           <a:blip r:embed="rId3"/>
-          <a:stretch>
-            <a:fillRect/>
-          </a:stretch>
+          <a:srcRect/>
+          <a:stretch/>
         </p:blipFill>
         <p:spPr>
           <a:xfrm>
-            <a:off x="2810754" y="968188"/>
-            <a:ext cx="3928702" cy="3697941"/>
+            <a:off x="2813813" y="968188"/>
+            <a:ext cx="3922582" cy="3697941"/>
           </a:xfrm>
           <a:prstGeom prst="rect">
             <a:avLst/>
           </a:prstGeom>
         </p:spPr>
       </p:pic>
-      <p:sp>
-        <p:nvSpPr>
-          <p:cNvPr id="5" name="TextBox 4">
-            <a:extLst>
-              <a:ext uri="{FF2B5EF4-FFF2-40B4-BE49-F238E27FC236}">
-                <a16:creationId xmlns:a16="http://schemas.microsoft.com/office/drawing/2014/main" id="{72280F97-05FB-4E7B-B7F9-4FD10DE90516}"/>
-              </a:ext>
-            </a:extLst>
-          </p:cNvPr>
-          <p:cNvSpPr txBox="1"/>
-          <p:nvPr/>
-        </p:nvSpPr>
-        <p:spPr>
-          <a:xfrm>
-            <a:off x="6380628" y="826475"/>
-            <a:ext cx="1304365" cy="307777"/>
-          </a:xfrm>
-          <a:prstGeom prst="rect">
-            <a:avLst/>
-          </a:prstGeom>
-          <a:noFill/>
-        </p:spPr>
-        <p:txBody>
-          <a:bodyPr wrap="square" rtlCol="0">
-            <a:spAutoFit/>
-          </a:bodyPr>
-          <a:lstStyle/>
-          <a:p>
-            <a:r>
-              <a:rPr lang="en-US" dirty="0">
-                <a:solidFill>
-                  <a:srgbClr val="FF0000"/>
-                </a:solidFill>
-              </a:rPr>
-              <a:t>Fix schema?</a:t>
-            </a:r>
-            <a:endParaRPr lang="ru-RU" dirty="0">
-              <a:solidFill>
-                <a:srgbClr val="FF0000"/>
-              </a:solidFill>
-            </a:endParaRPr>
-          </a:p>
-        </p:txBody>
-      </p:sp>
     </p:spTree>
   </p:cSld>
   <p:clrMapOvr>

--- a/PracticeTasks/Module2/Task_12/Task_12.pptx
+++ b/PracticeTasks/Module2/Task_12/Task_12.pptx
@@ -6902,6 +6902,53 @@
           <a:chExt cx="0" cy="0"/>
         </a:xfrm>
       </p:grpSpPr>
+      <p:pic>
+        <p:nvPicPr>
+          <p:cNvPr id="1026" name="Picture 2" descr="PlantUML Diagram">
+            <a:extLst>
+              <a:ext uri="{FF2B5EF4-FFF2-40B4-BE49-F238E27FC236}">
+                <a16:creationId xmlns:a16="http://schemas.microsoft.com/office/drawing/2014/main" id="{B7CD2484-1863-4527-B135-5B990191F63D}"/>
+              </a:ext>
+            </a:extLst>
+          </p:cNvPr>
+          <p:cNvPicPr>
+            <a:picLocks noChangeAspect="1" noChangeArrowheads="1"/>
+          </p:cNvPicPr>
+          <p:nvPr/>
+        </p:nvPicPr>
+        <p:blipFill>
+          <a:blip r:embed="rId3">
+            <a:extLst>
+              <a:ext uri="{28A0092B-C50C-407E-A947-70E740481C1C}">
+                <a14:useLocalDpi xmlns:a14="http://schemas.microsoft.com/office/drawing/2010/main" val="0"/>
+              </a:ext>
+            </a:extLst>
+          </a:blip>
+          <a:srcRect/>
+          <a:stretch>
+            <a:fillRect/>
+          </a:stretch>
+        </p:blipFill>
+        <p:spPr bwMode="auto">
+          <a:xfrm>
+            <a:off x="190858" y="1996888"/>
+            <a:ext cx="8817062" cy="2994127"/>
+          </a:xfrm>
+          <a:prstGeom prst="rect">
+            <a:avLst/>
+          </a:prstGeom>
+          <a:noFill/>
+          <a:extLst>
+            <a:ext uri="{909E8E84-426E-40DD-AFC4-6F175D3DCCD1}">
+              <a14:hiddenFill xmlns:a14="http://schemas.microsoft.com/office/drawing/2010/main">
+                <a:solidFill>
+                  <a:srgbClr val="FFFFFF"/>
+                </a:solidFill>
+              </a14:hiddenFill>
+            </a:ext>
+          </a:extLst>
+        </p:spPr>
+      </p:pic>
       <p:sp>
         <p:nvSpPr>
           <p:cNvPr id="72" name="Google Shape;72;p16"/>
@@ -6939,7 +6986,7 @@
             <a:r>
               <a:rPr lang="en-GB" b="1" dirty="0">
                 <a:solidFill>
-                  <a:srgbClr val="FF0000"/>
+                  <a:schemeClr val="tx1"/>
                 </a:solidFill>
                 <a:effectLst>
                   <a:outerShdw blurRad="38100" dist="38100" dir="2700000" algn="tl">
@@ -6949,11 +6996,11 @@
                   </a:outerShdw>
                 </a:effectLst>
               </a:rPr>
-              <a:t>Design case &lt;1&gt; (UML2)</a:t>
+              <a:t>Design case of Service Deployer</a:t>
             </a:r>
             <a:endParaRPr b="1" dirty="0">
               <a:solidFill>
-                <a:srgbClr val="FF0000"/>
+                <a:schemeClr val="tx1"/>
               </a:solidFill>
               <a:effectLst>
                 <a:outerShdw blurRad="38100" dist="38100" dir="2700000" algn="tl">
@@ -6978,7 +7025,7 @@
         </p:nvSpPr>
         <p:spPr>
           <a:xfrm>
-            <a:off x="311700" y="1152475"/>
+            <a:off x="224294" y="863550"/>
             <a:ext cx="3990600" cy="3416400"/>
           </a:xfrm>
           <a:prstGeom prst="rect">
@@ -7001,26 +7048,42 @@
               <a:buNone/>
             </a:pPr>
             <a:r>
-              <a:rPr lang="en-GB"/>
-              <a:t>Problem: &lt;e.g. Support many dbms, assign responsibility dynamically…. etc&gt;</a:t>
+              <a:rPr lang="en-GB" dirty="0">
+                <a:solidFill>
+                  <a:schemeClr val="tx1"/>
+                </a:solidFill>
+              </a:rPr>
+              <a:t>Problem: </a:t>
             </a:r>
-            <a:endParaRPr/>
+            <a:r>
+              <a:rPr lang="en-US" dirty="0">
+                <a:solidFill>
+                  <a:schemeClr val="tx1"/>
+                </a:solidFill>
+              </a:rPr>
+              <a:t>need to work with different data (source code from repo or CRD), strong dependency on repo and Kubernetes</a:t>
+            </a:r>
+            <a:endParaRPr lang="ru-RU" dirty="0">
+              <a:solidFill>
+                <a:schemeClr val="tx1"/>
+              </a:solidFill>
+            </a:endParaRPr>
           </a:p>
           <a:p>
             <a:pPr marL="0" lvl="0" indent="0" algn="l" rtl="0">
               <a:spcBef>
-                <a:spcPts val="1200"/>
+                <a:spcPts val="0"/>
               </a:spcBef>
               <a:spcAft>
                 <a:spcPts val="0"/>
               </a:spcAft>
               <a:buNone/>
             </a:pPr>
-            <a:r>
-              <a:rPr lang="en-GB"/>
-              <a:t>Solution: &lt;how solved, e.g. applied pattern, implemented SRP etc&gt;</a:t>
-            </a:r>
-            <a:endParaRPr/>
+            <a:endParaRPr dirty="0">
+              <a:solidFill>
+                <a:schemeClr val="tx1"/>
+              </a:solidFill>
+            </a:endParaRPr>
           </a:p>
           <a:p>
             <a:pPr marL="0" lvl="0" indent="0" algn="l" rtl="0">
@@ -7033,96 +7096,29 @@
               <a:buNone/>
             </a:pPr>
             <a:r>
-              <a:rPr lang="en-GB"/>
-              <a:t>&lt;at least as much design cases as member in the team&gt;</a:t>
+              <a:rPr lang="en-GB" dirty="0">
+                <a:solidFill>
+                  <a:schemeClr val="tx1"/>
+                </a:solidFill>
+              </a:rPr>
+              <a:t>Solution: </a:t>
             </a:r>
-            <a:endParaRPr/>
-          </a:p>
-          <a:p>
-            <a:pPr marL="0" lvl="0" indent="0" algn="l" rtl="0">
-              <a:spcBef>
-                <a:spcPts val="1200"/>
-              </a:spcBef>
-              <a:spcAft>
-                <a:spcPts val="0"/>
-              </a:spcAft>
-              <a:buNone/>
-            </a:pPr>
             <a:r>
-              <a:rPr lang="en-GB"/>
-              <a:t>&lt;Show UML2 structure and (if needed) behavior diagrams&gt;</a:t>
+              <a:rPr lang="en-US" dirty="0">
+                <a:solidFill>
+                  <a:schemeClr val="tx1"/>
+                </a:solidFill>
+              </a:rPr>
+              <a:t>use Dependency inversion and Adapters design patterns</a:t>
             </a:r>
-            <a:endParaRPr/>
-          </a:p>
-          <a:p>
-            <a:pPr marL="0" lvl="0" indent="0" algn="l" rtl="0">
-              <a:spcBef>
-                <a:spcPts val="1200"/>
-              </a:spcBef>
-              <a:spcAft>
-                <a:spcPts val="0"/>
-              </a:spcAft>
-              <a:buNone/>
-            </a:pPr>
-            <a:r>
-              <a:rPr lang="en-GB"/>
-              <a:t>&lt;No code please!&gt;</a:t>
-            </a:r>
-            <a:endParaRPr/>
-          </a:p>
-          <a:p>
-            <a:pPr marL="0" lvl="0" indent="0" algn="l" rtl="0">
-              <a:spcBef>
-                <a:spcPts val="1200"/>
-              </a:spcBef>
-              <a:spcAft>
-                <a:spcPts val="0"/>
-              </a:spcAft>
-              <a:buNone/>
-            </a:pPr>
-            <a:endParaRPr/>
-          </a:p>
-          <a:p>
-            <a:pPr marL="0" lvl="0" indent="0" algn="l" rtl="0">
-              <a:spcBef>
-                <a:spcPts val="1200"/>
-              </a:spcBef>
-              <a:spcAft>
-                <a:spcPts val="1200"/>
-              </a:spcAft>
-              <a:buNone/>
-            </a:pPr>
-            <a:endParaRPr/>
+            <a:endParaRPr dirty="0">
+              <a:solidFill>
+                <a:schemeClr val="tx1"/>
+              </a:solidFill>
+            </a:endParaRPr>
           </a:p>
         </p:txBody>
       </p:sp>
-      <p:pic>
-        <p:nvPicPr>
-          <p:cNvPr id="74" name="Google Shape;74;p16"/>
-          <p:cNvPicPr preferRelativeResize="0"/>
-          <p:nvPr/>
-        </p:nvPicPr>
-        <p:blipFill rotWithShape="1">
-          <a:blip r:embed="rId3">
-            <a:alphaModFix/>
-          </a:blip>
-          <a:srcRect l="34730" t="38994"/>
-          <a:stretch/>
-        </p:blipFill>
-        <p:spPr>
-          <a:xfrm>
-            <a:off x="4868900" y="1320350"/>
-            <a:ext cx="3483074" cy="1601725"/>
-          </a:xfrm>
-          <a:prstGeom prst="rect">
-            <a:avLst/>
-          </a:prstGeom>
-          <a:noFill/>
-          <a:ln>
-            <a:noFill/>
-          </a:ln>
-        </p:spPr>
-      </p:pic>
     </p:spTree>
   </p:cSld>
   <p:clrMapOvr>
@@ -7247,10 +7243,18 @@
               <a:buNone/>
             </a:pPr>
             <a:r>
-              <a:rPr lang="en-GB"/>
-              <a:t>Problem: &lt;e.g. Support many dbms, assign responsibility dynamically…. etc&gt;</a:t>
+              <a:rPr lang="en-GB" dirty="0"/>
+              <a:t>Problem: &lt;e.g. Support many </a:t>
             </a:r>
-            <a:endParaRPr/>
+            <a:r>
+              <a:rPr lang="en-GB" dirty="0" err="1"/>
+              <a:t>dbms</a:t>
+            </a:r>
+            <a:r>
+              <a:rPr lang="en-GB" dirty="0"/>
+              <a:t>, assign responsibility dynamically…. etc&gt;</a:t>
+            </a:r>
+            <a:endParaRPr dirty="0"/>
           </a:p>
           <a:p>
             <a:pPr marL="0" lvl="0" indent="0" algn="l" rtl="0">
@@ -7263,10 +7267,10 @@
               <a:buNone/>
             </a:pPr>
             <a:r>
-              <a:rPr lang="en-GB"/>
+              <a:rPr lang="en-GB" dirty="0"/>
               <a:t>Solution: &lt;how solved, e.g. applied pattern, implemented SRP etc&gt;</a:t>
             </a:r>
-            <a:endParaRPr/>
+            <a:endParaRPr dirty="0"/>
           </a:p>
           <a:p>
             <a:pPr marL="0" lvl="0" indent="0" algn="l" rtl="0">
@@ -7279,10 +7283,18 @@
               <a:buNone/>
             </a:pPr>
             <a:r>
-              <a:rPr lang="en-GB"/>
-              <a:t>&lt;at least as much design cases as member in the team&gt;</a:t>
+              <a:rPr lang="en-GB" dirty="0"/>
+              <a:t>&lt;Show UML2 structure and (if needed) </a:t>
             </a:r>
-            <a:endParaRPr/>
+            <a:r>
+              <a:rPr lang="en-GB" dirty="0" err="1"/>
+              <a:t>behavior</a:t>
+            </a:r>
+            <a:r>
+              <a:rPr lang="en-GB" dirty="0"/>
+              <a:t> diagrams&gt;</a:t>
+            </a:r>
+            <a:endParaRPr dirty="0"/>
           </a:p>
           <a:p>
             <a:pPr marL="0" lvl="0" indent="0" algn="l" rtl="0">
@@ -7294,11 +7306,7 @@
               </a:spcAft>
               <a:buNone/>
             </a:pPr>
-            <a:r>
-              <a:rPr lang="en-GB"/>
-              <a:t>&lt;Show UML2 structure and (if needed) behavior diagrams&gt;</a:t>
-            </a:r>
-            <a:endParaRPr/>
+            <a:endParaRPr dirty="0"/>
           </a:p>
           <a:p>
             <a:pPr marL="0" lvl="0" indent="0" algn="l" rtl="0">
@@ -7306,39 +7314,11 @@
                 <a:spcPts val="1200"/>
               </a:spcBef>
               <a:spcAft>
-                <a:spcPts val="0"/>
+                <a:spcPts val="1200"/>
               </a:spcAft>
               <a:buNone/>
             </a:pPr>
-            <a:r>
-              <a:rPr lang="en-GB"/>
-              <a:t>&lt;No code please!&gt;</a:t>
-            </a:r>
-            <a:endParaRPr/>
-          </a:p>
-          <a:p>
-            <a:pPr marL="0" lvl="0" indent="0" algn="l" rtl="0">
-              <a:spcBef>
-                <a:spcPts val="1200"/>
-              </a:spcBef>
-              <a:spcAft>
-                <a:spcPts val="0"/>
-              </a:spcAft>
-              <a:buNone/>
-            </a:pPr>
-            <a:endParaRPr/>
-          </a:p>
-          <a:p>
-            <a:pPr marL="0" lvl="0" indent="0" algn="l" rtl="0">
-              <a:spcBef>
-                <a:spcPts val="1200"/>
-              </a:spcBef>
-              <a:spcAft>
-                <a:spcPts val="1200"/>
-              </a:spcAft>
-              <a:buNone/>
-            </a:pPr>
-            <a:endParaRPr/>
+            <a:endParaRPr dirty="0"/>
           </a:p>
         </p:txBody>
       </p:sp>
@@ -7498,10 +7478,18 @@
               <a:buNone/>
             </a:pPr>
             <a:r>
-              <a:rPr lang="en-GB"/>
-              <a:t>Problem: &lt;e.g. Support many dbms, assign responsibility dynamically…. etc&gt;</a:t>
+              <a:rPr lang="en-GB" dirty="0"/>
+              <a:t>Problem: &lt;e.g. Support many </a:t>
             </a:r>
-            <a:endParaRPr/>
+            <a:r>
+              <a:rPr lang="en-GB" dirty="0" err="1"/>
+              <a:t>dbms</a:t>
+            </a:r>
+            <a:r>
+              <a:rPr lang="en-GB" dirty="0"/>
+              <a:t>, assign responsibility dynamically…. etc&gt;</a:t>
+            </a:r>
+            <a:endParaRPr dirty="0"/>
           </a:p>
           <a:p>
             <a:pPr marL="0" lvl="0" indent="0" algn="l" rtl="0">
@@ -7514,10 +7502,10 @@
               <a:buNone/>
             </a:pPr>
             <a:r>
-              <a:rPr lang="en-GB"/>
+              <a:rPr lang="en-GB" dirty="0"/>
               <a:t>Solution: &lt;how solved, e.g. applied pattern, implemented SRP etc&gt;</a:t>
             </a:r>
-            <a:endParaRPr/>
+            <a:endParaRPr dirty="0"/>
           </a:p>
           <a:p>
             <a:pPr marL="0" lvl="0" indent="0" algn="l" rtl="0">
@@ -7530,10 +7518,18 @@
               <a:buNone/>
             </a:pPr>
             <a:r>
-              <a:rPr lang="en-GB"/>
-              <a:t>&lt;at least as much design cases as member in the team&gt;</a:t>
+              <a:rPr lang="en-GB" dirty="0"/>
+              <a:t>&lt;Show UML2 structure and (if needed) </a:t>
             </a:r>
-            <a:endParaRPr/>
+            <a:r>
+              <a:rPr lang="en-GB" dirty="0" err="1"/>
+              <a:t>behavior</a:t>
+            </a:r>
+            <a:r>
+              <a:rPr lang="en-GB" dirty="0"/>
+              <a:t> diagrams&gt;</a:t>
+            </a:r>
+            <a:endParaRPr dirty="0"/>
           </a:p>
           <a:p>
             <a:pPr marL="0" lvl="0" indent="0" algn="l" rtl="0">
@@ -7545,11 +7541,7 @@
               </a:spcAft>
               <a:buNone/>
             </a:pPr>
-            <a:r>
-              <a:rPr lang="en-GB"/>
-              <a:t>&lt;Show UML2 structure and (if needed) behavior diagrams&gt;</a:t>
-            </a:r>
-            <a:endParaRPr/>
+            <a:endParaRPr dirty="0"/>
           </a:p>
           <a:p>
             <a:pPr marL="0" lvl="0" indent="0" algn="l" rtl="0">
@@ -7557,39 +7549,11 @@
                 <a:spcPts val="1200"/>
               </a:spcBef>
               <a:spcAft>
-                <a:spcPts val="0"/>
+                <a:spcPts val="1200"/>
               </a:spcAft>
               <a:buNone/>
             </a:pPr>
-            <a:r>
-              <a:rPr lang="en-GB"/>
-              <a:t>&lt;No code please!&gt;</a:t>
-            </a:r>
-            <a:endParaRPr/>
-          </a:p>
-          <a:p>
-            <a:pPr marL="0" lvl="0" indent="0" algn="l" rtl="0">
-              <a:spcBef>
-                <a:spcPts val="1200"/>
-              </a:spcBef>
-              <a:spcAft>
-                <a:spcPts val="0"/>
-              </a:spcAft>
-              <a:buNone/>
-            </a:pPr>
-            <a:endParaRPr/>
-          </a:p>
-          <a:p>
-            <a:pPr marL="0" lvl="0" indent="0" algn="l" rtl="0">
-              <a:spcBef>
-                <a:spcPts val="1200"/>
-              </a:spcBef>
-              <a:spcAft>
-                <a:spcPts val="1200"/>
-              </a:spcAft>
-              <a:buNone/>
-            </a:pPr>
-            <a:endParaRPr/>
+            <a:endParaRPr dirty="0"/>
           </a:p>
         </p:txBody>
       </p:sp>
@@ -7749,10 +7713,18 @@
               <a:buNone/>
             </a:pPr>
             <a:r>
-              <a:rPr lang="en-GB"/>
-              <a:t>Problem: &lt;e.g. Support many dbms, assign responsibility dynamically…. etc&gt;</a:t>
+              <a:rPr lang="en-GB" dirty="0"/>
+              <a:t>Problem: &lt;e.g. Support many </a:t>
             </a:r>
-            <a:endParaRPr/>
+            <a:r>
+              <a:rPr lang="en-GB" dirty="0" err="1"/>
+              <a:t>dbms</a:t>
+            </a:r>
+            <a:r>
+              <a:rPr lang="en-GB" dirty="0"/>
+              <a:t>, assign responsibility dynamically…. etc&gt;</a:t>
+            </a:r>
+            <a:endParaRPr dirty="0"/>
           </a:p>
           <a:p>
             <a:pPr marL="0" lvl="0" indent="0" algn="l" rtl="0">
@@ -7765,10 +7737,10 @@
               <a:buNone/>
             </a:pPr>
             <a:r>
-              <a:rPr lang="en-GB"/>
+              <a:rPr lang="en-GB" dirty="0"/>
               <a:t>Solution: &lt;how solved, e.g. applied pattern, implemented SRP etc&gt;</a:t>
             </a:r>
-            <a:endParaRPr/>
+            <a:endParaRPr dirty="0"/>
           </a:p>
           <a:p>
             <a:pPr marL="0" lvl="0" indent="0" algn="l" rtl="0">
@@ -7781,66 +7753,18 @@
               <a:buNone/>
             </a:pPr>
             <a:r>
-              <a:rPr lang="en-GB"/>
-              <a:t>&lt;at least as much design cases as member in the team&gt;</a:t>
+              <a:rPr lang="en-GB" dirty="0"/>
+              <a:t>&lt;Show UML2 structure and (if needed) </a:t>
             </a:r>
-            <a:endParaRPr/>
-          </a:p>
-          <a:p>
-            <a:pPr marL="0" lvl="0" indent="0" algn="l" rtl="0">
-              <a:spcBef>
-                <a:spcPts val="1200"/>
-              </a:spcBef>
-              <a:spcAft>
-                <a:spcPts val="0"/>
-              </a:spcAft>
-              <a:buNone/>
-            </a:pPr>
             <a:r>
-              <a:rPr lang="en-GB"/>
-              <a:t>&lt;Show UML2 structure and (if needed) behavior diagrams&gt;</a:t>
+              <a:rPr lang="en-GB" dirty="0" err="1"/>
+              <a:t>behavior</a:t>
             </a:r>
-            <a:endParaRPr/>
-          </a:p>
-          <a:p>
-            <a:pPr marL="0" lvl="0" indent="0" algn="l" rtl="0">
-              <a:spcBef>
-                <a:spcPts val="1200"/>
-              </a:spcBef>
-              <a:spcAft>
-                <a:spcPts val="0"/>
-              </a:spcAft>
-              <a:buNone/>
-            </a:pPr>
             <a:r>
-              <a:rPr lang="en-GB"/>
-              <a:t>&lt;No code please!&gt;</a:t>
+              <a:rPr lang="en-GB" dirty="0"/>
+              <a:t> diagrams&gt;</a:t>
             </a:r>
-            <a:endParaRPr/>
-          </a:p>
-          <a:p>
-            <a:pPr marL="0" lvl="0" indent="0" algn="l" rtl="0">
-              <a:spcBef>
-                <a:spcPts val="1200"/>
-              </a:spcBef>
-              <a:spcAft>
-                <a:spcPts val="0"/>
-              </a:spcAft>
-              <a:buNone/>
-            </a:pPr>
-            <a:endParaRPr/>
-          </a:p>
-          <a:p>
-            <a:pPr marL="0" lvl="0" indent="0" algn="l" rtl="0">
-              <a:spcBef>
-                <a:spcPts val="1200"/>
-              </a:spcBef>
-              <a:spcAft>
-                <a:spcPts val="1200"/>
-              </a:spcAft>
-              <a:buNone/>
-            </a:pPr>
-            <a:endParaRPr/>
+            <a:endParaRPr dirty="0"/>
           </a:p>
         </p:txBody>
       </p:sp>

--- a/PracticeTasks/Module2/Task_12/Task_12.pptx
+++ b/PracticeTasks/Module2/Task_12/Task_12.pptx
@@ -1,6 +1,6 @@
 
 <file path=ppt/presentation.xml><?xml version="1.0" encoding="utf-8"?>
-<p:presentation xmlns:a="http://schemas.openxmlformats.org/drawingml/2006/main" xmlns:r="http://schemas.openxmlformats.org/officeDocument/2006/relationships" xmlns:p="http://schemas.openxmlformats.org/presentationml/2006/main" strictFirstAndLastChars="0" saveSubsetFonts="1" autoCompressPictures="0">
+<p:presentation xmlns:a="http://schemas.openxmlformats.org/drawingml/2006/main" xmlns:r="http://schemas.openxmlformats.org/officeDocument/2006/relationships" xmlns:p="http://schemas.openxmlformats.org/presentationml/2006/main" showSpecialPlsOnTitleSld="0" strictFirstAndLastChars="0" saveSubsetFonts="1" autoCompressPictures="0">
   <p:sldMasterIdLst>
     <p:sldMasterId id="2147483659" r:id="rId1"/>
   </p:sldMasterIdLst>
@@ -11,10 +11,10 @@
     <p:sldId id="260" r:id="rId2"/>
     <p:sldId id="267" r:id="rId3"/>
     <p:sldId id="258" r:id="rId4"/>
-    <p:sldId id="259" r:id="rId5"/>
-    <p:sldId id="268" r:id="rId6"/>
-    <p:sldId id="269" r:id="rId7"/>
-    <p:sldId id="270" r:id="rId8"/>
+    <p:sldId id="268" r:id="rId5"/>
+    <p:sldId id="269" r:id="rId6"/>
+    <p:sldId id="270" r:id="rId7"/>
+    <p:sldId id="259" r:id="rId8"/>
   </p:sldIdLst>
   <p:sldSz cx="9144000" cy="5143500" type="screen16x9"/>
   <p:notesSz cx="6858000" cy="9144000"/>
@@ -1121,6 +1121,11 @@
         </p:txBody>
       </p:sp>
     </p:spTree>
+    <p:extLst>
+      <p:ext uri="{BB962C8B-B14F-4D97-AF65-F5344CB8AC3E}">
+        <p14:creationId xmlns:p14="http://schemas.microsoft.com/office/powerpoint/2010/main" val="3954804260"/>
+      </p:ext>
+    </p:extLst>
   </p:cSld>
   <p:clrMapOvr>
     <a:masterClrMapping/>
@@ -1227,7 +1232,7 @@
     </p:spTree>
     <p:extLst>
       <p:ext uri="{BB962C8B-B14F-4D97-AF65-F5344CB8AC3E}">
-        <p14:creationId xmlns:p14="http://schemas.microsoft.com/office/powerpoint/2010/main" val="3954804260"/>
+        <p14:creationId xmlns:p14="http://schemas.microsoft.com/office/powerpoint/2010/main" val="2415002513"/>
       </p:ext>
     </p:extLst>
   </p:cSld>
@@ -1336,7 +1341,7 @@
     </p:spTree>
     <p:extLst>
       <p:ext uri="{BB962C8B-B14F-4D97-AF65-F5344CB8AC3E}">
-        <p14:creationId xmlns:p14="http://schemas.microsoft.com/office/powerpoint/2010/main" val="2415002513"/>
+        <p14:creationId xmlns:p14="http://schemas.microsoft.com/office/powerpoint/2010/main" val="2550223777"/>
       </p:ext>
     </p:extLst>
   </p:cSld>
@@ -1443,11 +1448,6 @@
         </p:txBody>
       </p:sp>
     </p:spTree>
-    <p:extLst>
-      <p:ext uri="{BB962C8B-B14F-4D97-AF65-F5344CB8AC3E}">
-        <p14:creationId xmlns:p14="http://schemas.microsoft.com/office/powerpoint/2010/main" val="2550223777"/>
-      </p:ext>
-    </p:extLst>
   </p:cSld>
   <p:clrMapOvr>
     <a:masterClrMapping/>
@@ -5511,7 +5511,7 @@
     <p:sldLayoutId id="2147483657" r:id="rId10"/>
     <p:sldLayoutId id="2147483658" r:id="rId11"/>
   </p:sldLayoutIdLst>
-  <p:hf sldNum="0" hdr="0" ftr="0" dt="0"/>
+  <p:hf hdr="0" ftr="0" dt="0"/>
   <p:txStyles>
     <p:titleStyle>
       <a:defPPr marR="0" lvl="0" algn="l" rtl="0">
@@ -6688,10 +6688,10 @@
       </p:sp>
       <p:sp>
         <p:nvSpPr>
-          <p:cNvPr id="3" name="Номер слайда 2">
+          <p:cNvPr id="2" name="Номер слайда 1">
             <a:extLst>
               <a:ext uri="{FF2B5EF4-FFF2-40B4-BE49-F238E27FC236}">
-                <a16:creationId xmlns:a16="http://schemas.microsoft.com/office/drawing/2014/main" id="{B6CFC8D8-E303-4004-B65E-C84C05B7029F}"/>
+                <a16:creationId xmlns:a16="http://schemas.microsoft.com/office/drawing/2014/main" id="{573F40D5-B379-4FA4-8D6C-54B6B96C59BB}"/>
               </a:ext>
             </a:extLst>
           </p:cNvPr>
@@ -6877,6 +6877,44 @@
           </a:prstGeom>
         </p:spPr>
       </p:pic>
+      <p:sp>
+        <p:nvSpPr>
+          <p:cNvPr id="2" name="Номер слайда 1">
+            <a:extLst>
+              <a:ext uri="{FF2B5EF4-FFF2-40B4-BE49-F238E27FC236}">
+                <a16:creationId xmlns:a16="http://schemas.microsoft.com/office/drawing/2014/main" id="{69409310-6A04-492B-8BC7-9E85BEA602F8}"/>
+              </a:ext>
+            </a:extLst>
+          </p:cNvPr>
+          <p:cNvSpPr>
+            <a:spLocks noGrp="1"/>
+          </p:cNvSpPr>
+          <p:nvPr>
+            <p:ph type="sldNum" idx="12"/>
+          </p:nvPr>
+        </p:nvSpPr>
+        <p:spPr/>
+        <p:txBody>
+          <a:bodyPr/>
+          <a:lstStyle/>
+          <a:p>
+            <a:pPr marL="0" lvl="0" indent="0" algn="r" rtl="0">
+              <a:spcBef>
+                <a:spcPts val="0"/>
+              </a:spcBef>
+              <a:spcAft>
+                <a:spcPts val="0"/>
+              </a:spcAft>
+              <a:buNone/>
+            </a:pPr>
+            <a:fld id="{00000000-1234-1234-1234-123412341234}" type="slidenum">
+              <a:rPr lang="en-GB" smtClean="0"/>
+              <a:t>3</a:t>
+            </a:fld>
+            <a:endParaRPr lang="en-GB"/>
+          </a:p>
+        </p:txBody>
+      </p:sp>
     </p:spTree>
   </p:cSld>
   <p:clrMapOvr>
@@ -6904,10 +6942,10 @@
       </p:grpSpPr>
       <p:pic>
         <p:nvPicPr>
-          <p:cNvPr id="1026" name="Picture 2" descr="PlantUML Diagram">
+          <p:cNvPr id="1026" name="Picture 2">
             <a:extLst>
               <a:ext uri="{FF2B5EF4-FFF2-40B4-BE49-F238E27FC236}">
-                <a16:creationId xmlns:a16="http://schemas.microsoft.com/office/drawing/2014/main" id="{B7CD2484-1863-4527-B135-5B990191F63D}"/>
+                <a16:creationId xmlns:a16="http://schemas.microsoft.com/office/drawing/2014/main" id="{3A857196-0038-484D-BFE7-822F8BEF4B90}"/>
               </a:ext>
             </a:extLst>
           </p:cNvPr>
@@ -6917,22 +6955,14 @@
           <p:nvPr/>
         </p:nvPicPr>
         <p:blipFill>
-          <a:blip r:embed="rId3">
-            <a:extLst>
-              <a:ext uri="{28A0092B-C50C-407E-A947-70E740481C1C}">
-                <a14:useLocalDpi xmlns:a14="http://schemas.microsoft.com/office/drawing/2010/main" val="0"/>
-              </a:ext>
-            </a:extLst>
-          </a:blip>
+          <a:blip r:embed="rId3"/>
           <a:srcRect/>
-          <a:stretch>
-            <a:fillRect/>
-          </a:stretch>
+          <a:stretch/>
         </p:blipFill>
         <p:spPr bwMode="auto">
           <a:xfrm>
-            <a:off x="190858" y="1996888"/>
-            <a:ext cx="8817062" cy="2994127"/>
+            <a:off x="33282" y="2070847"/>
+            <a:ext cx="9077435" cy="2763369"/>
           </a:xfrm>
           <a:prstGeom prst="rect">
             <a:avLst/>
@@ -6961,7 +6991,7 @@
         </p:nvSpPr>
         <p:spPr>
           <a:xfrm>
-            <a:off x="170506" y="176084"/>
+            <a:off x="0" y="-4799"/>
             <a:ext cx="8520600" cy="572700"/>
           </a:xfrm>
           <a:prstGeom prst="rect">
@@ -6996,7 +7026,22 @@
                   </a:outerShdw>
                 </a:effectLst>
               </a:rPr>
-              <a:t>Design case of Service Deployer</a:t>
+              <a:t>Design case for </a:t>
+            </a:r>
+            <a:r>
+              <a:rPr lang="en-GB" b="1" dirty="0" err="1">
+                <a:solidFill>
+                  <a:schemeClr val="tx1"/>
+                </a:solidFill>
+                <a:effectLst>
+                  <a:outerShdw blurRad="38100" dist="38100" dir="2700000" algn="tl">
+                    <a:srgbClr val="000000">
+                      <a:alpha val="43137"/>
+                    </a:srgbClr>
+                  </a:outerShdw>
+                </a:effectLst>
+              </a:rPr>
+              <a:t>RequestRouter</a:t>
             </a:r>
             <a:endParaRPr b="1" dirty="0">
               <a:solidFill>
@@ -7025,8 +7070,8 @@
         </p:nvSpPr>
         <p:spPr>
           <a:xfrm>
-            <a:off x="224294" y="863550"/>
-            <a:ext cx="3990600" cy="3416400"/>
+            <a:off x="163782" y="648210"/>
+            <a:ext cx="3990600" cy="2552189"/>
           </a:xfrm>
           <a:prstGeom prst="rect">
             <a:avLst/>
@@ -7048,26 +7093,21 @@
               <a:buNone/>
             </a:pPr>
             <a:r>
-              <a:rPr lang="en-GB" dirty="0">
-                <a:solidFill>
-                  <a:schemeClr val="tx1"/>
-                </a:solidFill>
-              </a:rPr>
-              <a:t>Problem: </a:t>
+              <a:rPr lang="en-GB" dirty="0"/>
+              <a:t>Problems: </a:t>
             </a:r>
             <a:r>
-              <a:rPr lang="en-US" dirty="0">
-                <a:solidFill>
-                  <a:schemeClr val="tx1"/>
-                </a:solidFill>
-              </a:rPr>
-              <a:t>need to work with different data (source code from repo or CRD), strong dependency on repo and Kubernetes</a:t>
+              <a:rPr lang="en-US" dirty="0"/>
+              <a:t>strong dependency on Kubernetes, </a:t>
             </a:r>
-            <a:endParaRPr lang="ru-RU" dirty="0">
-              <a:solidFill>
-                <a:schemeClr val="tx1"/>
-              </a:solidFill>
-            </a:endParaRPr>
+            <a:r>
+              <a:rPr lang="en-US" dirty="0" err="1"/>
+              <a:t>OpenAPI</a:t>
+            </a:r>
+            <a:r>
+              <a:rPr lang="en-US" dirty="0"/>
+              <a:t> schemas, many functions for one class</a:t>
+            </a:r>
           </a:p>
           <a:p>
             <a:pPr marL="0" lvl="0" indent="0" algn="l" rtl="0">
@@ -7079,11 +7119,7 @@
               </a:spcAft>
               <a:buNone/>
             </a:pPr>
-            <a:endParaRPr dirty="0">
-              <a:solidFill>
-                <a:schemeClr val="tx1"/>
-              </a:solidFill>
-            </a:endParaRPr>
+            <a:endParaRPr dirty="0"/>
           </a:p>
           <a:p>
             <a:pPr marL="0" lvl="0" indent="0" algn="l" rtl="0">
@@ -7096,30 +7132,57 @@
               <a:buNone/>
             </a:pPr>
             <a:r>
-              <a:rPr lang="en-GB" dirty="0">
-                <a:solidFill>
-                  <a:schemeClr val="tx1"/>
-                </a:solidFill>
-              </a:rPr>
-              <a:t>Solution: </a:t>
+              <a:rPr lang="en-GB" dirty="0"/>
+              <a:t>Solutions: use Strategy and Adapter patterns and delegate some functions</a:t>
             </a:r>
-            <a:r>
-              <a:rPr lang="en-US" dirty="0">
-                <a:solidFill>
-                  <a:schemeClr val="tx1"/>
-                </a:solidFill>
-              </a:rPr>
-              <a:t>use Dependency inversion and Adapters design patterns</a:t>
-            </a:r>
-            <a:endParaRPr dirty="0">
-              <a:solidFill>
-                <a:schemeClr val="tx1"/>
-              </a:solidFill>
-            </a:endParaRPr>
+            <a:endParaRPr dirty="0"/>
+          </a:p>
+        </p:txBody>
+      </p:sp>
+      <p:sp>
+        <p:nvSpPr>
+          <p:cNvPr id="2" name="Номер слайда 1">
+            <a:extLst>
+              <a:ext uri="{FF2B5EF4-FFF2-40B4-BE49-F238E27FC236}">
+                <a16:creationId xmlns:a16="http://schemas.microsoft.com/office/drawing/2014/main" id="{28C48E86-CE85-4322-B2F3-5074156B1600}"/>
+              </a:ext>
+            </a:extLst>
+          </p:cNvPr>
+          <p:cNvSpPr>
+            <a:spLocks noGrp="1"/>
+          </p:cNvSpPr>
+          <p:nvPr>
+            <p:ph type="sldNum" idx="12"/>
+          </p:nvPr>
+        </p:nvSpPr>
+        <p:spPr/>
+        <p:txBody>
+          <a:bodyPr/>
+          <a:lstStyle/>
+          <a:p>
+            <a:pPr marL="0" lvl="0" indent="0" algn="r" rtl="0">
+              <a:spcBef>
+                <a:spcPts val="0"/>
+              </a:spcBef>
+              <a:spcAft>
+                <a:spcPts val="0"/>
+              </a:spcAft>
+              <a:buNone/>
+            </a:pPr>
+            <a:fld id="{00000000-1234-1234-1234-123412341234}" type="slidenum">
+              <a:rPr lang="en-GB" smtClean="0"/>
+              <a:t>4</a:t>
+            </a:fld>
+            <a:endParaRPr lang="en-GB"/>
           </a:p>
         </p:txBody>
       </p:sp>
     </p:spTree>
+    <p:extLst>
+      <p:ext uri="{BB962C8B-B14F-4D97-AF65-F5344CB8AC3E}">
+        <p14:creationId xmlns:p14="http://schemas.microsoft.com/office/powerpoint/2010/main" val="826294762"/>
+      </p:ext>
+    </p:extLst>
   </p:cSld>
   <p:clrMapOvr>
     <a:masterClrMapping/>
@@ -7156,242 +7219,7 @@
         </p:nvSpPr>
         <p:spPr>
           <a:xfrm>
-            <a:off x="204123" y="216425"/>
-            <a:ext cx="8520600" cy="572700"/>
-          </a:xfrm>
-          <a:prstGeom prst="rect">
-            <a:avLst/>
-          </a:prstGeom>
-        </p:spPr>
-        <p:txBody>
-          <a:bodyPr spcFirstLastPara="1" wrap="square" lIns="91425" tIns="91425" rIns="91425" bIns="91425" anchor="t" anchorCtr="0">
-            <a:noAutofit/>
-          </a:bodyPr>
-          <a:lstStyle/>
-          <a:p>
-            <a:pPr marL="0" lvl="0" indent="0" algn="l" rtl="0">
-              <a:spcBef>
-                <a:spcPts val="0"/>
-              </a:spcBef>
-              <a:spcAft>
-                <a:spcPts val="0"/>
-              </a:spcAft>
-              <a:buNone/>
-            </a:pPr>
-            <a:r>
-              <a:rPr lang="en-GB" b="1" dirty="0">
-                <a:solidFill>
-                  <a:srgbClr val="FF0000"/>
-                </a:solidFill>
-                <a:effectLst>
-                  <a:outerShdw blurRad="38100" dist="38100" dir="2700000" algn="tl">
-                    <a:srgbClr val="000000">
-                      <a:alpha val="43137"/>
-                    </a:srgbClr>
-                  </a:outerShdw>
-                </a:effectLst>
-              </a:rPr>
-              <a:t>Design case &lt;2&gt; (UML2)</a:t>
-            </a:r>
-            <a:endParaRPr b="1" dirty="0">
-              <a:solidFill>
-                <a:srgbClr val="FF0000"/>
-              </a:solidFill>
-              <a:effectLst>
-                <a:outerShdw blurRad="38100" dist="38100" dir="2700000" algn="tl">
-                  <a:srgbClr val="000000">
-                    <a:alpha val="43137"/>
-                  </a:srgbClr>
-                </a:outerShdw>
-              </a:effectLst>
-            </a:endParaRPr>
-          </a:p>
-        </p:txBody>
-      </p:sp>
-      <p:sp>
-        <p:nvSpPr>
-          <p:cNvPr id="73" name="Google Shape;73;p16"/>
-          <p:cNvSpPr txBox="1">
-            <a:spLocks noGrp="1"/>
-          </p:cNvSpPr>
-          <p:nvPr>
-            <p:ph type="body" idx="1"/>
-          </p:nvPr>
-        </p:nvSpPr>
-        <p:spPr>
-          <a:xfrm>
-            <a:off x="311700" y="1152475"/>
-            <a:ext cx="3990600" cy="3416400"/>
-          </a:xfrm>
-          <a:prstGeom prst="rect">
-            <a:avLst/>
-          </a:prstGeom>
-        </p:spPr>
-        <p:txBody>
-          <a:bodyPr spcFirstLastPara="1" wrap="square" lIns="91425" tIns="91425" rIns="91425" bIns="91425" anchor="t" anchorCtr="0">
-            <a:noAutofit/>
-          </a:bodyPr>
-          <a:lstStyle/>
-          <a:p>
-            <a:pPr marL="0" lvl="0" indent="0" algn="l" rtl="0">
-              <a:spcBef>
-                <a:spcPts val="0"/>
-              </a:spcBef>
-              <a:spcAft>
-                <a:spcPts val="0"/>
-              </a:spcAft>
-              <a:buNone/>
-            </a:pPr>
-            <a:r>
-              <a:rPr lang="en-GB" dirty="0"/>
-              <a:t>Problem: &lt;e.g. Support many </a:t>
-            </a:r>
-            <a:r>
-              <a:rPr lang="en-GB" dirty="0" err="1"/>
-              <a:t>dbms</a:t>
-            </a:r>
-            <a:r>
-              <a:rPr lang="en-GB" dirty="0"/>
-              <a:t>, assign responsibility dynamically…. etc&gt;</a:t>
-            </a:r>
-            <a:endParaRPr dirty="0"/>
-          </a:p>
-          <a:p>
-            <a:pPr marL="0" lvl="0" indent="0" algn="l" rtl="0">
-              <a:spcBef>
-                <a:spcPts val="1200"/>
-              </a:spcBef>
-              <a:spcAft>
-                <a:spcPts val="0"/>
-              </a:spcAft>
-              <a:buNone/>
-            </a:pPr>
-            <a:r>
-              <a:rPr lang="en-GB" dirty="0"/>
-              <a:t>Solution: &lt;how solved, e.g. applied pattern, implemented SRP etc&gt;</a:t>
-            </a:r>
-            <a:endParaRPr dirty="0"/>
-          </a:p>
-          <a:p>
-            <a:pPr marL="0" lvl="0" indent="0" algn="l" rtl="0">
-              <a:spcBef>
-                <a:spcPts val="1200"/>
-              </a:spcBef>
-              <a:spcAft>
-                <a:spcPts val="0"/>
-              </a:spcAft>
-              <a:buNone/>
-            </a:pPr>
-            <a:r>
-              <a:rPr lang="en-GB" dirty="0"/>
-              <a:t>&lt;Show UML2 structure and (if needed) </a:t>
-            </a:r>
-            <a:r>
-              <a:rPr lang="en-GB" dirty="0" err="1"/>
-              <a:t>behavior</a:t>
-            </a:r>
-            <a:r>
-              <a:rPr lang="en-GB" dirty="0"/>
-              <a:t> diagrams&gt;</a:t>
-            </a:r>
-            <a:endParaRPr dirty="0"/>
-          </a:p>
-          <a:p>
-            <a:pPr marL="0" lvl="0" indent="0" algn="l" rtl="0">
-              <a:spcBef>
-                <a:spcPts val="1200"/>
-              </a:spcBef>
-              <a:spcAft>
-                <a:spcPts val="0"/>
-              </a:spcAft>
-              <a:buNone/>
-            </a:pPr>
-            <a:endParaRPr dirty="0"/>
-          </a:p>
-          <a:p>
-            <a:pPr marL="0" lvl="0" indent="0" algn="l" rtl="0">
-              <a:spcBef>
-                <a:spcPts val="1200"/>
-              </a:spcBef>
-              <a:spcAft>
-                <a:spcPts val="1200"/>
-              </a:spcAft>
-              <a:buNone/>
-            </a:pPr>
-            <a:endParaRPr dirty="0"/>
-          </a:p>
-        </p:txBody>
-      </p:sp>
-      <p:pic>
-        <p:nvPicPr>
-          <p:cNvPr id="74" name="Google Shape;74;p16"/>
-          <p:cNvPicPr preferRelativeResize="0"/>
-          <p:nvPr/>
-        </p:nvPicPr>
-        <p:blipFill rotWithShape="1">
-          <a:blip r:embed="rId3">
-            <a:alphaModFix/>
-          </a:blip>
-          <a:srcRect l="34730" t="38994"/>
-          <a:stretch/>
-        </p:blipFill>
-        <p:spPr>
-          <a:xfrm>
-            <a:off x="4868900" y="1320350"/>
-            <a:ext cx="3483074" cy="1601725"/>
-          </a:xfrm>
-          <a:prstGeom prst="rect">
-            <a:avLst/>
-          </a:prstGeom>
-          <a:noFill/>
-          <a:ln>
-            <a:noFill/>
-          </a:ln>
-        </p:spPr>
-      </p:pic>
-    </p:spTree>
-    <p:extLst>
-      <p:ext uri="{BB962C8B-B14F-4D97-AF65-F5344CB8AC3E}">
-        <p14:creationId xmlns:p14="http://schemas.microsoft.com/office/powerpoint/2010/main" val="826294762"/>
-      </p:ext>
-    </p:extLst>
-  </p:cSld>
-  <p:clrMapOvr>
-    <a:masterClrMapping/>
-  </p:clrMapOvr>
-</p:sld>
-</file>
-
-<file path=ppt/slides/slide6.xml><?xml version="1.0" encoding="utf-8"?>
-<p:sld xmlns:a="http://schemas.openxmlformats.org/drawingml/2006/main" xmlns:r="http://schemas.openxmlformats.org/officeDocument/2006/relationships" xmlns:p="http://schemas.openxmlformats.org/presentationml/2006/main">
-  <p:cSld>
-    <p:spTree>
-      <p:nvGrpSpPr>
-        <p:cNvPr id="1" name="Shape 71"/>
-        <p:cNvGrpSpPr/>
-        <p:nvPr/>
-      </p:nvGrpSpPr>
-      <p:grpSpPr>
-        <a:xfrm>
-          <a:off x="0" y="0"/>
-          <a:ext cx="0" cy="0"/>
-          <a:chOff x="0" y="0"/>
-          <a:chExt cx="0" cy="0"/>
-        </a:xfrm>
-      </p:grpSpPr>
-      <p:sp>
-        <p:nvSpPr>
-          <p:cNvPr id="72" name="Google Shape;72;p16"/>
-          <p:cNvSpPr txBox="1">
-            <a:spLocks noGrp="1"/>
-          </p:cNvSpPr>
-          <p:nvPr>
-            <p:ph type="title"/>
-          </p:nvPr>
-        </p:nvSpPr>
-        <p:spPr>
-          <a:xfrm>
-            <a:off x="170506" y="169360"/>
+            <a:off x="0" y="1925"/>
             <a:ext cx="8520600" cy="572700"/>
           </a:xfrm>
           <a:prstGeom prst="rect">
@@ -7584,6 +7412,44 @@
           </a:ln>
         </p:spPr>
       </p:pic>
+      <p:sp>
+        <p:nvSpPr>
+          <p:cNvPr id="2" name="Номер слайда 1">
+            <a:extLst>
+              <a:ext uri="{FF2B5EF4-FFF2-40B4-BE49-F238E27FC236}">
+                <a16:creationId xmlns:a16="http://schemas.microsoft.com/office/drawing/2014/main" id="{B15AE871-A583-4970-8328-B6A460023824}"/>
+              </a:ext>
+            </a:extLst>
+          </p:cNvPr>
+          <p:cNvSpPr>
+            <a:spLocks noGrp="1"/>
+          </p:cNvSpPr>
+          <p:nvPr>
+            <p:ph type="sldNum" idx="12"/>
+          </p:nvPr>
+        </p:nvSpPr>
+        <p:spPr/>
+        <p:txBody>
+          <a:bodyPr/>
+          <a:lstStyle/>
+          <a:p>
+            <a:pPr marL="0" lvl="0" indent="0" algn="r" rtl="0">
+              <a:spcBef>
+                <a:spcPts val="0"/>
+              </a:spcBef>
+              <a:spcAft>
+                <a:spcPts val="0"/>
+              </a:spcAft>
+              <a:buNone/>
+            </a:pPr>
+            <a:fld id="{00000000-1234-1234-1234-123412341234}" type="slidenum">
+              <a:rPr lang="en-GB" smtClean="0"/>
+              <a:t>5</a:t>
+            </a:fld>
+            <a:endParaRPr lang="en-GB"/>
+          </a:p>
+        </p:txBody>
+      </p:sp>
     </p:spTree>
     <p:extLst>
       <p:ext uri="{BB962C8B-B14F-4D97-AF65-F5344CB8AC3E}">
@@ -7597,7 +7463,7 @@
 </p:sld>
 </file>
 
-<file path=ppt/slides/slide7.xml><?xml version="1.0" encoding="utf-8"?>
+<file path=ppt/slides/slide6.xml><?xml version="1.0" encoding="utf-8"?>
 <p:sld xmlns:a="http://schemas.openxmlformats.org/drawingml/2006/main" xmlns:r="http://schemas.openxmlformats.org/officeDocument/2006/relationships" xmlns:p="http://schemas.openxmlformats.org/presentationml/2006/main">
   <p:cSld>
     <p:spTree>
@@ -7626,7 +7492,7 @@
         </p:nvSpPr>
         <p:spPr>
           <a:xfrm>
-            <a:off x="150335" y="169360"/>
+            <a:off x="0" y="1925"/>
             <a:ext cx="8520600" cy="572700"/>
           </a:xfrm>
           <a:prstGeom prst="rect">
@@ -7795,12 +7661,374 @@
           </a:ln>
         </p:spPr>
       </p:pic>
+      <p:sp>
+        <p:nvSpPr>
+          <p:cNvPr id="2" name="Номер слайда 1">
+            <a:extLst>
+              <a:ext uri="{FF2B5EF4-FFF2-40B4-BE49-F238E27FC236}">
+                <a16:creationId xmlns:a16="http://schemas.microsoft.com/office/drawing/2014/main" id="{1E5B2D41-F297-46E4-A7B9-908CE9F4C28D}"/>
+              </a:ext>
+            </a:extLst>
+          </p:cNvPr>
+          <p:cNvSpPr>
+            <a:spLocks noGrp="1"/>
+          </p:cNvSpPr>
+          <p:nvPr>
+            <p:ph type="sldNum" idx="12"/>
+          </p:nvPr>
+        </p:nvSpPr>
+        <p:spPr/>
+        <p:txBody>
+          <a:bodyPr/>
+          <a:lstStyle/>
+          <a:p>
+            <a:pPr marL="0" lvl="0" indent="0" algn="r" rtl="0">
+              <a:spcBef>
+                <a:spcPts val="0"/>
+              </a:spcBef>
+              <a:spcAft>
+                <a:spcPts val="0"/>
+              </a:spcAft>
+              <a:buNone/>
+            </a:pPr>
+            <a:fld id="{00000000-1234-1234-1234-123412341234}" type="slidenum">
+              <a:rPr lang="en-GB" smtClean="0"/>
+              <a:t>6</a:t>
+            </a:fld>
+            <a:endParaRPr lang="en-GB"/>
+          </a:p>
+        </p:txBody>
+      </p:sp>
     </p:spTree>
     <p:extLst>
       <p:ext uri="{BB962C8B-B14F-4D97-AF65-F5344CB8AC3E}">
         <p14:creationId xmlns:p14="http://schemas.microsoft.com/office/powerpoint/2010/main" val="3225736023"/>
       </p:ext>
     </p:extLst>
+  </p:cSld>
+  <p:clrMapOvr>
+    <a:masterClrMapping/>
+  </p:clrMapOvr>
+</p:sld>
+</file>
+
+<file path=ppt/slides/slide7.xml><?xml version="1.0" encoding="utf-8"?>
+<p:sld xmlns:a="http://schemas.openxmlformats.org/drawingml/2006/main" xmlns:r="http://schemas.openxmlformats.org/officeDocument/2006/relationships" xmlns:p="http://schemas.openxmlformats.org/presentationml/2006/main">
+  <p:cSld>
+    <p:spTree>
+      <p:nvGrpSpPr>
+        <p:cNvPr id="1" name="Shape 71"/>
+        <p:cNvGrpSpPr/>
+        <p:nvPr/>
+      </p:nvGrpSpPr>
+      <p:grpSpPr>
+        <a:xfrm>
+          <a:off x="0" y="0"/>
+          <a:ext cx="0" cy="0"/>
+          <a:chOff x="0" y="0"/>
+          <a:chExt cx="0" cy="0"/>
+        </a:xfrm>
+      </p:grpSpPr>
+      <p:pic>
+        <p:nvPicPr>
+          <p:cNvPr id="1026" name="Picture 2" descr="PlantUML Diagram">
+            <a:extLst>
+              <a:ext uri="{FF2B5EF4-FFF2-40B4-BE49-F238E27FC236}">
+                <a16:creationId xmlns:a16="http://schemas.microsoft.com/office/drawing/2014/main" id="{B7CD2484-1863-4527-B135-5B990191F63D}"/>
+              </a:ext>
+            </a:extLst>
+          </p:cNvPr>
+          <p:cNvPicPr>
+            <a:picLocks noChangeAspect="1" noChangeArrowheads="1"/>
+          </p:cNvPicPr>
+          <p:nvPr/>
+        </p:nvPicPr>
+        <p:blipFill>
+          <a:blip r:embed="rId3">
+            <a:extLst>
+              <a:ext uri="{28A0092B-C50C-407E-A947-70E740481C1C}">
+                <a14:useLocalDpi xmlns:a14="http://schemas.microsoft.com/office/drawing/2010/main" val="0"/>
+              </a:ext>
+            </a:extLst>
+          </a:blip>
+          <a:srcRect/>
+          <a:stretch>
+            <a:fillRect/>
+          </a:stretch>
+        </p:blipFill>
+        <p:spPr bwMode="auto">
+          <a:xfrm>
+            <a:off x="0" y="1606923"/>
+            <a:ext cx="9147302" cy="3106271"/>
+          </a:xfrm>
+          <a:prstGeom prst="rect">
+            <a:avLst/>
+          </a:prstGeom>
+          <a:noFill/>
+          <a:extLst>
+            <a:ext uri="{909E8E84-426E-40DD-AFC4-6F175D3DCCD1}">
+              <a14:hiddenFill xmlns:a14="http://schemas.microsoft.com/office/drawing/2010/main">
+                <a:solidFill>
+                  <a:srgbClr val="FFFFFF"/>
+                </a:solidFill>
+              </a14:hiddenFill>
+            </a:ext>
+          </a:extLst>
+        </p:spPr>
+      </p:pic>
+      <p:sp>
+        <p:nvSpPr>
+          <p:cNvPr id="72" name="Google Shape;72;p16"/>
+          <p:cNvSpPr txBox="1">
+            <a:spLocks noGrp="1"/>
+          </p:cNvSpPr>
+          <p:nvPr>
+            <p:ph type="title"/>
+          </p:nvPr>
+        </p:nvSpPr>
+        <p:spPr>
+          <a:xfrm>
+            <a:off x="0" y="10531"/>
+            <a:ext cx="8520600" cy="572700"/>
+          </a:xfrm>
+          <a:prstGeom prst="rect">
+            <a:avLst/>
+          </a:prstGeom>
+        </p:spPr>
+        <p:txBody>
+          <a:bodyPr spcFirstLastPara="1" wrap="square" lIns="91425" tIns="91425" rIns="91425" bIns="91425" anchor="t" anchorCtr="0">
+            <a:noAutofit/>
+          </a:bodyPr>
+          <a:lstStyle/>
+          <a:p>
+            <a:pPr marL="0" lvl="0" indent="0" algn="l" rtl="0">
+              <a:spcBef>
+                <a:spcPts val="0"/>
+              </a:spcBef>
+              <a:spcAft>
+                <a:spcPts val="0"/>
+              </a:spcAft>
+              <a:buNone/>
+            </a:pPr>
+            <a:r>
+              <a:rPr lang="en-GB" b="1" dirty="0">
+                <a:solidFill>
+                  <a:schemeClr val="tx1"/>
+                </a:solidFill>
+                <a:effectLst>
+                  <a:outerShdw blurRad="38100" dist="38100" dir="2700000" algn="tl">
+                    <a:srgbClr val="000000">
+                      <a:alpha val="43137"/>
+                    </a:srgbClr>
+                  </a:outerShdw>
+                </a:effectLst>
+              </a:rPr>
+              <a:t>Design case of Service Deployer</a:t>
+            </a:r>
+            <a:endParaRPr b="1" dirty="0">
+              <a:solidFill>
+                <a:schemeClr val="tx1"/>
+              </a:solidFill>
+              <a:effectLst>
+                <a:outerShdw blurRad="38100" dist="38100" dir="2700000" algn="tl">
+                  <a:srgbClr val="000000">
+                    <a:alpha val="43137"/>
+                  </a:srgbClr>
+                </a:outerShdw>
+              </a:effectLst>
+            </a:endParaRPr>
+          </a:p>
+        </p:txBody>
+      </p:sp>
+      <p:sp>
+        <p:nvSpPr>
+          <p:cNvPr id="73" name="Google Shape;73;p16"/>
+          <p:cNvSpPr txBox="1">
+            <a:spLocks noGrp="1"/>
+          </p:cNvSpPr>
+          <p:nvPr>
+            <p:ph type="body" idx="1"/>
+          </p:nvPr>
+        </p:nvSpPr>
+        <p:spPr>
+          <a:xfrm>
+            <a:off x="116899" y="583231"/>
+            <a:ext cx="3990600" cy="2592344"/>
+          </a:xfrm>
+          <a:prstGeom prst="rect">
+            <a:avLst/>
+          </a:prstGeom>
+        </p:spPr>
+        <p:txBody>
+          <a:bodyPr spcFirstLastPara="1" wrap="square" lIns="91425" tIns="91425" rIns="91425" bIns="91425" anchor="t" anchorCtr="0">
+            <a:noAutofit/>
+          </a:bodyPr>
+          <a:lstStyle/>
+          <a:p>
+            <a:pPr marL="0" lvl="0" indent="0" algn="l" rtl="0">
+              <a:spcBef>
+                <a:spcPts val="0"/>
+              </a:spcBef>
+              <a:spcAft>
+                <a:spcPts val="0"/>
+              </a:spcAft>
+              <a:buNone/>
+            </a:pPr>
+            <a:r>
+              <a:rPr lang="en-GB" dirty="0">
+                <a:solidFill>
+                  <a:schemeClr val="tx1"/>
+                </a:solidFill>
+              </a:rPr>
+              <a:t>Problems: </a:t>
+            </a:r>
+            <a:r>
+              <a:rPr lang="en-US" dirty="0">
+                <a:solidFill>
+                  <a:schemeClr val="tx1"/>
+                </a:solidFill>
+              </a:rPr>
+              <a:t>need to work with different data (source code from repo or CRD), strong dependency on repo and Kubernetes</a:t>
+            </a:r>
+            <a:endParaRPr lang="ru-RU" dirty="0">
+              <a:solidFill>
+                <a:schemeClr val="tx1"/>
+              </a:solidFill>
+            </a:endParaRPr>
+          </a:p>
+          <a:p>
+            <a:pPr marL="0" lvl="0" indent="0" algn="l" rtl="0">
+              <a:spcBef>
+                <a:spcPts val="0"/>
+              </a:spcBef>
+              <a:spcAft>
+                <a:spcPts val="0"/>
+              </a:spcAft>
+              <a:buNone/>
+            </a:pPr>
+            <a:endParaRPr dirty="0">
+              <a:solidFill>
+                <a:schemeClr val="tx1"/>
+              </a:solidFill>
+            </a:endParaRPr>
+          </a:p>
+          <a:p>
+            <a:pPr marL="0" lvl="0" indent="0" algn="l" rtl="0">
+              <a:spcBef>
+                <a:spcPts val="1200"/>
+              </a:spcBef>
+              <a:spcAft>
+                <a:spcPts val="0"/>
+              </a:spcAft>
+              <a:buNone/>
+            </a:pPr>
+            <a:r>
+              <a:rPr lang="en-GB" dirty="0">
+                <a:solidFill>
+                  <a:schemeClr val="tx1"/>
+                </a:solidFill>
+              </a:rPr>
+              <a:t>Solutions: </a:t>
+            </a:r>
+            <a:r>
+              <a:rPr lang="en-US" dirty="0">
+                <a:solidFill>
+                  <a:schemeClr val="tx1"/>
+                </a:solidFill>
+              </a:rPr>
+              <a:t>use Dependency inversion and Adapters design patterns</a:t>
+            </a:r>
+            <a:endParaRPr dirty="0">
+              <a:solidFill>
+                <a:schemeClr val="tx1"/>
+              </a:solidFill>
+            </a:endParaRPr>
+          </a:p>
+        </p:txBody>
+      </p:sp>
+      <p:sp>
+        <p:nvSpPr>
+          <p:cNvPr id="2" name="Номер слайда 1">
+            <a:extLst>
+              <a:ext uri="{FF2B5EF4-FFF2-40B4-BE49-F238E27FC236}">
+                <a16:creationId xmlns:a16="http://schemas.microsoft.com/office/drawing/2014/main" id="{CCF8C985-188F-4FA0-8D7B-4C048618B2F1}"/>
+              </a:ext>
+            </a:extLst>
+          </p:cNvPr>
+          <p:cNvSpPr>
+            <a:spLocks noGrp="1"/>
+          </p:cNvSpPr>
+          <p:nvPr>
+            <p:ph type="sldNum" idx="12"/>
+          </p:nvPr>
+        </p:nvSpPr>
+        <p:spPr/>
+        <p:txBody>
+          <a:bodyPr/>
+          <a:lstStyle/>
+          <a:p>
+            <a:pPr marL="0" lvl="0" indent="0" algn="r" rtl="0">
+              <a:spcBef>
+                <a:spcPts val="0"/>
+              </a:spcBef>
+              <a:spcAft>
+                <a:spcPts val="0"/>
+              </a:spcAft>
+              <a:buNone/>
+            </a:pPr>
+            <a:fld id="{00000000-1234-1234-1234-123412341234}" type="slidenum">
+              <a:rPr lang="en-GB" smtClean="0"/>
+              <a:t>7</a:t>
+            </a:fld>
+            <a:endParaRPr lang="en-GB"/>
+          </a:p>
+        </p:txBody>
+      </p:sp>
+      <p:sp>
+        <p:nvSpPr>
+          <p:cNvPr id="3" name="TextBox 2">
+            <a:extLst>
+              <a:ext uri="{FF2B5EF4-FFF2-40B4-BE49-F238E27FC236}">
+                <a16:creationId xmlns:a16="http://schemas.microsoft.com/office/drawing/2014/main" id="{7C00BC9F-A2AA-4E19-B3F3-6ED96E8BBA36}"/>
+              </a:ext>
+            </a:extLst>
+          </p:cNvPr>
+          <p:cNvSpPr txBox="1"/>
+          <p:nvPr/>
+        </p:nvSpPr>
+        <p:spPr>
+          <a:xfrm>
+            <a:off x="6817658" y="1284194"/>
+            <a:ext cx="1875865" cy="307777"/>
+          </a:xfrm>
+          <a:prstGeom prst="rect">
+            <a:avLst/>
+          </a:prstGeom>
+          <a:noFill/>
+        </p:spPr>
+        <p:txBody>
+          <a:bodyPr wrap="square" rtlCol="0">
+            <a:spAutoFit/>
+          </a:bodyPr>
+          <a:lstStyle/>
+          <a:p>
+            <a:r>
+              <a:rPr lang="en-US" dirty="0" err="1">
+                <a:solidFill>
+                  <a:srgbClr val="FF0000"/>
+                </a:solidFill>
+              </a:rPr>
+              <a:t>ModelDataStrategy</a:t>
+            </a:r>
+            <a:endParaRPr lang="ru-RU" dirty="0">
+              <a:solidFill>
+                <a:srgbClr val="FF0000"/>
+              </a:solidFill>
+            </a:endParaRPr>
+          </a:p>
+        </p:txBody>
+      </p:sp>
+    </p:spTree>
   </p:cSld>
   <p:clrMapOvr>
     <a:masterClrMapping/>

--- a/PracticeTasks/Module2/Task_12/Task_12.pptx
+++ b/PracticeTasks/Module2/Task_12/Task_12.pptx
@@ -7731,7 +7731,7 @@
       </p:grpSpPr>
       <p:pic>
         <p:nvPicPr>
-          <p:cNvPr id="1026" name="Picture 2" descr="PlantUML Diagram">
+          <p:cNvPr id="1026" name="Picture 2">
             <a:extLst>
               <a:ext uri="{FF2B5EF4-FFF2-40B4-BE49-F238E27FC236}">
                 <a16:creationId xmlns:a16="http://schemas.microsoft.com/office/drawing/2014/main" id="{B7CD2484-1863-4527-B135-5B990191F63D}"/>
@@ -7744,22 +7744,14 @@
           <p:nvPr/>
         </p:nvPicPr>
         <p:blipFill>
-          <a:blip r:embed="rId3">
-            <a:extLst>
-              <a:ext uri="{28A0092B-C50C-407E-A947-70E740481C1C}">
-                <a14:useLocalDpi xmlns:a14="http://schemas.microsoft.com/office/drawing/2010/main" val="0"/>
-              </a:ext>
-            </a:extLst>
-          </a:blip>
+          <a:blip r:embed="rId3"/>
           <a:srcRect/>
-          <a:stretch>
-            <a:fillRect/>
-          </a:stretch>
+          <a:stretch/>
         </p:blipFill>
         <p:spPr bwMode="auto">
           <a:xfrm>
-            <a:off x="0" y="1606923"/>
-            <a:ext cx="9147302" cy="3106271"/>
+            <a:off x="695" y="1606923"/>
+            <a:ext cx="9145911" cy="3106271"/>
           </a:xfrm>
           <a:prstGeom prst="rect">
             <a:avLst/>
@@ -7981,50 +7973,6 @@
               <a:t>7</a:t>
             </a:fld>
             <a:endParaRPr lang="en-GB"/>
-          </a:p>
-        </p:txBody>
-      </p:sp>
-      <p:sp>
-        <p:nvSpPr>
-          <p:cNvPr id="3" name="TextBox 2">
-            <a:extLst>
-              <a:ext uri="{FF2B5EF4-FFF2-40B4-BE49-F238E27FC236}">
-                <a16:creationId xmlns:a16="http://schemas.microsoft.com/office/drawing/2014/main" id="{7C00BC9F-A2AA-4E19-B3F3-6ED96E8BBA36}"/>
-              </a:ext>
-            </a:extLst>
-          </p:cNvPr>
-          <p:cNvSpPr txBox="1"/>
-          <p:nvPr/>
-        </p:nvSpPr>
-        <p:spPr>
-          <a:xfrm>
-            <a:off x="6817658" y="1284194"/>
-            <a:ext cx="1875865" cy="307777"/>
-          </a:xfrm>
-          <a:prstGeom prst="rect">
-            <a:avLst/>
-          </a:prstGeom>
-          <a:noFill/>
-        </p:spPr>
-        <p:txBody>
-          <a:bodyPr wrap="square" rtlCol="0">
-            <a:spAutoFit/>
-          </a:bodyPr>
-          <a:lstStyle/>
-          <a:p>
-            <a:r>
-              <a:rPr lang="en-US" dirty="0" err="1">
-                <a:solidFill>
-                  <a:srgbClr val="FF0000"/>
-                </a:solidFill>
-              </a:rPr>
-              <a:t>ModelDataStrategy</a:t>
-            </a:r>
-            <a:endParaRPr lang="ru-RU" dirty="0">
-              <a:solidFill>
-                <a:srgbClr val="FF0000"/>
-              </a:solidFill>
-            </a:endParaRPr>
           </a:p>
         </p:txBody>
       </p:sp>

--- a/PracticeTasks/Module2/Task_12/Task_12.pptx
+++ b/PracticeTasks/Module2/Task_12/Task_12.pptx
@@ -7093,19 +7093,43 @@
               <a:buNone/>
             </a:pPr>
             <a:r>
-              <a:rPr lang="en-GB" dirty="0"/>
+              <a:rPr lang="en-GB" dirty="0">
+                <a:solidFill>
+                  <a:schemeClr val="bg1">
+                    <a:lumMod val="50000"/>
+                  </a:schemeClr>
+                </a:solidFill>
+              </a:rPr>
               <a:t>Problems: </a:t>
             </a:r>
             <a:r>
-              <a:rPr lang="en-US" dirty="0"/>
+              <a:rPr lang="en-US" dirty="0">
+                <a:solidFill>
+                  <a:schemeClr val="bg1">
+                    <a:lumMod val="50000"/>
+                  </a:schemeClr>
+                </a:solidFill>
+              </a:rPr>
               <a:t>strong dependency on Kubernetes, </a:t>
             </a:r>
             <a:r>
-              <a:rPr lang="en-US" dirty="0" err="1"/>
+              <a:rPr lang="en-US" dirty="0" err="1">
+                <a:solidFill>
+                  <a:schemeClr val="bg1">
+                    <a:lumMod val="50000"/>
+                  </a:schemeClr>
+                </a:solidFill>
+              </a:rPr>
               <a:t>OpenAPI</a:t>
             </a:r>
             <a:r>
-              <a:rPr lang="en-US" dirty="0"/>
+              <a:rPr lang="en-US" dirty="0">
+                <a:solidFill>
+                  <a:schemeClr val="bg1">
+                    <a:lumMod val="50000"/>
+                  </a:schemeClr>
+                </a:solidFill>
+              </a:rPr>
               <a:t> schemas, many functions for one class</a:t>
             </a:r>
           </a:p>
@@ -7119,7 +7143,13 @@
               </a:spcAft>
               <a:buNone/>
             </a:pPr>
-            <a:endParaRPr dirty="0"/>
+            <a:endParaRPr dirty="0">
+              <a:solidFill>
+                <a:schemeClr val="bg1">
+                  <a:lumMod val="50000"/>
+                </a:schemeClr>
+              </a:solidFill>
+            </a:endParaRPr>
           </a:p>
           <a:p>
             <a:pPr marL="0" lvl="0" indent="0" algn="l" rtl="0">
@@ -7132,10 +7162,22 @@
               <a:buNone/>
             </a:pPr>
             <a:r>
-              <a:rPr lang="en-GB" dirty="0"/>
+              <a:rPr lang="en-GB" dirty="0">
+                <a:solidFill>
+                  <a:schemeClr val="bg1">
+                    <a:lumMod val="50000"/>
+                  </a:schemeClr>
+                </a:solidFill>
+              </a:rPr>
               <a:t>Solutions: use Strategy and Adapter patterns and delegate some functions</a:t>
             </a:r>
-            <a:endParaRPr dirty="0"/>
+            <a:endParaRPr dirty="0">
+              <a:solidFill>
+                <a:schemeClr val="bg1">
+                  <a:lumMod val="50000"/>
+                </a:schemeClr>
+              </a:solidFill>
+            </a:endParaRPr>
           </a:p>
         </p:txBody>
       </p:sp>
@@ -7207,6 +7249,45 @@
           <a:chExt cx="0" cy="0"/>
         </a:xfrm>
       </p:grpSpPr>
+      <p:pic>
+        <p:nvPicPr>
+          <p:cNvPr id="1026" name="Picture 2">
+            <a:extLst>
+              <a:ext uri="{FF2B5EF4-FFF2-40B4-BE49-F238E27FC236}">
+                <a16:creationId xmlns:a16="http://schemas.microsoft.com/office/drawing/2014/main" id="{8AC7236C-4398-4F60-AC57-9F1358A36B11}"/>
+              </a:ext>
+            </a:extLst>
+          </p:cNvPr>
+          <p:cNvPicPr>
+            <a:picLocks noChangeAspect="1" noChangeArrowheads="1"/>
+          </p:cNvPicPr>
+          <p:nvPr/>
+        </p:nvPicPr>
+        <p:blipFill>
+          <a:blip r:embed="rId3"/>
+          <a:srcRect/>
+          <a:stretch/>
+        </p:blipFill>
+        <p:spPr bwMode="auto">
+          <a:xfrm>
+            <a:off x="3520019" y="938348"/>
+            <a:ext cx="5501139" cy="3835358"/>
+          </a:xfrm>
+          <a:prstGeom prst="rect">
+            <a:avLst/>
+          </a:prstGeom>
+          <a:noFill/>
+          <a:extLst>
+            <a:ext uri="{909E8E84-426E-40DD-AFC4-6F175D3DCCD1}">
+              <a14:hiddenFill xmlns:a14="http://schemas.microsoft.com/office/drawing/2010/main">
+                <a:solidFill>
+                  <a:srgbClr val="FFFFFF"/>
+                </a:solidFill>
+              </a14:hiddenFill>
+            </a:ext>
+          </a:extLst>
+        </p:spPr>
+      </p:pic>
       <p:sp>
         <p:nvSpPr>
           <p:cNvPr id="72" name="Google Shape;72;p16"/>
@@ -7244,7 +7325,7 @@
             <a:r>
               <a:rPr lang="en-GB" b="1" dirty="0">
                 <a:solidFill>
-                  <a:srgbClr val="FF0000"/>
+                  <a:schemeClr val="tx1"/>
                 </a:solidFill>
                 <a:effectLst>
                   <a:outerShdw blurRad="38100" dist="38100" dir="2700000" algn="tl">
@@ -7254,11 +7335,11 @@
                   </a:outerShdw>
                 </a:effectLst>
               </a:rPr>
-              <a:t>Design case &lt;3&gt; (UML2)</a:t>
+              <a:t>Design case for Authenticator</a:t>
             </a:r>
             <a:endParaRPr b="1" dirty="0">
               <a:solidFill>
-                <a:srgbClr val="FF0000"/>
+                <a:schemeClr val="tx1"/>
               </a:solidFill>
               <a:effectLst>
                 <a:outerShdw blurRad="38100" dist="38100" dir="2700000" algn="tl">
@@ -7283,8 +7364,8 @@
         </p:nvSpPr>
         <p:spPr>
           <a:xfrm>
-            <a:off x="311700" y="1152475"/>
-            <a:ext cx="3990600" cy="3416400"/>
+            <a:off x="269700" y="668381"/>
+            <a:ext cx="3990600" cy="3076625"/>
           </a:xfrm>
           <a:prstGeom prst="rect">
             <a:avLst/>
@@ -7306,34 +7387,43 @@
               <a:buNone/>
             </a:pPr>
             <a:r>
-              <a:rPr lang="en-GB" dirty="0"/>
-              <a:t>Problem: &lt;e.g. Support many </a:t>
+              <a:rPr lang="en-GB" dirty="0">
+                <a:solidFill>
+                  <a:schemeClr val="bg1">
+                    <a:lumMod val="50000"/>
+                  </a:schemeClr>
+                </a:solidFill>
+              </a:rPr>
+              <a:t>Problem: c</a:t>
             </a:r>
             <a:r>
-              <a:rPr lang="en-GB" dirty="0" err="1"/>
-              <a:t>dbms</a:t>
+              <a:rPr lang="en-US" dirty="0">
+                <a:solidFill>
+                  <a:schemeClr val="bg1">
+                    <a:lumMod val="50000"/>
+                  </a:schemeClr>
+                </a:solidFill>
+              </a:rPr>
+              <a:t>aching, validating and authentication are all in one, strong dependency on cache storage and token type</a:t>
             </a:r>
-            <a:r>
-              <a:rPr lang="en-GB" dirty="0"/>
-              <a:t>, assign responsibility dynamically…. etc&gt;</a:t>
-            </a:r>
-            <a:endParaRPr dirty="0"/>
           </a:p>
           <a:p>
             <a:pPr marL="0" lvl="0" indent="0" algn="l" rtl="0">
               <a:spcBef>
-                <a:spcPts val="1200"/>
+                <a:spcPts val="0"/>
               </a:spcBef>
               <a:spcAft>
                 <a:spcPts val="0"/>
               </a:spcAft>
               <a:buNone/>
             </a:pPr>
-            <a:r>
-              <a:rPr lang="en-GB" dirty="0"/>
-              <a:t>Solution: &lt;how solved, e.g. applied pattern, implemented SRP etc&gt;</a:t>
-            </a:r>
-            <a:endParaRPr dirty="0"/>
+            <a:endParaRPr dirty="0">
+              <a:solidFill>
+                <a:schemeClr val="bg1">
+                  <a:lumMod val="50000"/>
+                </a:schemeClr>
+              </a:solidFill>
+            </a:endParaRPr>
           </a:p>
           <a:p>
             <a:pPr marL="0" lvl="0" indent="0" algn="l" rtl="0">
@@ -7346,72 +7436,25 @@
               <a:buNone/>
             </a:pPr>
             <a:r>
-              <a:rPr lang="en-GB" dirty="0"/>
-              <a:t>&lt;Show UML2 structure and (if needed) </a:t>
+              <a:rPr lang="en-GB" dirty="0">
+                <a:solidFill>
+                  <a:schemeClr val="bg1">
+                    <a:lumMod val="50000"/>
+                  </a:schemeClr>
+                </a:solidFill>
+              </a:rPr>
+              <a:t>Solution: use Dependency inversion principle, interface for different tokens and Adapter pattern</a:t>
             </a:r>
-            <a:r>
-              <a:rPr lang="en-GB" dirty="0" err="1"/>
-              <a:t>behavior</a:t>
-            </a:r>
-            <a:r>
-              <a:rPr lang="en-GB" dirty="0"/>
-              <a:t> diagrams&gt;</a:t>
-            </a:r>
-            <a:endParaRPr dirty="0"/>
-          </a:p>
-          <a:p>
-            <a:pPr marL="0" lvl="0" indent="0" algn="l" rtl="0">
-              <a:spcBef>
-                <a:spcPts val="1200"/>
-              </a:spcBef>
-              <a:spcAft>
-                <a:spcPts val="0"/>
-              </a:spcAft>
-              <a:buNone/>
-            </a:pPr>
-            <a:endParaRPr dirty="0"/>
-          </a:p>
-          <a:p>
-            <a:pPr marL="0" lvl="0" indent="0" algn="l" rtl="0">
-              <a:spcBef>
-                <a:spcPts val="1200"/>
-              </a:spcBef>
-              <a:spcAft>
-                <a:spcPts val="1200"/>
-              </a:spcAft>
-              <a:buNone/>
-            </a:pPr>
-            <a:endParaRPr dirty="0"/>
+            <a:endParaRPr dirty="0">
+              <a:solidFill>
+                <a:schemeClr val="bg1">
+                  <a:lumMod val="50000"/>
+                </a:schemeClr>
+              </a:solidFill>
+            </a:endParaRPr>
           </a:p>
         </p:txBody>
       </p:sp>
-      <p:pic>
-        <p:nvPicPr>
-          <p:cNvPr id="74" name="Google Shape;74;p16"/>
-          <p:cNvPicPr preferRelativeResize="0"/>
-          <p:nvPr/>
-        </p:nvPicPr>
-        <p:blipFill rotWithShape="1">
-          <a:blip r:embed="rId3">
-            <a:alphaModFix/>
-          </a:blip>
-          <a:srcRect l="34730" t="38994"/>
-          <a:stretch/>
-        </p:blipFill>
-        <p:spPr>
-          <a:xfrm>
-            <a:off x="4868900" y="1320350"/>
-            <a:ext cx="3483074" cy="1601725"/>
-          </a:xfrm>
-          <a:prstGeom prst="rect">
-            <a:avLst/>
-          </a:prstGeom>
-          <a:noFill/>
-          <a:ln>
-            <a:noFill/>
-          </a:ln>
-        </p:spPr>
-      </p:pic>
       <p:sp>
         <p:nvSpPr>
           <p:cNvPr id="2" name="Номер слайда 1">
@@ -7869,7 +7912,9 @@
             <a:r>
               <a:rPr lang="en-GB" dirty="0">
                 <a:solidFill>
-                  <a:schemeClr val="tx1"/>
+                  <a:schemeClr val="bg1">
+                    <a:lumMod val="50000"/>
+                  </a:schemeClr>
                 </a:solidFill>
               </a:rPr>
               <a:t>Problems: </a:t>
@@ -7877,14 +7922,18 @@
             <a:r>
               <a:rPr lang="en-US" dirty="0">
                 <a:solidFill>
-                  <a:schemeClr val="tx1"/>
+                  <a:schemeClr val="bg1">
+                    <a:lumMod val="50000"/>
+                  </a:schemeClr>
                 </a:solidFill>
               </a:rPr>
               <a:t>need to work with different data (source code from repo or CRD), strong dependency on repo and Kubernetes</a:t>
             </a:r>
             <a:endParaRPr lang="ru-RU" dirty="0">
               <a:solidFill>
-                <a:schemeClr val="tx1"/>
+                <a:schemeClr val="bg1">
+                  <a:lumMod val="50000"/>
+                </a:schemeClr>
               </a:solidFill>
             </a:endParaRPr>
           </a:p>
@@ -7900,7 +7949,9 @@
             </a:pPr>
             <a:endParaRPr dirty="0">
               <a:solidFill>
-                <a:schemeClr val="tx1"/>
+                <a:schemeClr val="bg1">
+                  <a:lumMod val="50000"/>
+                </a:schemeClr>
               </a:solidFill>
             </a:endParaRPr>
           </a:p>
@@ -7917,7 +7968,9 @@
             <a:r>
               <a:rPr lang="en-GB" dirty="0">
                 <a:solidFill>
-                  <a:schemeClr val="tx1"/>
+                  <a:schemeClr val="bg1">
+                    <a:lumMod val="50000"/>
+                  </a:schemeClr>
                 </a:solidFill>
               </a:rPr>
               <a:t>Solutions: </a:t>
@@ -7925,14 +7978,18 @@
             <a:r>
               <a:rPr lang="en-US" dirty="0">
                 <a:solidFill>
-                  <a:schemeClr val="tx1"/>
+                  <a:schemeClr val="bg1">
+                    <a:lumMod val="50000"/>
+                  </a:schemeClr>
                 </a:solidFill>
               </a:rPr>
               <a:t>use Dependency inversion and Adapters design patterns</a:t>
             </a:r>
             <a:endParaRPr dirty="0">
               <a:solidFill>
-                <a:schemeClr val="tx1"/>
+                <a:schemeClr val="bg1">
+                  <a:lumMod val="50000"/>
+                </a:schemeClr>
               </a:solidFill>
             </a:endParaRPr>
           </a:p>

--- a/PracticeTasks/Module2/Task_12/Task_12.pptx
+++ b/PracticeTasks/Module2/Task_12/Task_12.pptx
@@ -5,7 +5,7 @@
     <p:sldMasterId id="2147483659" r:id="rId1"/>
   </p:sldMasterIdLst>
   <p:notesMasterIdLst>
-    <p:notesMasterId r:id="rId9"/>
+    <p:notesMasterId r:id="rId10"/>
   </p:notesMasterIdLst>
   <p:sldIdLst>
     <p:sldId id="260" r:id="rId2"/>
@@ -13,8 +13,9 @@
     <p:sldId id="258" r:id="rId4"/>
     <p:sldId id="268" r:id="rId5"/>
     <p:sldId id="269" r:id="rId6"/>
-    <p:sldId id="270" r:id="rId7"/>
+    <p:sldId id="272" r:id="rId7"/>
     <p:sldId id="259" r:id="rId8"/>
+    <p:sldId id="271" r:id="rId9"/>
   </p:sldIdLst>
   <p:sldSz cx="9144000" cy="5143500" type="screen16x9"/>
   <p:notesSz cx="6858000" cy="9144000"/>
@@ -1341,7 +1342,7 @@
     </p:spTree>
     <p:extLst>
       <p:ext uri="{BB962C8B-B14F-4D97-AF65-F5344CB8AC3E}">
-        <p14:creationId xmlns:p14="http://schemas.microsoft.com/office/powerpoint/2010/main" val="2550223777"/>
+        <p14:creationId xmlns:p14="http://schemas.microsoft.com/office/powerpoint/2010/main" val="3171079399"/>
       </p:ext>
     </p:extLst>
   </p:cSld>
@@ -1448,6 +1449,115 @@
         </p:txBody>
       </p:sp>
     </p:spTree>
+  </p:cSld>
+  <p:clrMapOvr>
+    <a:masterClrMapping/>
+  </p:clrMapOvr>
+</p:notes>
+</file>
+
+<file path=ppt/notesSlides/notesSlide8.xml><?xml version="1.0" encoding="utf-8"?>
+<p:notes xmlns:a="http://schemas.openxmlformats.org/drawingml/2006/main" xmlns:r="http://schemas.openxmlformats.org/officeDocument/2006/relationships" xmlns:p="http://schemas.openxmlformats.org/presentationml/2006/main" showMasterSp="0" showMasterPhAnim="0">
+  <p:cSld>
+    <p:spTree>
+      <p:nvGrpSpPr>
+        <p:cNvPr id="1" name="Shape 68"/>
+        <p:cNvGrpSpPr/>
+        <p:nvPr/>
+      </p:nvGrpSpPr>
+      <p:grpSpPr>
+        <a:xfrm>
+          <a:off x="0" y="0"/>
+          <a:ext cx="0" cy="0"/>
+          <a:chOff x="0" y="0"/>
+          <a:chExt cx="0" cy="0"/>
+        </a:xfrm>
+      </p:grpSpPr>
+      <p:sp>
+        <p:nvSpPr>
+          <p:cNvPr id="69" name="Google Shape;69;gedd9ff9bd3_0_10:notes"/>
+          <p:cNvSpPr>
+            <a:spLocks noGrp="1" noRot="1" noChangeAspect="1"/>
+          </p:cNvSpPr>
+          <p:nvPr>
+            <p:ph type="sldImg" idx="2"/>
+          </p:nvPr>
+        </p:nvSpPr>
+        <p:spPr>
+          <a:xfrm>
+            <a:off x="381000" y="685800"/>
+            <a:ext cx="6096000" cy="3429000"/>
+          </a:xfrm>
+          <a:custGeom>
+            <a:avLst/>
+            <a:gdLst/>
+            <a:ahLst/>
+            <a:cxnLst/>
+            <a:rect l="l" t="t" r="r" b="b"/>
+            <a:pathLst>
+              <a:path w="120000" h="120000" extrusionOk="0">
+                <a:moveTo>
+                  <a:pt x="0" y="0"/>
+                </a:moveTo>
+                <a:lnTo>
+                  <a:pt x="120000" y="0"/>
+                </a:lnTo>
+                <a:lnTo>
+                  <a:pt x="120000" y="120000"/>
+                </a:lnTo>
+                <a:lnTo>
+                  <a:pt x="0" y="120000"/>
+                </a:lnTo>
+                <a:close/>
+              </a:path>
+            </a:pathLst>
+          </a:custGeom>
+        </p:spPr>
+      </p:sp>
+      <p:sp>
+        <p:nvSpPr>
+          <p:cNvPr id="70" name="Google Shape;70;gedd9ff9bd3_0_10:notes"/>
+          <p:cNvSpPr txBox="1">
+            <a:spLocks noGrp="1"/>
+          </p:cNvSpPr>
+          <p:nvPr>
+            <p:ph type="body" idx="1"/>
+          </p:nvPr>
+        </p:nvSpPr>
+        <p:spPr>
+          <a:xfrm>
+            <a:off x="685800" y="4343400"/>
+            <a:ext cx="5486400" cy="4114800"/>
+          </a:xfrm>
+          <a:prstGeom prst="rect">
+            <a:avLst/>
+          </a:prstGeom>
+        </p:spPr>
+        <p:txBody>
+          <a:bodyPr spcFirstLastPara="1" wrap="square" lIns="91425" tIns="91425" rIns="91425" bIns="91425" anchor="t" anchorCtr="0">
+            <a:noAutofit/>
+          </a:bodyPr>
+          <a:lstStyle/>
+          <a:p>
+            <a:pPr marL="0" lvl="0" indent="0" algn="l" rtl="0">
+              <a:spcBef>
+                <a:spcPts val="0"/>
+              </a:spcBef>
+              <a:spcAft>
+                <a:spcPts val="0"/>
+              </a:spcAft>
+              <a:buNone/>
+            </a:pPr>
+            <a:endParaRPr/>
+          </a:p>
+        </p:txBody>
+      </p:sp>
+    </p:spTree>
+    <p:extLst>
+      <p:ext uri="{BB962C8B-B14F-4D97-AF65-F5344CB8AC3E}">
+        <p14:creationId xmlns:p14="http://schemas.microsoft.com/office/powerpoint/2010/main" val="975586897"/>
+      </p:ext>
+    </p:extLst>
   </p:cSld>
   <p:clrMapOvr>
     <a:masterClrMapping/>
@@ -7523,6 +7633,45 @@
           <a:chExt cx="0" cy="0"/>
         </a:xfrm>
       </p:grpSpPr>
+      <p:pic>
+        <p:nvPicPr>
+          <p:cNvPr id="1026" name="Picture 2">
+            <a:extLst>
+              <a:ext uri="{FF2B5EF4-FFF2-40B4-BE49-F238E27FC236}">
+                <a16:creationId xmlns:a16="http://schemas.microsoft.com/office/drawing/2014/main" id="{8AC7236C-4398-4F60-AC57-9F1358A36B11}"/>
+              </a:ext>
+            </a:extLst>
+          </p:cNvPr>
+          <p:cNvPicPr>
+            <a:picLocks noChangeAspect="1" noChangeArrowheads="1"/>
+          </p:cNvPicPr>
+          <p:nvPr/>
+        </p:nvPicPr>
+        <p:blipFill>
+          <a:blip r:embed="rId3"/>
+          <a:srcRect/>
+          <a:stretch/>
+        </p:blipFill>
+        <p:spPr bwMode="auto">
+          <a:xfrm>
+            <a:off x="1824933" y="2741980"/>
+            <a:ext cx="7319067" cy="2173016"/>
+          </a:xfrm>
+          <a:prstGeom prst="rect">
+            <a:avLst/>
+          </a:prstGeom>
+          <a:noFill/>
+          <a:extLst>
+            <a:ext uri="{909E8E84-426E-40DD-AFC4-6F175D3DCCD1}">
+              <a14:hiddenFill xmlns:a14="http://schemas.microsoft.com/office/drawing/2010/main">
+                <a:solidFill>
+                  <a:srgbClr val="FFFFFF"/>
+                </a:solidFill>
+              </a14:hiddenFill>
+            </a:ext>
+          </a:extLst>
+        </p:spPr>
+      </p:pic>
       <p:sp>
         <p:nvSpPr>
           <p:cNvPr id="72" name="Google Shape;72;p16"/>
@@ -7560,7 +7709,7 @@
             <a:r>
               <a:rPr lang="en-GB" b="1" dirty="0">
                 <a:solidFill>
-                  <a:srgbClr val="FF0000"/>
+                  <a:schemeClr val="tx1"/>
                 </a:solidFill>
                 <a:effectLst>
                   <a:outerShdw blurRad="38100" dist="38100" dir="2700000" algn="tl">
@@ -7570,11 +7719,11 @@
                   </a:outerShdw>
                 </a:effectLst>
               </a:rPr>
-              <a:t>Design case &lt;4&gt; (UML2)</a:t>
+              <a:t>Design case for Authenticator</a:t>
             </a:r>
             <a:endParaRPr b="1" dirty="0">
               <a:solidFill>
-                <a:srgbClr val="FF0000"/>
+                <a:schemeClr val="tx1"/>
               </a:solidFill>
               <a:effectLst>
                 <a:outerShdw blurRad="38100" dist="38100" dir="2700000" algn="tl">
@@ -7599,8 +7748,8 @@
         </p:nvSpPr>
         <p:spPr>
           <a:xfrm>
-            <a:off x="311700" y="1152475"/>
-            <a:ext cx="3990600" cy="3416400"/>
+            <a:off x="269699" y="668381"/>
+            <a:ext cx="4476961" cy="3076625"/>
           </a:xfrm>
           <a:prstGeom prst="rect">
             <a:avLst/>
@@ -7622,34 +7771,50 @@
               <a:buNone/>
             </a:pPr>
             <a:r>
-              <a:rPr lang="en-GB" dirty="0"/>
-              <a:t>Problem: &lt;e.g. Support many </a:t>
+              <a:rPr lang="en-GB" dirty="0">
+                <a:solidFill>
+                  <a:schemeClr val="bg1">
+                    <a:lumMod val="50000"/>
+                  </a:schemeClr>
+                </a:solidFill>
+              </a:rPr>
+              <a:t>Problem: all auth-processes are implemented in </a:t>
             </a:r>
             <a:r>
-              <a:rPr lang="en-GB" dirty="0" err="1"/>
-              <a:t>dbms</a:t>
+              <a:rPr lang="en-GB" dirty="0" err="1">
+                <a:solidFill>
+                  <a:schemeClr val="bg1">
+                    <a:lumMod val="50000"/>
+                  </a:schemeClr>
+                </a:solidFill>
+              </a:rPr>
+              <a:t>AuthenticationProvider</a:t>
             </a:r>
-            <a:r>
-              <a:rPr lang="en-GB" dirty="0"/>
-              <a:t>, assign responsibility dynamically…. etc&gt;</a:t>
-            </a:r>
-            <a:endParaRPr dirty="0"/>
+            <a:endParaRPr lang="en-US" dirty="0">
+              <a:solidFill>
+                <a:schemeClr val="bg1">
+                  <a:lumMod val="50000"/>
+                </a:schemeClr>
+              </a:solidFill>
+            </a:endParaRPr>
           </a:p>
           <a:p>
             <a:pPr marL="0" lvl="0" indent="0" algn="l" rtl="0">
               <a:spcBef>
-                <a:spcPts val="1200"/>
+                <a:spcPts val="0"/>
               </a:spcBef>
               <a:spcAft>
                 <a:spcPts val="0"/>
               </a:spcAft>
               <a:buNone/>
             </a:pPr>
-            <a:r>
-              <a:rPr lang="en-GB" dirty="0"/>
-              <a:t>Solution: &lt;how solved, e.g. applied pattern, implemented SRP etc&gt;</a:t>
-            </a:r>
-            <a:endParaRPr dirty="0"/>
+            <a:endParaRPr dirty="0">
+              <a:solidFill>
+                <a:schemeClr val="bg1">
+                  <a:lumMod val="50000"/>
+                </a:schemeClr>
+              </a:solidFill>
+            </a:endParaRPr>
           </a:p>
           <a:p>
             <a:pPr marL="0" lvl="0" indent="0" algn="l" rtl="0">
@@ -7662,54 +7827,31 @@
               <a:buNone/>
             </a:pPr>
             <a:r>
-              <a:rPr lang="en-GB" dirty="0"/>
-              <a:t>&lt;Show UML2 structure and (if needed) </a:t>
+              <a:rPr lang="en-GB" dirty="0">
+                <a:solidFill>
+                  <a:schemeClr val="bg1">
+                    <a:lumMod val="50000"/>
+                  </a:schemeClr>
+                </a:solidFill>
+              </a:rPr>
+              <a:t>Solution: use Strategy pattern for separating different auth-protocols</a:t>
             </a:r>
-            <a:r>
-              <a:rPr lang="en-GB" dirty="0" err="1"/>
-              <a:t>behavior</a:t>
-            </a:r>
-            <a:r>
-              <a:rPr lang="en-GB" dirty="0"/>
-              <a:t> diagrams&gt;</a:t>
-            </a:r>
-            <a:endParaRPr dirty="0"/>
+            <a:endParaRPr dirty="0">
+              <a:solidFill>
+                <a:schemeClr val="bg1">
+                  <a:lumMod val="50000"/>
+                </a:schemeClr>
+              </a:solidFill>
+            </a:endParaRPr>
           </a:p>
         </p:txBody>
       </p:sp>
-      <p:pic>
-        <p:nvPicPr>
-          <p:cNvPr id="74" name="Google Shape;74;p16"/>
-          <p:cNvPicPr preferRelativeResize="0"/>
-          <p:nvPr/>
-        </p:nvPicPr>
-        <p:blipFill rotWithShape="1">
-          <a:blip r:embed="rId3">
-            <a:alphaModFix/>
-          </a:blip>
-          <a:srcRect l="34730" t="38994"/>
-          <a:stretch/>
-        </p:blipFill>
-        <p:spPr>
-          <a:xfrm>
-            <a:off x="4868900" y="1320350"/>
-            <a:ext cx="3483074" cy="1601725"/>
-          </a:xfrm>
-          <a:prstGeom prst="rect">
-            <a:avLst/>
-          </a:prstGeom>
-          <a:noFill/>
-          <a:ln>
-            <a:noFill/>
-          </a:ln>
-        </p:spPr>
-      </p:pic>
       <p:sp>
         <p:nvSpPr>
           <p:cNvPr id="2" name="Номер слайда 1">
             <a:extLst>
               <a:ext uri="{FF2B5EF4-FFF2-40B4-BE49-F238E27FC236}">
-                <a16:creationId xmlns:a16="http://schemas.microsoft.com/office/drawing/2014/main" id="{1E5B2D41-F297-46E4-A7B9-908CE9F4C28D}"/>
+                <a16:creationId xmlns:a16="http://schemas.microsoft.com/office/drawing/2014/main" id="{B15AE871-A583-4970-8328-B6A460023824}"/>
               </a:ext>
             </a:extLst>
           </p:cNvPr>
@@ -7745,7 +7887,7 @@
     </p:spTree>
     <p:extLst>
       <p:ext uri="{BB962C8B-B14F-4D97-AF65-F5344CB8AC3E}">
-        <p14:creationId xmlns:p14="http://schemas.microsoft.com/office/powerpoint/2010/main" val="3225736023"/>
+        <p14:creationId xmlns:p14="http://schemas.microsoft.com/office/powerpoint/2010/main" val="2024864728"/>
       </p:ext>
     </p:extLst>
   </p:cSld>
@@ -8034,6 +8176,298 @@
         </p:txBody>
       </p:sp>
     </p:spTree>
+  </p:cSld>
+  <p:clrMapOvr>
+    <a:masterClrMapping/>
+  </p:clrMapOvr>
+</p:sld>
+</file>
+
+<file path=ppt/slides/slide8.xml><?xml version="1.0" encoding="utf-8"?>
+<p:sld xmlns:a="http://schemas.openxmlformats.org/drawingml/2006/main" xmlns:r="http://schemas.openxmlformats.org/officeDocument/2006/relationships" xmlns:p="http://schemas.openxmlformats.org/presentationml/2006/main">
+  <p:cSld>
+    <p:spTree>
+      <p:nvGrpSpPr>
+        <p:cNvPr id="1" name="Shape 71"/>
+        <p:cNvGrpSpPr/>
+        <p:nvPr/>
+      </p:nvGrpSpPr>
+      <p:grpSpPr>
+        <a:xfrm>
+          <a:off x="0" y="0"/>
+          <a:ext cx="0" cy="0"/>
+          <a:chOff x="0" y="0"/>
+          <a:chExt cx="0" cy="0"/>
+        </a:xfrm>
+      </p:grpSpPr>
+      <p:sp>
+        <p:nvSpPr>
+          <p:cNvPr id="72" name="Google Shape;72;p16"/>
+          <p:cNvSpPr txBox="1">
+            <a:spLocks noGrp="1"/>
+          </p:cNvSpPr>
+          <p:nvPr>
+            <p:ph type="title"/>
+          </p:nvPr>
+        </p:nvSpPr>
+        <p:spPr>
+          <a:xfrm>
+            <a:off x="0" y="10531"/>
+            <a:ext cx="8520600" cy="572700"/>
+          </a:xfrm>
+          <a:prstGeom prst="rect">
+            <a:avLst/>
+          </a:prstGeom>
+        </p:spPr>
+        <p:txBody>
+          <a:bodyPr spcFirstLastPara="1" wrap="square" lIns="91425" tIns="91425" rIns="91425" bIns="91425" anchor="t" anchorCtr="0">
+            <a:noAutofit/>
+          </a:bodyPr>
+          <a:lstStyle/>
+          <a:p>
+            <a:pPr marL="0" lvl="0" indent="0" algn="l" rtl="0">
+              <a:spcBef>
+                <a:spcPts val="0"/>
+              </a:spcBef>
+              <a:spcAft>
+                <a:spcPts val="0"/>
+              </a:spcAft>
+              <a:buNone/>
+            </a:pPr>
+            <a:r>
+              <a:rPr lang="en-GB" b="1" dirty="0">
+                <a:solidFill>
+                  <a:schemeClr val="tx1"/>
+                </a:solidFill>
+                <a:effectLst>
+                  <a:outerShdw blurRad="38100" dist="38100" dir="2700000" algn="tl">
+                    <a:srgbClr val="000000">
+                      <a:alpha val="43137"/>
+                    </a:srgbClr>
+                  </a:outerShdw>
+                </a:effectLst>
+              </a:rPr>
+              <a:t>Design case of Service Deployer</a:t>
+            </a:r>
+            <a:endParaRPr b="1" dirty="0">
+              <a:solidFill>
+                <a:schemeClr val="tx1"/>
+              </a:solidFill>
+              <a:effectLst>
+                <a:outerShdw blurRad="38100" dist="38100" dir="2700000" algn="tl">
+                  <a:srgbClr val="000000">
+                    <a:alpha val="43137"/>
+                  </a:srgbClr>
+                </a:outerShdw>
+              </a:effectLst>
+            </a:endParaRPr>
+          </a:p>
+        </p:txBody>
+      </p:sp>
+      <p:sp>
+        <p:nvSpPr>
+          <p:cNvPr id="2" name="Номер слайда 1">
+            <a:extLst>
+              <a:ext uri="{FF2B5EF4-FFF2-40B4-BE49-F238E27FC236}">
+                <a16:creationId xmlns:a16="http://schemas.microsoft.com/office/drawing/2014/main" id="{CCF8C985-188F-4FA0-8D7B-4C048618B2F1}"/>
+              </a:ext>
+            </a:extLst>
+          </p:cNvPr>
+          <p:cNvSpPr>
+            <a:spLocks noGrp="1"/>
+          </p:cNvSpPr>
+          <p:nvPr>
+            <p:ph type="sldNum" idx="12"/>
+          </p:nvPr>
+        </p:nvSpPr>
+        <p:spPr/>
+        <p:txBody>
+          <a:bodyPr/>
+          <a:lstStyle/>
+          <a:p>
+            <a:pPr marL="0" lvl="0" indent="0" algn="r" rtl="0">
+              <a:spcBef>
+                <a:spcPts val="0"/>
+              </a:spcBef>
+              <a:spcAft>
+                <a:spcPts val="0"/>
+              </a:spcAft>
+              <a:buNone/>
+            </a:pPr>
+            <a:fld id="{00000000-1234-1234-1234-123412341234}" type="slidenum">
+              <a:rPr lang="en-GB" smtClean="0"/>
+              <a:t>8</a:t>
+            </a:fld>
+            <a:endParaRPr lang="en-GB"/>
+          </a:p>
+        </p:txBody>
+      </p:sp>
+      <p:pic>
+        <p:nvPicPr>
+          <p:cNvPr id="6" name="Picture 5">
+            <a:extLst>
+              <a:ext uri="{FF2B5EF4-FFF2-40B4-BE49-F238E27FC236}">
+                <a16:creationId xmlns:a16="http://schemas.microsoft.com/office/drawing/2014/main" id="{FD9F5773-8B1E-42C9-A714-ED751F17B937}"/>
+              </a:ext>
+            </a:extLst>
+          </p:cNvPr>
+          <p:cNvPicPr>
+            <a:picLocks noChangeAspect="1"/>
+          </p:cNvPicPr>
+          <p:nvPr/>
+        </p:nvPicPr>
+        <p:blipFill>
+          <a:blip r:embed="rId3"/>
+          <a:stretch>
+            <a:fillRect/>
+          </a:stretch>
+        </p:blipFill>
+        <p:spPr>
+          <a:xfrm>
+            <a:off x="0" y="2057610"/>
+            <a:ext cx="9144000" cy="2692938"/>
+          </a:xfrm>
+          <a:prstGeom prst="rect">
+            <a:avLst/>
+          </a:prstGeom>
+        </p:spPr>
+      </p:pic>
+      <p:sp>
+        <p:nvSpPr>
+          <p:cNvPr id="73" name="Google Shape;73;p16"/>
+          <p:cNvSpPr txBox="1">
+            <a:spLocks noGrp="1"/>
+          </p:cNvSpPr>
+          <p:nvPr>
+            <p:ph type="body" idx="1"/>
+          </p:nvPr>
+        </p:nvSpPr>
+        <p:spPr>
+          <a:xfrm>
+            <a:off x="116899" y="583231"/>
+            <a:ext cx="3990600" cy="2592344"/>
+          </a:xfrm>
+          <a:prstGeom prst="rect">
+            <a:avLst/>
+          </a:prstGeom>
+        </p:spPr>
+        <p:txBody>
+          <a:bodyPr spcFirstLastPara="1" wrap="square" lIns="91425" tIns="91425" rIns="91425" bIns="91425" anchor="t" anchorCtr="0">
+            <a:noAutofit/>
+          </a:bodyPr>
+          <a:lstStyle/>
+          <a:p>
+            <a:pPr marL="0" lvl="0" indent="0" algn="l" rtl="0">
+              <a:spcBef>
+                <a:spcPts val="0"/>
+              </a:spcBef>
+              <a:spcAft>
+                <a:spcPts val="0"/>
+              </a:spcAft>
+              <a:buNone/>
+            </a:pPr>
+            <a:r>
+              <a:rPr lang="en-GB" dirty="0">
+                <a:solidFill>
+                  <a:schemeClr val="bg1">
+                    <a:lumMod val="50000"/>
+                  </a:schemeClr>
+                </a:solidFill>
+              </a:rPr>
+              <a:t>Problems: applying for new deploy strategies requires changes in </a:t>
+            </a:r>
+            <a:r>
+              <a:rPr lang="en-GB" dirty="0" err="1">
+                <a:solidFill>
+                  <a:schemeClr val="bg1">
+                    <a:lumMod val="50000"/>
+                  </a:schemeClr>
+                </a:solidFill>
+              </a:rPr>
+              <a:t>ServiceDeployer</a:t>
+            </a:r>
+            <a:endParaRPr lang="en-GB" dirty="0">
+              <a:solidFill>
+                <a:schemeClr val="bg1">
+                  <a:lumMod val="50000"/>
+                </a:schemeClr>
+              </a:solidFill>
+            </a:endParaRPr>
+          </a:p>
+          <a:p>
+            <a:pPr marL="0" lvl="0" indent="0" algn="l" rtl="0">
+              <a:spcBef>
+                <a:spcPts val="0"/>
+              </a:spcBef>
+              <a:spcAft>
+                <a:spcPts val="0"/>
+              </a:spcAft>
+              <a:buNone/>
+            </a:pPr>
+            <a:endParaRPr lang="en-GB" dirty="0">
+              <a:solidFill>
+                <a:schemeClr val="bg1">
+                  <a:lumMod val="50000"/>
+                </a:schemeClr>
+              </a:solidFill>
+            </a:endParaRPr>
+          </a:p>
+          <a:p>
+            <a:pPr marL="0" lvl="0" indent="0" algn="l" rtl="0">
+              <a:spcBef>
+                <a:spcPts val="0"/>
+              </a:spcBef>
+              <a:spcAft>
+                <a:spcPts val="0"/>
+              </a:spcAft>
+              <a:buNone/>
+            </a:pPr>
+            <a:r>
+              <a:rPr lang="en-US" dirty="0">
+                <a:solidFill>
+                  <a:schemeClr val="bg1">
+                    <a:lumMod val="50000"/>
+                  </a:schemeClr>
+                </a:solidFill>
+              </a:rPr>
+              <a:t>Solutions: use Strategy pattern for </a:t>
+            </a:r>
+            <a:r>
+              <a:rPr lang="en-US" dirty="0" err="1">
+                <a:solidFill>
+                  <a:schemeClr val="bg1">
+                    <a:lumMod val="50000"/>
+                  </a:schemeClr>
+                </a:solidFill>
+              </a:rPr>
+              <a:t>Ideploy</a:t>
+            </a:r>
+            <a:r>
+              <a:rPr lang="en-US" dirty="0">
+                <a:solidFill>
+                  <a:schemeClr val="bg1">
+                    <a:lumMod val="50000"/>
+                  </a:schemeClr>
+                </a:solidFill>
+              </a:rPr>
+              <a:t> Strategy</a:t>
+            </a:r>
+            <a:endParaRPr dirty="0">
+              <a:solidFill>
+                <a:schemeClr val="bg1">
+                  <a:lumMod val="50000"/>
+                </a:schemeClr>
+              </a:solidFill>
+            </a:endParaRPr>
+          </a:p>
+        </p:txBody>
+      </p:sp>
+    </p:spTree>
+    <p:extLst>
+      <p:ext uri="{BB962C8B-B14F-4D97-AF65-F5344CB8AC3E}">
+        <p14:creationId xmlns:p14="http://schemas.microsoft.com/office/powerpoint/2010/main" val="3432105840"/>
+      </p:ext>
+    </p:extLst>
   </p:cSld>
   <p:clrMapOvr>
     <a:masterClrMapping/>

--- a/PracticeTasks/Module2/Task_12/Task_12.pptx
+++ b/PracticeTasks/Module2/Task_12/Task_12.pptx
@@ -5,17 +5,18 @@
     <p:sldMasterId id="2147483659" r:id="rId1"/>
   </p:sldMasterIdLst>
   <p:notesMasterIdLst>
-    <p:notesMasterId r:id="rId10"/>
+    <p:notesMasterId r:id="rId11"/>
   </p:notesMasterIdLst>
   <p:sldIdLst>
     <p:sldId id="260" r:id="rId2"/>
     <p:sldId id="267" r:id="rId3"/>
     <p:sldId id="258" r:id="rId4"/>
-    <p:sldId id="268" r:id="rId5"/>
-    <p:sldId id="269" r:id="rId6"/>
-    <p:sldId id="272" r:id="rId7"/>
-    <p:sldId id="259" r:id="rId8"/>
-    <p:sldId id="271" r:id="rId9"/>
+    <p:sldId id="273" r:id="rId5"/>
+    <p:sldId id="268" r:id="rId6"/>
+    <p:sldId id="269" r:id="rId7"/>
+    <p:sldId id="272" r:id="rId8"/>
+    <p:sldId id="259" r:id="rId9"/>
+    <p:sldId id="271" r:id="rId10"/>
   </p:sldIdLst>
   <p:sldSz cx="9144000" cy="5143500" type="screen16x9"/>
   <p:notesSz cx="6858000" cy="9144000"/>
@@ -1124,7 +1125,7 @@
     </p:spTree>
     <p:extLst>
       <p:ext uri="{BB962C8B-B14F-4D97-AF65-F5344CB8AC3E}">
-        <p14:creationId xmlns:p14="http://schemas.microsoft.com/office/powerpoint/2010/main" val="3954804260"/>
+        <p14:creationId xmlns:p14="http://schemas.microsoft.com/office/powerpoint/2010/main" val="3073451432"/>
       </p:ext>
     </p:extLst>
   </p:cSld>
@@ -1233,7 +1234,7 @@
     </p:spTree>
     <p:extLst>
       <p:ext uri="{BB962C8B-B14F-4D97-AF65-F5344CB8AC3E}">
-        <p14:creationId xmlns:p14="http://schemas.microsoft.com/office/powerpoint/2010/main" val="2415002513"/>
+        <p14:creationId xmlns:p14="http://schemas.microsoft.com/office/powerpoint/2010/main" val="3954804260"/>
       </p:ext>
     </p:extLst>
   </p:cSld>
@@ -1342,7 +1343,7 @@
     </p:spTree>
     <p:extLst>
       <p:ext uri="{BB962C8B-B14F-4D97-AF65-F5344CB8AC3E}">
-        <p14:creationId xmlns:p14="http://schemas.microsoft.com/office/powerpoint/2010/main" val="3171079399"/>
+        <p14:creationId xmlns:p14="http://schemas.microsoft.com/office/powerpoint/2010/main" val="2415002513"/>
       </p:ext>
     </p:extLst>
   </p:cSld>
@@ -1449,6 +1450,11 @@
         </p:txBody>
       </p:sp>
     </p:spTree>
+    <p:extLst>
+      <p:ext uri="{BB962C8B-B14F-4D97-AF65-F5344CB8AC3E}">
+        <p14:creationId xmlns:p14="http://schemas.microsoft.com/office/powerpoint/2010/main" val="3171079399"/>
+      </p:ext>
+    </p:extLst>
   </p:cSld>
   <p:clrMapOvr>
     <a:masterClrMapping/>
@@ -1457,6 +1463,110 @@
 </file>
 
 <file path=ppt/notesSlides/notesSlide8.xml><?xml version="1.0" encoding="utf-8"?>
+<p:notes xmlns:a="http://schemas.openxmlformats.org/drawingml/2006/main" xmlns:r="http://schemas.openxmlformats.org/officeDocument/2006/relationships" xmlns:p="http://schemas.openxmlformats.org/presentationml/2006/main" showMasterSp="0" showMasterPhAnim="0">
+  <p:cSld>
+    <p:spTree>
+      <p:nvGrpSpPr>
+        <p:cNvPr id="1" name="Shape 68"/>
+        <p:cNvGrpSpPr/>
+        <p:nvPr/>
+      </p:nvGrpSpPr>
+      <p:grpSpPr>
+        <a:xfrm>
+          <a:off x="0" y="0"/>
+          <a:ext cx="0" cy="0"/>
+          <a:chOff x="0" y="0"/>
+          <a:chExt cx="0" cy="0"/>
+        </a:xfrm>
+      </p:grpSpPr>
+      <p:sp>
+        <p:nvSpPr>
+          <p:cNvPr id="69" name="Google Shape;69;gedd9ff9bd3_0_10:notes"/>
+          <p:cNvSpPr>
+            <a:spLocks noGrp="1" noRot="1" noChangeAspect="1"/>
+          </p:cNvSpPr>
+          <p:nvPr>
+            <p:ph type="sldImg" idx="2"/>
+          </p:nvPr>
+        </p:nvSpPr>
+        <p:spPr>
+          <a:xfrm>
+            <a:off x="381000" y="685800"/>
+            <a:ext cx="6096000" cy="3429000"/>
+          </a:xfrm>
+          <a:custGeom>
+            <a:avLst/>
+            <a:gdLst/>
+            <a:ahLst/>
+            <a:cxnLst/>
+            <a:rect l="l" t="t" r="r" b="b"/>
+            <a:pathLst>
+              <a:path w="120000" h="120000" extrusionOk="0">
+                <a:moveTo>
+                  <a:pt x="0" y="0"/>
+                </a:moveTo>
+                <a:lnTo>
+                  <a:pt x="120000" y="0"/>
+                </a:lnTo>
+                <a:lnTo>
+                  <a:pt x="120000" y="120000"/>
+                </a:lnTo>
+                <a:lnTo>
+                  <a:pt x="0" y="120000"/>
+                </a:lnTo>
+                <a:close/>
+              </a:path>
+            </a:pathLst>
+          </a:custGeom>
+        </p:spPr>
+      </p:sp>
+      <p:sp>
+        <p:nvSpPr>
+          <p:cNvPr id="70" name="Google Shape;70;gedd9ff9bd3_0_10:notes"/>
+          <p:cNvSpPr txBox="1">
+            <a:spLocks noGrp="1"/>
+          </p:cNvSpPr>
+          <p:nvPr>
+            <p:ph type="body" idx="1"/>
+          </p:nvPr>
+        </p:nvSpPr>
+        <p:spPr>
+          <a:xfrm>
+            <a:off x="685800" y="4343400"/>
+            <a:ext cx="5486400" cy="4114800"/>
+          </a:xfrm>
+          <a:prstGeom prst="rect">
+            <a:avLst/>
+          </a:prstGeom>
+        </p:spPr>
+        <p:txBody>
+          <a:bodyPr spcFirstLastPara="1" wrap="square" lIns="91425" tIns="91425" rIns="91425" bIns="91425" anchor="t" anchorCtr="0">
+            <a:noAutofit/>
+          </a:bodyPr>
+          <a:lstStyle/>
+          <a:p>
+            <a:pPr marL="0" lvl="0" indent="0" algn="l" rtl="0">
+              <a:spcBef>
+                <a:spcPts val="0"/>
+              </a:spcBef>
+              <a:spcAft>
+                <a:spcPts val="0"/>
+              </a:spcAft>
+              <a:buNone/>
+            </a:pPr>
+            <a:endParaRPr/>
+          </a:p>
+        </p:txBody>
+      </p:sp>
+    </p:spTree>
+  </p:cSld>
+  <p:clrMapOvr>
+    <a:masterClrMapping/>
+  </p:clrMapOvr>
+</p:notes>
+</file>
+
+<file path=ppt/notesSlides/notesSlide9.xml><?xml version="1.0" encoding="utf-8"?>
 <p:notes xmlns:a="http://schemas.openxmlformats.org/drawingml/2006/main" xmlns:r="http://schemas.openxmlformats.org/officeDocument/2006/relationships" xmlns:p="http://schemas.openxmlformats.org/presentationml/2006/main" showMasterSp="0" showMasterPhAnim="0">
   <p:cSld>
     <p:spTree>
@@ -7052,10 +7162,10 @@
       </p:grpSpPr>
       <p:pic>
         <p:nvPicPr>
-          <p:cNvPr id="1026" name="Picture 2">
+          <p:cNvPr id="3" name="Picture 2">
             <a:extLst>
               <a:ext uri="{FF2B5EF4-FFF2-40B4-BE49-F238E27FC236}">
-                <a16:creationId xmlns:a16="http://schemas.microsoft.com/office/drawing/2014/main" id="{3A857196-0038-484D-BFE7-822F8BEF4B90}"/>
+                <a16:creationId xmlns:a16="http://schemas.microsoft.com/office/drawing/2014/main" id="{4BE8F3E5-BAB9-40CD-B2F1-5013CF0F9B7D}"/>
               </a:ext>
             </a:extLst>
           </p:cNvPr>
@@ -7071,8 +7181,8 @@
         </p:blipFill>
         <p:spPr bwMode="auto">
           <a:xfrm>
-            <a:off x="33282" y="2070847"/>
-            <a:ext cx="9077435" cy="2763369"/>
+            <a:off x="979511" y="1730735"/>
+            <a:ext cx="7706180" cy="2939328"/>
           </a:xfrm>
           <a:prstGeom prst="rect">
             <a:avLst/>
@@ -7210,7 +7320,7 @@
                   </a:schemeClr>
                 </a:solidFill>
               </a:rPr>
-              <a:t>Problems: </a:t>
+              <a:t>Problems:</a:t>
             </a:r>
             <a:r>
               <a:rPr lang="en-US" dirty="0">
@@ -7220,27 +7330,7 @@
                   </a:schemeClr>
                 </a:solidFill>
               </a:rPr>
-              <a:t>strong dependency on Kubernetes, </a:t>
-            </a:r>
-            <a:r>
-              <a:rPr lang="en-US" dirty="0" err="1">
-                <a:solidFill>
-                  <a:schemeClr val="bg1">
-                    <a:lumMod val="50000"/>
-                  </a:schemeClr>
-                </a:solidFill>
-              </a:rPr>
-              <a:t>OpenAPI</a:t>
-            </a:r>
-            <a:r>
-              <a:rPr lang="en-US" dirty="0">
-                <a:solidFill>
-                  <a:schemeClr val="bg1">
-                    <a:lumMod val="50000"/>
-                  </a:schemeClr>
-                </a:solidFill>
-              </a:rPr>
-              <a:t> schemas, many functions for one class</a:t>
+              <a:t> many functions for one class</a:t>
             </a:r>
           </a:p>
           <a:p>
@@ -7279,7 +7369,7 @@
                   </a:schemeClr>
                 </a:solidFill>
               </a:rPr>
-              <a:t>Solutions: use Strategy and Adapter patterns and delegate some functions</a:t>
+              <a:t>Solutions: use SRP and DI principles</a:t>
             </a:r>
             <a:endParaRPr dirty="0">
               <a:solidFill>
@@ -7332,6 +7422,315 @@
     </p:spTree>
     <p:extLst>
       <p:ext uri="{BB962C8B-B14F-4D97-AF65-F5344CB8AC3E}">
+        <p14:creationId xmlns:p14="http://schemas.microsoft.com/office/powerpoint/2010/main" val="1420188592"/>
+      </p:ext>
+    </p:extLst>
+  </p:cSld>
+  <p:clrMapOvr>
+    <a:masterClrMapping/>
+  </p:clrMapOvr>
+</p:sld>
+</file>
+
+<file path=ppt/slides/slide5.xml><?xml version="1.0" encoding="utf-8"?>
+<p:sld xmlns:a="http://schemas.openxmlformats.org/drawingml/2006/main" xmlns:r="http://schemas.openxmlformats.org/officeDocument/2006/relationships" xmlns:p="http://schemas.openxmlformats.org/presentationml/2006/main">
+  <p:cSld>
+    <p:spTree>
+      <p:nvGrpSpPr>
+        <p:cNvPr id="1" name="Shape 71"/>
+        <p:cNvGrpSpPr/>
+        <p:nvPr/>
+      </p:nvGrpSpPr>
+      <p:grpSpPr>
+        <a:xfrm>
+          <a:off x="0" y="0"/>
+          <a:ext cx="0" cy="0"/>
+          <a:chOff x="0" y="0"/>
+          <a:chExt cx="0" cy="0"/>
+        </a:xfrm>
+      </p:grpSpPr>
+      <p:pic>
+        <p:nvPicPr>
+          <p:cNvPr id="1026" name="Picture 2">
+            <a:extLst>
+              <a:ext uri="{FF2B5EF4-FFF2-40B4-BE49-F238E27FC236}">
+                <a16:creationId xmlns:a16="http://schemas.microsoft.com/office/drawing/2014/main" id="{3A857196-0038-484D-BFE7-822F8BEF4B90}"/>
+              </a:ext>
+            </a:extLst>
+          </p:cNvPr>
+          <p:cNvPicPr>
+            <a:picLocks noChangeAspect="1" noChangeArrowheads="1"/>
+          </p:cNvPicPr>
+          <p:nvPr/>
+        </p:nvPicPr>
+        <p:blipFill>
+          <a:blip r:embed="rId3"/>
+          <a:srcRect/>
+          <a:stretch/>
+        </p:blipFill>
+        <p:spPr bwMode="auto">
+          <a:xfrm>
+            <a:off x="0" y="2678945"/>
+            <a:ext cx="9077435" cy="1816345"/>
+          </a:xfrm>
+          <a:prstGeom prst="rect">
+            <a:avLst/>
+          </a:prstGeom>
+          <a:noFill/>
+          <a:extLst>
+            <a:ext uri="{909E8E84-426E-40DD-AFC4-6F175D3DCCD1}">
+              <a14:hiddenFill xmlns:a14="http://schemas.microsoft.com/office/drawing/2010/main">
+                <a:solidFill>
+                  <a:srgbClr val="FFFFFF"/>
+                </a:solidFill>
+              </a14:hiddenFill>
+            </a:ext>
+          </a:extLst>
+        </p:spPr>
+      </p:pic>
+      <p:sp>
+        <p:nvSpPr>
+          <p:cNvPr id="72" name="Google Shape;72;p16"/>
+          <p:cNvSpPr txBox="1">
+            <a:spLocks noGrp="1"/>
+          </p:cNvSpPr>
+          <p:nvPr>
+            <p:ph type="title"/>
+          </p:nvPr>
+        </p:nvSpPr>
+        <p:spPr>
+          <a:xfrm>
+            <a:off x="0" y="-4799"/>
+            <a:ext cx="8520600" cy="572700"/>
+          </a:xfrm>
+          <a:prstGeom prst="rect">
+            <a:avLst/>
+          </a:prstGeom>
+        </p:spPr>
+        <p:txBody>
+          <a:bodyPr spcFirstLastPara="1" wrap="square" lIns="91425" tIns="91425" rIns="91425" bIns="91425" anchor="t" anchorCtr="0">
+            <a:noAutofit/>
+          </a:bodyPr>
+          <a:lstStyle/>
+          <a:p>
+            <a:pPr marL="0" lvl="0" indent="0" algn="l" rtl="0">
+              <a:spcBef>
+                <a:spcPts val="0"/>
+              </a:spcBef>
+              <a:spcAft>
+                <a:spcPts val="0"/>
+              </a:spcAft>
+              <a:buNone/>
+            </a:pPr>
+            <a:r>
+              <a:rPr lang="en-GB" b="1" dirty="0">
+                <a:solidFill>
+                  <a:schemeClr val="tx1"/>
+                </a:solidFill>
+                <a:effectLst>
+                  <a:outerShdw blurRad="38100" dist="38100" dir="2700000" algn="tl">
+                    <a:srgbClr val="000000">
+                      <a:alpha val="43137"/>
+                    </a:srgbClr>
+                  </a:outerShdw>
+                </a:effectLst>
+              </a:rPr>
+              <a:t>Design case for </a:t>
+            </a:r>
+            <a:r>
+              <a:rPr lang="en-GB" b="1" dirty="0" err="1">
+                <a:solidFill>
+                  <a:schemeClr val="tx1"/>
+                </a:solidFill>
+                <a:effectLst>
+                  <a:outerShdw blurRad="38100" dist="38100" dir="2700000" algn="tl">
+                    <a:srgbClr val="000000">
+                      <a:alpha val="43137"/>
+                    </a:srgbClr>
+                  </a:outerShdw>
+                </a:effectLst>
+              </a:rPr>
+              <a:t>RequestRouter</a:t>
+            </a:r>
+            <a:endParaRPr b="1" dirty="0">
+              <a:solidFill>
+                <a:schemeClr val="tx1"/>
+              </a:solidFill>
+              <a:effectLst>
+                <a:outerShdw blurRad="38100" dist="38100" dir="2700000" algn="tl">
+                  <a:srgbClr val="000000">
+                    <a:alpha val="43137"/>
+                  </a:srgbClr>
+                </a:outerShdw>
+              </a:effectLst>
+            </a:endParaRPr>
+          </a:p>
+        </p:txBody>
+      </p:sp>
+      <p:sp>
+        <p:nvSpPr>
+          <p:cNvPr id="73" name="Google Shape;73;p16"/>
+          <p:cNvSpPr txBox="1">
+            <a:spLocks noGrp="1"/>
+          </p:cNvSpPr>
+          <p:nvPr>
+            <p:ph type="body" idx="1"/>
+          </p:nvPr>
+        </p:nvSpPr>
+        <p:spPr>
+          <a:xfrm>
+            <a:off x="163782" y="648210"/>
+            <a:ext cx="3990600" cy="2552189"/>
+          </a:xfrm>
+          <a:prstGeom prst="rect">
+            <a:avLst/>
+          </a:prstGeom>
+        </p:spPr>
+        <p:txBody>
+          <a:bodyPr spcFirstLastPara="1" wrap="square" lIns="91425" tIns="91425" rIns="91425" bIns="91425" anchor="t" anchorCtr="0">
+            <a:noAutofit/>
+          </a:bodyPr>
+          <a:lstStyle/>
+          <a:p>
+            <a:pPr marL="0" lvl="0" indent="0" algn="l" rtl="0">
+              <a:spcBef>
+                <a:spcPts val="0"/>
+              </a:spcBef>
+              <a:spcAft>
+                <a:spcPts val="0"/>
+              </a:spcAft>
+              <a:buNone/>
+            </a:pPr>
+            <a:r>
+              <a:rPr lang="en-GB" dirty="0">
+                <a:solidFill>
+                  <a:schemeClr val="bg1">
+                    <a:lumMod val="50000"/>
+                  </a:schemeClr>
+                </a:solidFill>
+              </a:rPr>
+              <a:t>Problems: </a:t>
+            </a:r>
+            <a:r>
+              <a:rPr lang="en-US" dirty="0">
+                <a:solidFill>
+                  <a:schemeClr val="bg1">
+                    <a:lumMod val="50000"/>
+                  </a:schemeClr>
+                </a:solidFill>
+              </a:rPr>
+              <a:t>strong dependency on Kubernetes, </a:t>
+            </a:r>
+            <a:r>
+              <a:rPr lang="en-US" dirty="0" err="1">
+                <a:solidFill>
+                  <a:schemeClr val="bg1">
+                    <a:lumMod val="50000"/>
+                  </a:schemeClr>
+                </a:solidFill>
+              </a:rPr>
+              <a:t>OpenAPI</a:t>
+            </a:r>
+            <a:r>
+              <a:rPr lang="en-US" dirty="0">
+                <a:solidFill>
+                  <a:schemeClr val="bg1">
+                    <a:lumMod val="50000"/>
+                  </a:schemeClr>
+                </a:solidFill>
+              </a:rPr>
+              <a:t> schemas, cache storage</a:t>
+            </a:r>
+          </a:p>
+          <a:p>
+            <a:pPr marL="0" lvl="0" indent="0" algn="l" rtl="0">
+              <a:spcBef>
+                <a:spcPts val="0"/>
+              </a:spcBef>
+              <a:spcAft>
+                <a:spcPts val="0"/>
+              </a:spcAft>
+              <a:buNone/>
+            </a:pPr>
+            <a:endParaRPr dirty="0">
+              <a:solidFill>
+                <a:schemeClr val="bg1">
+                  <a:lumMod val="50000"/>
+                </a:schemeClr>
+              </a:solidFill>
+            </a:endParaRPr>
+          </a:p>
+          <a:p>
+            <a:pPr marL="0" lvl="0" indent="0" algn="l" rtl="0">
+              <a:spcBef>
+                <a:spcPts val="1200"/>
+              </a:spcBef>
+              <a:spcAft>
+                <a:spcPts val="0"/>
+              </a:spcAft>
+              <a:buNone/>
+            </a:pPr>
+            <a:r>
+              <a:rPr lang="en-GB" dirty="0">
+                <a:solidFill>
+                  <a:schemeClr val="bg1">
+                    <a:lumMod val="50000"/>
+                  </a:schemeClr>
+                </a:solidFill>
+              </a:rPr>
+              <a:t>Solutions: use Strategy and Adapter patterns</a:t>
+            </a:r>
+            <a:endParaRPr dirty="0">
+              <a:solidFill>
+                <a:schemeClr val="bg1">
+                  <a:lumMod val="50000"/>
+                </a:schemeClr>
+              </a:solidFill>
+            </a:endParaRPr>
+          </a:p>
+        </p:txBody>
+      </p:sp>
+      <p:sp>
+        <p:nvSpPr>
+          <p:cNvPr id="2" name="Номер слайда 1">
+            <a:extLst>
+              <a:ext uri="{FF2B5EF4-FFF2-40B4-BE49-F238E27FC236}">
+                <a16:creationId xmlns:a16="http://schemas.microsoft.com/office/drawing/2014/main" id="{28C48E86-CE85-4322-B2F3-5074156B1600}"/>
+              </a:ext>
+            </a:extLst>
+          </p:cNvPr>
+          <p:cNvSpPr>
+            <a:spLocks noGrp="1"/>
+          </p:cNvSpPr>
+          <p:nvPr>
+            <p:ph type="sldNum" idx="12"/>
+          </p:nvPr>
+        </p:nvSpPr>
+        <p:spPr/>
+        <p:txBody>
+          <a:bodyPr/>
+          <a:lstStyle/>
+          <a:p>
+            <a:pPr marL="0" lvl="0" indent="0" algn="r" rtl="0">
+              <a:spcBef>
+                <a:spcPts val="0"/>
+              </a:spcBef>
+              <a:spcAft>
+                <a:spcPts val="0"/>
+              </a:spcAft>
+              <a:buNone/>
+            </a:pPr>
+            <a:fld id="{00000000-1234-1234-1234-123412341234}" type="slidenum">
+              <a:rPr lang="en-GB" smtClean="0"/>
+              <a:t>5</a:t>
+            </a:fld>
+            <a:endParaRPr lang="en-GB"/>
+          </a:p>
+        </p:txBody>
+      </p:sp>
+    </p:spTree>
+    <p:extLst>
+      <p:ext uri="{BB962C8B-B14F-4D97-AF65-F5344CB8AC3E}">
         <p14:creationId xmlns:p14="http://schemas.microsoft.com/office/powerpoint/2010/main" val="826294762"/>
       </p:ext>
     </p:extLst>
@@ -7342,7 +7741,7 @@
 </p:sld>
 </file>
 
-<file path=ppt/slides/slide5.xml><?xml version="1.0" encoding="utf-8"?>
+<file path=ppt/slides/slide6.xml><?xml version="1.0" encoding="utf-8"?>
 <p:sld xmlns:a="http://schemas.openxmlformats.org/drawingml/2006/main" xmlns:r="http://schemas.openxmlformats.org/officeDocument/2006/relationships" xmlns:p="http://schemas.openxmlformats.org/presentationml/2006/main">
   <p:cSld>
     <p:spTree>
@@ -7597,7 +7996,7 @@
             </a:pPr>
             <a:fld id="{00000000-1234-1234-1234-123412341234}" type="slidenum">
               <a:rPr lang="en-GB" smtClean="0"/>
-              <a:t>5</a:t>
+              <a:t>6</a:t>
             </a:fld>
             <a:endParaRPr lang="en-GB"/>
           </a:p>
@@ -7616,7 +8015,7 @@
 </p:sld>
 </file>
 
-<file path=ppt/slides/slide6.xml><?xml version="1.0" encoding="utf-8"?>
+<file path=ppt/slides/slide7.xml><?xml version="1.0" encoding="utf-8"?>
 <p:sld xmlns:a="http://schemas.openxmlformats.org/drawingml/2006/main" xmlns:r="http://schemas.openxmlformats.org/officeDocument/2006/relationships" xmlns:p="http://schemas.openxmlformats.org/presentationml/2006/main">
   <p:cSld>
     <p:spTree>
@@ -7878,7 +8277,7 @@
             </a:pPr>
             <a:fld id="{00000000-1234-1234-1234-123412341234}" type="slidenum">
               <a:rPr lang="en-GB" smtClean="0"/>
-              <a:t>6</a:t>
+              <a:t>7</a:t>
             </a:fld>
             <a:endParaRPr lang="en-GB"/>
           </a:p>
@@ -7897,7 +8296,7 @@
 </p:sld>
 </file>
 
-<file path=ppt/slides/slide7.xml><?xml version="1.0" encoding="utf-8"?>
+<file path=ppt/slides/slide8.xml><?xml version="1.0" encoding="utf-8"?>
 <p:sld xmlns:a="http://schemas.openxmlformats.org/drawingml/2006/main" xmlns:r="http://schemas.openxmlformats.org/officeDocument/2006/relationships" xmlns:p="http://schemas.openxmlformats.org/presentationml/2006/main">
   <p:cSld>
     <p:spTree>
@@ -8169,7 +8568,7 @@
             </a:pPr>
             <a:fld id="{00000000-1234-1234-1234-123412341234}" type="slidenum">
               <a:rPr lang="en-GB" smtClean="0"/>
-              <a:t>7</a:t>
+              <a:t>8</a:t>
             </a:fld>
             <a:endParaRPr lang="en-GB"/>
           </a:p>
@@ -8183,7 +8582,7 @@
 </p:sld>
 </file>
 
-<file path=ppt/slides/slide8.xml><?xml version="1.0" encoding="utf-8"?>
+<file path=ppt/slides/slide9.xml><?xml version="1.0" encoding="utf-8"?>
 <p:sld xmlns:a="http://schemas.openxmlformats.org/drawingml/2006/main" xmlns:r="http://schemas.openxmlformats.org/officeDocument/2006/relationships" xmlns:p="http://schemas.openxmlformats.org/presentationml/2006/main">
   <p:cSld>
     <p:spTree>
@@ -8296,7 +8695,7 @@
             </a:pPr>
             <a:fld id="{00000000-1234-1234-1234-123412341234}" type="slidenum">
               <a:rPr lang="en-GB" smtClean="0"/>
-              <a:t>8</a:t>
+              <a:t>9</a:t>
             </a:fld>
             <a:endParaRPr lang="en-GB"/>
           </a:p>

--- a/PracticeTasks/Module2/Task_12/Task_12.pptx
+++ b/PracticeTasks/Module2/Task_12/Task_12.pptx
@@ -7181,8 +7181,8 @@
         </p:blipFill>
         <p:spPr bwMode="auto">
           <a:xfrm>
-            <a:off x="979511" y="1730735"/>
-            <a:ext cx="7706180" cy="2939328"/>
+            <a:off x="1776201" y="1555962"/>
+            <a:ext cx="6906175" cy="2939328"/>
           </a:xfrm>
           <a:prstGeom prst="rect">
             <a:avLst/>
@@ -7369,7 +7369,17 @@
                   </a:schemeClr>
                 </a:solidFill>
               </a:rPr>
-              <a:t>Solutions: use SRP and DI principles</a:t>
+              <a:t>Solutions: use SRP and DI principles </a:t>
+            </a:r>
+            <a:r>
+              <a:rPr lang="en-US" dirty="0">
+                <a:solidFill>
+                  <a:schemeClr val="bg1">
+                    <a:lumMod val="50000"/>
+                  </a:schemeClr>
+                </a:solidFill>
+              </a:rPr>
+              <a:t>to delegate functions</a:t>
             </a:r>
             <a:endParaRPr dirty="0">
               <a:solidFill>
@@ -7470,8 +7480,8 @@
         </p:blipFill>
         <p:spPr bwMode="auto">
           <a:xfrm>
-            <a:off x="0" y="2678945"/>
-            <a:ext cx="9077435" cy="1816345"/>
+            <a:off x="4418" y="2467535"/>
+            <a:ext cx="9081940" cy="2027756"/>
           </a:xfrm>
           <a:prstGeom prst="rect">
             <a:avLst/>
@@ -8334,8 +8344,8 @@
         </p:blipFill>
         <p:spPr bwMode="auto">
           <a:xfrm>
-            <a:off x="695" y="1606923"/>
-            <a:ext cx="9145911" cy="3106271"/>
+            <a:off x="3752881" y="1506070"/>
+            <a:ext cx="4993927" cy="3106271"/>
           </a:xfrm>
           <a:prstGeom prst="rect">
             <a:avLst/>
@@ -8468,7 +8478,7 @@
                   </a:schemeClr>
                 </a:solidFill>
               </a:rPr>
-              <a:t>need to work with different data (source code from repo or CRD), strong dependency on repo and Kubernetes</a:t>
+              <a:t>implements many functions</a:t>
             </a:r>
             <a:endParaRPr lang="ru-RU" dirty="0">
               <a:solidFill>
@@ -8524,7 +8534,7 @@
                   </a:schemeClr>
                 </a:solidFill>
               </a:rPr>
-              <a:t>use Dependency inversion and Adapters design patterns</a:t>
+              <a:t>use SRP and DI principles to delegate functions</a:t>
             </a:r>
             <a:endParaRPr dirty="0">
               <a:solidFill>
@@ -8717,14 +8727,13 @@
         </p:nvPicPr>
         <p:blipFill>
           <a:blip r:embed="rId3"/>
-          <a:stretch>
-            <a:fillRect/>
-          </a:stretch>
+          <a:srcRect/>
+          <a:stretch/>
         </p:blipFill>
         <p:spPr>
           <a:xfrm>
-            <a:off x="0" y="2057610"/>
-            <a:ext cx="9144000" cy="2692938"/>
+            <a:off x="0" y="2335912"/>
+            <a:ext cx="9144000" cy="2136333"/>
           </a:xfrm>
           <a:prstGeom prst="rect">
             <a:avLst/>
@@ -8744,7 +8753,7 @@
         <p:spPr>
           <a:xfrm>
             <a:off x="116899" y="583231"/>
-            <a:ext cx="3990600" cy="2592344"/>
+            <a:ext cx="3990600" cy="2220481"/>
           </a:xfrm>
           <a:prstGeom prst="rect">
             <a:avLst/>
@@ -8773,7 +8782,7 @@
                   </a:schemeClr>
                 </a:solidFill>
               </a:rPr>
-              <a:t>Problems: applying for new deploy strategies requires changes in </a:t>
+              <a:t>Problems: new deploy strategies require changes in </a:t>
             </a:r>
             <a:r>
               <a:rPr lang="en-GB" dirty="0" err="1">
@@ -8785,79 +8794,86 @@
               </a:rPr>
               <a:t>ServiceDeployer</a:t>
             </a:r>
-            <a:endParaRPr lang="en-GB" dirty="0">
-              <a:solidFill>
-                <a:schemeClr val="bg1">
-                  <a:lumMod val="50000"/>
-                </a:schemeClr>
-              </a:solidFill>
-            </a:endParaRPr>
-          </a:p>
-          <a:p>
-            <a:pPr marL="0" lvl="0" indent="0" algn="l" rtl="0">
-              <a:spcBef>
-                <a:spcPts val="0"/>
-              </a:spcBef>
-              <a:spcAft>
-                <a:spcPts val="0"/>
-              </a:spcAft>
-              <a:buNone/>
-            </a:pPr>
-            <a:endParaRPr lang="en-GB" dirty="0">
-              <a:solidFill>
-                <a:schemeClr val="bg1">
-                  <a:lumMod val="50000"/>
-                </a:schemeClr>
-              </a:solidFill>
-            </a:endParaRPr>
-          </a:p>
-          <a:p>
-            <a:pPr marL="0" lvl="0" indent="0" algn="l" rtl="0">
-              <a:spcBef>
-                <a:spcPts val="0"/>
-              </a:spcBef>
-              <a:spcAft>
-                <a:spcPts val="0"/>
-              </a:spcAft>
-              <a:buNone/>
-            </a:pPr>
             <a:r>
-              <a:rPr lang="en-US" dirty="0">
+              <a:rPr lang="en-GB" dirty="0">
                 <a:solidFill>
                   <a:schemeClr val="bg1">
                     <a:lumMod val="50000"/>
                   </a:schemeClr>
                 </a:solidFill>
               </a:rPr>
-              <a:t>Solutions: use Strategy pattern for </a:t>
+              <a:t>; </a:t>
             </a:r>
             <a:r>
-              <a:rPr lang="en-US" dirty="0" err="1">
+              <a:rPr lang="en-GB" dirty="0" err="1">
                 <a:solidFill>
                   <a:schemeClr val="bg1">
                     <a:lumMod val="50000"/>
                   </a:schemeClr>
                 </a:solidFill>
               </a:rPr>
-              <a:t>Ideploy</a:t>
+              <a:t>ServiceDeployer</a:t>
             </a:r>
             <a:r>
-              <a:rPr lang="en-US" dirty="0">
+              <a:rPr lang="en-GB" dirty="0">
                 <a:solidFill>
                   <a:schemeClr val="bg1">
                     <a:lumMod val="50000"/>
                   </a:schemeClr>
                 </a:solidFill>
               </a:rPr>
-              <a:t> Strategy</a:t>
+              <a:t> can work with different data, repository or orchestrator</a:t>
             </a:r>
-            <a:endParaRPr dirty="0">
-              <a:solidFill>
-                <a:schemeClr val="bg1">
-                  <a:lumMod val="50000"/>
-                </a:schemeClr>
-              </a:solidFill>
-            </a:endParaRPr>
+          </a:p>
+        </p:txBody>
+      </p:sp>
+      <p:sp>
+        <p:nvSpPr>
+          <p:cNvPr id="7" name="TextBox 6">
+            <a:extLst>
+              <a:ext uri="{FF2B5EF4-FFF2-40B4-BE49-F238E27FC236}">
+                <a16:creationId xmlns:a16="http://schemas.microsoft.com/office/drawing/2014/main" id="{AEF34781-237A-42D9-B366-DCA2304439B3}"/>
+              </a:ext>
+            </a:extLst>
+          </p:cNvPr>
+          <p:cNvSpPr txBox="1"/>
+          <p:nvPr/>
+        </p:nvSpPr>
+        <p:spPr>
+          <a:xfrm>
+            <a:off x="4572000" y="1073155"/>
+            <a:ext cx="4635872" cy="646331"/>
+          </a:xfrm>
+          <a:prstGeom prst="rect">
+            <a:avLst/>
+          </a:prstGeom>
+          <a:noFill/>
+        </p:spPr>
+        <p:txBody>
+          <a:bodyPr wrap="square">
+            <a:spAutoFit/>
+          </a:bodyPr>
+          <a:lstStyle/>
+          <a:p>
+            <a:pPr marL="0" lvl="0" indent="0" algn="l" rtl="0">
+              <a:spcBef>
+                <a:spcPts val="0"/>
+              </a:spcBef>
+              <a:spcAft>
+                <a:spcPts val="0"/>
+              </a:spcAft>
+              <a:buNone/>
+            </a:pPr>
+            <a:r>
+              <a:rPr lang="en-US" sz="1800" dirty="0">
+                <a:solidFill>
+                  <a:schemeClr val="bg1">
+                    <a:lumMod val="50000"/>
+                  </a:schemeClr>
+                </a:solidFill>
+              </a:rPr>
+              <a:t>Solutions: use DI principle, Adapter and Strategy patterns</a:t>
+            </a:r>
           </a:p>
         </p:txBody>
       </p:sp>

--- a/PracticeTasks/Module2/Task_12/Task_12.pptx
+++ b/PracticeTasks/Module2/Task_12/Task_12.pptx
@@ -5,7 +5,7 @@
     <p:sldMasterId id="2147483659" r:id="rId1"/>
   </p:sldMasterIdLst>
   <p:notesMasterIdLst>
-    <p:notesMasterId r:id="rId11"/>
+    <p:notesMasterId r:id="rId10"/>
   </p:notesMasterIdLst>
   <p:sldIdLst>
     <p:sldId id="260" r:id="rId2"/>
@@ -13,10 +13,9 @@
     <p:sldId id="258" r:id="rId4"/>
     <p:sldId id="273" r:id="rId5"/>
     <p:sldId id="268" r:id="rId6"/>
-    <p:sldId id="269" r:id="rId7"/>
-    <p:sldId id="272" r:id="rId8"/>
-    <p:sldId id="259" r:id="rId9"/>
-    <p:sldId id="271" r:id="rId10"/>
+    <p:sldId id="274" r:id="rId7"/>
+    <p:sldId id="259" r:id="rId8"/>
+    <p:sldId id="271" r:id="rId9"/>
   </p:sldIdLst>
   <p:sldSz cx="9144000" cy="5143500" type="screen16x9"/>
   <p:notesSz cx="6858000" cy="9144000"/>
@@ -1343,7 +1342,7 @@
     </p:spTree>
     <p:extLst>
       <p:ext uri="{BB962C8B-B14F-4D97-AF65-F5344CB8AC3E}">
-        <p14:creationId xmlns:p14="http://schemas.microsoft.com/office/powerpoint/2010/main" val="2415002513"/>
+        <p14:creationId xmlns:p14="http://schemas.microsoft.com/office/powerpoint/2010/main" val="1102905726"/>
       </p:ext>
     </p:extLst>
   </p:cSld>
@@ -1450,11 +1449,6 @@
         </p:txBody>
       </p:sp>
     </p:spTree>
-    <p:extLst>
-      <p:ext uri="{BB962C8B-B14F-4D97-AF65-F5344CB8AC3E}">
-        <p14:creationId xmlns:p14="http://schemas.microsoft.com/office/powerpoint/2010/main" val="3171079399"/>
-      </p:ext>
-    </p:extLst>
   </p:cSld>
   <p:clrMapOvr>
     <a:masterClrMapping/>
@@ -1463,110 +1457,6 @@
 </file>
 
 <file path=ppt/notesSlides/notesSlide8.xml><?xml version="1.0" encoding="utf-8"?>
-<p:notes xmlns:a="http://schemas.openxmlformats.org/drawingml/2006/main" xmlns:r="http://schemas.openxmlformats.org/officeDocument/2006/relationships" xmlns:p="http://schemas.openxmlformats.org/presentationml/2006/main" showMasterSp="0" showMasterPhAnim="0">
-  <p:cSld>
-    <p:spTree>
-      <p:nvGrpSpPr>
-        <p:cNvPr id="1" name="Shape 68"/>
-        <p:cNvGrpSpPr/>
-        <p:nvPr/>
-      </p:nvGrpSpPr>
-      <p:grpSpPr>
-        <a:xfrm>
-          <a:off x="0" y="0"/>
-          <a:ext cx="0" cy="0"/>
-          <a:chOff x="0" y="0"/>
-          <a:chExt cx="0" cy="0"/>
-        </a:xfrm>
-      </p:grpSpPr>
-      <p:sp>
-        <p:nvSpPr>
-          <p:cNvPr id="69" name="Google Shape;69;gedd9ff9bd3_0_10:notes"/>
-          <p:cNvSpPr>
-            <a:spLocks noGrp="1" noRot="1" noChangeAspect="1"/>
-          </p:cNvSpPr>
-          <p:nvPr>
-            <p:ph type="sldImg" idx="2"/>
-          </p:nvPr>
-        </p:nvSpPr>
-        <p:spPr>
-          <a:xfrm>
-            <a:off x="381000" y="685800"/>
-            <a:ext cx="6096000" cy="3429000"/>
-          </a:xfrm>
-          <a:custGeom>
-            <a:avLst/>
-            <a:gdLst/>
-            <a:ahLst/>
-            <a:cxnLst/>
-            <a:rect l="l" t="t" r="r" b="b"/>
-            <a:pathLst>
-              <a:path w="120000" h="120000" extrusionOk="0">
-                <a:moveTo>
-                  <a:pt x="0" y="0"/>
-                </a:moveTo>
-                <a:lnTo>
-                  <a:pt x="120000" y="0"/>
-                </a:lnTo>
-                <a:lnTo>
-                  <a:pt x="120000" y="120000"/>
-                </a:lnTo>
-                <a:lnTo>
-                  <a:pt x="0" y="120000"/>
-                </a:lnTo>
-                <a:close/>
-              </a:path>
-            </a:pathLst>
-          </a:custGeom>
-        </p:spPr>
-      </p:sp>
-      <p:sp>
-        <p:nvSpPr>
-          <p:cNvPr id="70" name="Google Shape;70;gedd9ff9bd3_0_10:notes"/>
-          <p:cNvSpPr txBox="1">
-            <a:spLocks noGrp="1"/>
-          </p:cNvSpPr>
-          <p:nvPr>
-            <p:ph type="body" idx="1"/>
-          </p:nvPr>
-        </p:nvSpPr>
-        <p:spPr>
-          <a:xfrm>
-            <a:off x="685800" y="4343400"/>
-            <a:ext cx="5486400" cy="4114800"/>
-          </a:xfrm>
-          <a:prstGeom prst="rect">
-            <a:avLst/>
-          </a:prstGeom>
-        </p:spPr>
-        <p:txBody>
-          <a:bodyPr spcFirstLastPara="1" wrap="square" lIns="91425" tIns="91425" rIns="91425" bIns="91425" anchor="t" anchorCtr="0">
-            <a:noAutofit/>
-          </a:bodyPr>
-          <a:lstStyle/>
-          <a:p>
-            <a:pPr marL="0" lvl="0" indent="0" algn="l" rtl="0">
-              <a:spcBef>
-                <a:spcPts val="0"/>
-              </a:spcBef>
-              <a:spcAft>
-                <a:spcPts val="0"/>
-              </a:spcAft>
-              <a:buNone/>
-            </a:pPr>
-            <a:endParaRPr/>
-          </a:p>
-        </p:txBody>
-      </p:sp>
-    </p:spTree>
-  </p:cSld>
-  <p:clrMapOvr>
-    <a:masterClrMapping/>
-  </p:clrMapOvr>
-</p:notes>
-</file>
-
-<file path=ppt/notesSlides/notesSlide9.xml><?xml version="1.0" encoding="utf-8"?>
 <p:notes xmlns:a="http://schemas.openxmlformats.org/drawingml/2006/main" xmlns:r="http://schemas.openxmlformats.org/officeDocument/2006/relationships" xmlns:p="http://schemas.openxmlformats.org/presentationml/2006/main" showMasterSp="0" showMasterPhAnim="0">
   <p:cSld>
     <p:spTree>
@@ -7789,282 +7679,8 @@
         </p:blipFill>
         <p:spPr bwMode="auto">
           <a:xfrm>
-            <a:off x="3520019" y="938348"/>
-            <a:ext cx="5501139" cy="3835358"/>
-          </a:xfrm>
-          <a:prstGeom prst="rect">
-            <a:avLst/>
-          </a:prstGeom>
-          <a:noFill/>
-          <a:extLst>
-            <a:ext uri="{909E8E84-426E-40DD-AFC4-6F175D3DCCD1}">
-              <a14:hiddenFill xmlns:a14="http://schemas.microsoft.com/office/drawing/2010/main">
-                <a:solidFill>
-                  <a:srgbClr val="FFFFFF"/>
-                </a:solidFill>
-              </a14:hiddenFill>
-            </a:ext>
-          </a:extLst>
-        </p:spPr>
-      </p:pic>
-      <p:sp>
-        <p:nvSpPr>
-          <p:cNvPr id="72" name="Google Shape;72;p16"/>
-          <p:cNvSpPr txBox="1">
-            <a:spLocks noGrp="1"/>
-          </p:cNvSpPr>
-          <p:nvPr>
-            <p:ph type="title"/>
-          </p:nvPr>
-        </p:nvSpPr>
-        <p:spPr>
-          <a:xfrm>
-            <a:off x="0" y="1925"/>
-            <a:ext cx="8520600" cy="572700"/>
-          </a:xfrm>
-          <a:prstGeom prst="rect">
-            <a:avLst/>
-          </a:prstGeom>
-        </p:spPr>
-        <p:txBody>
-          <a:bodyPr spcFirstLastPara="1" wrap="square" lIns="91425" tIns="91425" rIns="91425" bIns="91425" anchor="t" anchorCtr="0">
-            <a:noAutofit/>
-          </a:bodyPr>
-          <a:lstStyle/>
-          <a:p>
-            <a:pPr marL="0" lvl="0" indent="0" algn="l" rtl="0">
-              <a:spcBef>
-                <a:spcPts val="0"/>
-              </a:spcBef>
-              <a:spcAft>
-                <a:spcPts val="0"/>
-              </a:spcAft>
-              <a:buNone/>
-            </a:pPr>
-            <a:r>
-              <a:rPr lang="en-GB" b="1" dirty="0">
-                <a:solidFill>
-                  <a:schemeClr val="tx1"/>
-                </a:solidFill>
-                <a:effectLst>
-                  <a:outerShdw blurRad="38100" dist="38100" dir="2700000" algn="tl">
-                    <a:srgbClr val="000000">
-                      <a:alpha val="43137"/>
-                    </a:srgbClr>
-                  </a:outerShdw>
-                </a:effectLst>
-              </a:rPr>
-              <a:t>Design case for Authenticator</a:t>
-            </a:r>
-            <a:endParaRPr b="1" dirty="0">
-              <a:solidFill>
-                <a:schemeClr val="tx1"/>
-              </a:solidFill>
-              <a:effectLst>
-                <a:outerShdw blurRad="38100" dist="38100" dir="2700000" algn="tl">
-                  <a:srgbClr val="000000">
-                    <a:alpha val="43137"/>
-                  </a:srgbClr>
-                </a:outerShdw>
-              </a:effectLst>
-            </a:endParaRPr>
-          </a:p>
-        </p:txBody>
-      </p:sp>
-      <p:sp>
-        <p:nvSpPr>
-          <p:cNvPr id="73" name="Google Shape;73;p16"/>
-          <p:cNvSpPr txBox="1">
-            <a:spLocks noGrp="1"/>
-          </p:cNvSpPr>
-          <p:nvPr>
-            <p:ph type="body" idx="1"/>
-          </p:nvPr>
-        </p:nvSpPr>
-        <p:spPr>
-          <a:xfrm>
-            <a:off x="269700" y="668381"/>
-            <a:ext cx="3990600" cy="3076625"/>
-          </a:xfrm>
-          <a:prstGeom prst="rect">
-            <a:avLst/>
-          </a:prstGeom>
-        </p:spPr>
-        <p:txBody>
-          <a:bodyPr spcFirstLastPara="1" wrap="square" lIns="91425" tIns="91425" rIns="91425" bIns="91425" anchor="t" anchorCtr="0">
-            <a:noAutofit/>
-          </a:bodyPr>
-          <a:lstStyle/>
-          <a:p>
-            <a:pPr marL="0" lvl="0" indent="0" algn="l" rtl="0">
-              <a:spcBef>
-                <a:spcPts val="0"/>
-              </a:spcBef>
-              <a:spcAft>
-                <a:spcPts val="0"/>
-              </a:spcAft>
-              <a:buNone/>
-            </a:pPr>
-            <a:r>
-              <a:rPr lang="en-GB" dirty="0">
-                <a:solidFill>
-                  <a:schemeClr val="bg1">
-                    <a:lumMod val="50000"/>
-                  </a:schemeClr>
-                </a:solidFill>
-              </a:rPr>
-              <a:t>Problem: c</a:t>
-            </a:r>
-            <a:r>
-              <a:rPr lang="en-US" dirty="0">
-                <a:solidFill>
-                  <a:schemeClr val="bg1">
-                    <a:lumMod val="50000"/>
-                  </a:schemeClr>
-                </a:solidFill>
-              </a:rPr>
-              <a:t>aching, validating and authentication are all in one, strong dependency on cache storage and token type</a:t>
-            </a:r>
-          </a:p>
-          <a:p>
-            <a:pPr marL="0" lvl="0" indent="0" algn="l" rtl="0">
-              <a:spcBef>
-                <a:spcPts val="0"/>
-              </a:spcBef>
-              <a:spcAft>
-                <a:spcPts val="0"/>
-              </a:spcAft>
-              <a:buNone/>
-            </a:pPr>
-            <a:endParaRPr dirty="0">
-              <a:solidFill>
-                <a:schemeClr val="bg1">
-                  <a:lumMod val="50000"/>
-                </a:schemeClr>
-              </a:solidFill>
-            </a:endParaRPr>
-          </a:p>
-          <a:p>
-            <a:pPr marL="0" lvl="0" indent="0" algn="l" rtl="0">
-              <a:spcBef>
-                <a:spcPts val="1200"/>
-              </a:spcBef>
-              <a:spcAft>
-                <a:spcPts val="0"/>
-              </a:spcAft>
-              <a:buNone/>
-            </a:pPr>
-            <a:r>
-              <a:rPr lang="en-GB" dirty="0">
-                <a:solidFill>
-                  <a:schemeClr val="bg1">
-                    <a:lumMod val="50000"/>
-                  </a:schemeClr>
-                </a:solidFill>
-              </a:rPr>
-              <a:t>Solution: use Dependency inversion principle, interface for different tokens and Adapter pattern</a:t>
-            </a:r>
-            <a:endParaRPr dirty="0">
-              <a:solidFill>
-                <a:schemeClr val="bg1">
-                  <a:lumMod val="50000"/>
-                </a:schemeClr>
-              </a:solidFill>
-            </a:endParaRPr>
-          </a:p>
-        </p:txBody>
-      </p:sp>
-      <p:sp>
-        <p:nvSpPr>
-          <p:cNvPr id="2" name="Номер слайда 1">
-            <a:extLst>
-              <a:ext uri="{FF2B5EF4-FFF2-40B4-BE49-F238E27FC236}">
-                <a16:creationId xmlns:a16="http://schemas.microsoft.com/office/drawing/2014/main" id="{B15AE871-A583-4970-8328-B6A460023824}"/>
-              </a:ext>
-            </a:extLst>
-          </p:cNvPr>
-          <p:cNvSpPr>
-            <a:spLocks noGrp="1"/>
-          </p:cNvSpPr>
-          <p:nvPr>
-            <p:ph type="sldNum" idx="12"/>
-          </p:nvPr>
-        </p:nvSpPr>
-        <p:spPr/>
-        <p:txBody>
-          <a:bodyPr/>
-          <a:lstStyle/>
-          <a:p>
-            <a:pPr marL="0" lvl="0" indent="0" algn="r" rtl="0">
-              <a:spcBef>
-                <a:spcPts val="0"/>
-              </a:spcBef>
-              <a:spcAft>
-                <a:spcPts val="0"/>
-              </a:spcAft>
-              <a:buNone/>
-            </a:pPr>
-            <a:fld id="{00000000-1234-1234-1234-123412341234}" type="slidenum">
-              <a:rPr lang="en-GB" smtClean="0"/>
-              <a:t>6</a:t>
-            </a:fld>
-            <a:endParaRPr lang="en-GB"/>
-          </a:p>
-        </p:txBody>
-      </p:sp>
-    </p:spTree>
-    <p:extLst>
-      <p:ext uri="{BB962C8B-B14F-4D97-AF65-F5344CB8AC3E}">
-        <p14:creationId xmlns:p14="http://schemas.microsoft.com/office/powerpoint/2010/main" val="92850492"/>
-      </p:ext>
-    </p:extLst>
-  </p:cSld>
-  <p:clrMapOvr>
-    <a:masterClrMapping/>
-  </p:clrMapOvr>
-</p:sld>
-</file>
-
-<file path=ppt/slides/slide7.xml><?xml version="1.0" encoding="utf-8"?>
-<p:sld xmlns:a="http://schemas.openxmlformats.org/drawingml/2006/main" xmlns:r="http://schemas.openxmlformats.org/officeDocument/2006/relationships" xmlns:p="http://schemas.openxmlformats.org/presentationml/2006/main">
-  <p:cSld>
-    <p:spTree>
-      <p:nvGrpSpPr>
-        <p:cNvPr id="1" name="Shape 71"/>
-        <p:cNvGrpSpPr/>
-        <p:nvPr/>
-      </p:nvGrpSpPr>
-      <p:grpSpPr>
-        <a:xfrm>
-          <a:off x="0" y="0"/>
-          <a:ext cx="0" cy="0"/>
-          <a:chOff x="0" y="0"/>
-          <a:chExt cx="0" cy="0"/>
-        </a:xfrm>
-      </p:grpSpPr>
-      <p:pic>
-        <p:nvPicPr>
-          <p:cNvPr id="1026" name="Picture 2">
-            <a:extLst>
-              <a:ext uri="{FF2B5EF4-FFF2-40B4-BE49-F238E27FC236}">
-                <a16:creationId xmlns:a16="http://schemas.microsoft.com/office/drawing/2014/main" id="{8AC7236C-4398-4F60-AC57-9F1358A36B11}"/>
-              </a:ext>
-            </a:extLst>
-          </p:cNvPr>
-          <p:cNvPicPr>
-            <a:picLocks noChangeAspect="1" noChangeArrowheads="1"/>
-          </p:cNvPicPr>
-          <p:nvPr/>
-        </p:nvPicPr>
-        <p:blipFill>
-          <a:blip r:embed="rId3"/>
-          <a:srcRect/>
-          <a:stretch/>
-        </p:blipFill>
-        <p:spPr bwMode="auto">
-          <a:xfrm>
-            <a:off x="1824933" y="2741980"/>
-            <a:ext cx="7319067" cy="2173016"/>
+            <a:off x="3045759" y="1138245"/>
+            <a:ext cx="5701050" cy="3721772"/>
           </a:xfrm>
           <a:prstGeom prst="rect">
             <a:avLst/>
@@ -8158,7 +7774,7 @@
         <p:spPr>
           <a:xfrm>
             <a:off x="269699" y="668381"/>
-            <a:ext cx="4476961" cy="3076625"/>
+            <a:ext cx="4476961" cy="4191636"/>
           </a:xfrm>
           <a:prstGeom prst="rect">
             <a:avLst/>
@@ -8187,7 +7803,7 @@
                   </a:schemeClr>
                 </a:solidFill>
               </a:rPr>
-              <a:t>Problem: all auth-processes are implemented in </a:t>
+              <a:t>Problem: all auth processes are implemented in </a:t>
             </a:r>
             <a:r>
               <a:rPr lang="en-GB" dirty="0" err="1">
@@ -8199,6 +7815,106 @@
               </a:rPr>
               <a:t>AuthenticationProvider</a:t>
             </a:r>
+            <a:r>
+              <a:rPr lang="en-GB" dirty="0">
+                <a:solidFill>
+                  <a:schemeClr val="bg1">
+                    <a:lumMod val="50000"/>
+                  </a:schemeClr>
+                </a:solidFill>
+              </a:rPr>
+              <a:t>, new auth methods require changes in a base class</a:t>
+            </a:r>
+            <a:endParaRPr lang="en-US" dirty="0">
+              <a:solidFill>
+                <a:schemeClr val="bg1">
+                  <a:lumMod val="50000"/>
+                </a:schemeClr>
+              </a:solidFill>
+            </a:endParaRPr>
+          </a:p>
+          <a:p>
+            <a:pPr marL="0" lvl="0" indent="0" algn="l" rtl="0">
+              <a:spcBef>
+                <a:spcPts val="0"/>
+              </a:spcBef>
+              <a:spcAft>
+                <a:spcPts val="0"/>
+              </a:spcAft>
+              <a:buNone/>
+            </a:pPr>
+            <a:endParaRPr lang="en-US" dirty="0">
+              <a:solidFill>
+                <a:schemeClr val="bg1">
+                  <a:lumMod val="50000"/>
+                </a:schemeClr>
+              </a:solidFill>
+            </a:endParaRPr>
+          </a:p>
+          <a:p>
+            <a:pPr marL="0" lvl="0" indent="0" algn="l" rtl="0">
+              <a:spcBef>
+                <a:spcPts val="0"/>
+              </a:spcBef>
+              <a:spcAft>
+                <a:spcPts val="0"/>
+              </a:spcAft>
+              <a:buNone/>
+            </a:pPr>
+            <a:endParaRPr lang="en-US" dirty="0">
+              <a:solidFill>
+                <a:schemeClr val="bg1">
+                  <a:lumMod val="50000"/>
+                </a:schemeClr>
+              </a:solidFill>
+            </a:endParaRPr>
+          </a:p>
+          <a:p>
+            <a:pPr marL="0" lvl="0" indent="0" algn="l" rtl="0">
+              <a:spcBef>
+                <a:spcPts val="0"/>
+              </a:spcBef>
+              <a:spcAft>
+                <a:spcPts val="0"/>
+              </a:spcAft>
+              <a:buNone/>
+            </a:pPr>
+            <a:endParaRPr lang="en-US" dirty="0">
+              <a:solidFill>
+                <a:schemeClr val="bg1">
+                  <a:lumMod val="50000"/>
+                </a:schemeClr>
+              </a:solidFill>
+            </a:endParaRPr>
+          </a:p>
+          <a:p>
+            <a:pPr marL="0" lvl="0" indent="0" algn="l" rtl="0">
+              <a:spcBef>
+                <a:spcPts val="0"/>
+              </a:spcBef>
+              <a:spcAft>
+                <a:spcPts val="0"/>
+              </a:spcAft>
+              <a:buNone/>
+            </a:pPr>
+            <a:endParaRPr lang="en-US" dirty="0">
+              <a:solidFill>
+                <a:schemeClr val="bg1">
+                  <a:lumMod val="50000"/>
+                </a:schemeClr>
+              </a:solidFill>
+            </a:endParaRPr>
+          </a:p>
+          <a:p>
+            <a:pPr marL="0" lvl="0" indent="0" algn="l" rtl="0">
+              <a:spcBef>
+                <a:spcPts val="0"/>
+              </a:spcBef>
+              <a:spcAft>
+                <a:spcPts val="0"/>
+              </a:spcAft>
+              <a:buNone/>
+            </a:pPr>
             <a:endParaRPr lang="en-US" dirty="0">
               <a:solidFill>
                 <a:schemeClr val="bg1">
@@ -8287,7 +8003,7 @@
             </a:pPr>
             <a:fld id="{00000000-1234-1234-1234-123412341234}" type="slidenum">
               <a:rPr lang="en-GB" smtClean="0"/>
-              <a:t>7</a:t>
+              <a:t>6</a:t>
             </a:fld>
             <a:endParaRPr lang="en-GB"/>
           </a:p>
@@ -8296,7 +8012,7 @@
     </p:spTree>
     <p:extLst>
       <p:ext uri="{BB962C8B-B14F-4D97-AF65-F5344CB8AC3E}">
-        <p14:creationId xmlns:p14="http://schemas.microsoft.com/office/powerpoint/2010/main" val="2024864728"/>
+        <p14:creationId xmlns:p14="http://schemas.microsoft.com/office/powerpoint/2010/main" val="611790667"/>
       </p:ext>
     </p:extLst>
   </p:cSld>
@@ -8306,7 +8022,7 @@
 </p:sld>
 </file>
 
-<file path=ppt/slides/slide8.xml><?xml version="1.0" encoding="utf-8"?>
+<file path=ppt/slides/slide7.xml><?xml version="1.0" encoding="utf-8"?>
 <p:sld xmlns:a="http://schemas.openxmlformats.org/drawingml/2006/main" xmlns:r="http://schemas.openxmlformats.org/officeDocument/2006/relationships" xmlns:p="http://schemas.openxmlformats.org/presentationml/2006/main">
   <p:cSld>
     <p:spTree>
@@ -8578,7 +8294,7 @@
             </a:pPr>
             <a:fld id="{00000000-1234-1234-1234-123412341234}" type="slidenum">
               <a:rPr lang="en-GB" smtClean="0"/>
-              <a:t>8</a:t>
+              <a:t>7</a:t>
             </a:fld>
             <a:endParaRPr lang="en-GB"/>
           </a:p>
@@ -8592,7 +8308,7 @@
 </p:sld>
 </file>
 
-<file path=ppt/slides/slide9.xml><?xml version="1.0" encoding="utf-8"?>
+<file path=ppt/slides/slide8.xml><?xml version="1.0" encoding="utf-8"?>
 <p:sld xmlns:a="http://schemas.openxmlformats.org/drawingml/2006/main" xmlns:r="http://schemas.openxmlformats.org/officeDocument/2006/relationships" xmlns:p="http://schemas.openxmlformats.org/presentationml/2006/main">
   <p:cSld>
     <p:spTree>
@@ -8705,7 +8421,7 @@
             </a:pPr>
             <a:fld id="{00000000-1234-1234-1234-123412341234}" type="slidenum">
               <a:rPr lang="en-GB" smtClean="0"/>
-              <a:t>9</a:t>
+              <a:t>8</a:t>
             </a:fld>
             <a:endParaRPr lang="en-GB"/>
           </a:p>

--- a/PracticeTasks/Module2/Task_12/Task_12.pptx
+++ b/PracticeTasks/Module2/Task_12/Task_12.pptx
@@ -6937,7 +6937,7 @@
         <p:spPr>
           <a:xfrm>
             <a:off x="237741" y="826475"/>
-            <a:ext cx="5587253" cy="307777"/>
+            <a:ext cx="3083683" cy="738664"/>
           </a:xfrm>
           <a:prstGeom prst="rect">
             <a:avLst/>
@@ -6952,7 +6952,19 @@
           <a:p>
             <a:r>
               <a:rPr lang="en-US" dirty="0"/>
-              <a:t>BASE, Microservices, RESTful API</a:t>
+              <a:t>BASE</a:t>
+            </a:r>
+          </a:p>
+          <a:p>
+            <a:r>
+              <a:rPr lang="en-US" dirty="0"/>
+              <a:t>Microservices</a:t>
+            </a:r>
+          </a:p>
+          <a:p>
+            <a:r>
+              <a:rPr lang="en-US" dirty="0"/>
+              <a:t>RESTful API</a:t>
             </a:r>
             <a:endParaRPr lang="ru-RU" dirty="0"/>
           </a:p>
@@ -6979,8 +6991,8 @@
         </p:blipFill>
         <p:spPr>
           <a:xfrm>
-            <a:off x="2813813" y="968188"/>
-            <a:ext cx="3922582" cy="3697941"/>
+            <a:off x="2679342" y="838723"/>
+            <a:ext cx="4171934" cy="3933013"/>
           </a:xfrm>
           <a:prstGeom prst="rect">
             <a:avLst/>
@@ -7180,8 +7192,8 @@
         </p:nvSpPr>
         <p:spPr>
           <a:xfrm>
-            <a:off x="163782" y="648210"/>
-            <a:ext cx="3990600" cy="2552189"/>
+            <a:off x="163782" y="648211"/>
+            <a:ext cx="3990600" cy="2014308"/>
           </a:xfrm>
           <a:prstGeom prst="rect">
             <a:avLst/>
@@ -7371,7 +7383,7 @@
         <p:spPr bwMode="auto">
           <a:xfrm>
             <a:off x="4418" y="2467535"/>
-            <a:ext cx="9081940" cy="2027756"/>
+            <a:ext cx="9081940" cy="2027755"/>
           </a:xfrm>
           <a:prstGeom prst="rect">
             <a:avLst/>
@@ -7679,8 +7691,8 @@
         </p:blipFill>
         <p:spPr bwMode="auto">
           <a:xfrm>
-            <a:off x="3045759" y="1138245"/>
-            <a:ext cx="5701050" cy="3721772"/>
+            <a:off x="4077971" y="221028"/>
+            <a:ext cx="4943187" cy="4795787"/>
           </a:xfrm>
           <a:prstGeom prst="rect">
             <a:avLst/>
@@ -7774,7 +7786,7 @@
         <p:spPr>
           <a:xfrm>
             <a:off x="269699" y="668381"/>
-            <a:ext cx="4476961" cy="4191636"/>
+            <a:ext cx="3928261" cy="4191636"/>
           </a:xfrm>
           <a:prstGeom prst="rect">
             <a:avLst/>
@@ -7803,7 +7815,7 @@
                   </a:schemeClr>
                 </a:solidFill>
               </a:rPr>
-              <a:t>Problem: all auth processes are implemented in </a:t>
+              <a:t>Problems: all auth processes are implemented in </a:t>
             </a:r>
             <a:r>
               <a:rPr lang="en-GB" dirty="0" err="1">
@@ -7897,42 +7909,6 @@
               </a:spcAft>
               <a:buNone/>
             </a:pPr>
-            <a:endParaRPr lang="en-US" dirty="0">
-              <a:solidFill>
-                <a:schemeClr val="bg1">
-                  <a:lumMod val="50000"/>
-                </a:schemeClr>
-              </a:solidFill>
-            </a:endParaRPr>
-          </a:p>
-          <a:p>
-            <a:pPr marL="0" lvl="0" indent="0" algn="l" rtl="0">
-              <a:spcBef>
-                <a:spcPts val="0"/>
-              </a:spcBef>
-              <a:spcAft>
-                <a:spcPts val="0"/>
-              </a:spcAft>
-              <a:buNone/>
-            </a:pPr>
-            <a:endParaRPr lang="en-US" dirty="0">
-              <a:solidFill>
-                <a:schemeClr val="bg1">
-                  <a:lumMod val="50000"/>
-                </a:schemeClr>
-              </a:solidFill>
-            </a:endParaRPr>
-          </a:p>
-          <a:p>
-            <a:pPr marL="0" lvl="0" indent="0" algn="l" rtl="0">
-              <a:spcBef>
-                <a:spcPts val="0"/>
-              </a:spcBef>
-              <a:spcAft>
-                <a:spcPts val="0"/>
-              </a:spcAft>
-              <a:buNone/>
-            </a:pPr>
             <a:endParaRPr dirty="0">
               <a:solidFill>
                 <a:schemeClr val="bg1">
@@ -7959,7 +7935,27 @@
                   </a:schemeClr>
                 </a:solidFill>
               </a:rPr>
-              <a:t>Solution: use Strategy pattern for separating different auth-protocols</a:t>
+              <a:t>Solution: use SRP and DI principles, Strategy</a:t>
+            </a:r>
+            <a:r>
+              <a:rPr lang="en-US" dirty="0">
+                <a:solidFill>
+                  <a:schemeClr val="bg1">
+                    <a:lumMod val="50000"/>
+                  </a:schemeClr>
+                </a:solidFill>
+              </a:rPr>
+              <a:t>, Singleton</a:t>
+            </a:r>
+            <a:r>
+              <a:rPr lang="en-GB" dirty="0">
+                <a:solidFill>
+                  <a:schemeClr val="bg1">
+                    <a:lumMod val="50000"/>
+                  </a:schemeClr>
+                </a:solidFill>
+              </a:rPr>
+              <a:t> patterns for separating different auth-protocols</a:t>
             </a:r>
             <a:endParaRPr dirty="0">
               <a:solidFill>
@@ -8481,7 +8477,7 @@
           </a:bodyPr>
           <a:lstStyle/>
           <a:p>
-            <a:pPr marL="0" lvl="0" indent="0" algn="l" rtl="0">
+            <a:pPr marL="0" lvl="0" indent="0" rtl="0">
               <a:spcBef>
                 <a:spcPts val="0"/>
               </a:spcBef>

--- a/PracticeTasks/Module2/Task_12/Task_12.pptx
+++ b/PracticeTasks/Module2/Task_12/Task_12.pptx
@@ -7691,8 +7691,8 @@
         </p:blipFill>
         <p:spPr bwMode="auto">
           <a:xfrm>
-            <a:off x="4077971" y="221028"/>
-            <a:ext cx="4943187" cy="4795787"/>
+            <a:off x="3884301" y="887506"/>
+            <a:ext cx="5063959" cy="4066267"/>
           </a:xfrm>
           <a:prstGeom prst="rect">
             <a:avLst/>
